--- a/assets/files/Presentation1.pptx
+++ b/assets/files/Presentation1.pptx
@@ -14,6 +14,7 @@
     <p:sldId id="263" r:id="rId8"/>
     <p:sldId id="259" r:id="rId9"/>
     <p:sldId id="264" r:id="rId10"/>
+    <p:sldId id="265" r:id="rId11"/>
   </p:sldIdLst>
   <p:sldSz cx="12192000" cy="6858000"/>
   <p:notesSz cx="6858000" cy="9144000"/>
@@ -1115,10 +1116,9 @@
         <a:lstStyle/>
         <a:p>
           <a:r>
-            <a:rPr lang="en-IN"/>
+            <a:rPr lang="en-IN" dirty="0"/>
             <a:t>Autonomous AI Agents</a:t>
           </a:r>
-          <a:endParaRPr lang="en-IN" dirty="0"/>
         </a:p>
       </dgm:t>
     </dgm:pt>
@@ -1733,10 +1733,9 @@
             <a:buNone/>
           </a:pPr>
           <a:r>
-            <a:rPr lang="en-IN" sz="2000" kern="1200"/>
+            <a:rPr lang="en-IN" sz="2000" kern="1200" dirty="0"/>
             <a:t>Autonomous AI Agents</a:t>
           </a:r>
-          <a:endParaRPr lang="en-IN" sz="2000" kern="1200" dirty="0"/>
         </a:p>
       </dsp:txBody>
       <dsp:txXfrm>
@@ -3254,9 +3253,9 @@
           <a:p>
             <a:fld id="{2598EF57-6C51-49AC-9799-C981D6D04785}" type="datetimeFigureOut">
               <a:rPr lang="en-IN" smtClean="0"/>
-              <a:t>13-03-2025</a:t>
+              <a:t>30-05-2025</a:t>
             </a:fld>
-            <a:endParaRPr lang="en-IN"/>
+            <a:endParaRPr lang="en-IN" dirty="0"/>
           </a:p>
         </p:txBody>
       </p:sp>
@@ -3281,7 +3280,7 @@
           <a:bodyPr/>
           <a:lstStyle/>
           <a:p>
-            <a:endParaRPr lang="en-IN"/>
+            <a:endParaRPr lang="en-IN" dirty="0"/>
           </a:p>
         </p:txBody>
       </p:sp>
@@ -3310,7 +3309,7 @@
               <a:rPr lang="en-IN" smtClean="0"/>
               <a:t>‹#›</a:t>
             </a:fld>
-            <a:endParaRPr lang="en-IN"/>
+            <a:endParaRPr lang="en-IN" dirty="0"/>
           </a:p>
         </p:txBody>
       </p:sp>
@@ -3454,9 +3453,9 @@
           <a:p>
             <a:fld id="{2598EF57-6C51-49AC-9799-C981D6D04785}" type="datetimeFigureOut">
               <a:rPr lang="en-IN" smtClean="0"/>
-              <a:t>13-03-2025</a:t>
+              <a:t>30-05-2025</a:t>
             </a:fld>
-            <a:endParaRPr lang="en-IN"/>
+            <a:endParaRPr lang="en-IN" dirty="0"/>
           </a:p>
         </p:txBody>
       </p:sp>
@@ -3481,7 +3480,7 @@
           <a:bodyPr/>
           <a:lstStyle/>
           <a:p>
-            <a:endParaRPr lang="en-IN"/>
+            <a:endParaRPr lang="en-IN" dirty="0"/>
           </a:p>
         </p:txBody>
       </p:sp>
@@ -3510,7 +3509,7 @@
               <a:rPr lang="en-IN" smtClean="0"/>
               <a:t>‹#›</a:t>
             </a:fld>
-            <a:endParaRPr lang="en-IN"/>
+            <a:endParaRPr lang="en-IN" dirty="0"/>
           </a:p>
         </p:txBody>
       </p:sp>
@@ -3664,9 +3663,9 @@
           <a:p>
             <a:fld id="{2598EF57-6C51-49AC-9799-C981D6D04785}" type="datetimeFigureOut">
               <a:rPr lang="en-IN" smtClean="0"/>
-              <a:t>13-03-2025</a:t>
+              <a:t>30-05-2025</a:t>
             </a:fld>
-            <a:endParaRPr lang="en-IN"/>
+            <a:endParaRPr lang="en-IN" dirty="0"/>
           </a:p>
         </p:txBody>
       </p:sp>
@@ -3691,7 +3690,7 @@
           <a:bodyPr/>
           <a:lstStyle/>
           <a:p>
-            <a:endParaRPr lang="en-IN"/>
+            <a:endParaRPr lang="en-IN" dirty="0"/>
           </a:p>
         </p:txBody>
       </p:sp>
@@ -3720,7 +3719,7 @@
               <a:rPr lang="en-IN" smtClean="0"/>
               <a:t>‹#›</a:t>
             </a:fld>
-            <a:endParaRPr lang="en-IN"/>
+            <a:endParaRPr lang="en-IN" dirty="0"/>
           </a:p>
         </p:txBody>
       </p:sp>
@@ -3864,9 +3863,9 @@
           <a:p>
             <a:fld id="{2598EF57-6C51-49AC-9799-C981D6D04785}" type="datetimeFigureOut">
               <a:rPr lang="en-IN" smtClean="0"/>
-              <a:t>13-03-2025</a:t>
+              <a:t>30-05-2025</a:t>
             </a:fld>
-            <a:endParaRPr lang="en-IN"/>
+            <a:endParaRPr lang="en-IN" dirty="0"/>
           </a:p>
         </p:txBody>
       </p:sp>
@@ -3891,7 +3890,7 @@
           <a:bodyPr/>
           <a:lstStyle/>
           <a:p>
-            <a:endParaRPr lang="en-IN"/>
+            <a:endParaRPr lang="en-IN" dirty="0"/>
           </a:p>
         </p:txBody>
       </p:sp>
@@ -3920,7 +3919,7 @@
               <a:rPr lang="en-IN" smtClean="0"/>
               <a:t>‹#›</a:t>
             </a:fld>
-            <a:endParaRPr lang="en-IN"/>
+            <a:endParaRPr lang="en-IN" dirty="0"/>
           </a:p>
         </p:txBody>
       </p:sp>
@@ -4140,9 +4139,9 @@
           <a:p>
             <a:fld id="{2598EF57-6C51-49AC-9799-C981D6D04785}" type="datetimeFigureOut">
               <a:rPr lang="en-IN" smtClean="0"/>
-              <a:t>13-03-2025</a:t>
+              <a:t>30-05-2025</a:t>
             </a:fld>
-            <a:endParaRPr lang="en-IN"/>
+            <a:endParaRPr lang="en-IN" dirty="0"/>
           </a:p>
         </p:txBody>
       </p:sp>
@@ -4167,7 +4166,7 @@
           <a:bodyPr/>
           <a:lstStyle/>
           <a:p>
-            <a:endParaRPr lang="en-IN"/>
+            <a:endParaRPr lang="en-IN" dirty="0"/>
           </a:p>
         </p:txBody>
       </p:sp>
@@ -4196,7 +4195,7 @@
               <a:rPr lang="en-IN" smtClean="0"/>
               <a:t>‹#›</a:t>
             </a:fld>
-            <a:endParaRPr lang="en-IN"/>
+            <a:endParaRPr lang="en-IN" dirty="0"/>
           </a:p>
         </p:txBody>
       </p:sp>
@@ -4408,9 +4407,9 @@
           <a:p>
             <a:fld id="{2598EF57-6C51-49AC-9799-C981D6D04785}" type="datetimeFigureOut">
               <a:rPr lang="en-IN" smtClean="0"/>
-              <a:t>13-03-2025</a:t>
+              <a:t>30-05-2025</a:t>
             </a:fld>
-            <a:endParaRPr lang="en-IN"/>
+            <a:endParaRPr lang="en-IN" dirty="0"/>
           </a:p>
         </p:txBody>
       </p:sp>
@@ -4435,7 +4434,7 @@
           <a:bodyPr/>
           <a:lstStyle/>
           <a:p>
-            <a:endParaRPr lang="en-IN"/>
+            <a:endParaRPr lang="en-IN" dirty="0"/>
           </a:p>
         </p:txBody>
       </p:sp>
@@ -4464,7 +4463,7 @@
               <a:rPr lang="en-IN" smtClean="0"/>
               <a:t>‹#›</a:t>
             </a:fld>
-            <a:endParaRPr lang="en-IN"/>
+            <a:endParaRPr lang="en-IN" dirty="0"/>
           </a:p>
         </p:txBody>
       </p:sp>
@@ -4823,9 +4822,9 @@
           <a:p>
             <a:fld id="{2598EF57-6C51-49AC-9799-C981D6D04785}" type="datetimeFigureOut">
               <a:rPr lang="en-IN" smtClean="0"/>
-              <a:t>13-03-2025</a:t>
+              <a:t>30-05-2025</a:t>
             </a:fld>
-            <a:endParaRPr lang="en-IN"/>
+            <a:endParaRPr lang="en-IN" dirty="0"/>
           </a:p>
         </p:txBody>
       </p:sp>
@@ -4850,7 +4849,7 @@
           <a:bodyPr/>
           <a:lstStyle/>
           <a:p>
-            <a:endParaRPr lang="en-IN"/>
+            <a:endParaRPr lang="en-IN" dirty="0"/>
           </a:p>
         </p:txBody>
       </p:sp>
@@ -4879,7 +4878,7 @@
               <a:rPr lang="en-IN" smtClean="0"/>
               <a:t>‹#›</a:t>
             </a:fld>
-            <a:endParaRPr lang="en-IN"/>
+            <a:endParaRPr lang="en-IN" dirty="0"/>
           </a:p>
         </p:txBody>
       </p:sp>
@@ -4965,9 +4964,9 @@
           <a:p>
             <a:fld id="{2598EF57-6C51-49AC-9799-C981D6D04785}" type="datetimeFigureOut">
               <a:rPr lang="en-IN" smtClean="0"/>
-              <a:t>13-03-2025</a:t>
+              <a:t>30-05-2025</a:t>
             </a:fld>
-            <a:endParaRPr lang="en-IN"/>
+            <a:endParaRPr lang="en-IN" dirty="0"/>
           </a:p>
         </p:txBody>
       </p:sp>
@@ -4992,7 +4991,7 @@
           <a:bodyPr/>
           <a:lstStyle/>
           <a:p>
-            <a:endParaRPr lang="en-IN"/>
+            <a:endParaRPr lang="en-IN" dirty="0"/>
           </a:p>
         </p:txBody>
       </p:sp>
@@ -5021,7 +5020,7 @@
               <a:rPr lang="en-IN" smtClean="0"/>
               <a:t>‹#›</a:t>
             </a:fld>
-            <a:endParaRPr lang="en-IN"/>
+            <a:endParaRPr lang="en-IN" dirty="0"/>
           </a:p>
         </p:txBody>
       </p:sp>
@@ -5078,9 +5077,9 @@
           <a:p>
             <a:fld id="{2598EF57-6C51-49AC-9799-C981D6D04785}" type="datetimeFigureOut">
               <a:rPr lang="en-IN" smtClean="0"/>
-              <a:t>13-03-2025</a:t>
+              <a:t>30-05-2025</a:t>
             </a:fld>
-            <a:endParaRPr lang="en-IN"/>
+            <a:endParaRPr lang="en-IN" dirty="0"/>
           </a:p>
         </p:txBody>
       </p:sp>
@@ -5105,7 +5104,7 @@
           <a:bodyPr/>
           <a:lstStyle/>
           <a:p>
-            <a:endParaRPr lang="en-IN"/>
+            <a:endParaRPr lang="en-IN" dirty="0"/>
           </a:p>
         </p:txBody>
       </p:sp>
@@ -5134,7 +5133,7 @@
               <a:rPr lang="en-IN" smtClean="0"/>
               <a:t>‹#›</a:t>
             </a:fld>
-            <a:endParaRPr lang="en-IN"/>
+            <a:endParaRPr lang="en-IN" dirty="0"/>
           </a:p>
         </p:txBody>
       </p:sp>
@@ -5391,9 +5390,9 @@
           <a:p>
             <a:fld id="{2598EF57-6C51-49AC-9799-C981D6D04785}" type="datetimeFigureOut">
               <a:rPr lang="en-IN" smtClean="0"/>
-              <a:t>13-03-2025</a:t>
+              <a:t>30-05-2025</a:t>
             </a:fld>
-            <a:endParaRPr lang="en-IN"/>
+            <a:endParaRPr lang="en-IN" dirty="0"/>
           </a:p>
         </p:txBody>
       </p:sp>
@@ -5418,7 +5417,7 @@
           <a:bodyPr/>
           <a:lstStyle/>
           <a:p>
-            <a:endParaRPr lang="en-IN"/>
+            <a:endParaRPr lang="en-IN" dirty="0"/>
           </a:p>
         </p:txBody>
       </p:sp>
@@ -5447,7 +5446,7 @@
               <a:rPr lang="en-IN" smtClean="0"/>
               <a:t>‹#›</a:t>
             </a:fld>
-            <a:endParaRPr lang="en-IN"/>
+            <a:endParaRPr lang="en-IN" dirty="0"/>
           </a:p>
         </p:txBody>
       </p:sp>
@@ -5582,7 +5581,7 @@
             </a:lvl9pPr>
           </a:lstStyle>
           <a:p>
-            <a:endParaRPr lang="en-IN"/>
+            <a:endParaRPr lang="en-IN" dirty="0"/>
           </a:p>
         </p:txBody>
       </p:sp>
@@ -5680,9 +5679,9 @@
           <a:p>
             <a:fld id="{2598EF57-6C51-49AC-9799-C981D6D04785}" type="datetimeFigureOut">
               <a:rPr lang="en-IN" smtClean="0"/>
-              <a:t>13-03-2025</a:t>
+              <a:t>30-05-2025</a:t>
             </a:fld>
-            <a:endParaRPr lang="en-IN"/>
+            <a:endParaRPr lang="en-IN" dirty="0"/>
           </a:p>
         </p:txBody>
       </p:sp>
@@ -5707,7 +5706,7 @@
           <a:bodyPr/>
           <a:lstStyle/>
           <a:p>
-            <a:endParaRPr lang="en-IN"/>
+            <a:endParaRPr lang="en-IN" dirty="0"/>
           </a:p>
         </p:txBody>
       </p:sp>
@@ -5736,7 +5735,7 @@
               <a:rPr lang="en-IN" smtClean="0"/>
               <a:t>‹#›</a:t>
             </a:fld>
-            <a:endParaRPr lang="en-IN"/>
+            <a:endParaRPr lang="en-IN" dirty="0"/>
           </a:p>
         </p:txBody>
       </p:sp>
@@ -5923,9 +5922,9 @@
           <a:p>
             <a:fld id="{2598EF57-6C51-49AC-9799-C981D6D04785}" type="datetimeFigureOut">
               <a:rPr lang="en-IN" smtClean="0"/>
-              <a:t>13-03-2025</a:t>
+              <a:t>30-05-2025</a:t>
             </a:fld>
-            <a:endParaRPr lang="en-IN"/>
+            <a:endParaRPr lang="en-IN" dirty="0"/>
           </a:p>
         </p:txBody>
       </p:sp>
@@ -5968,7 +5967,7 @@
             </a:lvl1pPr>
           </a:lstStyle>
           <a:p>
-            <a:endParaRPr lang="en-IN"/>
+            <a:endParaRPr lang="en-IN" dirty="0"/>
           </a:p>
         </p:txBody>
       </p:sp>
@@ -6015,7 +6014,7 @@
               <a:rPr lang="en-IN" smtClean="0"/>
               <a:t>‹#›</a:t>
             </a:fld>
-            <a:endParaRPr lang="en-IN"/>
+            <a:endParaRPr lang="en-IN" dirty="0"/>
           </a:p>
         </p:txBody>
       </p:sp>
@@ -7628,6 +7627,1757 @@
 </p:sld>
 </file>
 
+<file path=ppt/slides/slide10.xml><?xml version="1.0" encoding="utf-8"?>
+<p:sld xmlns:a="http://schemas.openxmlformats.org/drawingml/2006/main" xmlns:r="http://schemas.openxmlformats.org/officeDocument/2006/relationships" xmlns:p="http://schemas.openxmlformats.org/presentationml/2006/main">
+  <p:cSld>
+    <p:spTree>
+      <p:nvGrpSpPr>
+        <p:cNvPr id="1" name=""/>
+        <p:cNvGrpSpPr/>
+        <p:nvPr/>
+      </p:nvGrpSpPr>
+      <p:grpSpPr>
+        <a:xfrm>
+          <a:off x="0" y="0"/>
+          <a:ext cx="0" cy="0"/>
+          <a:chOff x="0" y="0"/>
+          <a:chExt cx="0" cy="0"/>
+        </a:xfrm>
+      </p:grpSpPr>
+      <p:sp>
+        <p:nvSpPr>
+          <p:cNvPr id="4" name="Rectangle 3">
+            <a:extLst>
+              <a:ext uri="{FF2B5EF4-FFF2-40B4-BE49-F238E27FC236}">
+                <a16:creationId xmlns:a16="http://schemas.microsoft.com/office/drawing/2014/main" id="{CDB70D3E-C3A5-BAE0-F90E-F0CCCBE39722}"/>
+              </a:ext>
+            </a:extLst>
+          </p:cNvPr>
+          <p:cNvSpPr/>
+          <p:nvPr/>
+        </p:nvSpPr>
+        <p:spPr>
+          <a:xfrm>
+            <a:off x="441789" y="410966"/>
+            <a:ext cx="8907998" cy="410067"/>
+          </a:xfrm>
+          <a:prstGeom prst="rect">
+            <a:avLst/>
+          </a:prstGeom>
+          <a:solidFill>
+            <a:schemeClr val="bg1">
+              <a:lumMod val="75000"/>
+            </a:schemeClr>
+          </a:solidFill>
+        </p:spPr>
+        <p:style>
+          <a:lnRef idx="2">
+            <a:schemeClr val="accent1">
+              <a:shade val="15000"/>
+            </a:schemeClr>
+          </a:lnRef>
+          <a:fillRef idx="1">
+            <a:schemeClr val="accent1"/>
+          </a:fillRef>
+          <a:effectRef idx="0">
+            <a:schemeClr val="accent1"/>
+          </a:effectRef>
+          <a:fontRef idx="minor">
+            <a:schemeClr val="lt1"/>
+          </a:fontRef>
+        </p:style>
+        <p:txBody>
+          <a:bodyPr rtlCol="0" anchor="t"/>
+          <a:lstStyle/>
+          <a:p>
+            <a:pPr algn="ctr"/>
+            <a:r>
+              <a:rPr lang="en-US" sz="2000" dirty="0">
+                <a:solidFill>
+                  <a:schemeClr val="tx1"/>
+                </a:solidFill>
+              </a:rPr>
+              <a:t>Data Transformation</a:t>
+            </a:r>
+            <a:endParaRPr lang="en-IN" sz="2000" dirty="0">
+              <a:solidFill>
+                <a:schemeClr val="tx1"/>
+              </a:solidFill>
+            </a:endParaRPr>
+          </a:p>
+        </p:txBody>
+      </p:sp>
+      <p:sp>
+        <p:nvSpPr>
+          <p:cNvPr id="5" name="Rectangle 4">
+            <a:extLst>
+              <a:ext uri="{FF2B5EF4-FFF2-40B4-BE49-F238E27FC236}">
+                <a16:creationId xmlns:a16="http://schemas.microsoft.com/office/drawing/2014/main" id="{E944D9FA-6103-8F13-C92D-DAA81A45A9C3}"/>
+              </a:ext>
+            </a:extLst>
+          </p:cNvPr>
+          <p:cNvSpPr/>
+          <p:nvPr/>
+        </p:nvSpPr>
+        <p:spPr>
+          <a:xfrm>
+            <a:off x="1794196" y="1836770"/>
+            <a:ext cx="920561" cy="359176"/>
+          </a:xfrm>
+          <a:prstGeom prst="rect">
+            <a:avLst/>
+          </a:prstGeom>
+          <a:solidFill>
+            <a:schemeClr val="tx1">
+              <a:lumMod val="75000"/>
+              <a:lumOff val="25000"/>
+            </a:schemeClr>
+          </a:solidFill>
+        </p:spPr>
+        <p:style>
+          <a:lnRef idx="2">
+            <a:schemeClr val="accent1">
+              <a:shade val="15000"/>
+            </a:schemeClr>
+          </a:lnRef>
+          <a:fillRef idx="1">
+            <a:schemeClr val="accent1"/>
+          </a:fillRef>
+          <a:effectRef idx="0">
+            <a:schemeClr val="accent1"/>
+          </a:effectRef>
+          <a:fontRef idx="minor">
+            <a:schemeClr val="lt1"/>
+          </a:fontRef>
+        </p:style>
+        <p:txBody>
+          <a:bodyPr rtlCol="0" anchor="ctr"/>
+          <a:lstStyle/>
+          <a:p>
+            <a:pPr algn="ctr"/>
+            <a:r>
+              <a:rPr lang="en-US" sz="1200" dirty="0">
+                <a:solidFill>
+                  <a:schemeClr val="bg1"/>
+                </a:solidFill>
+              </a:rPr>
+              <a:t>System 2</a:t>
+            </a:r>
+            <a:endParaRPr lang="en-IN" sz="1200" dirty="0">
+              <a:solidFill>
+                <a:schemeClr val="bg1"/>
+              </a:solidFill>
+            </a:endParaRPr>
+          </a:p>
+        </p:txBody>
+      </p:sp>
+      <p:sp>
+        <p:nvSpPr>
+          <p:cNvPr id="6" name="Rectangle 5">
+            <a:extLst>
+              <a:ext uri="{FF2B5EF4-FFF2-40B4-BE49-F238E27FC236}">
+                <a16:creationId xmlns:a16="http://schemas.microsoft.com/office/drawing/2014/main" id="{63F524DC-DB75-D27F-CDF0-7A6AA2757E90}"/>
+              </a:ext>
+            </a:extLst>
+          </p:cNvPr>
+          <p:cNvSpPr/>
+          <p:nvPr/>
+        </p:nvSpPr>
+        <p:spPr>
+          <a:xfrm>
+            <a:off x="441788" y="1836771"/>
+            <a:ext cx="920561" cy="359176"/>
+          </a:xfrm>
+          <a:prstGeom prst="rect">
+            <a:avLst/>
+          </a:prstGeom>
+          <a:solidFill>
+            <a:schemeClr val="tx1">
+              <a:lumMod val="75000"/>
+              <a:lumOff val="25000"/>
+            </a:schemeClr>
+          </a:solidFill>
+        </p:spPr>
+        <p:style>
+          <a:lnRef idx="2">
+            <a:schemeClr val="accent1">
+              <a:shade val="15000"/>
+            </a:schemeClr>
+          </a:lnRef>
+          <a:fillRef idx="1">
+            <a:schemeClr val="accent1"/>
+          </a:fillRef>
+          <a:effectRef idx="0">
+            <a:schemeClr val="accent1"/>
+          </a:effectRef>
+          <a:fontRef idx="minor">
+            <a:schemeClr val="lt1"/>
+          </a:fontRef>
+        </p:style>
+        <p:txBody>
+          <a:bodyPr rtlCol="0" anchor="ctr"/>
+          <a:lstStyle/>
+          <a:p>
+            <a:pPr algn="ctr"/>
+            <a:r>
+              <a:rPr lang="en-US" sz="1200" dirty="0">
+                <a:solidFill>
+                  <a:schemeClr val="bg1"/>
+                </a:solidFill>
+              </a:rPr>
+              <a:t>System 1</a:t>
+            </a:r>
+            <a:endParaRPr lang="en-IN" sz="1200" dirty="0">
+              <a:solidFill>
+                <a:schemeClr val="bg1"/>
+              </a:solidFill>
+            </a:endParaRPr>
+          </a:p>
+        </p:txBody>
+      </p:sp>
+      <p:sp>
+        <p:nvSpPr>
+          <p:cNvPr id="7" name="Rectangle 6">
+            <a:extLst>
+              <a:ext uri="{FF2B5EF4-FFF2-40B4-BE49-F238E27FC236}">
+                <a16:creationId xmlns:a16="http://schemas.microsoft.com/office/drawing/2014/main" id="{5000937C-8A2C-F03F-67ED-CC877957E060}"/>
+              </a:ext>
+            </a:extLst>
+          </p:cNvPr>
+          <p:cNvSpPr/>
+          <p:nvPr/>
+        </p:nvSpPr>
+        <p:spPr>
+          <a:xfrm>
+            <a:off x="1645249" y="4013191"/>
+            <a:ext cx="1218453" cy="410067"/>
+          </a:xfrm>
+          <a:prstGeom prst="rect">
+            <a:avLst/>
+          </a:prstGeom>
+          <a:solidFill>
+            <a:schemeClr val="accent2">
+              <a:lumMod val="60000"/>
+              <a:lumOff val="40000"/>
+            </a:schemeClr>
+          </a:solidFill>
+        </p:spPr>
+        <p:style>
+          <a:lnRef idx="2">
+            <a:schemeClr val="accent1">
+              <a:shade val="15000"/>
+            </a:schemeClr>
+          </a:lnRef>
+          <a:fillRef idx="1">
+            <a:schemeClr val="accent1"/>
+          </a:fillRef>
+          <a:effectRef idx="0">
+            <a:schemeClr val="accent1"/>
+          </a:effectRef>
+          <a:fontRef idx="minor">
+            <a:schemeClr val="lt1"/>
+          </a:fontRef>
+        </p:style>
+        <p:txBody>
+          <a:bodyPr rtlCol="0" anchor="ctr"/>
+          <a:lstStyle/>
+          <a:p>
+            <a:pPr algn="ctr"/>
+            <a:r>
+              <a:rPr lang="en-US" sz="1400" dirty="0">
+                <a:solidFill>
+                  <a:schemeClr val="tx1"/>
+                </a:solidFill>
+              </a:rPr>
+              <a:t>Client App</a:t>
+            </a:r>
+            <a:endParaRPr lang="en-IN" sz="1400" dirty="0">
+              <a:solidFill>
+                <a:schemeClr val="tx1"/>
+              </a:solidFill>
+            </a:endParaRPr>
+          </a:p>
+        </p:txBody>
+      </p:sp>
+      <p:sp>
+        <p:nvSpPr>
+          <p:cNvPr id="8" name="Rectangle 7">
+            <a:extLst>
+              <a:ext uri="{FF2B5EF4-FFF2-40B4-BE49-F238E27FC236}">
+                <a16:creationId xmlns:a16="http://schemas.microsoft.com/office/drawing/2014/main" id="{3B9B032C-4882-462D-FFA4-208F369EA770}"/>
+              </a:ext>
+            </a:extLst>
+          </p:cNvPr>
+          <p:cNvSpPr/>
+          <p:nvPr/>
+        </p:nvSpPr>
+        <p:spPr>
+          <a:xfrm>
+            <a:off x="3146604" y="1836770"/>
+            <a:ext cx="920561" cy="359176"/>
+          </a:xfrm>
+          <a:prstGeom prst="rect">
+            <a:avLst/>
+          </a:prstGeom>
+          <a:solidFill>
+            <a:schemeClr val="tx1">
+              <a:lumMod val="75000"/>
+              <a:lumOff val="25000"/>
+            </a:schemeClr>
+          </a:solidFill>
+        </p:spPr>
+        <p:style>
+          <a:lnRef idx="2">
+            <a:schemeClr val="accent1">
+              <a:shade val="15000"/>
+            </a:schemeClr>
+          </a:lnRef>
+          <a:fillRef idx="1">
+            <a:schemeClr val="accent1"/>
+          </a:fillRef>
+          <a:effectRef idx="0">
+            <a:schemeClr val="accent1"/>
+          </a:effectRef>
+          <a:fontRef idx="minor">
+            <a:schemeClr val="lt1"/>
+          </a:fontRef>
+        </p:style>
+        <p:txBody>
+          <a:bodyPr rtlCol="0" anchor="ctr"/>
+          <a:lstStyle/>
+          <a:p>
+            <a:pPr algn="ctr"/>
+            <a:r>
+              <a:rPr lang="en-US" sz="1200" dirty="0">
+                <a:solidFill>
+                  <a:schemeClr val="bg1"/>
+                </a:solidFill>
+              </a:rPr>
+              <a:t>System 3</a:t>
+            </a:r>
+            <a:endParaRPr lang="en-IN" sz="1200" dirty="0">
+              <a:solidFill>
+                <a:schemeClr val="bg1"/>
+              </a:solidFill>
+            </a:endParaRPr>
+          </a:p>
+        </p:txBody>
+      </p:sp>
+      <p:cxnSp>
+        <p:nvCxnSpPr>
+          <p:cNvPr id="11" name="Connector: Elbow 10">
+            <a:extLst>
+              <a:ext uri="{FF2B5EF4-FFF2-40B4-BE49-F238E27FC236}">
+                <a16:creationId xmlns:a16="http://schemas.microsoft.com/office/drawing/2014/main" id="{1BF7F1F1-CE7F-4D3D-A170-98F99405DB73}"/>
+              </a:ext>
+            </a:extLst>
+          </p:cNvPr>
+          <p:cNvCxnSpPr>
+            <a:cxnSpLocks/>
+            <a:stCxn id="6" idx="2"/>
+            <a:endCxn id="7" idx="0"/>
+          </p:cNvCxnSpPr>
+          <p:nvPr/>
+        </p:nvCxnSpPr>
+        <p:spPr>
+          <a:xfrm rot="16200000" flipH="1">
+            <a:off x="669650" y="2428365"/>
+            <a:ext cx="1817244" cy="1352407"/>
+          </a:xfrm>
+          <a:prstGeom prst="bentConnector3">
+            <a:avLst/>
+          </a:prstGeom>
+          <a:ln>
+            <a:tailEnd type="triangle"/>
+          </a:ln>
+        </p:spPr>
+        <p:style>
+          <a:lnRef idx="2">
+            <a:schemeClr val="accent1"/>
+          </a:lnRef>
+          <a:fillRef idx="0">
+            <a:schemeClr val="accent1"/>
+          </a:fillRef>
+          <a:effectRef idx="1">
+            <a:schemeClr val="accent1"/>
+          </a:effectRef>
+          <a:fontRef idx="minor">
+            <a:schemeClr val="tx1"/>
+          </a:fontRef>
+        </p:style>
+      </p:cxnSp>
+      <p:cxnSp>
+        <p:nvCxnSpPr>
+          <p:cNvPr id="13" name="Connector: Elbow 12">
+            <a:extLst>
+              <a:ext uri="{FF2B5EF4-FFF2-40B4-BE49-F238E27FC236}">
+                <a16:creationId xmlns:a16="http://schemas.microsoft.com/office/drawing/2014/main" id="{D5F1D27D-9D6B-23FD-E459-4CA83CD4EF1A}"/>
+              </a:ext>
+            </a:extLst>
+          </p:cNvPr>
+          <p:cNvCxnSpPr>
+            <a:cxnSpLocks/>
+            <a:stCxn id="5" idx="2"/>
+            <a:endCxn id="7" idx="0"/>
+          </p:cNvCxnSpPr>
+          <p:nvPr/>
+        </p:nvCxnSpPr>
+        <p:spPr>
+          <a:xfrm rot="5400000">
+            <a:off x="1345855" y="3104568"/>
+            <a:ext cx="1817245" cy="1"/>
+          </a:xfrm>
+          <a:prstGeom prst="bentConnector3">
+            <a:avLst/>
+          </a:prstGeom>
+          <a:ln>
+            <a:tailEnd type="triangle"/>
+          </a:ln>
+        </p:spPr>
+        <p:style>
+          <a:lnRef idx="2">
+            <a:schemeClr val="accent1"/>
+          </a:lnRef>
+          <a:fillRef idx="0">
+            <a:schemeClr val="accent1"/>
+          </a:fillRef>
+          <a:effectRef idx="1">
+            <a:schemeClr val="accent1"/>
+          </a:effectRef>
+          <a:fontRef idx="minor">
+            <a:schemeClr val="tx1"/>
+          </a:fontRef>
+        </p:style>
+      </p:cxnSp>
+      <p:cxnSp>
+        <p:nvCxnSpPr>
+          <p:cNvPr id="15" name="Connector: Elbow 14">
+            <a:extLst>
+              <a:ext uri="{FF2B5EF4-FFF2-40B4-BE49-F238E27FC236}">
+                <a16:creationId xmlns:a16="http://schemas.microsoft.com/office/drawing/2014/main" id="{DC8D1EBB-4A30-10A8-CAD0-4E6CC2D2713D}"/>
+              </a:ext>
+            </a:extLst>
+          </p:cNvPr>
+          <p:cNvCxnSpPr>
+            <a:cxnSpLocks/>
+            <a:stCxn id="8" idx="2"/>
+            <a:endCxn id="7" idx="0"/>
+          </p:cNvCxnSpPr>
+          <p:nvPr/>
+        </p:nvCxnSpPr>
+        <p:spPr>
+          <a:xfrm rot="5400000">
+            <a:off x="2022059" y="2428364"/>
+            <a:ext cx="1817245" cy="1352409"/>
+          </a:xfrm>
+          <a:prstGeom prst="bentConnector3">
+            <a:avLst/>
+          </a:prstGeom>
+          <a:ln>
+            <a:tailEnd type="triangle"/>
+          </a:ln>
+        </p:spPr>
+        <p:style>
+          <a:lnRef idx="2">
+            <a:schemeClr val="accent1"/>
+          </a:lnRef>
+          <a:fillRef idx="0">
+            <a:schemeClr val="accent1"/>
+          </a:fillRef>
+          <a:effectRef idx="1">
+            <a:schemeClr val="accent1"/>
+          </a:effectRef>
+          <a:fontRef idx="minor">
+            <a:schemeClr val="tx1"/>
+          </a:fontRef>
+        </p:style>
+      </p:cxnSp>
+      <p:sp>
+        <p:nvSpPr>
+          <p:cNvPr id="16" name="Rectangle 15">
+            <a:extLst>
+              <a:ext uri="{FF2B5EF4-FFF2-40B4-BE49-F238E27FC236}">
+                <a16:creationId xmlns:a16="http://schemas.microsoft.com/office/drawing/2014/main" id="{91F2A448-87DF-2B06-DF2A-F6E82EE94ED5}"/>
+              </a:ext>
+            </a:extLst>
+          </p:cNvPr>
+          <p:cNvSpPr/>
+          <p:nvPr/>
+        </p:nvSpPr>
+        <p:spPr>
+          <a:xfrm>
+            <a:off x="441788" y="4727046"/>
+            <a:ext cx="3625377" cy="1781904"/>
+          </a:xfrm>
+          <a:prstGeom prst="rect">
+            <a:avLst/>
+          </a:prstGeom>
+          <a:solidFill>
+            <a:schemeClr val="accent2">
+              <a:lumMod val="20000"/>
+              <a:lumOff val="80000"/>
+            </a:schemeClr>
+          </a:solidFill>
+        </p:spPr>
+        <p:style>
+          <a:lnRef idx="2">
+            <a:schemeClr val="accent1">
+              <a:shade val="15000"/>
+            </a:schemeClr>
+          </a:lnRef>
+          <a:fillRef idx="1">
+            <a:schemeClr val="accent1"/>
+          </a:fillRef>
+          <a:effectRef idx="0">
+            <a:schemeClr val="accent1"/>
+          </a:effectRef>
+          <a:fontRef idx="minor">
+            <a:schemeClr val="lt1"/>
+          </a:fontRef>
+        </p:style>
+        <p:txBody>
+          <a:bodyPr rtlCol="0" anchor="t"/>
+          <a:lstStyle/>
+          <a:p>
+            <a:r>
+              <a:rPr lang="en-IN" sz="1100" dirty="0">
+                <a:solidFill>
+                  <a:schemeClr val="tx1"/>
+                </a:solidFill>
+              </a:rPr>
+              <a:t>In this setup a client application needs to perform tasks to talk to all 3 systems -</a:t>
+            </a:r>
+          </a:p>
+          <a:p>
+            <a:pPr marL="228600" indent="-228600">
+              <a:buFont typeface="+mj-lt"/>
+              <a:buAutoNum type="arabicPeriod"/>
+            </a:pPr>
+            <a:r>
+              <a:rPr lang="en-IN" sz="1100" dirty="0">
+                <a:solidFill>
+                  <a:schemeClr val="tx1"/>
+                </a:solidFill>
+              </a:rPr>
+              <a:t>Protocol (TCP /HTTP/MSMQ)</a:t>
+            </a:r>
+          </a:p>
+          <a:p>
+            <a:pPr marL="228600" indent="-228600">
+              <a:buFont typeface="+mj-lt"/>
+              <a:buAutoNum type="arabicPeriod"/>
+            </a:pPr>
+            <a:r>
+              <a:rPr lang="en-IN" sz="1100" dirty="0">
+                <a:solidFill>
+                  <a:schemeClr val="tx1"/>
+                </a:solidFill>
+              </a:rPr>
+              <a:t>Data Format( XML/JSON/CSV/EXCEL/Proprietary)</a:t>
+            </a:r>
+          </a:p>
+          <a:p>
+            <a:pPr marL="228600" indent="-228600">
+              <a:buFont typeface="+mj-lt"/>
+              <a:buAutoNum type="arabicPeriod"/>
+            </a:pPr>
+            <a:r>
+              <a:rPr lang="en-IN" sz="1100" dirty="0">
+                <a:solidFill>
+                  <a:schemeClr val="tx1"/>
+                </a:solidFill>
+              </a:rPr>
+              <a:t>Transformation( Convert in format that app can understand)</a:t>
+            </a:r>
+          </a:p>
+          <a:p>
+            <a:pPr marL="228600" indent="-228600">
+              <a:buFont typeface="+mj-lt"/>
+              <a:buAutoNum type="arabicPeriod"/>
+            </a:pPr>
+            <a:r>
+              <a:rPr lang="en-IN" sz="1100" dirty="0">
+                <a:solidFill>
+                  <a:schemeClr val="tx1"/>
+                </a:solidFill>
+              </a:rPr>
+              <a:t>Aggregation (Relate data from multiple sources into one entity)</a:t>
+            </a:r>
+          </a:p>
+          <a:p>
+            <a:pPr marL="228600" indent="-228600">
+              <a:buFont typeface="+mj-lt"/>
+              <a:buAutoNum type="arabicPeriod"/>
+            </a:pPr>
+            <a:r>
+              <a:rPr lang="en-IN" sz="1100" dirty="0">
+                <a:solidFill>
+                  <a:schemeClr val="tx1"/>
+                </a:solidFill>
+              </a:rPr>
+              <a:t>Updates (Perform above operation in reverse while updating data)</a:t>
+            </a:r>
+          </a:p>
+        </p:txBody>
+      </p:sp>
+      <p:sp>
+        <p:nvSpPr>
+          <p:cNvPr id="17" name="Rectangle 16">
+            <a:extLst>
+              <a:ext uri="{FF2B5EF4-FFF2-40B4-BE49-F238E27FC236}">
+                <a16:creationId xmlns:a16="http://schemas.microsoft.com/office/drawing/2014/main" id="{960C5141-9B51-2291-DDE8-F38F63EE62A1}"/>
+              </a:ext>
+            </a:extLst>
+          </p:cNvPr>
+          <p:cNvSpPr/>
+          <p:nvPr/>
+        </p:nvSpPr>
+        <p:spPr>
+          <a:xfrm>
+            <a:off x="7076817" y="1836768"/>
+            <a:ext cx="920561" cy="359176"/>
+          </a:xfrm>
+          <a:prstGeom prst="rect">
+            <a:avLst/>
+          </a:prstGeom>
+          <a:solidFill>
+            <a:schemeClr val="tx1">
+              <a:lumMod val="75000"/>
+              <a:lumOff val="25000"/>
+            </a:schemeClr>
+          </a:solidFill>
+        </p:spPr>
+        <p:style>
+          <a:lnRef idx="2">
+            <a:schemeClr val="accent1">
+              <a:shade val="15000"/>
+            </a:schemeClr>
+          </a:lnRef>
+          <a:fillRef idx="1">
+            <a:schemeClr val="accent1"/>
+          </a:fillRef>
+          <a:effectRef idx="0">
+            <a:schemeClr val="accent1"/>
+          </a:effectRef>
+          <a:fontRef idx="minor">
+            <a:schemeClr val="lt1"/>
+          </a:fontRef>
+        </p:style>
+        <p:txBody>
+          <a:bodyPr rtlCol="0" anchor="ctr"/>
+          <a:lstStyle/>
+          <a:p>
+            <a:pPr algn="ctr"/>
+            <a:r>
+              <a:rPr lang="en-US" sz="1200" dirty="0">
+                <a:solidFill>
+                  <a:schemeClr val="bg1"/>
+                </a:solidFill>
+              </a:rPr>
+              <a:t>System 2</a:t>
+            </a:r>
+            <a:endParaRPr lang="en-IN" sz="1200" dirty="0">
+              <a:solidFill>
+                <a:schemeClr val="bg1"/>
+              </a:solidFill>
+            </a:endParaRPr>
+          </a:p>
+        </p:txBody>
+      </p:sp>
+      <p:sp>
+        <p:nvSpPr>
+          <p:cNvPr id="18" name="Rectangle 17">
+            <a:extLst>
+              <a:ext uri="{FF2B5EF4-FFF2-40B4-BE49-F238E27FC236}">
+                <a16:creationId xmlns:a16="http://schemas.microsoft.com/office/drawing/2014/main" id="{BF9DDA6F-59C0-5F9C-F68B-49E1ED9BE56E}"/>
+              </a:ext>
+            </a:extLst>
+          </p:cNvPr>
+          <p:cNvSpPr/>
+          <p:nvPr/>
+        </p:nvSpPr>
+        <p:spPr>
+          <a:xfrm>
+            <a:off x="5724409" y="1836769"/>
+            <a:ext cx="920561" cy="359176"/>
+          </a:xfrm>
+          <a:prstGeom prst="rect">
+            <a:avLst/>
+          </a:prstGeom>
+          <a:solidFill>
+            <a:schemeClr val="tx1">
+              <a:lumMod val="75000"/>
+              <a:lumOff val="25000"/>
+            </a:schemeClr>
+          </a:solidFill>
+        </p:spPr>
+        <p:style>
+          <a:lnRef idx="2">
+            <a:schemeClr val="accent1">
+              <a:shade val="15000"/>
+            </a:schemeClr>
+          </a:lnRef>
+          <a:fillRef idx="1">
+            <a:schemeClr val="accent1"/>
+          </a:fillRef>
+          <a:effectRef idx="0">
+            <a:schemeClr val="accent1"/>
+          </a:effectRef>
+          <a:fontRef idx="minor">
+            <a:schemeClr val="lt1"/>
+          </a:fontRef>
+        </p:style>
+        <p:txBody>
+          <a:bodyPr rtlCol="0" anchor="ctr"/>
+          <a:lstStyle/>
+          <a:p>
+            <a:pPr algn="ctr"/>
+            <a:r>
+              <a:rPr lang="en-US" sz="1200" dirty="0">
+                <a:solidFill>
+                  <a:schemeClr val="bg1"/>
+                </a:solidFill>
+              </a:rPr>
+              <a:t>System 1</a:t>
+            </a:r>
+            <a:endParaRPr lang="en-IN" sz="1200" dirty="0">
+              <a:solidFill>
+                <a:schemeClr val="bg1"/>
+              </a:solidFill>
+            </a:endParaRPr>
+          </a:p>
+        </p:txBody>
+      </p:sp>
+      <p:sp>
+        <p:nvSpPr>
+          <p:cNvPr id="19" name="Rectangle 18">
+            <a:extLst>
+              <a:ext uri="{FF2B5EF4-FFF2-40B4-BE49-F238E27FC236}">
+                <a16:creationId xmlns:a16="http://schemas.microsoft.com/office/drawing/2014/main" id="{A4689E26-694D-3EB3-454D-DE21F55F08E5}"/>
+              </a:ext>
+            </a:extLst>
+          </p:cNvPr>
+          <p:cNvSpPr/>
+          <p:nvPr/>
+        </p:nvSpPr>
+        <p:spPr>
+          <a:xfrm>
+            <a:off x="6927869" y="4096764"/>
+            <a:ext cx="1218454" cy="410067"/>
+          </a:xfrm>
+          <a:prstGeom prst="rect">
+            <a:avLst/>
+          </a:prstGeom>
+          <a:solidFill>
+            <a:schemeClr val="accent2">
+              <a:lumMod val="60000"/>
+              <a:lumOff val="40000"/>
+            </a:schemeClr>
+          </a:solidFill>
+        </p:spPr>
+        <p:style>
+          <a:lnRef idx="2">
+            <a:schemeClr val="accent1">
+              <a:shade val="15000"/>
+            </a:schemeClr>
+          </a:lnRef>
+          <a:fillRef idx="1">
+            <a:schemeClr val="accent1"/>
+          </a:fillRef>
+          <a:effectRef idx="0">
+            <a:schemeClr val="accent1"/>
+          </a:effectRef>
+          <a:fontRef idx="minor">
+            <a:schemeClr val="lt1"/>
+          </a:fontRef>
+        </p:style>
+        <p:txBody>
+          <a:bodyPr rtlCol="0" anchor="ctr"/>
+          <a:lstStyle/>
+          <a:p>
+            <a:pPr algn="ctr"/>
+            <a:r>
+              <a:rPr lang="en-US" sz="1400" dirty="0">
+                <a:solidFill>
+                  <a:schemeClr val="tx1"/>
+                </a:solidFill>
+              </a:rPr>
+              <a:t>Client App</a:t>
+            </a:r>
+            <a:endParaRPr lang="en-IN" sz="1400" dirty="0">
+              <a:solidFill>
+                <a:schemeClr val="tx1"/>
+              </a:solidFill>
+            </a:endParaRPr>
+          </a:p>
+        </p:txBody>
+      </p:sp>
+      <p:sp>
+        <p:nvSpPr>
+          <p:cNvPr id="20" name="Rectangle 19">
+            <a:extLst>
+              <a:ext uri="{FF2B5EF4-FFF2-40B4-BE49-F238E27FC236}">
+                <a16:creationId xmlns:a16="http://schemas.microsoft.com/office/drawing/2014/main" id="{A95AB02F-047C-2E2E-4D2B-7493FB2E0112}"/>
+              </a:ext>
+            </a:extLst>
+          </p:cNvPr>
+          <p:cNvSpPr/>
+          <p:nvPr/>
+        </p:nvSpPr>
+        <p:spPr>
+          <a:xfrm>
+            <a:off x="8429225" y="1836768"/>
+            <a:ext cx="920561" cy="359176"/>
+          </a:xfrm>
+          <a:prstGeom prst="rect">
+            <a:avLst/>
+          </a:prstGeom>
+          <a:solidFill>
+            <a:schemeClr val="tx1">
+              <a:lumMod val="75000"/>
+              <a:lumOff val="25000"/>
+            </a:schemeClr>
+          </a:solidFill>
+        </p:spPr>
+        <p:style>
+          <a:lnRef idx="2">
+            <a:schemeClr val="accent1">
+              <a:shade val="15000"/>
+            </a:schemeClr>
+          </a:lnRef>
+          <a:fillRef idx="1">
+            <a:schemeClr val="accent1"/>
+          </a:fillRef>
+          <a:effectRef idx="0">
+            <a:schemeClr val="accent1"/>
+          </a:effectRef>
+          <a:fontRef idx="minor">
+            <a:schemeClr val="lt1"/>
+          </a:fontRef>
+        </p:style>
+        <p:txBody>
+          <a:bodyPr rtlCol="0" anchor="ctr"/>
+          <a:lstStyle/>
+          <a:p>
+            <a:pPr algn="ctr"/>
+            <a:r>
+              <a:rPr lang="en-US" sz="1200" dirty="0">
+                <a:solidFill>
+                  <a:schemeClr val="bg1"/>
+                </a:solidFill>
+              </a:rPr>
+              <a:t>System 3</a:t>
+            </a:r>
+            <a:endParaRPr lang="en-IN" sz="1200" dirty="0">
+              <a:solidFill>
+                <a:schemeClr val="bg1"/>
+              </a:solidFill>
+            </a:endParaRPr>
+          </a:p>
+        </p:txBody>
+      </p:sp>
+      <p:cxnSp>
+        <p:nvCxnSpPr>
+          <p:cNvPr id="21" name="Connector: Elbow 20">
+            <a:extLst>
+              <a:ext uri="{FF2B5EF4-FFF2-40B4-BE49-F238E27FC236}">
+                <a16:creationId xmlns:a16="http://schemas.microsoft.com/office/drawing/2014/main" id="{D139B566-7911-58D7-3CC2-D9D9D52E77FD}"/>
+              </a:ext>
+            </a:extLst>
+          </p:cNvPr>
+          <p:cNvCxnSpPr>
+            <a:cxnSpLocks/>
+            <a:stCxn id="18" idx="2"/>
+            <a:endCxn id="28" idx="1"/>
+          </p:cNvCxnSpPr>
+          <p:nvPr/>
+        </p:nvCxnSpPr>
+        <p:spPr>
+          <a:xfrm rot="16200000" flipH="1">
+            <a:off x="6027056" y="2353578"/>
+            <a:ext cx="1058446" cy="743179"/>
+          </a:xfrm>
+          <a:prstGeom prst="bentConnector2">
+            <a:avLst/>
+          </a:prstGeom>
+          <a:ln>
+            <a:tailEnd type="triangle"/>
+          </a:ln>
+        </p:spPr>
+        <p:style>
+          <a:lnRef idx="2">
+            <a:schemeClr val="accent1"/>
+          </a:lnRef>
+          <a:fillRef idx="0">
+            <a:schemeClr val="accent1"/>
+          </a:fillRef>
+          <a:effectRef idx="1">
+            <a:schemeClr val="accent1"/>
+          </a:effectRef>
+          <a:fontRef idx="minor">
+            <a:schemeClr val="tx1"/>
+          </a:fontRef>
+        </p:style>
+      </p:cxnSp>
+      <p:cxnSp>
+        <p:nvCxnSpPr>
+          <p:cNvPr id="22" name="Connector: Elbow 21">
+            <a:extLst>
+              <a:ext uri="{FF2B5EF4-FFF2-40B4-BE49-F238E27FC236}">
+                <a16:creationId xmlns:a16="http://schemas.microsoft.com/office/drawing/2014/main" id="{92F68117-9881-56DD-D46C-6D7CC4014ED5}"/>
+              </a:ext>
+            </a:extLst>
+          </p:cNvPr>
+          <p:cNvCxnSpPr>
+            <a:cxnSpLocks/>
+            <a:stCxn id="17" idx="2"/>
+            <a:endCxn id="28" idx="0"/>
+          </p:cNvCxnSpPr>
+          <p:nvPr/>
+        </p:nvCxnSpPr>
+        <p:spPr>
+          <a:xfrm rot="5400000">
+            <a:off x="7110391" y="2622649"/>
+            <a:ext cx="853413" cy="2"/>
+          </a:xfrm>
+          <a:prstGeom prst="bentConnector3">
+            <a:avLst/>
+          </a:prstGeom>
+          <a:ln>
+            <a:tailEnd type="triangle"/>
+          </a:ln>
+        </p:spPr>
+        <p:style>
+          <a:lnRef idx="2">
+            <a:schemeClr val="accent1"/>
+          </a:lnRef>
+          <a:fillRef idx="0">
+            <a:schemeClr val="accent1"/>
+          </a:fillRef>
+          <a:effectRef idx="1">
+            <a:schemeClr val="accent1"/>
+          </a:effectRef>
+          <a:fontRef idx="minor">
+            <a:schemeClr val="tx1"/>
+          </a:fontRef>
+        </p:style>
+      </p:cxnSp>
+      <p:cxnSp>
+        <p:nvCxnSpPr>
+          <p:cNvPr id="23" name="Connector: Elbow 22">
+            <a:extLst>
+              <a:ext uri="{FF2B5EF4-FFF2-40B4-BE49-F238E27FC236}">
+                <a16:creationId xmlns:a16="http://schemas.microsoft.com/office/drawing/2014/main" id="{1FB20BD2-6D56-63DF-9256-FE5C73611BD7}"/>
+              </a:ext>
+            </a:extLst>
+          </p:cNvPr>
+          <p:cNvCxnSpPr>
+            <a:cxnSpLocks/>
+            <a:stCxn id="20" idx="2"/>
+            <a:endCxn id="28" idx="3"/>
+          </p:cNvCxnSpPr>
+          <p:nvPr/>
+        </p:nvCxnSpPr>
+        <p:spPr>
+          <a:xfrm rot="5400000">
+            <a:off x="7988691" y="2353575"/>
+            <a:ext cx="1058447" cy="743184"/>
+          </a:xfrm>
+          <a:prstGeom prst="bentConnector2">
+            <a:avLst/>
+          </a:prstGeom>
+          <a:ln>
+            <a:tailEnd type="triangle"/>
+          </a:ln>
+        </p:spPr>
+        <p:style>
+          <a:lnRef idx="2">
+            <a:schemeClr val="accent1"/>
+          </a:lnRef>
+          <a:fillRef idx="0">
+            <a:schemeClr val="accent1"/>
+          </a:fillRef>
+          <a:effectRef idx="1">
+            <a:schemeClr val="accent1"/>
+          </a:effectRef>
+          <a:fontRef idx="minor">
+            <a:schemeClr val="tx1"/>
+          </a:fontRef>
+        </p:style>
+      </p:cxnSp>
+      <p:sp>
+        <p:nvSpPr>
+          <p:cNvPr id="24" name="Rectangle 23">
+            <a:extLst>
+              <a:ext uri="{FF2B5EF4-FFF2-40B4-BE49-F238E27FC236}">
+                <a16:creationId xmlns:a16="http://schemas.microsoft.com/office/drawing/2014/main" id="{C83086FD-10E3-E987-1F7A-90472DAE1319}"/>
+              </a:ext>
+            </a:extLst>
+          </p:cNvPr>
+          <p:cNvSpPr/>
+          <p:nvPr/>
+        </p:nvSpPr>
+        <p:spPr>
+          <a:xfrm>
+            <a:off x="5724409" y="4727044"/>
+            <a:ext cx="3625377" cy="2130956"/>
+          </a:xfrm>
+          <a:prstGeom prst="rect">
+            <a:avLst/>
+          </a:prstGeom>
+          <a:solidFill>
+            <a:schemeClr val="accent2">
+              <a:lumMod val="20000"/>
+              <a:lumOff val="80000"/>
+            </a:schemeClr>
+          </a:solidFill>
+        </p:spPr>
+        <p:style>
+          <a:lnRef idx="2">
+            <a:schemeClr val="accent1">
+              <a:shade val="15000"/>
+            </a:schemeClr>
+          </a:lnRef>
+          <a:fillRef idx="1">
+            <a:schemeClr val="accent1"/>
+          </a:fillRef>
+          <a:effectRef idx="0">
+            <a:schemeClr val="accent1"/>
+          </a:effectRef>
+          <a:fontRef idx="minor">
+            <a:schemeClr val="lt1"/>
+          </a:fontRef>
+        </p:style>
+        <p:txBody>
+          <a:bodyPr rtlCol="0" anchor="t"/>
+          <a:lstStyle/>
+          <a:p>
+            <a:r>
+              <a:rPr lang="en-IN" sz="1100" dirty="0">
+                <a:solidFill>
+                  <a:schemeClr val="tx1"/>
+                </a:solidFill>
+              </a:rPr>
+              <a:t>In this setup major work is left to Gateway which performs the heavy lifting, there by allowing Client App to focus on more business oriented work. The gateway perform tasks to talk to all 3 systems -</a:t>
+            </a:r>
+          </a:p>
+          <a:p>
+            <a:pPr marL="228600" indent="-228600">
+              <a:buFont typeface="+mj-lt"/>
+              <a:buAutoNum type="arabicPeriod"/>
+            </a:pPr>
+            <a:r>
+              <a:rPr lang="en-IN" sz="1100" dirty="0">
+                <a:solidFill>
+                  <a:schemeClr val="tx1"/>
+                </a:solidFill>
+              </a:rPr>
+              <a:t>Protocol (TCP /HTTP/MSMQ)</a:t>
+            </a:r>
+          </a:p>
+          <a:p>
+            <a:pPr marL="228600" indent="-228600">
+              <a:buFont typeface="+mj-lt"/>
+              <a:buAutoNum type="arabicPeriod"/>
+            </a:pPr>
+            <a:r>
+              <a:rPr lang="en-IN" sz="1100" dirty="0">
+                <a:solidFill>
+                  <a:schemeClr val="tx1"/>
+                </a:solidFill>
+              </a:rPr>
+              <a:t>Data Format( XML/JSON/CSV/EXCEL/Proprietary)</a:t>
+            </a:r>
+          </a:p>
+          <a:p>
+            <a:pPr marL="228600" indent="-228600">
+              <a:buFont typeface="+mj-lt"/>
+              <a:buAutoNum type="arabicPeriod"/>
+            </a:pPr>
+            <a:r>
+              <a:rPr lang="en-IN" sz="1100" dirty="0">
+                <a:solidFill>
+                  <a:schemeClr val="tx1"/>
+                </a:solidFill>
+              </a:rPr>
+              <a:t>Transformation( Convert in format that app can understand)</a:t>
+            </a:r>
+          </a:p>
+          <a:p>
+            <a:pPr marL="228600" indent="-228600">
+              <a:buFont typeface="+mj-lt"/>
+              <a:buAutoNum type="arabicPeriod"/>
+            </a:pPr>
+            <a:r>
+              <a:rPr lang="en-IN" sz="1100" dirty="0">
+                <a:solidFill>
+                  <a:schemeClr val="tx1"/>
+                </a:solidFill>
+              </a:rPr>
+              <a:t>Aggregation (Relate data from multiple sources into one entity)</a:t>
+            </a:r>
+          </a:p>
+          <a:p>
+            <a:pPr marL="228600" indent="-228600">
+              <a:buFont typeface="+mj-lt"/>
+              <a:buAutoNum type="arabicPeriod"/>
+            </a:pPr>
+            <a:r>
+              <a:rPr lang="en-IN" sz="1100" dirty="0">
+                <a:solidFill>
+                  <a:schemeClr val="tx1"/>
+                </a:solidFill>
+              </a:rPr>
+              <a:t>Updates (Perform above operation in reverse while updating data)</a:t>
+            </a:r>
+          </a:p>
+        </p:txBody>
+      </p:sp>
+      <p:sp>
+        <p:nvSpPr>
+          <p:cNvPr id="28" name="Rectangle 27">
+            <a:extLst>
+              <a:ext uri="{FF2B5EF4-FFF2-40B4-BE49-F238E27FC236}">
+                <a16:creationId xmlns:a16="http://schemas.microsoft.com/office/drawing/2014/main" id="{FBC98382-48FB-5863-4496-D9866352B62C}"/>
+              </a:ext>
+            </a:extLst>
+          </p:cNvPr>
+          <p:cNvSpPr/>
+          <p:nvPr/>
+        </p:nvSpPr>
+        <p:spPr>
+          <a:xfrm>
+            <a:off x="6927869" y="3049357"/>
+            <a:ext cx="1218453" cy="410067"/>
+          </a:xfrm>
+          <a:prstGeom prst="rect">
+            <a:avLst/>
+          </a:prstGeom>
+          <a:solidFill>
+            <a:srgbClr val="92D050"/>
+          </a:solidFill>
+        </p:spPr>
+        <p:style>
+          <a:lnRef idx="2">
+            <a:schemeClr val="accent1">
+              <a:shade val="15000"/>
+            </a:schemeClr>
+          </a:lnRef>
+          <a:fillRef idx="1">
+            <a:schemeClr val="accent1"/>
+          </a:fillRef>
+          <a:effectRef idx="0">
+            <a:schemeClr val="accent1"/>
+          </a:effectRef>
+          <a:fontRef idx="minor">
+            <a:schemeClr val="lt1"/>
+          </a:fontRef>
+        </p:style>
+        <p:txBody>
+          <a:bodyPr rtlCol="0" anchor="ctr"/>
+          <a:lstStyle/>
+          <a:p>
+            <a:pPr algn="ctr"/>
+            <a:r>
+              <a:rPr lang="en-US" sz="1400" dirty="0">
+                <a:solidFill>
+                  <a:schemeClr val="tx1"/>
+                </a:solidFill>
+              </a:rPr>
+              <a:t>Gateway</a:t>
+            </a:r>
+            <a:endParaRPr lang="en-IN" sz="1400" dirty="0">
+              <a:solidFill>
+                <a:schemeClr val="tx1"/>
+              </a:solidFill>
+            </a:endParaRPr>
+          </a:p>
+        </p:txBody>
+      </p:sp>
+      <p:sp>
+        <p:nvSpPr>
+          <p:cNvPr id="29" name="Rectangle 28">
+            <a:extLst>
+              <a:ext uri="{FF2B5EF4-FFF2-40B4-BE49-F238E27FC236}">
+                <a16:creationId xmlns:a16="http://schemas.microsoft.com/office/drawing/2014/main" id="{497737C8-92D0-E41C-99BD-230441D923F3}"/>
+              </a:ext>
+            </a:extLst>
+          </p:cNvPr>
+          <p:cNvSpPr/>
+          <p:nvPr/>
+        </p:nvSpPr>
+        <p:spPr>
+          <a:xfrm>
+            <a:off x="441788" y="1123867"/>
+            <a:ext cx="3625377" cy="302835"/>
+          </a:xfrm>
+          <a:prstGeom prst="rect">
+            <a:avLst/>
+          </a:prstGeom>
+          <a:solidFill>
+            <a:schemeClr val="bg1">
+              <a:lumMod val="75000"/>
+            </a:schemeClr>
+          </a:solidFill>
+        </p:spPr>
+        <p:style>
+          <a:lnRef idx="2">
+            <a:schemeClr val="accent1">
+              <a:shade val="15000"/>
+            </a:schemeClr>
+          </a:lnRef>
+          <a:fillRef idx="1">
+            <a:schemeClr val="accent1"/>
+          </a:fillRef>
+          <a:effectRef idx="0">
+            <a:schemeClr val="accent1"/>
+          </a:effectRef>
+          <a:fontRef idx="minor">
+            <a:schemeClr val="lt1"/>
+          </a:fontRef>
+        </p:style>
+        <p:txBody>
+          <a:bodyPr rtlCol="0" anchor="t"/>
+          <a:lstStyle/>
+          <a:p>
+            <a:pPr algn="ctr"/>
+            <a:r>
+              <a:rPr lang="en-US" sz="1400" dirty="0">
+                <a:solidFill>
+                  <a:schemeClr val="tx1"/>
+                </a:solidFill>
+              </a:rPr>
+              <a:t>Without Gateway</a:t>
+            </a:r>
+            <a:endParaRPr lang="en-IN" sz="1400" dirty="0">
+              <a:solidFill>
+                <a:schemeClr val="tx1"/>
+              </a:solidFill>
+            </a:endParaRPr>
+          </a:p>
+        </p:txBody>
+      </p:sp>
+      <p:sp>
+        <p:nvSpPr>
+          <p:cNvPr id="30" name="Rectangle 29">
+            <a:extLst>
+              <a:ext uri="{FF2B5EF4-FFF2-40B4-BE49-F238E27FC236}">
+                <a16:creationId xmlns:a16="http://schemas.microsoft.com/office/drawing/2014/main" id="{7DE5D0D9-0139-75E2-6184-3F5EA9F89208}"/>
+              </a:ext>
+            </a:extLst>
+          </p:cNvPr>
+          <p:cNvSpPr/>
+          <p:nvPr/>
+        </p:nvSpPr>
+        <p:spPr>
+          <a:xfrm>
+            <a:off x="5724409" y="1119034"/>
+            <a:ext cx="3625377" cy="302835"/>
+          </a:xfrm>
+          <a:prstGeom prst="rect">
+            <a:avLst/>
+          </a:prstGeom>
+          <a:solidFill>
+            <a:schemeClr val="bg1">
+              <a:lumMod val="75000"/>
+            </a:schemeClr>
+          </a:solidFill>
+        </p:spPr>
+        <p:style>
+          <a:lnRef idx="2">
+            <a:schemeClr val="accent1">
+              <a:shade val="15000"/>
+            </a:schemeClr>
+          </a:lnRef>
+          <a:fillRef idx="1">
+            <a:schemeClr val="accent1"/>
+          </a:fillRef>
+          <a:effectRef idx="0">
+            <a:schemeClr val="accent1"/>
+          </a:effectRef>
+          <a:fontRef idx="minor">
+            <a:schemeClr val="lt1"/>
+          </a:fontRef>
+        </p:style>
+        <p:txBody>
+          <a:bodyPr rtlCol="0" anchor="t"/>
+          <a:lstStyle/>
+          <a:p>
+            <a:pPr algn="ctr"/>
+            <a:r>
+              <a:rPr lang="en-US" sz="1400" dirty="0">
+                <a:solidFill>
+                  <a:schemeClr val="tx1"/>
+                </a:solidFill>
+              </a:rPr>
+              <a:t>With Gateway</a:t>
+            </a:r>
+            <a:endParaRPr lang="en-IN" sz="1400" dirty="0">
+              <a:solidFill>
+                <a:schemeClr val="tx1"/>
+              </a:solidFill>
+            </a:endParaRPr>
+          </a:p>
+        </p:txBody>
+      </p:sp>
+      <p:sp>
+        <p:nvSpPr>
+          <p:cNvPr id="34" name="Rectangle 33">
+            <a:extLst>
+              <a:ext uri="{FF2B5EF4-FFF2-40B4-BE49-F238E27FC236}">
+                <a16:creationId xmlns:a16="http://schemas.microsoft.com/office/drawing/2014/main" id="{CD75E0B7-90E8-244E-B061-5F6379B94CE8}"/>
+              </a:ext>
+            </a:extLst>
+          </p:cNvPr>
+          <p:cNvSpPr/>
+          <p:nvPr/>
+        </p:nvSpPr>
+        <p:spPr>
+          <a:xfrm>
+            <a:off x="3237841" y="2477694"/>
+            <a:ext cx="738083" cy="303786"/>
+          </a:xfrm>
+          <a:prstGeom prst="rect">
+            <a:avLst/>
+          </a:prstGeom>
+          <a:solidFill>
+            <a:srgbClr val="FFC000"/>
+          </a:solidFill>
+        </p:spPr>
+        <p:style>
+          <a:lnRef idx="2">
+            <a:schemeClr val="accent1">
+              <a:shade val="15000"/>
+            </a:schemeClr>
+          </a:lnRef>
+          <a:fillRef idx="1">
+            <a:schemeClr val="accent1"/>
+          </a:fillRef>
+          <a:effectRef idx="0">
+            <a:schemeClr val="accent1"/>
+          </a:effectRef>
+          <a:fontRef idx="minor">
+            <a:schemeClr val="lt1"/>
+          </a:fontRef>
+        </p:style>
+        <p:txBody>
+          <a:bodyPr rtlCol="0" anchor="ctr"/>
+          <a:lstStyle/>
+          <a:p>
+            <a:pPr algn="ctr"/>
+            <a:r>
+              <a:rPr lang="en-GB" sz="900" dirty="0">
+                <a:solidFill>
+                  <a:schemeClr val="tx1"/>
+                </a:solidFill>
+              </a:rPr>
+              <a:t>MSMQ</a:t>
+            </a:r>
+          </a:p>
+          <a:p>
+            <a:pPr algn="ctr"/>
+            <a:r>
+              <a:rPr lang="en-GB" sz="900" dirty="0">
+                <a:solidFill>
+                  <a:schemeClr val="tx1"/>
+                </a:solidFill>
+              </a:rPr>
+              <a:t>Excel</a:t>
+            </a:r>
+          </a:p>
+        </p:txBody>
+      </p:sp>
+      <p:sp>
+        <p:nvSpPr>
+          <p:cNvPr id="35" name="Rectangle 34">
+            <a:extLst>
+              <a:ext uri="{FF2B5EF4-FFF2-40B4-BE49-F238E27FC236}">
+                <a16:creationId xmlns:a16="http://schemas.microsoft.com/office/drawing/2014/main" id="{57F87B1F-0DE4-ACD3-A5AA-68B0E22847F0}"/>
+              </a:ext>
+            </a:extLst>
+          </p:cNvPr>
+          <p:cNvSpPr/>
+          <p:nvPr/>
+        </p:nvSpPr>
+        <p:spPr>
+          <a:xfrm>
+            <a:off x="1900576" y="2477694"/>
+            <a:ext cx="738083" cy="303786"/>
+          </a:xfrm>
+          <a:prstGeom prst="rect">
+            <a:avLst/>
+          </a:prstGeom>
+          <a:solidFill>
+            <a:srgbClr val="FFC000"/>
+          </a:solidFill>
+        </p:spPr>
+        <p:style>
+          <a:lnRef idx="2">
+            <a:schemeClr val="accent1">
+              <a:shade val="15000"/>
+            </a:schemeClr>
+          </a:lnRef>
+          <a:fillRef idx="1">
+            <a:schemeClr val="accent1"/>
+          </a:fillRef>
+          <a:effectRef idx="0">
+            <a:schemeClr val="accent1"/>
+          </a:effectRef>
+          <a:fontRef idx="minor">
+            <a:schemeClr val="lt1"/>
+          </a:fontRef>
+        </p:style>
+        <p:txBody>
+          <a:bodyPr rtlCol="0" anchor="ctr"/>
+          <a:lstStyle/>
+          <a:p>
+            <a:pPr algn="ctr"/>
+            <a:r>
+              <a:rPr lang="en-GB" sz="900" dirty="0">
+                <a:solidFill>
+                  <a:schemeClr val="tx1"/>
+                </a:solidFill>
+              </a:rPr>
+              <a:t>HTTP</a:t>
+            </a:r>
+          </a:p>
+          <a:p>
+            <a:pPr algn="ctr"/>
+            <a:r>
+              <a:rPr lang="en-GB" sz="900" dirty="0">
+                <a:solidFill>
+                  <a:schemeClr val="tx1"/>
+                </a:solidFill>
+              </a:rPr>
+              <a:t>JSON</a:t>
+            </a:r>
+          </a:p>
+        </p:txBody>
+      </p:sp>
+      <p:sp>
+        <p:nvSpPr>
+          <p:cNvPr id="36" name="Rectangle 35">
+            <a:extLst>
+              <a:ext uri="{FF2B5EF4-FFF2-40B4-BE49-F238E27FC236}">
+                <a16:creationId xmlns:a16="http://schemas.microsoft.com/office/drawing/2014/main" id="{A3D453A7-CC15-8F63-4007-A720A78FF6BB}"/>
+              </a:ext>
+            </a:extLst>
+          </p:cNvPr>
+          <p:cNvSpPr/>
+          <p:nvPr/>
+        </p:nvSpPr>
+        <p:spPr>
+          <a:xfrm>
+            <a:off x="517887" y="2477694"/>
+            <a:ext cx="738083" cy="303786"/>
+          </a:xfrm>
+          <a:prstGeom prst="rect">
+            <a:avLst/>
+          </a:prstGeom>
+          <a:solidFill>
+            <a:srgbClr val="FFC000"/>
+          </a:solidFill>
+        </p:spPr>
+        <p:style>
+          <a:lnRef idx="2">
+            <a:schemeClr val="accent1">
+              <a:shade val="15000"/>
+            </a:schemeClr>
+          </a:lnRef>
+          <a:fillRef idx="1">
+            <a:schemeClr val="accent1"/>
+          </a:fillRef>
+          <a:effectRef idx="0">
+            <a:schemeClr val="accent1"/>
+          </a:effectRef>
+          <a:fontRef idx="minor">
+            <a:schemeClr val="lt1"/>
+          </a:fontRef>
+        </p:style>
+        <p:txBody>
+          <a:bodyPr rtlCol="0" anchor="ctr"/>
+          <a:lstStyle/>
+          <a:p>
+            <a:pPr algn="ctr"/>
+            <a:r>
+              <a:rPr lang="en-GB" sz="900" dirty="0">
+                <a:solidFill>
+                  <a:schemeClr val="tx1"/>
+                </a:solidFill>
+              </a:rPr>
+              <a:t>TCP</a:t>
+            </a:r>
+          </a:p>
+          <a:p>
+            <a:pPr algn="ctr"/>
+            <a:r>
+              <a:rPr lang="en-GB" sz="900" dirty="0">
+                <a:solidFill>
+                  <a:schemeClr val="tx1"/>
+                </a:solidFill>
+              </a:rPr>
+              <a:t>XML</a:t>
+            </a:r>
+          </a:p>
+        </p:txBody>
+      </p:sp>
+      <p:sp>
+        <p:nvSpPr>
+          <p:cNvPr id="37" name="Rectangle 36">
+            <a:extLst>
+              <a:ext uri="{FF2B5EF4-FFF2-40B4-BE49-F238E27FC236}">
+                <a16:creationId xmlns:a16="http://schemas.microsoft.com/office/drawing/2014/main" id="{CADF395D-B97D-F8F2-D3AE-2ABAFE228B09}"/>
+              </a:ext>
+            </a:extLst>
+          </p:cNvPr>
+          <p:cNvSpPr/>
+          <p:nvPr/>
+        </p:nvSpPr>
+        <p:spPr>
+          <a:xfrm>
+            <a:off x="8520465" y="2477694"/>
+            <a:ext cx="738083" cy="303786"/>
+          </a:xfrm>
+          <a:prstGeom prst="rect">
+            <a:avLst/>
+          </a:prstGeom>
+          <a:solidFill>
+            <a:srgbClr val="FFC000"/>
+          </a:solidFill>
+        </p:spPr>
+        <p:style>
+          <a:lnRef idx="2">
+            <a:schemeClr val="accent1">
+              <a:shade val="15000"/>
+            </a:schemeClr>
+          </a:lnRef>
+          <a:fillRef idx="1">
+            <a:schemeClr val="accent1"/>
+          </a:fillRef>
+          <a:effectRef idx="0">
+            <a:schemeClr val="accent1"/>
+          </a:effectRef>
+          <a:fontRef idx="minor">
+            <a:schemeClr val="lt1"/>
+          </a:fontRef>
+        </p:style>
+        <p:txBody>
+          <a:bodyPr rtlCol="0" anchor="ctr"/>
+          <a:lstStyle/>
+          <a:p>
+            <a:pPr algn="ctr"/>
+            <a:r>
+              <a:rPr lang="en-GB" sz="900" dirty="0">
+                <a:solidFill>
+                  <a:schemeClr val="tx1"/>
+                </a:solidFill>
+              </a:rPr>
+              <a:t>MSMQ</a:t>
+            </a:r>
+          </a:p>
+          <a:p>
+            <a:pPr algn="ctr"/>
+            <a:r>
+              <a:rPr lang="en-GB" sz="900" dirty="0">
+                <a:solidFill>
+                  <a:schemeClr val="tx1"/>
+                </a:solidFill>
+              </a:rPr>
+              <a:t>Excel</a:t>
+            </a:r>
+          </a:p>
+        </p:txBody>
+      </p:sp>
+      <p:sp>
+        <p:nvSpPr>
+          <p:cNvPr id="38" name="Rectangle 37">
+            <a:extLst>
+              <a:ext uri="{FF2B5EF4-FFF2-40B4-BE49-F238E27FC236}">
+                <a16:creationId xmlns:a16="http://schemas.microsoft.com/office/drawing/2014/main" id="{FEF23A90-01FB-EC2C-58EB-D23B21F3BDE1}"/>
+              </a:ext>
+            </a:extLst>
+          </p:cNvPr>
+          <p:cNvSpPr/>
+          <p:nvPr/>
+        </p:nvSpPr>
+        <p:spPr>
+          <a:xfrm>
+            <a:off x="7183200" y="2477694"/>
+            <a:ext cx="738083" cy="303786"/>
+          </a:xfrm>
+          <a:prstGeom prst="rect">
+            <a:avLst/>
+          </a:prstGeom>
+          <a:solidFill>
+            <a:srgbClr val="FFC000"/>
+          </a:solidFill>
+        </p:spPr>
+        <p:style>
+          <a:lnRef idx="2">
+            <a:schemeClr val="accent1">
+              <a:shade val="15000"/>
+            </a:schemeClr>
+          </a:lnRef>
+          <a:fillRef idx="1">
+            <a:schemeClr val="accent1"/>
+          </a:fillRef>
+          <a:effectRef idx="0">
+            <a:schemeClr val="accent1"/>
+          </a:effectRef>
+          <a:fontRef idx="minor">
+            <a:schemeClr val="lt1"/>
+          </a:fontRef>
+        </p:style>
+        <p:txBody>
+          <a:bodyPr rtlCol="0" anchor="ctr"/>
+          <a:lstStyle/>
+          <a:p>
+            <a:pPr algn="ctr"/>
+            <a:r>
+              <a:rPr lang="en-GB" sz="900" dirty="0">
+                <a:solidFill>
+                  <a:schemeClr val="tx1"/>
+                </a:solidFill>
+              </a:rPr>
+              <a:t>HTTP</a:t>
+            </a:r>
+          </a:p>
+          <a:p>
+            <a:pPr algn="ctr"/>
+            <a:r>
+              <a:rPr lang="en-GB" sz="900" dirty="0">
+                <a:solidFill>
+                  <a:schemeClr val="tx1"/>
+                </a:solidFill>
+              </a:rPr>
+              <a:t>JSON</a:t>
+            </a:r>
+          </a:p>
+        </p:txBody>
+      </p:sp>
+      <p:sp>
+        <p:nvSpPr>
+          <p:cNvPr id="39" name="Rectangle 38">
+            <a:extLst>
+              <a:ext uri="{FF2B5EF4-FFF2-40B4-BE49-F238E27FC236}">
+                <a16:creationId xmlns:a16="http://schemas.microsoft.com/office/drawing/2014/main" id="{446BF961-37F2-81BB-75F7-AB0371522274}"/>
+              </a:ext>
+            </a:extLst>
+          </p:cNvPr>
+          <p:cNvSpPr/>
+          <p:nvPr/>
+        </p:nvSpPr>
+        <p:spPr>
+          <a:xfrm>
+            <a:off x="5800511" y="2477694"/>
+            <a:ext cx="738083" cy="303786"/>
+          </a:xfrm>
+          <a:prstGeom prst="rect">
+            <a:avLst/>
+          </a:prstGeom>
+          <a:solidFill>
+            <a:srgbClr val="FFC000"/>
+          </a:solidFill>
+        </p:spPr>
+        <p:style>
+          <a:lnRef idx="2">
+            <a:schemeClr val="accent1">
+              <a:shade val="15000"/>
+            </a:schemeClr>
+          </a:lnRef>
+          <a:fillRef idx="1">
+            <a:schemeClr val="accent1"/>
+          </a:fillRef>
+          <a:effectRef idx="0">
+            <a:schemeClr val="accent1"/>
+          </a:effectRef>
+          <a:fontRef idx="minor">
+            <a:schemeClr val="lt1"/>
+          </a:fontRef>
+        </p:style>
+        <p:txBody>
+          <a:bodyPr rtlCol="0" anchor="ctr"/>
+          <a:lstStyle/>
+          <a:p>
+            <a:pPr algn="ctr"/>
+            <a:r>
+              <a:rPr lang="en-GB" sz="900" dirty="0">
+                <a:solidFill>
+                  <a:schemeClr val="tx1"/>
+                </a:solidFill>
+              </a:rPr>
+              <a:t>TCP</a:t>
+            </a:r>
+          </a:p>
+          <a:p>
+            <a:pPr algn="ctr"/>
+            <a:r>
+              <a:rPr lang="en-GB" sz="900" dirty="0">
+                <a:solidFill>
+                  <a:schemeClr val="tx1"/>
+                </a:solidFill>
+              </a:rPr>
+              <a:t>XML</a:t>
+            </a:r>
+          </a:p>
+        </p:txBody>
+      </p:sp>
+      <p:cxnSp>
+        <p:nvCxnSpPr>
+          <p:cNvPr id="54" name="Straight Arrow Connector 53">
+            <a:extLst>
+              <a:ext uri="{FF2B5EF4-FFF2-40B4-BE49-F238E27FC236}">
+                <a16:creationId xmlns:a16="http://schemas.microsoft.com/office/drawing/2014/main" id="{A5B03626-A780-925A-C0CF-F8E1C7EE20F5}"/>
+              </a:ext>
+            </a:extLst>
+          </p:cNvPr>
+          <p:cNvCxnSpPr>
+            <a:cxnSpLocks/>
+            <a:stCxn id="28" idx="2"/>
+            <a:endCxn id="19" idx="0"/>
+          </p:cNvCxnSpPr>
+          <p:nvPr/>
+        </p:nvCxnSpPr>
+        <p:spPr>
+          <a:xfrm>
+            <a:off x="7537096" y="3459424"/>
+            <a:ext cx="0" cy="637340"/>
+          </a:xfrm>
+          <a:prstGeom prst="straightConnector1">
+            <a:avLst/>
+          </a:prstGeom>
+          <a:ln>
+            <a:tailEnd type="triangle"/>
+          </a:ln>
+        </p:spPr>
+        <p:style>
+          <a:lnRef idx="2">
+            <a:schemeClr val="accent1"/>
+          </a:lnRef>
+          <a:fillRef idx="0">
+            <a:schemeClr val="accent1"/>
+          </a:fillRef>
+          <a:effectRef idx="1">
+            <a:schemeClr val="accent1"/>
+          </a:effectRef>
+          <a:fontRef idx="minor">
+            <a:schemeClr val="tx1"/>
+          </a:fontRef>
+        </p:style>
+      </p:cxnSp>
+    </p:spTree>
+    <p:extLst>
+      <p:ext uri="{BB962C8B-B14F-4D97-AF65-F5344CB8AC3E}">
+        <p14:creationId xmlns:p14="http://schemas.microsoft.com/office/powerpoint/2010/main" val="1079409090"/>
+      </p:ext>
+    </p:extLst>
+  </p:cSld>
+  <p:clrMapOvr>
+    <a:masterClrMapping/>
+  </p:clrMapOvr>
+</p:sld>
+</file>
+
 <file path=ppt/slides/slide2.xml><?xml version="1.0" encoding="utf-8"?>
 <p:sld xmlns:a="http://schemas.openxmlformats.org/drawingml/2006/main" xmlns:r="http://schemas.openxmlformats.org/officeDocument/2006/relationships" xmlns:p="http://schemas.openxmlformats.org/presentationml/2006/main">
   <p:cSld>
@@ -8465,7 +10215,7 @@
           <a:lstStyle/>
           <a:p>
             <a:r>
-              <a:rPr lang="en-US" sz="1200">
+              <a:rPr lang="en-US" sz="1200" dirty="0">
                 <a:solidFill>
                   <a:schemeClr val="bg1"/>
                 </a:solidFill>
@@ -12655,7 +14405,7 @@
           <a:lstStyle/>
           <a:p>
             <a:pPr algn="ctr"/>
-            <a:endParaRPr lang="en-IN" sz="1200"/>
+            <a:endParaRPr lang="en-IN" sz="1200" dirty="0"/>
           </a:p>
         </p:txBody>
       </p:sp>
@@ -12701,7 +14451,7 @@
           <a:lstStyle/>
           <a:p>
             <a:pPr algn="ctr"/>
-            <a:endParaRPr lang="en-IN" sz="1200"/>
+            <a:endParaRPr lang="en-IN" sz="1200" dirty="0"/>
           </a:p>
         </p:txBody>
       </p:sp>
@@ -12747,7 +14497,7 @@
           <a:lstStyle/>
           <a:p>
             <a:pPr algn="ctr"/>
-            <a:endParaRPr lang="en-IN" sz="1200"/>
+            <a:endParaRPr lang="en-IN" sz="1200" dirty="0"/>
           </a:p>
         </p:txBody>
       </p:sp>
@@ -12793,7 +14543,7 @@
           <a:lstStyle/>
           <a:p>
             <a:pPr algn="ctr"/>
-            <a:endParaRPr lang="en-IN" sz="1200"/>
+            <a:endParaRPr lang="en-IN" sz="1200" dirty="0"/>
           </a:p>
         </p:txBody>
       </p:sp>
@@ -13295,7 +15045,7 @@
           <a:lstStyle/>
           <a:p>
             <a:pPr algn="ctr"/>
-            <a:endParaRPr lang="en-IN"/>
+            <a:endParaRPr lang="en-IN" dirty="0"/>
           </a:p>
         </p:txBody>
       </p:sp>
@@ -13513,7 +15263,7 @@
           <a:lstStyle/>
           <a:p>
             <a:pPr algn="ctr"/>
-            <a:endParaRPr lang="en-IN" sz="1200"/>
+            <a:endParaRPr lang="en-IN" sz="1200" dirty="0"/>
           </a:p>
         </p:txBody>
       </p:sp>
@@ -13878,7 +15628,7 @@
           <a:lstStyle/>
           <a:p>
             <a:pPr algn="ctr"/>
-            <a:endParaRPr lang="en-IN" sz="1200"/>
+            <a:endParaRPr lang="en-IN" sz="1200" dirty="0"/>
           </a:p>
         </p:txBody>
       </p:sp>
@@ -13924,7 +15674,7 @@
           <a:lstStyle/>
           <a:p>
             <a:pPr algn="ctr"/>
-            <a:endParaRPr lang="en-IN" sz="1200"/>
+            <a:endParaRPr lang="en-IN" sz="1200" dirty="0"/>
           </a:p>
         </p:txBody>
       </p:sp>
@@ -13970,7 +15720,7 @@
           <a:lstStyle/>
           <a:p>
             <a:pPr algn="ctr"/>
-            <a:endParaRPr lang="en-IN" sz="1200"/>
+            <a:endParaRPr lang="en-IN" sz="1200" dirty="0"/>
           </a:p>
         </p:txBody>
       </p:sp>
@@ -14016,7 +15766,7 @@
           <a:lstStyle/>
           <a:p>
             <a:pPr algn="ctr"/>
-            <a:endParaRPr lang="en-IN" sz="1200"/>
+            <a:endParaRPr lang="en-IN" sz="1200" dirty="0"/>
           </a:p>
         </p:txBody>
       </p:sp>
@@ -14126,7 +15876,7 @@
           <a:lstStyle/>
           <a:p>
             <a:pPr algn="ctr"/>
-            <a:endParaRPr lang="en-IN" sz="1200"/>
+            <a:endParaRPr lang="en-IN" sz="1200" dirty="0"/>
           </a:p>
         </p:txBody>
       </p:sp>
@@ -15674,7 +17424,7 @@
           <a:p>
             <a:pPr algn="ctr"/>
             <a:r>
-              <a:rPr lang="en-US" sz="700">
+              <a:rPr lang="en-US" sz="700" dirty="0">
                 <a:solidFill>
                   <a:schemeClr val="bg1"/>
                 </a:solidFill>
@@ -15757,7 +17507,7 @@
           <a:lstStyle/>
           <a:p>
             <a:pPr algn="ctr"/>
-            <a:endParaRPr lang="en-US" sz="1200"/>
+            <a:endParaRPr lang="en-US" sz="1200" dirty="0"/>
           </a:p>
         </p:txBody>
       </p:sp>
@@ -15803,7 +17553,7 @@
           <a:lstStyle/>
           <a:p>
             <a:pPr algn="ctr"/>
-            <a:endParaRPr lang="en-IN"/>
+            <a:endParaRPr lang="en-IN" dirty="0"/>
           </a:p>
         </p:txBody>
       </p:sp>
@@ -15849,7 +17599,7 @@
           <a:lstStyle/>
           <a:p>
             <a:pPr algn="ctr"/>
-            <a:endParaRPr lang="en-IN"/>
+            <a:endParaRPr lang="en-IN" dirty="0"/>
           </a:p>
         </p:txBody>
       </p:sp>
@@ -16554,7 +18304,7 @@
           <a:bodyPr/>
           <a:lstStyle/>
           <a:p>
-            <a:endParaRPr lang="en-IN"/>
+            <a:endParaRPr lang="en-IN" dirty="0"/>
           </a:p>
         </p:txBody>
       </p:sp>
@@ -16579,7 +18329,7 @@
           <a:bodyPr/>
           <a:lstStyle/>
           <a:p>
-            <a:endParaRPr lang="en-IN"/>
+            <a:endParaRPr lang="en-IN" dirty="0"/>
           </a:p>
         </p:txBody>
       </p:sp>

--- a/assets/files/Presentation1.pptx
+++ b/assets/files/Presentation1.pptx
@@ -11,10 +11,10 @@
     <p:sldId id="258" r:id="rId5"/>
     <p:sldId id="261" r:id="rId6"/>
     <p:sldId id="262" r:id="rId7"/>
-    <p:sldId id="263" r:id="rId8"/>
-    <p:sldId id="259" r:id="rId9"/>
-    <p:sldId id="264" r:id="rId10"/>
-    <p:sldId id="265" r:id="rId11"/>
+    <p:sldId id="259" r:id="rId8"/>
+    <p:sldId id="264" r:id="rId9"/>
+    <p:sldId id="265" r:id="rId10"/>
+    <p:sldId id="263" r:id="rId11"/>
   </p:sldIdLst>
   <p:sldSz cx="12192000" cy="6858000"/>
   <p:notesSz cx="6858000" cy="9144000"/>
@@ -3253,7 +3253,7 @@
           <a:p>
             <a:fld id="{2598EF57-6C51-49AC-9799-C981D6D04785}" type="datetimeFigureOut">
               <a:rPr lang="en-IN" smtClean="0"/>
-              <a:t>30-05-2025</a:t>
+              <a:t>19-06-2025</a:t>
             </a:fld>
             <a:endParaRPr lang="en-IN" dirty="0"/>
           </a:p>
@@ -3453,7 +3453,7 @@
           <a:p>
             <a:fld id="{2598EF57-6C51-49AC-9799-C981D6D04785}" type="datetimeFigureOut">
               <a:rPr lang="en-IN" smtClean="0"/>
-              <a:t>30-05-2025</a:t>
+              <a:t>19-06-2025</a:t>
             </a:fld>
             <a:endParaRPr lang="en-IN" dirty="0"/>
           </a:p>
@@ -3663,7 +3663,7 @@
           <a:p>
             <a:fld id="{2598EF57-6C51-49AC-9799-C981D6D04785}" type="datetimeFigureOut">
               <a:rPr lang="en-IN" smtClean="0"/>
-              <a:t>30-05-2025</a:t>
+              <a:t>19-06-2025</a:t>
             </a:fld>
             <a:endParaRPr lang="en-IN" dirty="0"/>
           </a:p>
@@ -3863,7 +3863,7 @@
           <a:p>
             <a:fld id="{2598EF57-6C51-49AC-9799-C981D6D04785}" type="datetimeFigureOut">
               <a:rPr lang="en-IN" smtClean="0"/>
-              <a:t>30-05-2025</a:t>
+              <a:t>19-06-2025</a:t>
             </a:fld>
             <a:endParaRPr lang="en-IN" dirty="0"/>
           </a:p>
@@ -4139,7 +4139,7 @@
           <a:p>
             <a:fld id="{2598EF57-6C51-49AC-9799-C981D6D04785}" type="datetimeFigureOut">
               <a:rPr lang="en-IN" smtClean="0"/>
-              <a:t>30-05-2025</a:t>
+              <a:t>19-06-2025</a:t>
             </a:fld>
             <a:endParaRPr lang="en-IN" dirty="0"/>
           </a:p>
@@ -4407,7 +4407,7 @@
           <a:p>
             <a:fld id="{2598EF57-6C51-49AC-9799-C981D6D04785}" type="datetimeFigureOut">
               <a:rPr lang="en-IN" smtClean="0"/>
-              <a:t>30-05-2025</a:t>
+              <a:t>19-06-2025</a:t>
             </a:fld>
             <a:endParaRPr lang="en-IN" dirty="0"/>
           </a:p>
@@ -4822,7 +4822,7 @@
           <a:p>
             <a:fld id="{2598EF57-6C51-49AC-9799-C981D6D04785}" type="datetimeFigureOut">
               <a:rPr lang="en-IN" smtClean="0"/>
-              <a:t>30-05-2025</a:t>
+              <a:t>19-06-2025</a:t>
             </a:fld>
             <a:endParaRPr lang="en-IN" dirty="0"/>
           </a:p>
@@ -4964,7 +4964,7 @@
           <a:p>
             <a:fld id="{2598EF57-6C51-49AC-9799-C981D6D04785}" type="datetimeFigureOut">
               <a:rPr lang="en-IN" smtClean="0"/>
-              <a:t>30-05-2025</a:t>
+              <a:t>19-06-2025</a:t>
             </a:fld>
             <a:endParaRPr lang="en-IN" dirty="0"/>
           </a:p>
@@ -5077,7 +5077,7 @@
           <a:p>
             <a:fld id="{2598EF57-6C51-49AC-9799-C981D6D04785}" type="datetimeFigureOut">
               <a:rPr lang="en-IN" smtClean="0"/>
-              <a:t>30-05-2025</a:t>
+              <a:t>19-06-2025</a:t>
             </a:fld>
             <a:endParaRPr lang="en-IN" dirty="0"/>
           </a:p>
@@ -5390,7 +5390,7 @@
           <a:p>
             <a:fld id="{2598EF57-6C51-49AC-9799-C981D6D04785}" type="datetimeFigureOut">
               <a:rPr lang="en-IN" smtClean="0"/>
-              <a:t>30-05-2025</a:t>
+              <a:t>19-06-2025</a:t>
             </a:fld>
             <a:endParaRPr lang="en-IN" dirty="0"/>
           </a:p>
@@ -5679,7 +5679,7 @@
           <a:p>
             <a:fld id="{2598EF57-6C51-49AC-9799-C981D6D04785}" type="datetimeFigureOut">
               <a:rPr lang="en-IN" smtClean="0"/>
-              <a:t>30-05-2025</a:t>
+              <a:t>19-06-2025</a:t>
             </a:fld>
             <a:endParaRPr lang="en-IN" dirty="0"/>
           </a:p>
@@ -5922,7 +5922,7 @@
           <a:p>
             <a:fld id="{2598EF57-6C51-49AC-9799-C981D6D04785}" type="datetimeFigureOut">
               <a:rPr lang="en-IN" smtClean="0"/>
-              <a:t>30-05-2025</a:t>
+              <a:t>19-06-2025</a:t>
             </a:fld>
             <a:endParaRPr lang="en-IN" dirty="0"/>
           </a:p>
@@ -7632,7 +7632,13 @@
   <p:cSld>
     <p:spTree>
       <p:nvGrpSpPr>
-        <p:cNvPr id="1" name=""/>
+        <p:cNvPr id="1" name="">
+          <a:extLst>
+            <a:ext uri="{FF2B5EF4-FFF2-40B4-BE49-F238E27FC236}">
+              <a16:creationId xmlns:a16="http://schemas.microsoft.com/office/drawing/2014/main" id="{24BF99B2-84E7-64B6-3334-C301A6E93DF6}"/>
+            </a:ext>
+          </a:extLst>
+        </p:cNvPr>
         <p:cNvGrpSpPr/>
         <p:nvPr/>
       </p:nvGrpSpPr>
@@ -7646,10 +7652,10 @@
       </p:grpSpPr>
       <p:sp>
         <p:nvSpPr>
-          <p:cNvPr id="4" name="Rectangle 3">
-            <a:extLst>
-              <a:ext uri="{FF2B5EF4-FFF2-40B4-BE49-F238E27FC236}">
-                <a16:creationId xmlns:a16="http://schemas.microsoft.com/office/drawing/2014/main" id="{CDB70D3E-C3A5-BAE0-F90E-F0CCCBE39722}"/>
+          <p:cNvPr id="10" name="Rectangle 9">
+            <a:extLst>
+              <a:ext uri="{FF2B5EF4-FFF2-40B4-BE49-F238E27FC236}">
+                <a16:creationId xmlns:a16="http://schemas.microsoft.com/office/drawing/2014/main" id="{9DFA75C8-002D-BF58-6B6F-6979C5C546BA}"/>
               </a:ext>
             </a:extLst>
           </p:cNvPr>
@@ -7658,8 +7664,8 @@
         </p:nvSpPr>
         <p:spPr>
           <a:xfrm>
-            <a:off x="441789" y="410966"/>
-            <a:ext cx="8907998" cy="410067"/>
+            <a:off x="441788" y="410966"/>
+            <a:ext cx="11342669" cy="410067"/>
           </a:xfrm>
           <a:prstGeom prst="rect">
             <a:avLst/>
@@ -7690,14 +7696,13 @@
           <a:bodyPr rtlCol="0" anchor="t"/>
           <a:lstStyle/>
           <a:p>
-            <a:pPr algn="ctr"/>
             <a:r>
               <a:rPr lang="en-US" sz="2000" dirty="0">
                 <a:solidFill>
                   <a:schemeClr val="tx1"/>
                 </a:solidFill>
               </a:rPr>
-              <a:t>Data Transformation</a:t>
+              <a:t>Distributed Multi Agent System</a:t>
             </a:r>
             <a:endParaRPr lang="en-IN" sz="2000" dirty="0">
               <a:solidFill>
@@ -7709,10 +7714,10 @@
       </p:sp>
       <p:sp>
         <p:nvSpPr>
-          <p:cNvPr id="5" name="Rectangle 4">
-            <a:extLst>
-              <a:ext uri="{FF2B5EF4-FFF2-40B4-BE49-F238E27FC236}">
-                <a16:creationId xmlns:a16="http://schemas.microsoft.com/office/drawing/2014/main" id="{E944D9FA-6103-8F13-C92D-DAA81A45A9C3}"/>
+          <p:cNvPr id="11" name="Rectangle 10">
+            <a:extLst>
+              <a:ext uri="{FF2B5EF4-FFF2-40B4-BE49-F238E27FC236}">
+                <a16:creationId xmlns:a16="http://schemas.microsoft.com/office/drawing/2014/main" id="{B1E781A5-BF0C-1BE0-EEF3-3976182A0B13}"/>
               </a:ext>
             </a:extLst>
           </p:cNvPr>
@@ -7721,8 +7726,8 @@
         </p:nvSpPr>
         <p:spPr>
           <a:xfrm>
-            <a:off x="1794196" y="1836770"/>
-            <a:ext cx="920561" cy="359176"/>
+            <a:off x="5472807" y="1090671"/>
+            <a:ext cx="804703" cy="410067"/>
           </a:xfrm>
           <a:prstGeom prst="rect">
             <a:avLst/>
@@ -7751,19 +7756,19 @@
           </a:fontRef>
         </p:style>
         <p:txBody>
-          <a:bodyPr rtlCol="0" anchor="ctr"/>
+          <a:bodyPr rtlCol="0" anchor="t"/>
           <a:lstStyle/>
           <a:p>
             <a:pPr algn="ctr"/>
             <a:r>
-              <a:rPr lang="en-US" sz="1200" dirty="0">
+              <a:rPr lang="en-US" dirty="0">
                 <a:solidFill>
                   <a:schemeClr val="bg1"/>
                 </a:solidFill>
               </a:rPr>
-              <a:t>System 2</a:t>
-            </a:r>
-            <a:endParaRPr lang="en-IN" sz="1200" dirty="0">
+              <a:t>Agent 2</a:t>
+            </a:r>
+            <a:endParaRPr lang="en-IN" dirty="0">
               <a:solidFill>
                 <a:schemeClr val="bg1"/>
               </a:solidFill>
@@ -7773,10 +7778,10 @@
       </p:sp>
       <p:sp>
         <p:nvSpPr>
-          <p:cNvPr id="6" name="Rectangle 5">
-            <a:extLst>
-              <a:ext uri="{FF2B5EF4-FFF2-40B4-BE49-F238E27FC236}">
-                <a16:creationId xmlns:a16="http://schemas.microsoft.com/office/drawing/2014/main" id="{63F524DC-DB75-D27F-CDF0-7A6AA2757E90}"/>
+          <p:cNvPr id="26" name="Rectangle 25">
+            <a:extLst>
+              <a:ext uri="{FF2B5EF4-FFF2-40B4-BE49-F238E27FC236}">
+                <a16:creationId xmlns:a16="http://schemas.microsoft.com/office/drawing/2014/main" id="{DC7B9B31-2F65-F9BD-3247-DE905C14FC71}"/>
               </a:ext>
             </a:extLst>
           </p:cNvPr>
@@ -7785,8 +7790,8 @@
         </p:nvSpPr>
         <p:spPr>
           <a:xfrm>
-            <a:off x="441788" y="1836771"/>
-            <a:ext cx="920561" cy="359176"/>
+            <a:off x="3804843" y="5573279"/>
+            <a:ext cx="1268602" cy="410067"/>
           </a:xfrm>
           <a:prstGeom prst="rect">
             <a:avLst/>
@@ -7815,19 +7820,19 @@
           </a:fontRef>
         </p:style>
         <p:txBody>
-          <a:bodyPr rtlCol="0" anchor="ctr"/>
+          <a:bodyPr rtlCol="0" anchor="t"/>
           <a:lstStyle/>
           <a:p>
             <a:pPr algn="ctr"/>
             <a:r>
-              <a:rPr lang="en-US" sz="1200" dirty="0">
+              <a:rPr lang="en-US" dirty="0">
                 <a:solidFill>
                   <a:schemeClr val="bg1"/>
                 </a:solidFill>
               </a:rPr>
-              <a:t>System 1</a:t>
-            </a:r>
-            <a:endParaRPr lang="en-IN" sz="1200" dirty="0">
+              <a:t>Ingestion</a:t>
+            </a:r>
+            <a:endParaRPr lang="en-IN" dirty="0">
               <a:solidFill>
                 <a:schemeClr val="bg1"/>
               </a:solidFill>
@@ -7837,10 +7842,10 @@
       </p:sp>
       <p:sp>
         <p:nvSpPr>
-          <p:cNvPr id="7" name="Rectangle 6">
-            <a:extLst>
-              <a:ext uri="{FF2B5EF4-FFF2-40B4-BE49-F238E27FC236}">
-                <a16:creationId xmlns:a16="http://schemas.microsoft.com/office/drawing/2014/main" id="{5000937C-8A2C-F03F-67ED-CC877957E060}"/>
+          <p:cNvPr id="19" name="Rectangle 18">
+            <a:extLst>
+              <a:ext uri="{FF2B5EF4-FFF2-40B4-BE49-F238E27FC236}">
+                <a16:creationId xmlns:a16="http://schemas.microsoft.com/office/drawing/2014/main" id="{F65C49D3-8472-B9F2-D895-B543D4715C68}"/>
               </a:ext>
             </a:extLst>
           </p:cNvPr>
@@ -7849,8 +7854,8 @@
         </p:nvSpPr>
         <p:spPr>
           <a:xfrm>
-            <a:off x="1645249" y="4013191"/>
-            <a:ext cx="1218453" cy="410067"/>
+            <a:off x="10544765" y="1943214"/>
+            <a:ext cx="1239692" cy="422943"/>
           </a:xfrm>
           <a:prstGeom prst="rect">
             <a:avLst/>
@@ -7884,14 +7889,14 @@
           <a:p>
             <a:pPr algn="ctr"/>
             <a:r>
-              <a:rPr lang="en-US" sz="1400" dirty="0">
+              <a:rPr lang="en-US" dirty="0">
                 <a:solidFill>
                   <a:schemeClr val="tx1"/>
                 </a:solidFill>
               </a:rPr>
-              <a:t>Client App</a:t>
-            </a:r>
-            <a:endParaRPr lang="en-IN" sz="1400" dirty="0">
+              <a:t>Effectors</a:t>
+            </a:r>
+            <a:endParaRPr lang="en-IN" dirty="0">
               <a:solidFill>
                 <a:schemeClr val="tx1"/>
               </a:solidFill>
@@ -7901,10 +7906,10 @@
       </p:sp>
       <p:sp>
         <p:nvSpPr>
-          <p:cNvPr id="8" name="Rectangle 7">
-            <a:extLst>
-              <a:ext uri="{FF2B5EF4-FFF2-40B4-BE49-F238E27FC236}">
-                <a16:creationId xmlns:a16="http://schemas.microsoft.com/office/drawing/2014/main" id="{3B9B032C-4882-462D-FFA4-208F369EA770}"/>
+          <p:cNvPr id="12" name="Rectangle 11">
+            <a:extLst>
+              <a:ext uri="{FF2B5EF4-FFF2-40B4-BE49-F238E27FC236}">
+                <a16:creationId xmlns:a16="http://schemas.microsoft.com/office/drawing/2014/main" id="{18457AEE-3D17-B2A5-6111-A423A91807DC}"/>
               </a:ext>
             </a:extLst>
           </p:cNvPr>
@@ -7913,16 +7918,16 @@
         </p:nvSpPr>
         <p:spPr>
           <a:xfrm>
-            <a:off x="3146604" y="1836770"/>
-            <a:ext cx="920561" cy="359176"/>
+            <a:off x="604493" y="1079686"/>
+            <a:ext cx="1218453" cy="410067"/>
           </a:xfrm>
           <a:prstGeom prst="rect">
             <a:avLst/>
           </a:prstGeom>
           <a:solidFill>
-            <a:schemeClr val="tx1">
-              <a:lumMod val="75000"/>
-              <a:lumOff val="25000"/>
+            <a:schemeClr val="accent2">
+              <a:lumMod val="60000"/>
+              <a:lumOff val="40000"/>
             </a:schemeClr>
           </a:solidFill>
         </p:spPr>
@@ -7948,14 +7953,78 @@
           <a:p>
             <a:pPr algn="ctr"/>
             <a:r>
-              <a:rPr lang="en-US" sz="1200" dirty="0">
+              <a:rPr lang="en-US" sz="1600" dirty="0">
+                <a:solidFill>
+                  <a:schemeClr val="tx1"/>
+                </a:solidFill>
+              </a:rPr>
+              <a:t>User Input</a:t>
+            </a:r>
+            <a:endParaRPr lang="en-IN" sz="1600" dirty="0">
+              <a:solidFill>
+                <a:schemeClr val="tx1"/>
+              </a:solidFill>
+            </a:endParaRPr>
+          </a:p>
+        </p:txBody>
+      </p:sp>
+      <p:sp>
+        <p:nvSpPr>
+          <p:cNvPr id="27" name="Rectangle 26">
+            <a:extLst>
+              <a:ext uri="{FF2B5EF4-FFF2-40B4-BE49-F238E27FC236}">
+                <a16:creationId xmlns:a16="http://schemas.microsoft.com/office/drawing/2014/main" id="{E5D3F64A-7A29-51D2-7927-048BF85C5EBB}"/>
+              </a:ext>
+            </a:extLst>
+          </p:cNvPr>
+          <p:cNvSpPr/>
+          <p:nvPr/>
+        </p:nvSpPr>
+        <p:spPr>
+          <a:xfrm>
+            <a:off x="10863982" y="1329130"/>
+            <a:ext cx="1218453" cy="392990"/>
+          </a:xfrm>
+          <a:prstGeom prst="rect">
+            <a:avLst/>
+          </a:prstGeom>
+          <a:solidFill>
+            <a:schemeClr val="tx1">
+              <a:lumMod val="75000"/>
+              <a:lumOff val="25000"/>
+            </a:schemeClr>
+          </a:solidFill>
+        </p:spPr>
+        <p:style>
+          <a:lnRef idx="2">
+            <a:schemeClr val="accent1">
+              <a:shade val="15000"/>
+            </a:schemeClr>
+          </a:lnRef>
+          <a:fillRef idx="1">
+            <a:schemeClr val="accent1"/>
+          </a:fillRef>
+          <a:effectRef idx="0">
+            <a:schemeClr val="accent1"/>
+          </a:effectRef>
+          <a:fontRef idx="minor">
+            <a:schemeClr val="lt1"/>
+          </a:fontRef>
+        </p:style>
+        <p:txBody>
+          <a:bodyPr rtlCol="0" anchor="ctr"/>
+          <a:lstStyle/>
+          <a:p>
+            <a:pPr algn="ctr"/>
+            <a:r>
+              <a:rPr lang="en-US" sz="1600" dirty="0">
                 <a:solidFill>
                   <a:schemeClr val="bg1"/>
                 </a:solidFill>
               </a:rPr>
-              <a:t>System 3</a:t>
-            </a:r>
-            <a:endParaRPr lang="en-IN" sz="1200" dirty="0">
+              <a:t>Decision</a:t>
+            </a:r>
+            <a:endParaRPr lang="en-IN" sz="1600" dirty="0">
               <a:solidFill>
                 <a:schemeClr val="bg1"/>
               </a:solidFill>
@@ -7965,139 +8034,54 @@
       </p:sp>
       <p:cxnSp>
         <p:nvCxnSpPr>
-          <p:cNvPr id="11" name="Connector: Elbow 10">
-            <a:extLst>
-              <a:ext uri="{FF2B5EF4-FFF2-40B4-BE49-F238E27FC236}">
-                <a16:creationId xmlns:a16="http://schemas.microsoft.com/office/drawing/2014/main" id="{1BF7F1F1-CE7F-4D3D-A170-98F99405DB73}"/>
+          <p:cNvPr id="35" name="Straight Arrow Connector 34">
+            <a:extLst>
+              <a:ext uri="{FF2B5EF4-FFF2-40B4-BE49-F238E27FC236}">
+                <a16:creationId xmlns:a16="http://schemas.microsoft.com/office/drawing/2014/main" id="{ED2E6251-282E-A3C8-0FC5-C8EBFECD441C}"/>
               </a:ext>
             </a:extLst>
           </p:cNvPr>
           <p:cNvCxnSpPr>
             <a:cxnSpLocks/>
-            <a:stCxn id="6" idx="2"/>
-            <a:endCxn id="7" idx="0"/>
+            <a:endCxn id="19" idx="2"/>
           </p:cNvCxnSpPr>
           <p:nvPr/>
         </p:nvCxnSpPr>
         <p:spPr>
-          <a:xfrm rot="16200000" flipH="1">
-            <a:off x="669650" y="2428365"/>
-            <a:ext cx="1817244" cy="1352407"/>
+          <a:xfrm rot="5400000">
+            <a:off x="12294811" y="1235958"/>
+            <a:ext cx="12700" cy="2260399"/>
           </a:xfrm>
           <a:prstGeom prst="bentConnector3">
-            <a:avLst/>
-          </a:prstGeom>
-          <a:ln>
+            <a:avLst>
+              <a:gd name="adj1" fmla="val 1800000"/>
+            </a:avLst>
+          </a:prstGeom>
+          <a:ln w="28575">
             <a:tailEnd type="triangle"/>
           </a:ln>
         </p:spPr>
         <p:style>
-          <a:lnRef idx="2">
-            <a:schemeClr val="accent1"/>
+          <a:lnRef idx="1">
+            <a:schemeClr val="accent6"/>
           </a:lnRef>
           <a:fillRef idx="0">
-            <a:schemeClr val="accent1"/>
+            <a:schemeClr val="accent6"/>
           </a:fillRef>
-          <a:effectRef idx="1">
-            <a:schemeClr val="accent1"/>
+          <a:effectRef idx="0">
+            <a:schemeClr val="accent6"/>
           </a:effectRef>
           <a:fontRef idx="minor">
             <a:schemeClr val="tx1"/>
           </a:fontRef>
         </p:style>
       </p:cxnSp>
-      <p:cxnSp>
-        <p:nvCxnSpPr>
-          <p:cNvPr id="13" name="Connector: Elbow 12">
-            <a:extLst>
-              <a:ext uri="{FF2B5EF4-FFF2-40B4-BE49-F238E27FC236}">
-                <a16:creationId xmlns:a16="http://schemas.microsoft.com/office/drawing/2014/main" id="{D5F1D27D-9D6B-23FD-E459-4CA83CD4EF1A}"/>
-              </a:ext>
-            </a:extLst>
-          </p:cNvPr>
-          <p:cNvCxnSpPr>
-            <a:cxnSpLocks/>
-            <a:stCxn id="5" idx="2"/>
-            <a:endCxn id="7" idx="0"/>
-          </p:cNvCxnSpPr>
-          <p:nvPr/>
-        </p:nvCxnSpPr>
-        <p:spPr>
-          <a:xfrm rot="5400000">
-            <a:off x="1345855" y="3104568"/>
-            <a:ext cx="1817245" cy="1"/>
-          </a:xfrm>
-          <a:prstGeom prst="bentConnector3">
-            <a:avLst/>
-          </a:prstGeom>
-          <a:ln>
-            <a:tailEnd type="triangle"/>
-          </a:ln>
-        </p:spPr>
-        <p:style>
-          <a:lnRef idx="2">
-            <a:schemeClr val="accent1"/>
-          </a:lnRef>
-          <a:fillRef idx="0">
-            <a:schemeClr val="accent1"/>
-          </a:fillRef>
-          <a:effectRef idx="1">
-            <a:schemeClr val="accent1"/>
-          </a:effectRef>
-          <a:fontRef idx="minor">
-            <a:schemeClr val="tx1"/>
-          </a:fontRef>
-        </p:style>
-      </p:cxnSp>
-      <p:cxnSp>
-        <p:nvCxnSpPr>
-          <p:cNvPr id="15" name="Connector: Elbow 14">
-            <a:extLst>
-              <a:ext uri="{FF2B5EF4-FFF2-40B4-BE49-F238E27FC236}">
-                <a16:creationId xmlns:a16="http://schemas.microsoft.com/office/drawing/2014/main" id="{DC8D1EBB-4A30-10A8-CAD0-4E6CC2D2713D}"/>
-              </a:ext>
-            </a:extLst>
-          </p:cNvPr>
-          <p:cNvCxnSpPr>
-            <a:cxnSpLocks/>
-            <a:stCxn id="8" idx="2"/>
-            <a:endCxn id="7" idx="0"/>
-          </p:cNvCxnSpPr>
-          <p:nvPr/>
-        </p:nvCxnSpPr>
-        <p:spPr>
-          <a:xfrm rot="5400000">
-            <a:off x="2022059" y="2428364"/>
-            <a:ext cx="1817245" cy="1352409"/>
-          </a:xfrm>
-          <a:prstGeom prst="bentConnector3">
-            <a:avLst/>
-          </a:prstGeom>
-          <a:ln>
-            <a:tailEnd type="triangle"/>
-          </a:ln>
-        </p:spPr>
-        <p:style>
-          <a:lnRef idx="2">
-            <a:schemeClr val="accent1"/>
-          </a:lnRef>
-          <a:fillRef idx="0">
-            <a:schemeClr val="accent1"/>
-          </a:fillRef>
-          <a:effectRef idx="1">
-            <a:schemeClr val="accent1"/>
-          </a:effectRef>
-          <a:fontRef idx="minor">
-            <a:schemeClr val="tx1"/>
-          </a:fontRef>
-        </p:style>
-      </p:cxnSp>
-      <p:sp>
-        <p:nvSpPr>
-          <p:cNvPr id="16" name="Rectangle 15">
-            <a:extLst>
-              <a:ext uri="{FF2B5EF4-FFF2-40B4-BE49-F238E27FC236}">
-                <a16:creationId xmlns:a16="http://schemas.microsoft.com/office/drawing/2014/main" id="{91F2A448-87DF-2B06-DF2A-F6E82EE94ED5}"/>
+      <p:sp>
+        <p:nvSpPr>
+          <p:cNvPr id="7" name="Rectangle 6">
+            <a:extLst>
+              <a:ext uri="{FF2B5EF4-FFF2-40B4-BE49-F238E27FC236}">
+                <a16:creationId xmlns:a16="http://schemas.microsoft.com/office/drawing/2014/main" id="{265C7DAB-56B3-A6B6-D6BE-CB7C6EB9815F}"/>
               </a:ext>
             </a:extLst>
           </p:cNvPr>
@@ -8106,16 +8090,16 @@
         </p:nvSpPr>
         <p:spPr>
           <a:xfrm>
-            <a:off x="441788" y="4727046"/>
-            <a:ext cx="3625377" cy="1781904"/>
+            <a:off x="7428036" y="1090671"/>
+            <a:ext cx="804703" cy="410067"/>
           </a:xfrm>
           <a:prstGeom prst="rect">
             <a:avLst/>
           </a:prstGeom>
           <a:solidFill>
-            <a:schemeClr val="accent2">
-              <a:lumMod val="20000"/>
-              <a:lumOff val="80000"/>
+            <a:schemeClr val="tx1">
+              <a:lumMod val="75000"/>
+              <a:lumOff val="25000"/>
             </a:schemeClr>
           </a:solidFill>
         </p:spPr>
@@ -8139,93 +8123,29 @@
           <a:bodyPr rtlCol="0" anchor="t"/>
           <a:lstStyle/>
           <a:p>
-            <a:r>
-              <a:rPr lang="en-IN" sz="1100" dirty="0">
-                <a:solidFill>
-                  <a:schemeClr val="tx1"/>
+            <a:pPr algn="ctr"/>
+            <a:r>
+              <a:rPr lang="en-US" dirty="0">
+                <a:solidFill>
+                  <a:schemeClr val="bg1"/>
                 </a:solidFill>
               </a:rPr>
-              <a:t>In this setup a client application needs to perform tasks to talk to all 3 systems -</a:t>
-            </a:r>
-          </a:p>
-          <a:p>
-            <a:pPr marL="228600" indent="-228600">
-              <a:buFont typeface="+mj-lt"/>
-              <a:buAutoNum type="arabicPeriod"/>
-            </a:pPr>
-            <a:r>
-              <a:rPr lang="en-IN" sz="1100" dirty="0">
-                <a:solidFill>
-                  <a:schemeClr val="tx1"/>
-                </a:solidFill>
-              </a:rPr>
-              <a:t>Protocol (TCP /HTTP/MSMQ)</a:t>
-            </a:r>
-          </a:p>
-          <a:p>
-            <a:pPr marL="228600" indent="-228600">
-              <a:buFont typeface="+mj-lt"/>
-              <a:buAutoNum type="arabicPeriod"/>
-            </a:pPr>
-            <a:r>
-              <a:rPr lang="en-IN" sz="1100" dirty="0">
-                <a:solidFill>
-                  <a:schemeClr val="tx1"/>
-                </a:solidFill>
-              </a:rPr>
-              <a:t>Data Format( XML/JSON/CSV/EXCEL/Proprietary)</a:t>
-            </a:r>
-          </a:p>
-          <a:p>
-            <a:pPr marL="228600" indent="-228600">
-              <a:buFont typeface="+mj-lt"/>
-              <a:buAutoNum type="arabicPeriod"/>
-            </a:pPr>
-            <a:r>
-              <a:rPr lang="en-IN" sz="1100" dirty="0">
-                <a:solidFill>
-                  <a:schemeClr val="tx1"/>
-                </a:solidFill>
-              </a:rPr>
-              <a:t>Transformation( Convert in format that app can understand)</a:t>
-            </a:r>
-          </a:p>
-          <a:p>
-            <a:pPr marL="228600" indent="-228600">
-              <a:buFont typeface="+mj-lt"/>
-              <a:buAutoNum type="arabicPeriod"/>
-            </a:pPr>
-            <a:r>
-              <a:rPr lang="en-IN" sz="1100" dirty="0">
-                <a:solidFill>
-                  <a:schemeClr val="tx1"/>
-                </a:solidFill>
-              </a:rPr>
-              <a:t>Aggregation (Relate data from multiple sources into one entity)</a:t>
-            </a:r>
-          </a:p>
-          <a:p>
-            <a:pPr marL="228600" indent="-228600">
-              <a:buFont typeface="+mj-lt"/>
-              <a:buAutoNum type="arabicPeriod"/>
-            </a:pPr>
-            <a:r>
-              <a:rPr lang="en-IN" sz="1100" dirty="0">
-                <a:solidFill>
-                  <a:schemeClr val="tx1"/>
-                </a:solidFill>
-              </a:rPr>
-              <a:t>Updates (Perform above operation in reverse while updating data)</a:t>
-            </a:r>
-          </a:p>
-        </p:txBody>
-      </p:sp>
-      <p:sp>
-        <p:nvSpPr>
-          <p:cNvPr id="17" name="Rectangle 16">
-            <a:extLst>
-              <a:ext uri="{FF2B5EF4-FFF2-40B4-BE49-F238E27FC236}">
-                <a16:creationId xmlns:a16="http://schemas.microsoft.com/office/drawing/2014/main" id="{960C5141-9B51-2291-DDE8-F38F63EE62A1}"/>
+              <a:t>Agent 1</a:t>
+            </a:r>
+            <a:endParaRPr lang="en-IN" dirty="0">
+              <a:solidFill>
+                <a:schemeClr val="bg1"/>
+              </a:solidFill>
+            </a:endParaRPr>
+          </a:p>
+        </p:txBody>
+      </p:sp>
+      <p:sp>
+        <p:nvSpPr>
+          <p:cNvPr id="13" name="Rectangle 12">
+            <a:extLst>
+              <a:ext uri="{FF2B5EF4-FFF2-40B4-BE49-F238E27FC236}">
+                <a16:creationId xmlns:a16="http://schemas.microsoft.com/office/drawing/2014/main" id="{6CB445C0-5E0F-4FC9-DECA-B248EAAA3FD0}"/>
               </a:ext>
             </a:extLst>
           </p:cNvPr>
@@ -8234,8 +8154,8 @@
         </p:nvSpPr>
         <p:spPr>
           <a:xfrm>
-            <a:off x="7076817" y="1836768"/>
-            <a:ext cx="920561" cy="359176"/>
+            <a:off x="1686417" y="5573280"/>
+            <a:ext cx="1440000" cy="410067"/>
           </a:xfrm>
           <a:prstGeom prst="rect">
             <a:avLst/>
@@ -8264,19 +8184,19 @@
           </a:fontRef>
         </p:style>
         <p:txBody>
-          <a:bodyPr rtlCol="0" anchor="ctr"/>
+          <a:bodyPr rtlCol="0" anchor="t"/>
           <a:lstStyle/>
           <a:p>
             <a:pPr algn="ctr"/>
             <a:r>
-              <a:rPr lang="en-US" sz="1200" dirty="0">
+              <a:rPr lang="en-US" dirty="0">
                 <a:solidFill>
                   <a:schemeClr val="bg1"/>
                 </a:solidFill>
               </a:rPr>
-              <a:t>System 2</a:t>
-            </a:r>
-            <a:endParaRPr lang="en-IN" sz="1200" dirty="0">
+              <a:t>Connectors</a:t>
+            </a:r>
+            <a:endParaRPr lang="en-IN" dirty="0">
               <a:solidFill>
                 <a:schemeClr val="bg1"/>
               </a:solidFill>
@@ -8284,1091 +8204,10 @@
           </a:p>
         </p:txBody>
       </p:sp>
-      <p:sp>
-        <p:nvSpPr>
-          <p:cNvPr id="18" name="Rectangle 17">
-            <a:extLst>
-              <a:ext uri="{FF2B5EF4-FFF2-40B4-BE49-F238E27FC236}">
-                <a16:creationId xmlns:a16="http://schemas.microsoft.com/office/drawing/2014/main" id="{BF9DDA6F-59C0-5F9C-F68B-49E1ED9BE56E}"/>
-              </a:ext>
-            </a:extLst>
-          </p:cNvPr>
-          <p:cNvSpPr/>
-          <p:nvPr/>
-        </p:nvSpPr>
-        <p:spPr>
-          <a:xfrm>
-            <a:off x="5724409" y="1836769"/>
-            <a:ext cx="920561" cy="359176"/>
-          </a:xfrm>
-          <a:prstGeom prst="rect">
-            <a:avLst/>
-          </a:prstGeom>
-          <a:solidFill>
-            <a:schemeClr val="tx1">
-              <a:lumMod val="75000"/>
-              <a:lumOff val="25000"/>
-            </a:schemeClr>
-          </a:solidFill>
-        </p:spPr>
-        <p:style>
-          <a:lnRef idx="2">
-            <a:schemeClr val="accent1">
-              <a:shade val="15000"/>
-            </a:schemeClr>
-          </a:lnRef>
-          <a:fillRef idx="1">
-            <a:schemeClr val="accent1"/>
-          </a:fillRef>
-          <a:effectRef idx="0">
-            <a:schemeClr val="accent1"/>
-          </a:effectRef>
-          <a:fontRef idx="minor">
-            <a:schemeClr val="lt1"/>
-          </a:fontRef>
-        </p:style>
-        <p:txBody>
-          <a:bodyPr rtlCol="0" anchor="ctr"/>
-          <a:lstStyle/>
-          <a:p>
-            <a:pPr algn="ctr"/>
-            <a:r>
-              <a:rPr lang="en-US" sz="1200" dirty="0">
-                <a:solidFill>
-                  <a:schemeClr val="bg1"/>
-                </a:solidFill>
-              </a:rPr>
-              <a:t>System 1</a:t>
-            </a:r>
-            <a:endParaRPr lang="en-IN" sz="1200" dirty="0">
-              <a:solidFill>
-                <a:schemeClr val="bg1"/>
-              </a:solidFill>
-            </a:endParaRPr>
-          </a:p>
-        </p:txBody>
-      </p:sp>
-      <p:sp>
-        <p:nvSpPr>
-          <p:cNvPr id="19" name="Rectangle 18">
-            <a:extLst>
-              <a:ext uri="{FF2B5EF4-FFF2-40B4-BE49-F238E27FC236}">
-                <a16:creationId xmlns:a16="http://schemas.microsoft.com/office/drawing/2014/main" id="{A4689E26-694D-3EB3-454D-DE21F55F08E5}"/>
-              </a:ext>
-            </a:extLst>
-          </p:cNvPr>
-          <p:cNvSpPr/>
-          <p:nvPr/>
-        </p:nvSpPr>
-        <p:spPr>
-          <a:xfrm>
-            <a:off x="6927869" y="4096764"/>
-            <a:ext cx="1218454" cy="410067"/>
-          </a:xfrm>
-          <a:prstGeom prst="rect">
-            <a:avLst/>
-          </a:prstGeom>
-          <a:solidFill>
-            <a:schemeClr val="accent2">
-              <a:lumMod val="60000"/>
-              <a:lumOff val="40000"/>
-            </a:schemeClr>
-          </a:solidFill>
-        </p:spPr>
-        <p:style>
-          <a:lnRef idx="2">
-            <a:schemeClr val="accent1">
-              <a:shade val="15000"/>
-            </a:schemeClr>
-          </a:lnRef>
-          <a:fillRef idx="1">
-            <a:schemeClr val="accent1"/>
-          </a:fillRef>
-          <a:effectRef idx="0">
-            <a:schemeClr val="accent1"/>
-          </a:effectRef>
-          <a:fontRef idx="minor">
-            <a:schemeClr val="lt1"/>
-          </a:fontRef>
-        </p:style>
-        <p:txBody>
-          <a:bodyPr rtlCol="0" anchor="ctr"/>
-          <a:lstStyle/>
-          <a:p>
-            <a:pPr algn="ctr"/>
-            <a:r>
-              <a:rPr lang="en-US" sz="1400" dirty="0">
-                <a:solidFill>
-                  <a:schemeClr val="tx1"/>
-                </a:solidFill>
-              </a:rPr>
-              <a:t>Client App</a:t>
-            </a:r>
-            <a:endParaRPr lang="en-IN" sz="1400" dirty="0">
-              <a:solidFill>
-                <a:schemeClr val="tx1"/>
-              </a:solidFill>
-            </a:endParaRPr>
-          </a:p>
-        </p:txBody>
-      </p:sp>
-      <p:sp>
-        <p:nvSpPr>
-          <p:cNvPr id="20" name="Rectangle 19">
-            <a:extLst>
-              <a:ext uri="{FF2B5EF4-FFF2-40B4-BE49-F238E27FC236}">
-                <a16:creationId xmlns:a16="http://schemas.microsoft.com/office/drawing/2014/main" id="{A95AB02F-047C-2E2E-4D2B-7493FB2E0112}"/>
-              </a:ext>
-            </a:extLst>
-          </p:cNvPr>
-          <p:cNvSpPr/>
-          <p:nvPr/>
-        </p:nvSpPr>
-        <p:spPr>
-          <a:xfrm>
-            <a:off x="8429225" y="1836768"/>
-            <a:ext cx="920561" cy="359176"/>
-          </a:xfrm>
-          <a:prstGeom prst="rect">
-            <a:avLst/>
-          </a:prstGeom>
-          <a:solidFill>
-            <a:schemeClr val="tx1">
-              <a:lumMod val="75000"/>
-              <a:lumOff val="25000"/>
-            </a:schemeClr>
-          </a:solidFill>
-        </p:spPr>
-        <p:style>
-          <a:lnRef idx="2">
-            <a:schemeClr val="accent1">
-              <a:shade val="15000"/>
-            </a:schemeClr>
-          </a:lnRef>
-          <a:fillRef idx="1">
-            <a:schemeClr val="accent1"/>
-          </a:fillRef>
-          <a:effectRef idx="0">
-            <a:schemeClr val="accent1"/>
-          </a:effectRef>
-          <a:fontRef idx="minor">
-            <a:schemeClr val="lt1"/>
-          </a:fontRef>
-        </p:style>
-        <p:txBody>
-          <a:bodyPr rtlCol="0" anchor="ctr"/>
-          <a:lstStyle/>
-          <a:p>
-            <a:pPr algn="ctr"/>
-            <a:r>
-              <a:rPr lang="en-US" sz="1200" dirty="0">
-                <a:solidFill>
-                  <a:schemeClr val="bg1"/>
-                </a:solidFill>
-              </a:rPr>
-              <a:t>System 3</a:t>
-            </a:r>
-            <a:endParaRPr lang="en-IN" sz="1200" dirty="0">
-              <a:solidFill>
-                <a:schemeClr val="bg1"/>
-              </a:solidFill>
-            </a:endParaRPr>
-          </a:p>
-        </p:txBody>
-      </p:sp>
-      <p:cxnSp>
-        <p:nvCxnSpPr>
-          <p:cNvPr id="21" name="Connector: Elbow 20">
-            <a:extLst>
-              <a:ext uri="{FF2B5EF4-FFF2-40B4-BE49-F238E27FC236}">
-                <a16:creationId xmlns:a16="http://schemas.microsoft.com/office/drawing/2014/main" id="{D139B566-7911-58D7-3CC2-D9D9D52E77FD}"/>
-              </a:ext>
-            </a:extLst>
-          </p:cNvPr>
-          <p:cNvCxnSpPr>
-            <a:cxnSpLocks/>
-            <a:stCxn id="18" idx="2"/>
-            <a:endCxn id="28" idx="1"/>
-          </p:cNvCxnSpPr>
-          <p:nvPr/>
-        </p:nvCxnSpPr>
-        <p:spPr>
-          <a:xfrm rot="16200000" flipH="1">
-            <a:off x="6027056" y="2353578"/>
-            <a:ext cx="1058446" cy="743179"/>
-          </a:xfrm>
-          <a:prstGeom prst="bentConnector2">
-            <a:avLst/>
-          </a:prstGeom>
-          <a:ln>
-            <a:tailEnd type="triangle"/>
-          </a:ln>
-        </p:spPr>
-        <p:style>
-          <a:lnRef idx="2">
-            <a:schemeClr val="accent1"/>
-          </a:lnRef>
-          <a:fillRef idx="0">
-            <a:schemeClr val="accent1"/>
-          </a:fillRef>
-          <a:effectRef idx="1">
-            <a:schemeClr val="accent1"/>
-          </a:effectRef>
-          <a:fontRef idx="minor">
-            <a:schemeClr val="tx1"/>
-          </a:fontRef>
-        </p:style>
-      </p:cxnSp>
-      <p:cxnSp>
-        <p:nvCxnSpPr>
-          <p:cNvPr id="22" name="Connector: Elbow 21">
-            <a:extLst>
-              <a:ext uri="{FF2B5EF4-FFF2-40B4-BE49-F238E27FC236}">
-                <a16:creationId xmlns:a16="http://schemas.microsoft.com/office/drawing/2014/main" id="{92F68117-9881-56DD-D46C-6D7CC4014ED5}"/>
-              </a:ext>
-            </a:extLst>
-          </p:cNvPr>
-          <p:cNvCxnSpPr>
-            <a:cxnSpLocks/>
-            <a:stCxn id="17" idx="2"/>
-            <a:endCxn id="28" idx="0"/>
-          </p:cNvCxnSpPr>
-          <p:nvPr/>
-        </p:nvCxnSpPr>
-        <p:spPr>
-          <a:xfrm rot="5400000">
-            <a:off x="7110391" y="2622649"/>
-            <a:ext cx="853413" cy="2"/>
-          </a:xfrm>
-          <a:prstGeom prst="bentConnector3">
-            <a:avLst/>
-          </a:prstGeom>
-          <a:ln>
-            <a:tailEnd type="triangle"/>
-          </a:ln>
-        </p:spPr>
-        <p:style>
-          <a:lnRef idx="2">
-            <a:schemeClr val="accent1"/>
-          </a:lnRef>
-          <a:fillRef idx="0">
-            <a:schemeClr val="accent1"/>
-          </a:fillRef>
-          <a:effectRef idx="1">
-            <a:schemeClr val="accent1"/>
-          </a:effectRef>
-          <a:fontRef idx="minor">
-            <a:schemeClr val="tx1"/>
-          </a:fontRef>
-        </p:style>
-      </p:cxnSp>
-      <p:cxnSp>
-        <p:nvCxnSpPr>
-          <p:cNvPr id="23" name="Connector: Elbow 22">
-            <a:extLst>
-              <a:ext uri="{FF2B5EF4-FFF2-40B4-BE49-F238E27FC236}">
-                <a16:creationId xmlns:a16="http://schemas.microsoft.com/office/drawing/2014/main" id="{1FB20BD2-6D56-63DF-9256-FE5C73611BD7}"/>
-              </a:ext>
-            </a:extLst>
-          </p:cNvPr>
-          <p:cNvCxnSpPr>
-            <a:cxnSpLocks/>
-            <a:stCxn id="20" idx="2"/>
-            <a:endCxn id="28" idx="3"/>
-          </p:cNvCxnSpPr>
-          <p:nvPr/>
-        </p:nvCxnSpPr>
-        <p:spPr>
-          <a:xfrm rot="5400000">
-            <a:off x="7988691" y="2353575"/>
-            <a:ext cx="1058447" cy="743184"/>
-          </a:xfrm>
-          <a:prstGeom prst="bentConnector2">
-            <a:avLst/>
-          </a:prstGeom>
-          <a:ln>
-            <a:tailEnd type="triangle"/>
-          </a:ln>
-        </p:spPr>
-        <p:style>
-          <a:lnRef idx="2">
-            <a:schemeClr val="accent1"/>
-          </a:lnRef>
-          <a:fillRef idx="0">
-            <a:schemeClr val="accent1"/>
-          </a:fillRef>
-          <a:effectRef idx="1">
-            <a:schemeClr val="accent1"/>
-          </a:effectRef>
-          <a:fontRef idx="minor">
-            <a:schemeClr val="tx1"/>
-          </a:fontRef>
-        </p:style>
-      </p:cxnSp>
-      <p:sp>
-        <p:nvSpPr>
-          <p:cNvPr id="24" name="Rectangle 23">
-            <a:extLst>
-              <a:ext uri="{FF2B5EF4-FFF2-40B4-BE49-F238E27FC236}">
-                <a16:creationId xmlns:a16="http://schemas.microsoft.com/office/drawing/2014/main" id="{C83086FD-10E3-E987-1F7A-90472DAE1319}"/>
-              </a:ext>
-            </a:extLst>
-          </p:cNvPr>
-          <p:cNvSpPr/>
-          <p:nvPr/>
-        </p:nvSpPr>
-        <p:spPr>
-          <a:xfrm>
-            <a:off x="5724409" y="4727044"/>
-            <a:ext cx="3625377" cy="2130956"/>
-          </a:xfrm>
-          <a:prstGeom prst="rect">
-            <a:avLst/>
-          </a:prstGeom>
-          <a:solidFill>
-            <a:schemeClr val="accent2">
-              <a:lumMod val="20000"/>
-              <a:lumOff val="80000"/>
-            </a:schemeClr>
-          </a:solidFill>
-        </p:spPr>
-        <p:style>
-          <a:lnRef idx="2">
-            <a:schemeClr val="accent1">
-              <a:shade val="15000"/>
-            </a:schemeClr>
-          </a:lnRef>
-          <a:fillRef idx="1">
-            <a:schemeClr val="accent1"/>
-          </a:fillRef>
-          <a:effectRef idx="0">
-            <a:schemeClr val="accent1"/>
-          </a:effectRef>
-          <a:fontRef idx="minor">
-            <a:schemeClr val="lt1"/>
-          </a:fontRef>
-        </p:style>
-        <p:txBody>
-          <a:bodyPr rtlCol="0" anchor="t"/>
-          <a:lstStyle/>
-          <a:p>
-            <a:r>
-              <a:rPr lang="en-IN" sz="1100" dirty="0">
-                <a:solidFill>
-                  <a:schemeClr val="tx1"/>
-                </a:solidFill>
-              </a:rPr>
-              <a:t>In this setup major work is left to Gateway which performs the heavy lifting, there by allowing Client App to focus on more business oriented work. The gateway perform tasks to talk to all 3 systems -</a:t>
-            </a:r>
-          </a:p>
-          <a:p>
-            <a:pPr marL="228600" indent="-228600">
-              <a:buFont typeface="+mj-lt"/>
-              <a:buAutoNum type="arabicPeriod"/>
-            </a:pPr>
-            <a:r>
-              <a:rPr lang="en-IN" sz="1100" dirty="0">
-                <a:solidFill>
-                  <a:schemeClr val="tx1"/>
-                </a:solidFill>
-              </a:rPr>
-              <a:t>Protocol (TCP /HTTP/MSMQ)</a:t>
-            </a:r>
-          </a:p>
-          <a:p>
-            <a:pPr marL="228600" indent="-228600">
-              <a:buFont typeface="+mj-lt"/>
-              <a:buAutoNum type="arabicPeriod"/>
-            </a:pPr>
-            <a:r>
-              <a:rPr lang="en-IN" sz="1100" dirty="0">
-                <a:solidFill>
-                  <a:schemeClr val="tx1"/>
-                </a:solidFill>
-              </a:rPr>
-              <a:t>Data Format( XML/JSON/CSV/EXCEL/Proprietary)</a:t>
-            </a:r>
-          </a:p>
-          <a:p>
-            <a:pPr marL="228600" indent="-228600">
-              <a:buFont typeface="+mj-lt"/>
-              <a:buAutoNum type="arabicPeriod"/>
-            </a:pPr>
-            <a:r>
-              <a:rPr lang="en-IN" sz="1100" dirty="0">
-                <a:solidFill>
-                  <a:schemeClr val="tx1"/>
-                </a:solidFill>
-              </a:rPr>
-              <a:t>Transformation( Convert in format that app can understand)</a:t>
-            </a:r>
-          </a:p>
-          <a:p>
-            <a:pPr marL="228600" indent="-228600">
-              <a:buFont typeface="+mj-lt"/>
-              <a:buAutoNum type="arabicPeriod"/>
-            </a:pPr>
-            <a:r>
-              <a:rPr lang="en-IN" sz="1100" dirty="0">
-                <a:solidFill>
-                  <a:schemeClr val="tx1"/>
-                </a:solidFill>
-              </a:rPr>
-              <a:t>Aggregation (Relate data from multiple sources into one entity)</a:t>
-            </a:r>
-          </a:p>
-          <a:p>
-            <a:pPr marL="228600" indent="-228600">
-              <a:buFont typeface="+mj-lt"/>
-              <a:buAutoNum type="arabicPeriod"/>
-            </a:pPr>
-            <a:r>
-              <a:rPr lang="en-IN" sz="1100" dirty="0">
-                <a:solidFill>
-                  <a:schemeClr val="tx1"/>
-                </a:solidFill>
-              </a:rPr>
-              <a:t>Updates (Perform above operation in reverse while updating data)</a:t>
-            </a:r>
-          </a:p>
-        </p:txBody>
-      </p:sp>
-      <p:sp>
-        <p:nvSpPr>
-          <p:cNvPr id="28" name="Rectangle 27">
-            <a:extLst>
-              <a:ext uri="{FF2B5EF4-FFF2-40B4-BE49-F238E27FC236}">
-                <a16:creationId xmlns:a16="http://schemas.microsoft.com/office/drawing/2014/main" id="{FBC98382-48FB-5863-4496-D9866352B62C}"/>
-              </a:ext>
-            </a:extLst>
-          </p:cNvPr>
-          <p:cNvSpPr/>
-          <p:nvPr/>
-        </p:nvSpPr>
-        <p:spPr>
-          <a:xfrm>
-            <a:off x="6927869" y="3049357"/>
-            <a:ext cx="1218453" cy="410067"/>
-          </a:xfrm>
-          <a:prstGeom prst="rect">
-            <a:avLst/>
-          </a:prstGeom>
-          <a:solidFill>
-            <a:srgbClr val="92D050"/>
-          </a:solidFill>
-        </p:spPr>
-        <p:style>
-          <a:lnRef idx="2">
-            <a:schemeClr val="accent1">
-              <a:shade val="15000"/>
-            </a:schemeClr>
-          </a:lnRef>
-          <a:fillRef idx="1">
-            <a:schemeClr val="accent1"/>
-          </a:fillRef>
-          <a:effectRef idx="0">
-            <a:schemeClr val="accent1"/>
-          </a:effectRef>
-          <a:fontRef idx="minor">
-            <a:schemeClr val="lt1"/>
-          </a:fontRef>
-        </p:style>
-        <p:txBody>
-          <a:bodyPr rtlCol="0" anchor="ctr"/>
-          <a:lstStyle/>
-          <a:p>
-            <a:pPr algn="ctr"/>
-            <a:r>
-              <a:rPr lang="en-US" sz="1400" dirty="0">
-                <a:solidFill>
-                  <a:schemeClr val="tx1"/>
-                </a:solidFill>
-              </a:rPr>
-              <a:t>Gateway</a:t>
-            </a:r>
-            <a:endParaRPr lang="en-IN" sz="1400" dirty="0">
-              <a:solidFill>
-                <a:schemeClr val="tx1"/>
-              </a:solidFill>
-            </a:endParaRPr>
-          </a:p>
-        </p:txBody>
-      </p:sp>
-      <p:sp>
-        <p:nvSpPr>
-          <p:cNvPr id="29" name="Rectangle 28">
-            <a:extLst>
-              <a:ext uri="{FF2B5EF4-FFF2-40B4-BE49-F238E27FC236}">
-                <a16:creationId xmlns:a16="http://schemas.microsoft.com/office/drawing/2014/main" id="{497737C8-92D0-E41C-99BD-230441D923F3}"/>
-              </a:ext>
-            </a:extLst>
-          </p:cNvPr>
-          <p:cNvSpPr/>
-          <p:nvPr/>
-        </p:nvSpPr>
-        <p:spPr>
-          <a:xfrm>
-            <a:off x="441788" y="1123867"/>
-            <a:ext cx="3625377" cy="302835"/>
-          </a:xfrm>
-          <a:prstGeom prst="rect">
-            <a:avLst/>
-          </a:prstGeom>
-          <a:solidFill>
-            <a:schemeClr val="bg1">
-              <a:lumMod val="75000"/>
-            </a:schemeClr>
-          </a:solidFill>
-        </p:spPr>
-        <p:style>
-          <a:lnRef idx="2">
-            <a:schemeClr val="accent1">
-              <a:shade val="15000"/>
-            </a:schemeClr>
-          </a:lnRef>
-          <a:fillRef idx="1">
-            <a:schemeClr val="accent1"/>
-          </a:fillRef>
-          <a:effectRef idx="0">
-            <a:schemeClr val="accent1"/>
-          </a:effectRef>
-          <a:fontRef idx="minor">
-            <a:schemeClr val="lt1"/>
-          </a:fontRef>
-        </p:style>
-        <p:txBody>
-          <a:bodyPr rtlCol="0" anchor="t"/>
-          <a:lstStyle/>
-          <a:p>
-            <a:pPr algn="ctr"/>
-            <a:r>
-              <a:rPr lang="en-US" sz="1400" dirty="0">
-                <a:solidFill>
-                  <a:schemeClr val="tx1"/>
-                </a:solidFill>
-              </a:rPr>
-              <a:t>Without Gateway</a:t>
-            </a:r>
-            <a:endParaRPr lang="en-IN" sz="1400" dirty="0">
-              <a:solidFill>
-                <a:schemeClr val="tx1"/>
-              </a:solidFill>
-            </a:endParaRPr>
-          </a:p>
-        </p:txBody>
-      </p:sp>
-      <p:sp>
-        <p:nvSpPr>
-          <p:cNvPr id="30" name="Rectangle 29">
-            <a:extLst>
-              <a:ext uri="{FF2B5EF4-FFF2-40B4-BE49-F238E27FC236}">
-                <a16:creationId xmlns:a16="http://schemas.microsoft.com/office/drawing/2014/main" id="{7DE5D0D9-0139-75E2-6184-3F5EA9F89208}"/>
-              </a:ext>
-            </a:extLst>
-          </p:cNvPr>
-          <p:cNvSpPr/>
-          <p:nvPr/>
-        </p:nvSpPr>
-        <p:spPr>
-          <a:xfrm>
-            <a:off x="5724409" y="1119034"/>
-            <a:ext cx="3625377" cy="302835"/>
-          </a:xfrm>
-          <a:prstGeom prst="rect">
-            <a:avLst/>
-          </a:prstGeom>
-          <a:solidFill>
-            <a:schemeClr val="bg1">
-              <a:lumMod val="75000"/>
-            </a:schemeClr>
-          </a:solidFill>
-        </p:spPr>
-        <p:style>
-          <a:lnRef idx="2">
-            <a:schemeClr val="accent1">
-              <a:shade val="15000"/>
-            </a:schemeClr>
-          </a:lnRef>
-          <a:fillRef idx="1">
-            <a:schemeClr val="accent1"/>
-          </a:fillRef>
-          <a:effectRef idx="0">
-            <a:schemeClr val="accent1"/>
-          </a:effectRef>
-          <a:fontRef idx="minor">
-            <a:schemeClr val="lt1"/>
-          </a:fontRef>
-        </p:style>
-        <p:txBody>
-          <a:bodyPr rtlCol="0" anchor="t"/>
-          <a:lstStyle/>
-          <a:p>
-            <a:pPr algn="ctr"/>
-            <a:r>
-              <a:rPr lang="en-US" sz="1400" dirty="0">
-                <a:solidFill>
-                  <a:schemeClr val="tx1"/>
-                </a:solidFill>
-              </a:rPr>
-              <a:t>With Gateway</a:t>
-            </a:r>
-            <a:endParaRPr lang="en-IN" sz="1400" dirty="0">
-              <a:solidFill>
-                <a:schemeClr val="tx1"/>
-              </a:solidFill>
-            </a:endParaRPr>
-          </a:p>
-        </p:txBody>
-      </p:sp>
-      <p:sp>
-        <p:nvSpPr>
-          <p:cNvPr id="34" name="Rectangle 33">
-            <a:extLst>
-              <a:ext uri="{FF2B5EF4-FFF2-40B4-BE49-F238E27FC236}">
-                <a16:creationId xmlns:a16="http://schemas.microsoft.com/office/drawing/2014/main" id="{CD75E0B7-90E8-244E-B061-5F6379B94CE8}"/>
-              </a:ext>
-            </a:extLst>
-          </p:cNvPr>
-          <p:cNvSpPr/>
-          <p:nvPr/>
-        </p:nvSpPr>
-        <p:spPr>
-          <a:xfrm>
-            <a:off x="3237841" y="2477694"/>
-            <a:ext cx="738083" cy="303786"/>
-          </a:xfrm>
-          <a:prstGeom prst="rect">
-            <a:avLst/>
-          </a:prstGeom>
-          <a:solidFill>
-            <a:srgbClr val="FFC000"/>
-          </a:solidFill>
-        </p:spPr>
-        <p:style>
-          <a:lnRef idx="2">
-            <a:schemeClr val="accent1">
-              <a:shade val="15000"/>
-            </a:schemeClr>
-          </a:lnRef>
-          <a:fillRef idx="1">
-            <a:schemeClr val="accent1"/>
-          </a:fillRef>
-          <a:effectRef idx="0">
-            <a:schemeClr val="accent1"/>
-          </a:effectRef>
-          <a:fontRef idx="minor">
-            <a:schemeClr val="lt1"/>
-          </a:fontRef>
-        </p:style>
-        <p:txBody>
-          <a:bodyPr rtlCol="0" anchor="ctr"/>
-          <a:lstStyle/>
-          <a:p>
-            <a:pPr algn="ctr"/>
-            <a:r>
-              <a:rPr lang="en-GB" sz="900" dirty="0">
-                <a:solidFill>
-                  <a:schemeClr val="tx1"/>
-                </a:solidFill>
-              </a:rPr>
-              <a:t>MSMQ</a:t>
-            </a:r>
-          </a:p>
-          <a:p>
-            <a:pPr algn="ctr"/>
-            <a:r>
-              <a:rPr lang="en-GB" sz="900" dirty="0">
-                <a:solidFill>
-                  <a:schemeClr val="tx1"/>
-                </a:solidFill>
-              </a:rPr>
-              <a:t>Excel</a:t>
-            </a:r>
-          </a:p>
-        </p:txBody>
-      </p:sp>
-      <p:sp>
-        <p:nvSpPr>
-          <p:cNvPr id="35" name="Rectangle 34">
-            <a:extLst>
-              <a:ext uri="{FF2B5EF4-FFF2-40B4-BE49-F238E27FC236}">
-                <a16:creationId xmlns:a16="http://schemas.microsoft.com/office/drawing/2014/main" id="{57F87B1F-0DE4-ACD3-A5AA-68B0E22847F0}"/>
-              </a:ext>
-            </a:extLst>
-          </p:cNvPr>
-          <p:cNvSpPr/>
-          <p:nvPr/>
-        </p:nvSpPr>
-        <p:spPr>
-          <a:xfrm>
-            <a:off x="1900576" y="2477694"/>
-            <a:ext cx="738083" cy="303786"/>
-          </a:xfrm>
-          <a:prstGeom prst="rect">
-            <a:avLst/>
-          </a:prstGeom>
-          <a:solidFill>
-            <a:srgbClr val="FFC000"/>
-          </a:solidFill>
-        </p:spPr>
-        <p:style>
-          <a:lnRef idx="2">
-            <a:schemeClr val="accent1">
-              <a:shade val="15000"/>
-            </a:schemeClr>
-          </a:lnRef>
-          <a:fillRef idx="1">
-            <a:schemeClr val="accent1"/>
-          </a:fillRef>
-          <a:effectRef idx="0">
-            <a:schemeClr val="accent1"/>
-          </a:effectRef>
-          <a:fontRef idx="minor">
-            <a:schemeClr val="lt1"/>
-          </a:fontRef>
-        </p:style>
-        <p:txBody>
-          <a:bodyPr rtlCol="0" anchor="ctr"/>
-          <a:lstStyle/>
-          <a:p>
-            <a:pPr algn="ctr"/>
-            <a:r>
-              <a:rPr lang="en-GB" sz="900" dirty="0">
-                <a:solidFill>
-                  <a:schemeClr val="tx1"/>
-                </a:solidFill>
-              </a:rPr>
-              <a:t>HTTP</a:t>
-            </a:r>
-          </a:p>
-          <a:p>
-            <a:pPr algn="ctr"/>
-            <a:r>
-              <a:rPr lang="en-GB" sz="900" dirty="0">
-                <a:solidFill>
-                  <a:schemeClr val="tx1"/>
-                </a:solidFill>
-              </a:rPr>
-              <a:t>JSON</a:t>
-            </a:r>
-          </a:p>
-        </p:txBody>
-      </p:sp>
-      <p:sp>
-        <p:nvSpPr>
-          <p:cNvPr id="36" name="Rectangle 35">
-            <a:extLst>
-              <a:ext uri="{FF2B5EF4-FFF2-40B4-BE49-F238E27FC236}">
-                <a16:creationId xmlns:a16="http://schemas.microsoft.com/office/drawing/2014/main" id="{A3D453A7-CC15-8F63-4007-A720A78FF6BB}"/>
-              </a:ext>
-            </a:extLst>
-          </p:cNvPr>
-          <p:cNvSpPr/>
-          <p:nvPr/>
-        </p:nvSpPr>
-        <p:spPr>
-          <a:xfrm>
-            <a:off x="517887" y="2477694"/>
-            <a:ext cx="738083" cy="303786"/>
-          </a:xfrm>
-          <a:prstGeom prst="rect">
-            <a:avLst/>
-          </a:prstGeom>
-          <a:solidFill>
-            <a:srgbClr val="FFC000"/>
-          </a:solidFill>
-        </p:spPr>
-        <p:style>
-          <a:lnRef idx="2">
-            <a:schemeClr val="accent1">
-              <a:shade val="15000"/>
-            </a:schemeClr>
-          </a:lnRef>
-          <a:fillRef idx="1">
-            <a:schemeClr val="accent1"/>
-          </a:fillRef>
-          <a:effectRef idx="0">
-            <a:schemeClr val="accent1"/>
-          </a:effectRef>
-          <a:fontRef idx="minor">
-            <a:schemeClr val="lt1"/>
-          </a:fontRef>
-        </p:style>
-        <p:txBody>
-          <a:bodyPr rtlCol="0" anchor="ctr"/>
-          <a:lstStyle/>
-          <a:p>
-            <a:pPr algn="ctr"/>
-            <a:r>
-              <a:rPr lang="en-GB" sz="900" dirty="0">
-                <a:solidFill>
-                  <a:schemeClr val="tx1"/>
-                </a:solidFill>
-              </a:rPr>
-              <a:t>TCP</a:t>
-            </a:r>
-          </a:p>
-          <a:p>
-            <a:pPr algn="ctr"/>
-            <a:r>
-              <a:rPr lang="en-GB" sz="900" dirty="0">
-                <a:solidFill>
-                  <a:schemeClr val="tx1"/>
-                </a:solidFill>
-              </a:rPr>
-              <a:t>XML</a:t>
-            </a:r>
-          </a:p>
-        </p:txBody>
-      </p:sp>
-      <p:sp>
-        <p:nvSpPr>
-          <p:cNvPr id="37" name="Rectangle 36">
-            <a:extLst>
-              <a:ext uri="{FF2B5EF4-FFF2-40B4-BE49-F238E27FC236}">
-                <a16:creationId xmlns:a16="http://schemas.microsoft.com/office/drawing/2014/main" id="{CADF395D-B97D-F8F2-D3AE-2ABAFE228B09}"/>
-              </a:ext>
-            </a:extLst>
-          </p:cNvPr>
-          <p:cNvSpPr/>
-          <p:nvPr/>
-        </p:nvSpPr>
-        <p:spPr>
-          <a:xfrm>
-            <a:off x="8520465" y="2477694"/>
-            <a:ext cx="738083" cy="303786"/>
-          </a:xfrm>
-          <a:prstGeom prst="rect">
-            <a:avLst/>
-          </a:prstGeom>
-          <a:solidFill>
-            <a:srgbClr val="FFC000"/>
-          </a:solidFill>
-        </p:spPr>
-        <p:style>
-          <a:lnRef idx="2">
-            <a:schemeClr val="accent1">
-              <a:shade val="15000"/>
-            </a:schemeClr>
-          </a:lnRef>
-          <a:fillRef idx="1">
-            <a:schemeClr val="accent1"/>
-          </a:fillRef>
-          <a:effectRef idx="0">
-            <a:schemeClr val="accent1"/>
-          </a:effectRef>
-          <a:fontRef idx="minor">
-            <a:schemeClr val="lt1"/>
-          </a:fontRef>
-        </p:style>
-        <p:txBody>
-          <a:bodyPr rtlCol="0" anchor="ctr"/>
-          <a:lstStyle/>
-          <a:p>
-            <a:pPr algn="ctr"/>
-            <a:r>
-              <a:rPr lang="en-GB" sz="900" dirty="0">
-                <a:solidFill>
-                  <a:schemeClr val="tx1"/>
-                </a:solidFill>
-              </a:rPr>
-              <a:t>MSMQ</a:t>
-            </a:r>
-          </a:p>
-          <a:p>
-            <a:pPr algn="ctr"/>
-            <a:r>
-              <a:rPr lang="en-GB" sz="900" dirty="0">
-                <a:solidFill>
-                  <a:schemeClr val="tx1"/>
-                </a:solidFill>
-              </a:rPr>
-              <a:t>Excel</a:t>
-            </a:r>
-          </a:p>
-        </p:txBody>
-      </p:sp>
-      <p:sp>
-        <p:nvSpPr>
-          <p:cNvPr id="38" name="Rectangle 37">
-            <a:extLst>
-              <a:ext uri="{FF2B5EF4-FFF2-40B4-BE49-F238E27FC236}">
-                <a16:creationId xmlns:a16="http://schemas.microsoft.com/office/drawing/2014/main" id="{FEF23A90-01FB-EC2C-58EB-D23B21F3BDE1}"/>
-              </a:ext>
-            </a:extLst>
-          </p:cNvPr>
-          <p:cNvSpPr/>
-          <p:nvPr/>
-        </p:nvSpPr>
-        <p:spPr>
-          <a:xfrm>
-            <a:off x="7183200" y="2477694"/>
-            <a:ext cx="738083" cy="303786"/>
-          </a:xfrm>
-          <a:prstGeom prst="rect">
-            <a:avLst/>
-          </a:prstGeom>
-          <a:solidFill>
-            <a:srgbClr val="FFC000"/>
-          </a:solidFill>
-        </p:spPr>
-        <p:style>
-          <a:lnRef idx="2">
-            <a:schemeClr val="accent1">
-              <a:shade val="15000"/>
-            </a:schemeClr>
-          </a:lnRef>
-          <a:fillRef idx="1">
-            <a:schemeClr val="accent1"/>
-          </a:fillRef>
-          <a:effectRef idx="0">
-            <a:schemeClr val="accent1"/>
-          </a:effectRef>
-          <a:fontRef idx="minor">
-            <a:schemeClr val="lt1"/>
-          </a:fontRef>
-        </p:style>
-        <p:txBody>
-          <a:bodyPr rtlCol="0" anchor="ctr"/>
-          <a:lstStyle/>
-          <a:p>
-            <a:pPr algn="ctr"/>
-            <a:r>
-              <a:rPr lang="en-GB" sz="900" dirty="0">
-                <a:solidFill>
-                  <a:schemeClr val="tx1"/>
-                </a:solidFill>
-              </a:rPr>
-              <a:t>HTTP</a:t>
-            </a:r>
-          </a:p>
-          <a:p>
-            <a:pPr algn="ctr"/>
-            <a:r>
-              <a:rPr lang="en-GB" sz="900" dirty="0">
-                <a:solidFill>
-                  <a:schemeClr val="tx1"/>
-                </a:solidFill>
-              </a:rPr>
-              <a:t>JSON</a:t>
-            </a:r>
-          </a:p>
-        </p:txBody>
-      </p:sp>
-      <p:sp>
-        <p:nvSpPr>
-          <p:cNvPr id="39" name="Rectangle 38">
-            <a:extLst>
-              <a:ext uri="{FF2B5EF4-FFF2-40B4-BE49-F238E27FC236}">
-                <a16:creationId xmlns:a16="http://schemas.microsoft.com/office/drawing/2014/main" id="{446BF961-37F2-81BB-75F7-AB0371522274}"/>
-              </a:ext>
-            </a:extLst>
-          </p:cNvPr>
-          <p:cNvSpPr/>
-          <p:nvPr/>
-        </p:nvSpPr>
-        <p:spPr>
-          <a:xfrm>
-            <a:off x="5800511" y="2477694"/>
-            <a:ext cx="738083" cy="303786"/>
-          </a:xfrm>
-          <a:prstGeom prst="rect">
-            <a:avLst/>
-          </a:prstGeom>
-          <a:solidFill>
-            <a:srgbClr val="FFC000"/>
-          </a:solidFill>
-        </p:spPr>
-        <p:style>
-          <a:lnRef idx="2">
-            <a:schemeClr val="accent1">
-              <a:shade val="15000"/>
-            </a:schemeClr>
-          </a:lnRef>
-          <a:fillRef idx="1">
-            <a:schemeClr val="accent1"/>
-          </a:fillRef>
-          <a:effectRef idx="0">
-            <a:schemeClr val="accent1"/>
-          </a:effectRef>
-          <a:fontRef idx="minor">
-            <a:schemeClr val="lt1"/>
-          </a:fontRef>
-        </p:style>
-        <p:txBody>
-          <a:bodyPr rtlCol="0" anchor="ctr"/>
-          <a:lstStyle/>
-          <a:p>
-            <a:pPr algn="ctr"/>
-            <a:r>
-              <a:rPr lang="en-GB" sz="900" dirty="0">
-                <a:solidFill>
-                  <a:schemeClr val="tx1"/>
-                </a:solidFill>
-              </a:rPr>
-              <a:t>TCP</a:t>
-            </a:r>
-          </a:p>
-          <a:p>
-            <a:pPr algn="ctr"/>
-            <a:r>
-              <a:rPr lang="en-GB" sz="900" dirty="0">
-                <a:solidFill>
-                  <a:schemeClr val="tx1"/>
-                </a:solidFill>
-              </a:rPr>
-              <a:t>XML</a:t>
-            </a:r>
-          </a:p>
-        </p:txBody>
-      </p:sp>
-      <p:cxnSp>
-        <p:nvCxnSpPr>
-          <p:cNvPr id="54" name="Straight Arrow Connector 53">
-            <a:extLst>
-              <a:ext uri="{FF2B5EF4-FFF2-40B4-BE49-F238E27FC236}">
-                <a16:creationId xmlns:a16="http://schemas.microsoft.com/office/drawing/2014/main" id="{A5B03626-A780-925A-C0CF-F8E1C7EE20F5}"/>
-              </a:ext>
-            </a:extLst>
-          </p:cNvPr>
-          <p:cNvCxnSpPr>
-            <a:cxnSpLocks/>
-            <a:stCxn id="28" idx="2"/>
-            <a:endCxn id="19" idx="0"/>
-          </p:cNvCxnSpPr>
-          <p:nvPr/>
-        </p:nvCxnSpPr>
-        <p:spPr>
-          <a:xfrm>
-            <a:off x="7537096" y="3459424"/>
-            <a:ext cx="0" cy="637340"/>
-          </a:xfrm>
-          <a:prstGeom prst="straightConnector1">
-            <a:avLst/>
-          </a:prstGeom>
-          <a:ln>
-            <a:tailEnd type="triangle"/>
-          </a:ln>
-        </p:spPr>
-        <p:style>
-          <a:lnRef idx="2">
-            <a:schemeClr val="accent1"/>
-          </a:lnRef>
-          <a:fillRef idx="0">
-            <a:schemeClr val="accent1"/>
-          </a:fillRef>
-          <a:effectRef idx="1">
-            <a:schemeClr val="accent1"/>
-          </a:effectRef>
-          <a:fontRef idx="minor">
-            <a:schemeClr val="tx1"/>
-          </a:fontRef>
-        </p:style>
-      </p:cxnSp>
     </p:spTree>
     <p:extLst>
       <p:ext uri="{BB962C8B-B14F-4D97-AF65-F5344CB8AC3E}">
-        <p14:creationId xmlns:p14="http://schemas.microsoft.com/office/powerpoint/2010/main" val="1079409090"/>
+        <p14:creationId xmlns:p14="http://schemas.microsoft.com/office/powerpoint/2010/main" val="837662757"/>
       </p:ext>
     </p:extLst>
   </p:cSld>
@@ -17621,13 +16460,7 @@
   <p:cSld>
     <p:spTree>
       <p:nvGrpSpPr>
-        <p:cNvPr id="1" name="">
-          <a:extLst>
-            <a:ext uri="{FF2B5EF4-FFF2-40B4-BE49-F238E27FC236}">
-              <a16:creationId xmlns:a16="http://schemas.microsoft.com/office/drawing/2014/main" id="{24BF99B2-84E7-64B6-3334-C301A6E93DF6}"/>
-            </a:ext>
-          </a:extLst>
-        </p:cNvPr>
+        <p:cNvPr id="1" name=""/>
         <p:cNvGrpSpPr/>
         <p:nvPr/>
       </p:nvGrpSpPr>
@@ -17639,564 +16472,40 @@
           <a:chExt cx="0" cy="0"/>
         </a:xfrm>
       </p:grpSpPr>
-      <p:sp>
-        <p:nvSpPr>
-          <p:cNvPr id="10" name="Rectangle 9">
-            <a:extLst>
-              <a:ext uri="{FF2B5EF4-FFF2-40B4-BE49-F238E27FC236}">
-                <a16:creationId xmlns:a16="http://schemas.microsoft.com/office/drawing/2014/main" id="{9DFA75C8-002D-BF58-6B6F-6979C5C546BA}"/>
-              </a:ext>
-            </a:extLst>
-          </p:cNvPr>
-          <p:cNvSpPr/>
+      <p:pic>
+        <p:nvPicPr>
+          <p:cNvPr id="3" name="Picture 2">
+            <a:extLst>
+              <a:ext uri="{FF2B5EF4-FFF2-40B4-BE49-F238E27FC236}">
+                <a16:creationId xmlns:a16="http://schemas.microsoft.com/office/drawing/2014/main" id="{48393CA4-A4BD-9A9A-A9D4-7B4F9F99DBC4}"/>
+              </a:ext>
+            </a:extLst>
+          </p:cNvPr>
+          <p:cNvPicPr>
+            <a:picLocks noChangeAspect="1"/>
+          </p:cNvPicPr>
           <p:nvPr/>
-        </p:nvSpPr>
-        <p:spPr>
-          <a:xfrm>
-            <a:off x="441788" y="410966"/>
-            <a:ext cx="11342669" cy="410067"/>
+        </p:nvPicPr>
+        <p:blipFill>
+          <a:blip r:embed="rId2"/>
+          <a:stretch>
+            <a:fillRect/>
+          </a:stretch>
+        </p:blipFill>
+        <p:spPr>
+          <a:xfrm>
+            <a:off x="1285203" y="814022"/>
+            <a:ext cx="9621593" cy="5229955"/>
           </a:xfrm>
           <a:prstGeom prst="rect">
             <a:avLst/>
           </a:prstGeom>
-          <a:solidFill>
-            <a:schemeClr val="bg1">
-              <a:lumMod val="75000"/>
-            </a:schemeClr>
-          </a:solidFill>
-        </p:spPr>
-        <p:style>
-          <a:lnRef idx="2">
-            <a:schemeClr val="accent1">
-              <a:shade val="15000"/>
-            </a:schemeClr>
-          </a:lnRef>
-          <a:fillRef idx="1">
-            <a:schemeClr val="accent1"/>
-          </a:fillRef>
-          <a:effectRef idx="0">
-            <a:schemeClr val="accent1"/>
-          </a:effectRef>
-          <a:fontRef idx="minor">
-            <a:schemeClr val="lt1"/>
-          </a:fontRef>
-        </p:style>
-        <p:txBody>
-          <a:bodyPr rtlCol="0" anchor="t"/>
-          <a:lstStyle/>
-          <a:p>
-            <a:r>
-              <a:rPr lang="en-US" sz="2000" dirty="0">
-                <a:solidFill>
-                  <a:schemeClr val="tx1"/>
-                </a:solidFill>
-              </a:rPr>
-              <a:t>Distributed Multi Agent System</a:t>
-            </a:r>
-            <a:endParaRPr lang="en-IN" sz="2000" dirty="0">
-              <a:solidFill>
-                <a:schemeClr val="tx1"/>
-              </a:solidFill>
-            </a:endParaRPr>
-          </a:p>
-        </p:txBody>
-      </p:sp>
-      <p:sp>
-        <p:nvSpPr>
-          <p:cNvPr id="11" name="Rectangle 10">
-            <a:extLst>
-              <a:ext uri="{FF2B5EF4-FFF2-40B4-BE49-F238E27FC236}">
-                <a16:creationId xmlns:a16="http://schemas.microsoft.com/office/drawing/2014/main" id="{B1E781A5-BF0C-1BE0-EEF3-3976182A0B13}"/>
-              </a:ext>
-            </a:extLst>
-          </p:cNvPr>
-          <p:cNvSpPr/>
-          <p:nvPr/>
-        </p:nvSpPr>
-        <p:spPr>
-          <a:xfrm>
-            <a:off x="5472807" y="1090671"/>
-            <a:ext cx="804703" cy="410067"/>
-          </a:xfrm>
-          <a:prstGeom prst="rect">
-            <a:avLst/>
-          </a:prstGeom>
-          <a:solidFill>
-            <a:schemeClr val="tx1">
-              <a:lumMod val="75000"/>
-              <a:lumOff val="25000"/>
-            </a:schemeClr>
-          </a:solidFill>
-        </p:spPr>
-        <p:style>
-          <a:lnRef idx="2">
-            <a:schemeClr val="accent1">
-              <a:shade val="15000"/>
-            </a:schemeClr>
-          </a:lnRef>
-          <a:fillRef idx="1">
-            <a:schemeClr val="accent1"/>
-          </a:fillRef>
-          <a:effectRef idx="0">
-            <a:schemeClr val="accent1"/>
-          </a:effectRef>
-          <a:fontRef idx="minor">
-            <a:schemeClr val="lt1"/>
-          </a:fontRef>
-        </p:style>
-        <p:txBody>
-          <a:bodyPr rtlCol="0" anchor="t"/>
-          <a:lstStyle/>
-          <a:p>
-            <a:pPr algn="ctr"/>
-            <a:r>
-              <a:rPr lang="en-US" dirty="0">
-                <a:solidFill>
-                  <a:schemeClr val="bg1"/>
-                </a:solidFill>
-              </a:rPr>
-              <a:t>Agent 2</a:t>
-            </a:r>
-            <a:endParaRPr lang="en-IN" dirty="0">
-              <a:solidFill>
-                <a:schemeClr val="bg1"/>
-              </a:solidFill>
-            </a:endParaRPr>
-          </a:p>
-        </p:txBody>
-      </p:sp>
-      <p:sp>
-        <p:nvSpPr>
-          <p:cNvPr id="26" name="Rectangle 25">
-            <a:extLst>
-              <a:ext uri="{FF2B5EF4-FFF2-40B4-BE49-F238E27FC236}">
-                <a16:creationId xmlns:a16="http://schemas.microsoft.com/office/drawing/2014/main" id="{DC7B9B31-2F65-F9BD-3247-DE905C14FC71}"/>
-              </a:ext>
-            </a:extLst>
-          </p:cNvPr>
-          <p:cNvSpPr/>
-          <p:nvPr/>
-        </p:nvSpPr>
-        <p:spPr>
-          <a:xfrm>
-            <a:off x="3401720" y="1079686"/>
-            <a:ext cx="920561" cy="410067"/>
-          </a:xfrm>
-          <a:prstGeom prst="rect">
-            <a:avLst/>
-          </a:prstGeom>
-          <a:solidFill>
-            <a:schemeClr val="tx1">
-              <a:lumMod val="75000"/>
-              <a:lumOff val="25000"/>
-            </a:schemeClr>
-          </a:solidFill>
-        </p:spPr>
-        <p:style>
-          <a:lnRef idx="2">
-            <a:schemeClr val="accent1">
-              <a:shade val="15000"/>
-            </a:schemeClr>
-          </a:lnRef>
-          <a:fillRef idx="1">
-            <a:schemeClr val="accent1"/>
-          </a:fillRef>
-          <a:effectRef idx="0">
-            <a:schemeClr val="accent1"/>
-          </a:effectRef>
-          <a:fontRef idx="minor">
-            <a:schemeClr val="lt1"/>
-          </a:fontRef>
-        </p:style>
-        <p:txBody>
-          <a:bodyPr rtlCol="0" anchor="t"/>
-          <a:lstStyle/>
-          <a:p>
-            <a:pPr algn="ctr"/>
-            <a:r>
-              <a:rPr lang="en-US" dirty="0">
-                <a:solidFill>
-                  <a:schemeClr val="bg1"/>
-                </a:solidFill>
-              </a:rPr>
-              <a:t>Agent 1</a:t>
-            </a:r>
-            <a:endParaRPr lang="en-IN" dirty="0">
-              <a:solidFill>
-                <a:schemeClr val="bg1"/>
-              </a:solidFill>
-            </a:endParaRPr>
-          </a:p>
-        </p:txBody>
-      </p:sp>
-      <p:sp>
-        <p:nvSpPr>
-          <p:cNvPr id="19" name="Rectangle 18">
-            <a:extLst>
-              <a:ext uri="{FF2B5EF4-FFF2-40B4-BE49-F238E27FC236}">
-                <a16:creationId xmlns:a16="http://schemas.microsoft.com/office/drawing/2014/main" id="{F65C49D3-8472-B9F2-D895-B543D4715C68}"/>
-              </a:ext>
-            </a:extLst>
-          </p:cNvPr>
-          <p:cNvSpPr/>
-          <p:nvPr/>
-        </p:nvSpPr>
-        <p:spPr>
-          <a:xfrm>
-            <a:off x="12657981" y="2179189"/>
-            <a:ext cx="1239692" cy="422943"/>
-          </a:xfrm>
-          <a:prstGeom prst="rect">
-            <a:avLst/>
-          </a:prstGeom>
-          <a:solidFill>
-            <a:schemeClr val="accent2">
-              <a:lumMod val="60000"/>
-              <a:lumOff val="40000"/>
-            </a:schemeClr>
-          </a:solidFill>
-        </p:spPr>
-        <p:style>
-          <a:lnRef idx="2">
-            <a:schemeClr val="accent1">
-              <a:shade val="15000"/>
-            </a:schemeClr>
-          </a:lnRef>
-          <a:fillRef idx="1">
-            <a:schemeClr val="accent1"/>
-          </a:fillRef>
-          <a:effectRef idx="0">
-            <a:schemeClr val="accent1"/>
-          </a:effectRef>
-          <a:fontRef idx="minor">
-            <a:schemeClr val="lt1"/>
-          </a:fontRef>
-        </p:style>
-        <p:txBody>
-          <a:bodyPr rtlCol="0" anchor="ctr"/>
-          <a:lstStyle/>
-          <a:p>
-            <a:pPr algn="ctr"/>
-            <a:r>
-              <a:rPr lang="en-US" dirty="0">
-                <a:solidFill>
-                  <a:schemeClr val="tx1"/>
-                </a:solidFill>
-              </a:rPr>
-              <a:t>Effectors</a:t>
-            </a:r>
-            <a:endParaRPr lang="en-IN" dirty="0">
-              <a:solidFill>
-                <a:schemeClr val="tx1"/>
-              </a:solidFill>
-            </a:endParaRPr>
-          </a:p>
-        </p:txBody>
-      </p:sp>
-      <p:sp>
-        <p:nvSpPr>
-          <p:cNvPr id="12" name="Rectangle 11">
-            <a:extLst>
-              <a:ext uri="{FF2B5EF4-FFF2-40B4-BE49-F238E27FC236}">
-                <a16:creationId xmlns:a16="http://schemas.microsoft.com/office/drawing/2014/main" id="{18457AEE-3D17-B2A5-6111-A423A91807DC}"/>
-              </a:ext>
-            </a:extLst>
-          </p:cNvPr>
-          <p:cNvSpPr/>
-          <p:nvPr/>
-        </p:nvSpPr>
-        <p:spPr>
-          <a:xfrm>
-            <a:off x="604493" y="1079686"/>
-            <a:ext cx="1218453" cy="410067"/>
-          </a:xfrm>
-          <a:prstGeom prst="rect">
-            <a:avLst/>
-          </a:prstGeom>
-          <a:solidFill>
-            <a:schemeClr val="accent2">
-              <a:lumMod val="60000"/>
-              <a:lumOff val="40000"/>
-            </a:schemeClr>
-          </a:solidFill>
-        </p:spPr>
-        <p:style>
-          <a:lnRef idx="2">
-            <a:schemeClr val="accent1">
-              <a:shade val="15000"/>
-            </a:schemeClr>
-          </a:lnRef>
-          <a:fillRef idx="1">
-            <a:schemeClr val="accent1"/>
-          </a:fillRef>
-          <a:effectRef idx="0">
-            <a:schemeClr val="accent1"/>
-          </a:effectRef>
-          <a:fontRef idx="minor">
-            <a:schemeClr val="lt1"/>
-          </a:fontRef>
-        </p:style>
-        <p:txBody>
-          <a:bodyPr rtlCol="0" anchor="ctr"/>
-          <a:lstStyle/>
-          <a:p>
-            <a:pPr algn="ctr"/>
-            <a:r>
-              <a:rPr lang="en-US" sz="1600" dirty="0">
-                <a:solidFill>
-                  <a:schemeClr val="tx1"/>
-                </a:solidFill>
-              </a:rPr>
-              <a:t>User Input</a:t>
-            </a:r>
-            <a:endParaRPr lang="en-IN" sz="1600" dirty="0">
-              <a:solidFill>
-                <a:schemeClr val="tx1"/>
-              </a:solidFill>
-            </a:endParaRPr>
-          </a:p>
-        </p:txBody>
-      </p:sp>
-      <p:sp>
-        <p:nvSpPr>
-          <p:cNvPr id="27" name="Rectangle 26">
-            <a:extLst>
-              <a:ext uri="{FF2B5EF4-FFF2-40B4-BE49-F238E27FC236}">
-                <a16:creationId xmlns:a16="http://schemas.microsoft.com/office/drawing/2014/main" id="{E5D3F64A-7A29-51D2-7927-048BF85C5EBB}"/>
-              </a:ext>
-            </a:extLst>
-          </p:cNvPr>
-          <p:cNvSpPr/>
-          <p:nvPr/>
-        </p:nvSpPr>
-        <p:spPr>
-          <a:xfrm>
-            <a:off x="12682950" y="1397791"/>
-            <a:ext cx="1218453" cy="392990"/>
-          </a:xfrm>
-          <a:prstGeom prst="rect">
-            <a:avLst/>
-          </a:prstGeom>
-          <a:solidFill>
-            <a:schemeClr val="tx1">
-              <a:lumMod val="75000"/>
-              <a:lumOff val="25000"/>
-            </a:schemeClr>
-          </a:solidFill>
-        </p:spPr>
-        <p:style>
-          <a:lnRef idx="2">
-            <a:schemeClr val="accent1">
-              <a:shade val="15000"/>
-            </a:schemeClr>
-          </a:lnRef>
-          <a:fillRef idx="1">
-            <a:schemeClr val="accent1"/>
-          </a:fillRef>
-          <a:effectRef idx="0">
-            <a:schemeClr val="accent1"/>
-          </a:effectRef>
-          <a:fontRef idx="minor">
-            <a:schemeClr val="lt1"/>
-          </a:fontRef>
-        </p:style>
-        <p:txBody>
-          <a:bodyPr rtlCol="0" anchor="ctr"/>
-          <a:lstStyle/>
-          <a:p>
-            <a:pPr algn="ctr"/>
-            <a:r>
-              <a:rPr lang="en-US" sz="1600" dirty="0">
-                <a:solidFill>
-                  <a:schemeClr val="bg1"/>
-                </a:solidFill>
-              </a:rPr>
-              <a:t>Decision</a:t>
-            </a:r>
-            <a:endParaRPr lang="en-IN" sz="1600" dirty="0">
-              <a:solidFill>
-                <a:schemeClr val="bg1"/>
-              </a:solidFill>
-            </a:endParaRPr>
-          </a:p>
-        </p:txBody>
-      </p:sp>
-      <p:cxnSp>
-        <p:nvCxnSpPr>
-          <p:cNvPr id="35" name="Straight Arrow Connector 34">
-            <a:extLst>
-              <a:ext uri="{FF2B5EF4-FFF2-40B4-BE49-F238E27FC236}">
-                <a16:creationId xmlns:a16="http://schemas.microsoft.com/office/drawing/2014/main" id="{ED2E6251-282E-A3C8-0FC5-C8EBFECD441C}"/>
-              </a:ext>
-            </a:extLst>
-          </p:cNvPr>
-          <p:cNvCxnSpPr>
-            <a:cxnSpLocks/>
-            <a:endCxn id="19" idx="2"/>
-          </p:cNvCxnSpPr>
-          <p:nvPr/>
-        </p:nvCxnSpPr>
-        <p:spPr>
-          <a:xfrm rot="5400000">
-            <a:off x="14408027" y="1471933"/>
-            <a:ext cx="12700" cy="2260399"/>
-          </a:xfrm>
-          <a:prstGeom prst="bentConnector3">
-            <a:avLst>
-              <a:gd name="adj1" fmla="val 1800000"/>
-            </a:avLst>
-          </a:prstGeom>
-          <a:ln w="28575">
-            <a:tailEnd type="triangle"/>
-          </a:ln>
-        </p:spPr>
-        <p:style>
-          <a:lnRef idx="1">
-            <a:schemeClr val="accent6"/>
-          </a:lnRef>
-          <a:fillRef idx="0">
-            <a:schemeClr val="accent6"/>
-          </a:fillRef>
-          <a:effectRef idx="0">
-            <a:schemeClr val="accent6"/>
-          </a:effectRef>
-          <a:fontRef idx="minor">
-            <a:schemeClr val="tx1"/>
-          </a:fontRef>
-        </p:style>
-      </p:cxnSp>
-      <p:sp>
-        <p:nvSpPr>
-          <p:cNvPr id="7" name="Rectangle 6">
-            <a:extLst>
-              <a:ext uri="{FF2B5EF4-FFF2-40B4-BE49-F238E27FC236}">
-                <a16:creationId xmlns:a16="http://schemas.microsoft.com/office/drawing/2014/main" id="{265C7DAB-56B3-A6B6-D6BE-CB7C6EB9815F}"/>
-              </a:ext>
-            </a:extLst>
-          </p:cNvPr>
-          <p:cNvSpPr/>
-          <p:nvPr/>
-        </p:nvSpPr>
-        <p:spPr>
-          <a:xfrm>
-            <a:off x="7428036" y="1090671"/>
-            <a:ext cx="804703" cy="410067"/>
-          </a:xfrm>
-          <a:prstGeom prst="rect">
-            <a:avLst/>
-          </a:prstGeom>
-          <a:solidFill>
-            <a:schemeClr val="tx1">
-              <a:lumMod val="75000"/>
-              <a:lumOff val="25000"/>
-            </a:schemeClr>
-          </a:solidFill>
-        </p:spPr>
-        <p:style>
-          <a:lnRef idx="2">
-            <a:schemeClr val="accent1">
-              <a:shade val="15000"/>
-            </a:schemeClr>
-          </a:lnRef>
-          <a:fillRef idx="1">
-            <a:schemeClr val="accent1"/>
-          </a:fillRef>
-          <a:effectRef idx="0">
-            <a:schemeClr val="accent1"/>
-          </a:effectRef>
-          <a:fontRef idx="minor">
-            <a:schemeClr val="lt1"/>
-          </a:fontRef>
-        </p:style>
-        <p:txBody>
-          <a:bodyPr rtlCol="0" anchor="t"/>
-          <a:lstStyle/>
-          <a:p>
-            <a:pPr algn="ctr"/>
-            <a:r>
-              <a:rPr lang="en-US" dirty="0">
-                <a:solidFill>
-                  <a:schemeClr val="bg1"/>
-                </a:solidFill>
-              </a:rPr>
-              <a:t>Agent 1</a:t>
-            </a:r>
-            <a:endParaRPr lang="en-IN" dirty="0">
-              <a:solidFill>
-                <a:schemeClr val="bg1"/>
-              </a:solidFill>
-            </a:endParaRPr>
-          </a:p>
-        </p:txBody>
-      </p:sp>
-      <p:sp>
-        <p:nvSpPr>
-          <p:cNvPr id="13" name="Rectangle 12">
-            <a:extLst>
-              <a:ext uri="{FF2B5EF4-FFF2-40B4-BE49-F238E27FC236}">
-                <a16:creationId xmlns:a16="http://schemas.microsoft.com/office/drawing/2014/main" id="{6CB445C0-5E0F-4FC9-DECA-B248EAAA3FD0}"/>
-              </a:ext>
-            </a:extLst>
-          </p:cNvPr>
-          <p:cNvSpPr/>
-          <p:nvPr/>
-        </p:nvSpPr>
-        <p:spPr>
-          <a:xfrm>
-            <a:off x="9773090" y="1090671"/>
-            <a:ext cx="1440000" cy="2160000"/>
-          </a:xfrm>
-          <a:prstGeom prst="rect">
-            <a:avLst/>
-          </a:prstGeom>
-          <a:solidFill>
-            <a:schemeClr val="tx1">
-              <a:lumMod val="75000"/>
-              <a:lumOff val="25000"/>
-            </a:schemeClr>
-          </a:solidFill>
-        </p:spPr>
-        <p:style>
-          <a:lnRef idx="2">
-            <a:schemeClr val="accent1">
-              <a:shade val="15000"/>
-            </a:schemeClr>
-          </a:lnRef>
-          <a:fillRef idx="1">
-            <a:schemeClr val="accent1"/>
-          </a:fillRef>
-          <a:effectRef idx="0">
-            <a:schemeClr val="accent1"/>
-          </a:effectRef>
-          <a:fontRef idx="minor">
-            <a:schemeClr val="lt1"/>
-          </a:fontRef>
-        </p:style>
-        <p:txBody>
-          <a:bodyPr rtlCol="0" anchor="t"/>
-          <a:lstStyle/>
-          <a:p>
-            <a:pPr algn="ctr"/>
-            <a:r>
-              <a:rPr lang="en-US" dirty="0">
-                <a:solidFill>
-                  <a:schemeClr val="bg1"/>
-                </a:solidFill>
-              </a:rPr>
-              <a:t>Agent 1</a:t>
-            </a:r>
-            <a:endParaRPr lang="en-IN" dirty="0">
-              <a:solidFill>
-                <a:schemeClr val="bg1"/>
-              </a:solidFill>
-            </a:endParaRPr>
-          </a:p>
-        </p:txBody>
-      </p:sp>
+        </p:spPr>
+      </p:pic>
     </p:spTree>
     <p:extLst>
       <p:ext uri="{BB962C8B-B14F-4D97-AF65-F5344CB8AC3E}">
-        <p14:creationId xmlns:p14="http://schemas.microsoft.com/office/powerpoint/2010/main" val="837662757"/>
+        <p14:creationId xmlns:p14="http://schemas.microsoft.com/office/powerpoint/2010/main" val="2728680189"/>
       </p:ext>
     </p:extLst>
   </p:cSld>
@@ -18223,40 +16532,107 @@
           <a:chExt cx="0" cy="0"/>
         </a:xfrm>
       </p:grpSpPr>
+      <p:sp>
+        <p:nvSpPr>
+          <p:cNvPr id="2" name="Title 1">
+            <a:extLst>
+              <a:ext uri="{FF2B5EF4-FFF2-40B4-BE49-F238E27FC236}">
+                <a16:creationId xmlns:a16="http://schemas.microsoft.com/office/drawing/2014/main" id="{EA5B336E-3068-BD9B-718A-0384C9EA1E71}"/>
+              </a:ext>
+            </a:extLst>
+          </p:cNvPr>
+          <p:cNvSpPr>
+            <a:spLocks noGrp="1"/>
+          </p:cNvSpPr>
+          <p:nvPr>
+            <p:ph type="title"/>
+          </p:nvPr>
+        </p:nvSpPr>
+        <p:spPr/>
+        <p:txBody>
+          <a:bodyPr/>
+          <a:lstStyle/>
+          <a:p>
+            <a:endParaRPr lang="en-IN" dirty="0"/>
+          </a:p>
+        </p:txBody>
+      </p:sp>
+      <p:sp>
+        <p:nvSpPr>
+          <p:cNvPr id="3" name="Content Placeholder 2">
+            <a:extLst>
+              <a:ext uri="{FF2B5EF4-FFF2-40B4-BE49-F238E27FC236}">
+                <a16:creationId xmlns:a16="http://schemas.microsoft.com/office/drawing/2014/main" id="{F4D0A70A-9499-D6A5-F11B-E8D301D3A76A}"/>
+              </a:ext>
+            </a:extLst>
+          </p:cNvPr>
+          <p:cNvSpPr>
+            <a:spLocks noGrp="1"/>
+          </p:cNvSpPr>
+          <p:nvPr>
+            <p:ph idx="1"/>
+          </p:nvPr>
+        </p:nvSpPr>
+        <p:spPr/>
+        <p:txBody>
+          <a:bodyPr/>
+          <a:lstStyle/>
+          <a:p>
+            <a:endParaRPr lang="en-IN" dirty="0"/>
+          </a:p>
+        </p:txBody>
+      </p:sp>
       <p:pic>
         <p:nvPicPr>
-          <p:cNvPr id="3" name="Picture 2">
-            <a:extLst>
-              <a:ext uri="{FF2B5EF4-FFF2-40B4-BE49-F238E27FC236}">
-                <a16:creationId xmlns:a16="http://schemas.microsoft.com/office/drawing/2014/main" id="{48393CA4-A4BD-9A9A-A9D4-7B4F9F99DBC4}"/>
+          <p:cNvPr id="1026" name="Picture 2" descr="No alt text provided for this image">
+            <a:extLst>
+              <a:ext uri="{FF2B5EF4-FFF2-40B4-BE49-F238E27FC236}">
+                <a16:creationId xmlns:a16="http://schemas.microsoft.com/office/drawing/2014/main" id="{B5DECD29-23C2-9A74-9B94-824F26215E62}"/>
               </a:ext>
             </a:extLst>
           </p:cNvPr>
           <p:cNvPicPr>
-            <a:picLocks noChangeAspect="1"/>
+            <a:picLocks noChangeAspect="1" noChangeArrowheads="1"/>
           </p:cNvPicPr>
           <p:nvPr/>
         </p:nvPicPr>
         <p:blipFill>
-          <a:blip r:embed="rId2"/>
+          <a:blip r:embed="rId2">
+            <a:extLst>
+              <a:ext uri="{28A0092B-C50C-407E-A947-70E740481C1C}">
+                <a14:useLocalDpi xmlns:a14="http://schemas.microsoft.com/office/drawing/2010/main" val="0"/>
+              </a:ext>
+            </a:extLst>
+          </a:blip>
+          <a:srcRect/>
           <a:stretch>
             <a:fillRect/>
           </a:stretch>
         </p:blipFill>
-        <p:spPr>
-          <a:xfrm>
-            <a:off x="1285203" y="814022"/>
-            <a:ext cx="9621593" cy="5229955"/>
+        <p:spPr bwMode="auto">
+          <a:xfrm>
+            <a:off x="4013200" y="0"/>
+            <a:ext cx="4164013" cy="6858000"/>
           </a:xfrm>
           <a:prstGeom prst="rect">
             <a:avLst/>
           </a:prstGeom>
+          <a:noFill/>
+          <a:extLst>
+            <a:ext uri="{909E8E84-426E-40DD-AFC4-6F175D3DCCD1}">
+              <a14:hiddenFill xmlns:a14="http://schemas.microsoft.com/office/drawing/2010/main">
+                <a:solidFill>
+                  <a:srgbClr val="FFFFFF"/>
+                </a:solidFill>
+              </a14:hiddenFill>
+            </a:ext>
+          </a:extLst>
         </p:spPr>
       </p:pic>
     </p:spTree>
     <p:extLst>
       <p:ext uri="{BB962C8B-B14F-4D97-AF65-F5344CB8AC3E}">
-        <p14:creationId xmlns:p14="http://schemas.microsoft.com/office/powerpoint/2010/main" val="2728680189"/>
+        <p14:creationId xmlns:p14="http://schemas.microsoft.com/office/powerpoint/2010/main" val="3663456190"/>
       </p:ext>
     </p:extLst>
   </p:cSld>
@@ -18285,105 +16661,1729 @@
       </p:grpSpPr>
       <p:sp>
         <p:nvSpPr>
-          <p:cNvPr id="2" name="Title 1">
-            <a:extLst>
-              <a:ext uri="{FF2B5EF4-FFF2-40B4-BE49-F238E27FC236}">
-                <a16:creationId xmlns:a16="http://schemas.microsoft.com/office/drawing/2014/main" id="{EA5B336E-3068-BD9B-718A-0384C9EA1E71}"/>
-              </a:ext>
-            </a:extLst>
-          </p:cNvPr>
-          <p:cNvSpPr>
-            <a:spLocks noGrp="1"/>
-          </p:cNvSpPr>
-          <p:nvPr>
-            <p:ph type="title"/>
-          </p:nvPr>
-        </p:nvSpPr>
-        <p:spPr/>
-        <p:txBody>
-          <a:bodyPr/>
-          <a:lstStyle/>
-          <a:p>
-            <a:endParaRPr lang="en-IN" dirty="0"/>
-          </a:p>
-        </p:txBody>
-      </p:sp>
-      <p:sp>
-        <p:nvSpPr>
-          <p:cNvPr id="3" name="Content Placeholder 2">
-            <a:extLst>
-              <a:ext uri="{FF2B5EF4-FFF2-40B4-BE49-F238E27FC236}">
-                <a16:creationId xmlns:a16="http://schemas.microsoft.com/office/drawing/2014/main" id="{F4D0A70A-9499-D6A5-F11B-E8D301D3A76A}"/>
-              </a:ext>
-            </a:extLst>
-          </p:cNvPr>
-          <p:cNvSpPr>
-            <a:spLocks noGrp="1"/>
-          </p:cNvSpPr>
-          <p:nvPr>
-            <p:ph idx="1"/>
-          </p:nvPr>
-        </p:nvSpPr>
-        <p:spPr/>
-        <p:txBody>
-          <a:bodyPr/>
-          <a:lstStyle/>
-          <a:p>
-            <a:endParaRPr lang="en-IN" dirty="0"/>
-          </a:p>
-        </p:txBody>
-      </p:sp>
-      <p:pic>
-        <p:nvPicPr>
-          <p:cNvPr id="1026" name="Picture 2" descr="No alt text provided for this image">
-            <a:extLst>
-              <a:ext uri="{FF2B5EF4-FFF2-40B4-BE49-F238E27FC236}">
-                <a16:creationId xmlns:a16="http://schemas.microsoft.com/office/drawing/2014/main" id="{B5DECD29-23C2-9A74-9B94-824F26215E62}"/>
-              </a:ext>
-            </a:extLst>
-          </p:cNvPr>
-          <p:cNvPicPr>
-            <a:picLocks noChangeAspect="1" noChangeArrowheads="1"/>
-          </p:cNvPicPr>
+          <p:cNvPr id="4" name="Rectangle 3">
+            <a:extLst>
+              <a:ext uri="{FF2B5EF4-FFF2-40B4-BE49-F238E27FC236}">
+                <a16:creationId xmlns:a16="http://schemas.microsoft.com/office/drawing/2014/main" id="{CDB70D3E-C3A5-BAE0-F90E-F0CCCBE39722}"/>
+              </a:ext>
+            </a:extLst>
+          </p:cNvPr>
+          <p:cNvSpPr/>
           <p:nvPr/>
-        </p:nvPicPr>
-        <p:blipFill>
-          <a:blip r:embed="rId2">
-            <a:extLst>
-              <a:ext uri="{28A0092B-C50C-407E-A947-70E740481C1C}">
-                <a14:useLocalDpi xmlns:a14="http://schemas.microsoft.com/office/drawing/2010/main" val="0"/>
-              </a:ext>
-            </a:extLst>
-          </a:blip>
-          <a:srcRect/>
-          <a:stretch>
-            <a:fillRect/>
-          </a:stretch>
-        </p:blipFill>
-        <p:spPr bwMode="auto">
-          <a:xfrm>
-            <a:off x="4013200" y="0"/>
-            <a:ext cx="4164013" cy="6858000"/>
+        </p:nvSpPr>
+        <p:spPr>
+          <a:xfrm>
+            <a:off x="441789" y="410966"/>
+            <a:ext cx="8907998" cy="410067"/>
           </a:xfrm>
           <a:prstGeom prst="rect">
             <a:avLst/>
           </a:prstGeom>
-          <a:noFill/>
-          <a:extLst>
-            <a:ext uri="{909E8E84-426E-40DD-AFC4-6F175D3DCCD1}">
-              <a14:hiddenFill xmlns:a14="http://schemas.microsoft.com/office/drawing/2010/main">
-                <a:solidFill>
-                  <a:srgbClr val="FFFFFF"/>
-                </a:solidFill>
-              </a14:hiddenFill>
-            </a:ext>
-          </a:extLst>
-        </p:spPr>
-      </p:pic>
+          <a:solidFill>
+            <a:schemeClr val="bg1">
+              <a:lumMod val="75000"/>
+            </a:schemeClr>
+          </a:solidFill>
+        </p:spPr>
+        <p:style>
+          <a:lnRef idx="2">
+            <a:schemeClr val="accent1">
+              <a:shade val="15000"/>
+            </a:schemeClr>
+          </a:lnRef>
+          <a:fillRef idx="1">
+            <a:schemeClr val="accent1"/>
+          </a:fillRef>
+          <a:effectRef idx="0">
+            <a:schemeClr val="accent1"/>
+          </a:effectRef>
+          <a:fontRef idx="minor">
+            <a:schemeClr val="lt1"/>
+          </a:fontRef>
+        </p:style>
+        <p:txBody>
+          <a:bodyPr rtlCol="0" anchor="t"/>
+          <a:lstStyle/>
+          <a:p>
+            <a:pPr algn="ctr"/>
+            <a:r>
+              <a:rPr lang="en-US" sz="2000" dirty="0">
+                <a:solidFill>
+                  <a:schemeClr val="tx1"/>
+                </a:solidFill>
+              </a:rPr>
+              <a:t>Data Transformation</a:t>
+            </a:r>
+            <a:endParaRPr lang="en-IN" sz="2000" dirty="0">
+              <a:solidFill>
+                <a:schemeClr val="tx1"/>
+              </a:solidFill>
+            </a:endParaRPr>
+          </a:p>
+        </p:txBody>
+      </p:sp>
+      <p:sp>
+        <p:nvSpPr>
+          <p:cNvPr id="5" name="Rectangle 4">
+            <a:extLst>
+              <a:ext uri="{FF2B5EF4-FFF2-40B4-BE49-F238E27FC236}">
+                <a16:creationId xmlns:a16="http://schemas.microsoft.com/office/drawing/2014/main" id="{E944D9FA-6103-8F13-C92D-DAA81A45A9C3}"/>
+              </a:ext>
+            </a:extLst>
+          </p:cNvPr>
+          <p:cNvSpPr/>
+          <p:nvPr/>
+        </p:nvSpPr>
+        <p:spPr>
+          <a:xfrm>
+            <a:off x="1794196" y="1836770"/>
+            <a:ext cx="920561" cy="359176"/>
+          </a:xfrm>
+          <a:prstGeom prst="rect">
+            <a:avLst/>
+          </a:prstGeom>
+          <a:solidFill>
+            <a:schemeClr val="tx1">
+              <a:lumMod val="75000"/>
+              <a:lumOff val="25000"/>
+            </a:schemeClr>
+          </a:solidFill>
+        </p:spPr>
+        <p:style>
+          <a:lnRef idx="2">
+            <a:schemeClr val="accent1">
+              <a:shade val="15000"/>
+            </a:schemeClr>
+          </a:lnRef>
+          <a:fillRef idx="1">
+            <a:schemeClr val="accent1"/>
+          </a:fillRef>
+          <a:effectRef idx="0">
+            <a:schemeClr val="accent1"/>
+          </a:effectRef>
+          <a:fontRef idx="minor">
+            <a:schemeClr val="lt1"/>
+          </a:fontRef>
+        </p:style>
+        <p:txBody>
+          <a:bodyPr rtlCol="0" anchor="ctr"/>
+          <a:lstStyle/>
+          <a:p>
+            <a:pPr algn="ctr"/>
+            <a:r>
+              <a:rPr lang="en-US" sz="1200" dirty="0">
+                <a:solidFill>
+                  <a:schemeClr val="bg1"/>
+                </a:solidFill>
+              </a:rPr>
+              <a:t>System 2</a:t>
+            </a:r>
+            <a:endParaRPr lang="en-IN" sz="1200" dirty="0">
+              <a:solidFill>
+                <a:schemeClr val="bg1"/>
+              </a:solidFill>
+            </a:endParaRPr>
+          </a:p>
+        </p:txBody>
+      </p:sp>
+      <p:sp>
+        <p:nvSpPr>
+          <p:cNvPr id="6" name="Rectangle 5">
+            <a:extLst>
+              <a:ext uri="{FF2B5EF4-FFF2-40B4-BE49-F238E27FC236}">
+                <a16:creationId xmlns:a16="http://schemas.microsoft.com/office/drawing/2014/main" id="{63F524DC-DB75-D27F-CDF0-7A6AA2757E90}"/>
+              </a:ext>
+            </a:extLst>
+          </p:cNvPr>
+          <p:cNvSpPr/>
+          <p:nvPr/>
+        </p:nvSpPr>
+        <p:spPr>
+          <a:xfrm>
+            <a:off x="441788" y="1836771"/>
+            <a:ext cx="920561" cy="359176"/>
+          </a:xfrm>
+          <a:prstGeom prst="rect">
+            <a:avLst/>
+          </a:prstGeom>
+          <a:solidFill>
+            <a:schemeClr val="tx1">
+              <a:lumMod val="75000"/>
+              <a:lumOff val="25000"/>
+            </a:schemeClr>
+          </a:solidFill>
+        </p:spPr>
+        <p:style>
+          <a:lnRef idx="2">
+            <a:schemeClr val="accent1">
+              <a:shade val="15000"/>
+            </a:schemeClr>
+          </a:lnRef>
+          <a:fillRef idx="1">
+            <a:schemeClr val="accent1"/>
+          </a:fillRef>
+          <a:effectRef idx="0">
+            <a:schemeClr val="accent1"/>
+          </a:effectRef>
+          <a:fontRef idx="minor">
+            <a:schemeClr val="lt1"/>
+          </a:fontRef>
+        </p:style>
+        <p:txBody>
+          <a:bodyPr rtlCol="0" anchor="ctr"/>
+          <a:lstStyle/>
+          <a:p>
+            <a:pPr algn="ctr"/>
+            <a:r>
+              <a:rPr lang="en-US" sz="1200" dirty="0">
+                <a:solidFill>
+                  <a:schemeClr val="bg1"/>
+                </a:solidFill>
+              </a:rPr>
+              <a:t>System 1</a:t>
+            </a:r>
+            <a:endParaRPr lang="en-IN" sz="1200" dirty="0">
+              <a:solidFill>
+                <a:schemeClr val="bg1"/>
+              </a:solidFill>
+            </a:endParaRPr>
+          </a:p>
+        </p:txBody>
+      </p:sp>
+      <p:sp>
+        <p:nvSpPr>
+          <p:cNvPr id="7" name="Rectangle 6">
+            <a:extLst>
+              <a:ext uri="{FF2B5EF4-FFF2-40B4-BE49-F238E27FC236}">
+                <a16:creationId xmlns:a16="http://schemas.microsoft.com/office/drawing/2014/main" id="{5000937C-8A2C-F03F-67ED-CC877957E060}"/>
+              </a:ext>
+            </a:extLst>
+          </p:cNvPr>
+          <p:cNvSpPr/>
+          <p:nvPr/>
+        </p:nvSpPr>
+        <p:spPr>
+          <a:xfrm>
+            <a:off x="1645249" y="4013191"/>
+            <a:ext cx="1218453" cy="410067"/>
+          </a:xfrm>
+          <a:prstGeom prst="rect">
+            <a:avLst/>
+          </a:prstGeom>
+          <a:solidFill>
+            <a:schemeClr val="accent2">
+              <a:lumMod val="60000"/>
+              <a:lumOff val="40000"/>
+            </a:schemeClr>
+          </a:solidFill>
+        </p:spPr>
+        <p:style>
+          <a:lnRef idx="2">
+            <a:schemeClr val="accent1">
+              <a:shade val="15000"/>
+            </a:schemeClr>
+          </a:lnRef>
+          <a:fillRef idx="1">
+            <a:schemeClr val="accent1"/>
+          </a:fillRef>
+          <a:effectRef idx="0">
+            <a:schemeClr val="accent1"/>
+          </a:effectRef>
+          <a:fontRef idx="minor">
+            <a:schemeClr val="lt1"/>
+          </a:fontRef>
+        </p:style>
+        <p:txBody>
+          <a:bodyPr rtlCol="0" anchor="ctr"/>
+          <a:lstStyle/>
+          <a:p>
+            <a:pPr algn="ctr"/>
+            <a:r>
+              <a:rPr lang="en-US" sz="1400" dirty="0">
+                <a:solidFill>
+                  <a:schemeClr val="tx1"/>
+                </a:solidFill>
+              </a:rPr>
+              <a:t>Client App</a:t>
+            </a:r>
+            <a:endParaRPr lang="en-IN" sz="1400" dirty="0">
+              <a:solidFill>
+                <a:schemeClr val="tx1"/>
+              </a:solidFill>
+            </a:endParaRPr>
+          </a:p>
+        </p:txBody>
+      </p:sp>
+      <p:sp>
+        <p:nvSpPr>
+          <p:cNvPr id="8" name="Rectangle 7">
+            <a:extLst>
+              <a:ext uri="{FF2B5EF4-FFF2-40B4-BE49-F238E27FC236}">
+                <a16:creationId xmlns:a16="http://schemas.microsoft.com/office/drawing/2014/main" id="{3B9B032C-4882-462D-FFA4-208F369EA770}"/>
+              </a:ext>
+            </a:extLst>
+          </p:cNvPr>
+          <p:cNvSpPr/>
+          <p:nvPr/>
+        </p:nvSpPr>
+        <p:spPr>
+          <a:xfrm>
+            <a:off x="3146604" y="1836770"/>
+            <a:ext cx="920561" cy="359176"/>
+          </a:xfrm>
+          <a:prstGeom prst="rect">
+            <a:avLst/>
+          </a:prstGeom>
+          <a:solidFill>
+            <a:schemeClr val="tx1">
+              <a:lumMod val="75000"/>
+              <a:lumOff val="25000"/>
+            </a:schemeClr>
+          </a:solidFill>
+        </p:spPr>
+        <p:style>
+          <a:lnRef idx="2">
+            <a:schemeClr val="accent1">
+              <a:shade val="15000"/>
+            </a:schemeClr>
+          </a:lnRef>
+          <a:fillRef idx="1">
+            <a:schemeClr val="accent1"/>
+          </a:fillRef>
+          <a:effectRef idx="0">
+            <a:schemeClr val="accent1"/>
+          </a:effectRef>
+          <a:fontRef idx="minor">
+            <a:schemeClr val="lt1"/>
+          </a:fontRef>
+        </p:style>
+        <p:txBody>
+          <a:bodyPr rtlCol="0" anchor="ctr"/>
+          <a:lstStyle/>
+          <a:p>
+            <a:pPr algn="ctr"/>
+            <a:r>
+              <a:rPr lang="en-US" sz="1200" dirty="0">
+                <a:solidFill>
+                  <a:schemeClr val="bg1"/>
+                </a:solidFill>
+              </a:rPr>
+              <a:t>System 3</a:t>
+            </a:r>
+            <a:endParaRPr lang="en-IN" sz="1200" dirty="0">
+              <a:solidFill>
+                <a:schemeClr val="bg1"/>
+              </a:solidFill>
+            </a:endParaRPr>
+          </a:p>
+        </p:txBody>
+      </p:sp>
+      <p:cxnSp>
+        <p:nvCxnSpPr>
+          <p:cNvPr id="11" name="Connector: Elbow 10">
+            <a:extLst>
+              <a:ext uri="{FF2B5EF4-FFF2-40B4-BE49-F238E27FC236}">
+                <a16:creationId xmlns:a16="http://schemas.microsoft.com/office/drawing/2014/main" id="{1BF7F1F1-CE7F-4D3D-A170-98F99405DB73}"/>
+              </a:ext>
+            </a:extLst>
+          </p:cNvPr>
+          <p:cNvCxnSpPr>
+            <a:cxnSpLocks/>
+            <a:stCxn id="6" idx="2"/>
+            <a:endCxn id="7" idx="0"/>
+          </p:cNvCxnSpPr>
+          <p:nvPr/>
+        </p:nvCxnSpPr>
+        <p:spPr>
+          <a:xfrm rot="16200000" flipH="1">
+            <a:off x="669650" y="2428365"/>
+            <a:ext cx="1817244" cy="1352407"/>
+          </a:xfrm>
+          <a:prstGeom prst="bentConnector3">
+            <a:avLst/>
+          </a:prstGeom>
+          <a:ln>
+            <a:tailEnd type="triangle"/>
+          </a:ln>
+        </p:spPr>
+        <p:style>
+          <a:lnRef idx="2">
+            <a:schemeClr val="accent1"/>
+          </a:lnRef>
+          <a:fillRef idx="0">
+            <a:schemeClr val="accent1"/>
+          </a:fillRef>
+          <a:effectRef idx="1">
+            <a:schemeClr val="accent1"/>
+          </a:effectRef>
+          <a:fontRef idx="minor">
+            <a:schemeClr val="tx1"/>
+          </a:fontRef>
+        </p:style>
+      </p:cxnSp>
+      <p:cxnSp>
+        <p:nvCxnSpPr>
+          <p:cNvPr id="13" name="Connector: Elbow 12">
+            <a:extLst>
+              <a:ext uri="{FF2B5EF4-FFF2-40B4-BE49-F238E27FC236}">
+                <a16:creationId xmlns:a16="http://schemas.microsoft.com/office/drawing/2014/main" id="{D5F1D27D-9D6B-23FD-E459-4CA83CD4EF1A}"/>
+              </a:ext>
+            </a:extLst>
+          </p:cNvPr>
+          <p:cNvCxnSpPr>
+            <a:cxnSpLocks/>
+            <a:stCxn id="5" idx="2"/>
+            <a:endCxn id="7" idx="0"/>
+          </p:cNvCxnSpPr>
+          <p:nvPr/>
+        </p:nvCxnSpPr>
+        <p:spPr>
+          <a:xfrm rot="5400000">
+            <a:off x="1345855" y="3104568"/>
+            <a:ext cx="1817245" cy="1"/>
+          </a:xfrm>
+          <a:prstGeom prst="bentConnector3">
+            <a:avLst/>
+          </a:prstGeom>
+          <a:ln>
+            <a:tailEnd type="triangle"/>
+          </a:ln>
+        </p:spPr>
+        <p:style>
+          <a:lnRef idx="2">
+            <a:schemeClr val="accent1"/>
+          </a:lnRef>
+          <a:fillRef idx="0">
+            <a:schemeClr val="accent1"/>
+          </a:fillRef>
+          <a:effectRef idx="1">
+            <a:schemeClr val="accent1"/>
+          </a:effectRef>
+          <a:fontRef idx="minor">
+            <a:schemeClr val="tx1"/>
+          </a:fontRef>
+        </p:style>
+      </p:cxnSp>
+      <p:cxnSp>
+        <p:nvCxnSpPr>
+          <p:cNvPr id="15" name="Connector: Elbow 14">
+            <a:extLst>
+              <a:ext uri="{FF2B5EF4-FFF2-40B4-BE49-F238E27FC236}">
+                <a16:creationId xmlns:a16="http://schemas.microsoft.com/office/drawing/2014/main" id="{DC8D1EBB-4A30-10A8-CAD0-4E6CC2D2713D}"/>
+              </a:ext>
+            </a:extLst>
+          </p:cNvPr>
+          <p:cNvCxnSpPr>
+            <a:cxnSpLocks/>
+            <a:stCxn id="8" idx="2"/>
+            <a:endCxn id="7" idx="0"/>
+          </p:cNvCxnSpPr>
+          <p:nvPr/>
+        </p:nvCxnSpPr>
+        <p:spPr>
+          <a:xfrm rot="5400000">
+            <a:off x="2022059" y="2428364"/>
+            <a:ext cx="1817245" cy="1352409"/>
+          </a:xfrm>
+          <a:prstGeom prst="bentConnector3">
+            <a:avLst/>
+          </a:prstGeom>
+          <a:ln>
+            <a:tailEnd type="triangle"/>
+          </a:ln>
+        </p:spPr>
+        <p:style>
+          <a:lnRef idx="2">
+            <a:schemeClr val="accent1"/>
+          </a:lnRef>
+          <a:fillRef idx="0">
+            <a:schemeClr val="accent1"/>
+          </a:fillRef>
+          <a:effectRef idx="1">
+            <a:schemeClr val="accent1"/>
+          </a:effectRef>
+          <a:fontRef idx="minor">
+            <a:schemeClr val="tx1"/>
+          </a:fontRef>
+        </p:style>
+      </p:cxnSp>
+      <p:sp>
+        <p:nvSpPr>
+          <p:cNvPr id="16" name="Rectangle 15">
+            <a:extLst>
+              <a:ext uri="{FF2B5EF4-FFF2-40B4-BE49-F238E27FC236}">
+                <a16:creationId xmlns:a16="http://schemas.microsoft.com/office/drawing/2014/main" id="{91F2A448-87DF-2B06-DF2A-F6E82EE94ED5}"/>
+              </a:ext>
+            </a:extLst>
+          </p:cNvPr>
+          <p:cNvSpPr/>
+          <p:nvPr/>
+        </p:nvSpPr>
+        <p:spPr>
+          <a:xfrm>
+            <a:off x="441788" y="4727046"/>
+            <a:ext cx="3625377" cy="1781904"/>
+          </a:xfrm>
+          <a:prstGeom prst="rect">
+            <a:avLst/>
+          </a:prstGeom>
+          <a:solidFill>
+            <a:schemeClr val="accent2">
+              <a:lumMod val="20000"/>
+              <a:lumOff val="80000"/>
+            </a:schemeClr>
+          </a:solidFill>
+        </p:spPr>
+        <p:style>
+          <a:lnRef idx="2">
+            <a:schemeClr val="accent1">
+              <a:shade val="15000"/>
+            </a:schemeClr>
+          </a:lnRef>
+          <a:fillRef idx="1">
+            <a:schemeClr val="accent1"/>
+          </a:fillRef>
+          <a:effectRef idx="0">
+            <a:schemeClr val="accent1"/>
+          </a:effectRef>
+          <a:fontRef idx="minor">
+            <a:schemeClr val="lt1"/>
+          </a:fontRef>
+        </p:style>
+        <p:txBody>
+          <a:bodyPr rtlCol="0" anchor="t"/>
+          <a:lstStyle/>
+          <a:p>
+            <a:r>
+              <a:rPr lang="en-IN" sz="1100" dirty="0">
+                <a:solidFill>
+                  <a:schemeClr val="tx1"/>
+                </a:solidFill>
+              </a:rPr>
+              <a:t>In this setup a client application needs to perform tasks to talk to all 3 systems -</a:t>
+            </a:r>
+          </a:p>
+          <a:p>
+            <a:pPr marL="228600" indent="-228600">
+              <a:buFont typeface="+mj-lt"/>
+              <a:buAutoNum type="arabicPeriod"/>
+            </a:pPr>
+            <a:r>
+              <a:rPr lang="en-IN" sz="1100" dirty="0">
+                <a:solidFill>
+                  <a:schemeClr val="tx1"/>
+                </a:solidFill>
+              </a:rPr>
+              <a:t>Protocol (TCP /HTTP/MSMQ)</a:t>
+            </a:r>
+          </a:p>
+          <a:p>
+            <a:pPr marL="228600" indent="-228600">
+              <a:buFont typeface="+mj-lt"/>
+              <a:buAutoNum type="arabicPeriod"/>
+            </a:pPr>
+            <a:r>
+              <a:rPr lang="en-IN" sz="1100" dirty="0">
+                <a:solidFill>
+                  <a:schemeClr val="tx1"/>
+                </a:solidFill>
+              </a:rPr>
+              <a:t>Data Format( XML/JSON/CSV/EXCEL/Proprietary)</a:t>
+            </a:r>
+          </a:p>
+          <a:p>
+            <a:pPr marL="228600" indent="-228600">
+              <a:buFont typeface="+mj-lt"/>
+              <a:buAutoNum type="arabicPeriod"/>
+            </a:pPr>
+            <a:r>
+              <a:rPr lang="en-IN" sz="1100" dirty="0">
+                <a:solidFill>
+                  <a:schemeClr val="tx1"/>
+                </a:solidFill>
+              </a:rPr>
+              <a:t>Transformation( Convert in format that app can understand)</a:t>
+            </a:r>
+          </a:p>
+          <a:p>
+            <a:pPr marL="228600" indent="-228600">
+              <a:buFont typeface="+mj-lt"/>
+              <a:buAutoNum type="arabicPeriod"/>
+            </a:pPr>
+            <a:r>
+              <a:rPr lang="en-IN" sz="1100" dirty="0">
+                <a:solidFill>
+                  <a:schemeClr val="tx1"/>
+                </a:solidFill>
+              </a:rPr>
+              <a:t>Aggregation (Relate data from multiple sources into one entity)</a:t>
+            </a:r>
+          </a:p>
+          <a:p>
+            <a:pPr marL="228600" indent="-228600">
+              <a:buFont typeface="+mj-lt"/>
+              <a:buAutoNum type="arabicPeriod"/>
+            </a:pPr>
+            <a:r>
+              <a:rPr lang="en-IN" sz="1100" dirty="0">
+                <a:solidFill>
+                  <a:schemeClr val="tx1"/>
+                </a:solidFill>
+              </a:rPr>
+              <a:t>Updates (Perform above operation in reverse while updating data)</a:t>
+            </a:r>
+          </a:p>
+        </p:txBody>
+      </p:sp>
+      <p:sp>
+        <p:nvSpPr>
+          <p:cNvPr id="17" name="Rectangle 16">
+            <a:extLst>
+              <a:ext uri="{FF2B5EF4-FFF2-40B4-BE49-F238E27FC236}">
+                <a16:creationId xmlns:a16="http://schemas.microsoft.com/office/drawing/2014/main" id="{960C5141-9B51-2291-DDE8-F38F63EE62A1}"/>
+              </a:ext>
+            </a:extLst>
+          </p:cNvPr>
+          <p:cNvSpPr/>
+          <p:nvPr/>
+        </p:nvSpPr>
+        <p:spPr>
+          <a:xfrm>
+            <a:off x="7076817" y="1836768"/>
+            <a:ext cx="920561" cy="359176"/>
+          </a:xfrm>
+          <a:prstGeom prst="rect">
+            <a:avLst/>
+          </a:prstGeom>
+          <a:solidFill>
+            <a:schemeClr val="tx1">
+              <a:lumMod val="75000"/>
+              <a:lumOff val="25000"/>
+            </a:schemeClr>
+          </a:solidFill>
+        </p:spPr>
+        <p:style>
+          <a:lnRef idx="2">
+            <a:schemeClr val="accent1">
+              <a:shade val="15000"/>
+            </a:schemeClr>
+          </a:lnRef>
+          <a:fillRef idx="1">
+            <a:schemeClr val="accent1"/>
+          </a:fillRef>
+          <a:effectRef idx="0">
+            <a:schemeClr val="accent1"/>
+          </a:effectRef>
+          <a:fontRef idx="minor">
+            <a:schemeClr val="lt1"/>
+          </a:fontRef>
+        </p:style>
+        <p:txBody>
+          <a:bodyPr rtlCol="0" anchor="ctr"/>
+          <a:lstStyle/>
+          <a:p>
+            <a:pPr algn="ctr"/>
+            <a:r>
+              <a:rPr lang="en-US" sz="1200" dirty="0">
+                <a:solidFill>
+                  <a:schemeClr val="bg1"/>
+                </a:solidFill>
+              </a:rPr>
+              <a:t>System 2</a:t>
+            </a:r>
+            <a:endParaRPr lang="en-IN" sz="1200" dirty="0">
+              <a:solidFill>
+                <a:schemeClr val="bg1"/>
+              </a:solidFill>
+            </a:endParaRPr>
+          </a:p>
+        </p:txBody>
+      </p:sp>
+      <p:sp>
+        <p:nvSpPr>
+          <p:cNvPr id="18" name="Rectangle 17">
+            <a:extLst>
+              <a:ext uri="{FF2B5EF4-FFF2-40B4-BE49-F238E27FC236}">
+                <a16:creationId xmlns:a16="http://schemas.microsoft.com/office/drawing/2014/main" id="{BF9DDA6F-59C0-5F9C-F68B-49E1ED9BE56E}"/>
+              </a:ext>
+            </a:extLst>
+          </p:cNvPr>
+          <p:cNvSpPr/>
+          <p:nvPr/>
+        </p:nvSpPr>
+        <p:spPr>
+          <a:xfrm>
+            <a:off x="5724409" y="1836769"/>
+            <a:ext cx="920561" cy="359176"/>
+          </a:xfrm>
+          <a:prstGeom prst="rect">
+            <a:avLst/>
+          </a:prstGeom>
+          <a:solidFill>
+            <a:schemeClr val="tx1">
+              <a:lumMod val="75000"/>
+              <a:lumOff val="25000"/>
+            </a:schemeClr>
+          </a:solidFill>
+        </p:spPr>
+        <p:style>
+          <a:lnRef idx="2">
+            <a:schemeClr val="accent1">
+              <a:shade val="15000"/>
+            </a:schemeClr>
+          </a:lnRef>
+          <a:fillRef idx="1">
+            <a:schemeClr val="accent1"/>
+          </a:fillRef>
+          <a:effectRef idx="0">
+            <a:schemeClr val="accent1"/>
+          </a:effectRef>
+          <a:fontRef idx="minor">
+            <a:schemeClr val="lt1"/>
+          </a:fontRef>
+        </p:style>
+        <p:txBody>
+          <a:bodyPr rtlCol="0" anchor="ctr"/>
+          <a:lstStyle/>
+          <a:p>
+            <a:pPr algn="ctr"/>
+            <a:r>
+              <a:rPr lang="en-US" sz="1200" dirty="0">
+                <a:solidFill>
+                  <a:schemeClr val="bg1"/>
+                </a:solidFill>
+              </a:rPr>
+              <a:t>System 1</a:t>
+            </a:r>
+            <a:endParaRPr lang="en-IN" sz="1200" dirty="0">
+              <a:solidFill>
+                <a:schemeClr val="bg1"/>
+              </a:solidFill>
+            </a:endParaRPr>
+          </a:p>
+        </p:txBody>
+      </p:sp>
+      <p:sp>
+        <p:nvSpPr>
+          <p:cNvPr id="19" name="Rectangle 18">
+            <a:extLst>
+              <a:ext uri="{FF2B5EF4-FFF2-40B4-BE49-F238E27FC236}">
+                <a16:creationId xmlns:a16="http://schemas.microsoft.com/office/drawing/2014/main" id="{A4689E26-694D-3EB3-454D-DE21F55F08E5}"/>
+              </a:ext>
+            </a:extLst>
+          </p:cNvPr>
+          <p:cNvSpPr/>
+          <p:nvPr/>
+        </p:nvSpPr>
+        <p:spPr>
+          <a:xfrm>
+            <a:off x="6927869" y="4096764"/>
+            <a:ext cx="1218454" cy="410067"/>
+          </a:xfrm>
+          <a:prstGeom prst="rect">
+            <a:avLst/>
+          </a:prstGeom>
+          <a:solidFill>
+            <a:schemeClr val="accent2">
+              <a:lumMod val="60000"/>
+              <a:lumOff val="40000"/>
+            </a:schemeClr>
+          </a:solidFill>
+        </p:spPr>
+        <p:style>
+          <a:lnRef idx="2">
+            <a:schemeClr val="accent1">
+              <a:shade val="15000"/>
+            </a:schemeClr>
+          </a:lnRef>
+          <a:fillRef idx="1">
+            <a:schemeClr val="accent1"/>
+          </a:fillRef>
+          <a:effectRef idx="0">
+            <a:schemeClr val="accent1"/>
+          </a:effectRef>
+          <a:fontRef idx="minor">
+            <a:schemeClr val="lt1"/>
+          </a:fontRef>
+        </p:style>
+        <p:txBody>
+          <a:bodyPr rtlCol="0" anchor="ctr"/>
+          <a:lstStyle/>
+          <a:p>
+            <a:pPr algn="ctr"/>
+            <a:r>
+              <a:rPr lang="en-US" sz="1400" dirty="0">
+                <a:solidFill>
+                  <a:schemeClr val="tx1"/>
+                </a:solidFill>
+              </a:rPr>
+              <a:t>Client App</a:t>
+            </a:r>
+            <a:endParaRPr lang="en-IN" sz="1400" dirty="0">
+              <a:solidFill>
+                <a:schemeClr val="tx1"/>
+              </a:solidFill>
+            </a:endParaRPr>
+          </a:p>
+        </p:txBody>
+      </p:sp>
+      <p:sp>
+        <p:nvSpPr>
+          <p:cNvPr id="20" name="Rectangle 19">
+            <a:extLst>
+              <a:ext uri="{FF2B5EF4-FFF2-40B4-BE49-F238E27FC236}">
+                <a16:creationId xmlns:a16="http://schemas.microsoft.com/office/drawing/2014/main" id="{A95AB02F-047C-2E2E-4D2B-7493FB2E0112}"/>
+              </a:ext>
+            </a:extLst>
+          </p:cNvPr>
+          <p:cNvSpPr/>
+          <p:nvPr/>
+        </p:nvSpPr>
+        <p:spPr>
+          <a:xfrm>
+            <a:off x="8429225" y="1836768"/>
+            <a:ext cx="920561" cy="359176"/>
+          </a:xfrm>
+          <a:prstGeom prst="rect">
+            <a:avLst/>
+          </a:prstGeom>
+          <a:solidFill>
+            <a:schemeClr val="tx1">
+              <a:lumMod val="75000"/>
+              <a:lumOff val="25000"/>
+            </a:schemeClr>
+          </a:solidFill>
+        </p:spPr>
+        <p:style>
+          <a:lnRef idx="2">
+            <a:schemeClr val="accent1">
+              <a:shade val="15000"/>
+            </a:schemeClr>
+          </a:lnRef>
+          <a:fillRef idx="1">
+            <a:schemeClr val="accent1"/>
+          </a:fillRef>
+          <a:effectRef idx="0">
+            <a:schemeClr val="accent1"/>
+          </a:effectRef>
+          <a:fontRef idx="minor">
+            <a:schemeClr val="lt1"/>
+          </a:fontRef>
+        </p:style>
+        <p:txBody>
+          <a:bodyPr rtlCol="0" anchor="ctr"/>
+          <a:lstStyle/>
+          <a:p>
+            <a:pPr algn="ctr"/>
+            <a:r>
+              <a:rPr lang="en-US" sz="1200" dirty="0">
+                <a:solidFill>
+                  <a:schemeClr val="bg1"/>
+                </a:solidFill>
+              </a:rPr>
+              <a:t>System 3</a:t>
+            </a:r>
+            <a:endParaRPr lang="en-IN" sz="1200" dirty="0">
+              <a:solidFill>
+                <a:schemeClr val="bg1"/>
+              </a:solidFill>
+            </a:endParaRPr>
+          </a:p>
+        </p:txBody>
+      </p:sp>
+      <p:cxnSp>
+        <p:nvCxnSpPr>
+          <p:cNvPr id="21" name="Connector: Elbow 20">
+            <a:extLst>
+              <a:ext uri="{FF2B5EF4-FFF2-40B4-BE49-F238E27FC236}">
+                <a16:creationId xmlns:a16="http://schemas.microsoft.com/office/drawing/2014/main" id="{D139B566-7911-58D7-3CC2-D9D9D52E77FD}"/>
+              </a:ext>
+            </a:extLst>
+          </p:cNvPr>
+          <p:cNvCxnSpPr>
+            <a:cxnSpLocks/>
+            <a:stCxn id="18" idx="2"/>
+            <a:endCxn id="28" idx="1"/>
+          </p:cNvCxnSpPr>
+          <p:nvPr/>
+        </p:nvCxnSpPr>
+        <p:spPr>
+          <a:xfrm rot="16200000" flipH="1">
+            <a:off x="6027056" y="2353578"/>
+            <a:ext cx="1058446" cy="743179"/>
+          </a:xfrm>
+          <a:prstGeom prst="bentConnector2">
+            <a:avLst/>
+          </a:prstGeom>
+          <a:ln>
+            <a:tailEnd type="triangle"/>
+          </a:ln>
+        </p:spPr>
+        <p:style>
+          <a:lnRef idx="2">
+            <a:schemeClr val="accent1"/>
+          </a:lnRef>
+          <a:fillRef idx="0">
+            <a:schemeClr val="accent1"/>
+          </a:fillRef>
+          <a:effectRef idx="1">
+            <a:schemeClr val="accent1"/>
+          </a:effectRef>
+          <a:fontRef idx="minor">
+            <a:schemeClr val="tx1"/>
+          </a:fontRef>
+        </p:style>
+      </p:cxnSp>
+      <p:cxnSp>
+        <p:nvCxnSpPr>
+          <p:cNvPr id="22" name="Connector: Elbow 21">
+            <a:extLst>
+              <a:ext uri="{FF2B5EF4-FFF2-40B4-BE49-F238E27FC236}">
+                <a16:creationId xmlns:a16="http://schemas.microsoft.com/office/drawing/2014/main" id="{92F68117-9881-56DD-D46C-6D7CC4014ED5}"/>
+              </a:ext>
+            </a:extLst>
+          </p:cNvPr>
+          <p:cNvCxnSpPr>
+            <a:cxnSpLocks/>
+            <a:stCxn id="17" idx="2"/>
+            <a:endCxn id="28" idx="0"/>
+          </p:cNvCxnSpPr>
+          <p:nvPr/>
+        </p:nvCxnSpPr>
+        <p:spPr>
+          <a:xfrm rot="5400000">
+            <a:off x="7110391" y="2622649"/>
+            <a:ext cx="853413" cy="2"/>
+          </a:xfrm>
+          <a:prstGeom prst="bentConnector3">
+            <a:avLst/>
+          </a:prstGeom>
+          <a:ln>
+            <a:tailEnd type="triangle"/>
+          </a:ln>
+        </p:spPr>
+        <p:style>
+          <a:lnRef idx="2">
+            <a:schemeClr val="accent1"/>
+          </a:lnRef>
+          <a:fillRef idx="0">
+            <a:schemeClr val="accent1"/>
+          </a:fillRef>
+          <a:effectRef idx="1">
+            <a:schemeClr val="accent1"/>
+          </a:effectRef>
+          <a:fontRef idx="minor">
+            <a:schemeClr val="tx1"/>
+          </a:fontRef>
+        </p:style>
+      </p:cxnSp>
+      <p:cxnSp>
+        <p:nvCxnSpPr>
+          <p:cNvPr id="23" name="Connector: Elbow 22">
+            <a:extLst>
+              <a:ext uri="{FF2B5EF4-FFF2-40B4-BE49-F238E27FC236}">
+                <a16:creationId xmlns:a16="http://schemas.microsoft.com/office/drawing/2014/main" id="{1FB20BD2-6D56-63DF-9256-FE5C73611BD7}"/>
+              </a:ext>
+            </a:extLst>
+          </p:cNvPr>
+          <p:cNvCxnSpPr>
+            <a:cxnSpLocks/>
+            <a:stCxn id="20" idx="2"/>
+            <a:endCxn id="28" idx="3"/>
+          </p:cNvCxnSpPr>
+          <p:nvPr/>
+        </p:nvCxnSpPr>
+        <p:spPr>
+          <a:xfrm rot="5400000">
+            <a:off x="7988691" y="2353575"/>
+            <a:ext cx="1058447" cy="743184"/>
+          </a:xfrm>
+          <a:prstGeom prst="bentConnector2">
+            <a:avLst/>
+          </a:prstGeom>
+          <a:ln>
+            <a:tailEnd type="triangle"/>
+          </a:ln>
+        </p:spPr>
+        <p:style>
+          <a:lnRef idx="2">
+            <a:schemeClr val="accent1"/>
+          </a:lnRef>
+          <a:fillRef idx="0">
+            <a:schemeClr val="accent1"/>
+          </a:fillRef>
+          <a:effectRef idx="1">
+            <a:schemeClr val="accent1"/>
+          </a:effectRef>
+          <a:fontRef idx="minor">
+            <a:schemeClr val="tx1"/>
+          </a:fontRef>
+        </p:style>
+      </p:cxnSp>
+      <p:sp>
+        <p:nvSpPr>
+          <p:cNvPr id="24" name="Rectangle 23">
+            <a:extLst>
+              <a:ext uri="{FF2B5EF4-FFF2-40B4-BE49-F238E27FC236}">
+                <a16:creationId xmlns:a16="http://schemas.microsoft.com/office/drawing/2014/main" id="{C83086FD-10E3-E987-1F7A-90472DAE1319}"/>
+              </a:ext>
+            </a:extLst>
+          </p:cNvPr>
+          <p:cNvSpPr/>
+          <p:nvPr/>
+        </p:nvSpPr>
+        <p:spPr>
+          <a:xfrm>
+            <a:off x="5724409" y="4727044"/>
+            <a:ext cx="3625377" cy="2130956"/>
+          </a:xfrm>
+          <a:prstGeom prst="rect">
+            <a:avLst/>
+          </a:prstGeom>
+          <a:solidFill>
+            <a:schemeClr val="accent2">
+              <a:lumMod val="20000"/>
+              <a:lumOff val="80000"/>
+            </a:schemeClr>
+          </a:solidFill>
+        </p:spPr>
+        <p:style>
+          <a:lnRef idx="2">
+            <a:schemeClr val="accent1">
+              <a:shade val="15000"/>
+            </a:schemeClr>
+          </a:lnRef>
+          <a:fillRef idx="1">
+            <a:schemeClr val="accent1"/>
+          </a:fillRef>
+          <a:effectRef idx="0">
+            <a:schemeClr val="accent1"/>
+          </a:effectRef>
+          <a:fontRef idx="minor">
+            <a:schemeClr val="lt1"/>
+          </a:fontRef>
+        </p:style>
+        <p:txBody>
+          <a:bodyPr rtlCol="0" anchor="t"/>
+          <a:lstStyle/>
+          <a:p>
+            <a:r>
+              <a:rPr lang="en-IN" sz="1100" dirty="0">
+                <a:solidFill>
+                  <a:schemeClr val="tx1"/>
+                </a:solidFill>
+              </a:rPr>
+              <a:t>In this setup major work is left to Gateway which performs the heavy lifting, there by allowing Client App to focus on more business oriented work. The gateway perform tasks to talk to all 3 systems -</a:t>
+            </a:r>
+          </a:p>
+          <a:p>
+            <a:pPr marL="228600" indent="-228600">
+              <a:buFont typeface="+mj-lt"/>
+              <a:buAutoNum type="arabicPeriod"/>
+            </a:pPr>
+            <a:r>
+              <a:rPr lang="en-IN" sz="1100" dirty="0">
+                <a:solidFill>
+                  <a:schemeClr val="tx1"/>
+                </a:solidFill>
+              </a:rPr>
+              <a:t>Protocol (TCP /HTTP/MSMQ)</a:t>
+            </a:r>
+          </a:p>
+          <a:p>
+            <a:pPr marL="228600" indent="-228600">
+              <a:buFont typeface="+mj-lt"/>
+              <a:buAutoNum type="arabicPeriod"/>
+            </a:pPr>
+            <a:r>
+              <a:rPr lang="en-IN" sz="1100" dirty="0">
+                <a:solidFill>
+                  <a:schemeClr val="tx1"/>
+                </a:solidFill>
+              </a:rPr>
+              <a:t>Data Format( XML/JSON/CSV/EXCEL/Proprietary)</a:t>
+            </a:r>
+          </a:p>
+          <a:p>
+            <a:pPr marL="228600" indent="-228600">
+              <a:buFont typeface="+mj-lt"/>
+              <a:buAutoNum type="arabicPeriod"/>
+            </a:pPr>
+            <a:r>
+              <a:rPr lang="en-IN" sz="1100" dirty="0">
+                <a:solidFill>
+                  <a:schemeClr val="tx1"/>
+                </a:solidFill>
+              </a:rPr>
+              <a:t>Transformation( Convert in format that app can understand)</a:t>
+            </a:r>
+          </a:p>
+          <a:p>
+            <a:pPr marL="228600" indent="-228600">
+              <a:buFont typeface="+mj-lt"/>
+              <a:buAutoNum type="arabicPeriod"/>
+            </a:pPr>
+            <a:r>
+              <a:rPr lang="en-IN" sz="1100" dirty="0">
+                <a:solidFill>
+                  <a:schemeClr val="tx1"/>
+                </a:solidFill>
+              </a:rPr>
+              <a:t>Aggregation (Relate data from multiple sources into one entity)</a:t>
+            </a:r>
+          </a:p>
+          <a:p>
+            <a:pPr marL="228600" indent="-228600">
+              <a:buFont typeface="+mj-lt"/>
+              <a:buAutoNum type="arabicPeriod"/>
+            </a:pPr>
+            <a:r>
+              <a:rPr lang="en-IN" sz="1100" dirty="0">
+                <a:solidFill>
+                  <a:schemeClr val="tx1"/>
+                </a:solidFill>
+              </a:rPr>
+              <a:t>Updates (Perform above operation in reverse while updating data)</a:t>
+            </a:r>
+          </a:p>
+        </p:txBody>
+      </p:sp>
+      <p:sp>
+        <p:nvSpPr>
+          <p:cNvPr id="28" name="Rectangle 27">
+            <a:extLst>
+              <a:ext uri="{FF2B5EF4-FFF2-40B4-BE49-F238E27FC236}">
+                <a16:creationId xmlns:a16="http://schemas.microsoft.com/office/drawing/2014/main" id="{FBC98382-48FB-5863-4496-D9866352B62C}"/>
+              </a:ext>
+            </a:extLst>
+          </p:cNvPr>
+          <p:cNvSpPr/>
+          <p:nvPr/>
+        </p:nvSpPr>
+        <p:spPr>
+          <a:xfrm>
+            <a:off x="6927869" y="3049357"/>
+            <a:ext cx="1218453" cy="410067"/>
+          </a:xfrm>
+          <a:prstGeom prst="rect">
+            <a:avLst/>
+          </a:prstGeom>
+          <a:solidFill>
+            <a:srgbClr val="92D050"/>
+          </a:solidFill>
+        </p:spPr>
+        <p:style>
+          <a:lnRef idx="2">
+            <a:schemeClr val="accent1">
+              <a:shade val="15000"/>
+            </a:schemeClr>
+          </a:lnRef>
+          <a:fillRef idx="1">
+            <a:schemeClr val="accent1"/>
+          </a:fillRef>
+          <a:effectRef idx="0">
+            <a:schemeClr val="accent1"/>
+          </a:effectRef>
+          <a:fontRef idx="minor">
+            <a:schemeClr val="lt1"/>
+          </a:fontRef>
+        </p:style>
+        <p:txBody>
+          <a:bodyPr rtlCol="0" anchor="ctr"/>
+          <a:lstStyle/>
+          <a:p>
+            <a:pPr algn="ctr"/>
+            <a:r>
+              <a:rPr lang="en-US" sz="1400" dirty="0">
+                <a:solidFill>
+                  <a:schemeClr val="tx1"/>
+                </a:solidFill>
+              </a:rPr>
+              <a:t>Gateway</a:t>
+            </a:r>
+            <a:endParaRPr lang="en-IN" sz="1400" dirty="0">
+              <a:solidFill>
+                <a:schemeClr val="tx1"/>
+              </a:solidFill>
+            </a:endParaRPr>
+          </a:p>
+        </p:txBody>
+      </p:sp>
+      <p:sp>
+        <p:nvSpPr>
+          <p:cNvPr id="29" name="Rectangle 28">
+            <a:extLst>
+              <a:ext uri="{FF2B5EF4-FFF2-40B4-BE49-F238E27FC236}">
+                <a16:creationId xmlns:a16="http://schemas.microsoft.com/office/drawing/2014/main" id="{497737C8-92D0-E41C-99BD-230441D923F3}"/>
+              </a:ext>
+            </a:extLst>
+          </p:cNvPr>
+          <p:cNvSpPr/>
+          <p:nvPr/>
+        </p:nvSpPr>
+        <p:spPr>
+          <a:xfrm>
+            <a:off x="441788" y="1123867"/>
+            <a:ext cx="3625377" cy="302835"/>
+          </a:xfrm>
+          <a:prstGeom prst="rect">
+            <a:avLst/>
+          </a:prstGeom>
+          <a:solidFill>
+            <a:schemeClr val="bg1">
+              <a:lumMod val="75000"/>
+            </a:schemeClr>
+          </a:solidFill>
+        </p:spPr>
+        <p:style>
+          <a:lnRef idx="2">
+            <a:schemeClr val="accent1">
+              <a:shade val="15000"/>
+            </a:schemeClr>
+          </a:lnRef>
+          <a:fillRef idx="1">
+            <a:schemeClr val="accent1"/>
+          </a:fillRef>
+          <a:effectRef idx="0">
+            <a:schemeClr val="accent1"/>
+          </a:effectRef>
+          <a:fontRef idx="minor">
+            <a:schemeClr val="lt1"/>
+          </a:fontRef>
+        </p:style>
+        <p:txBody>
+          <a:bodyPr rtlCol="0" anchor="t"/>
+          <a:lstStyle/>
+          <a:p>
+            <a:pPr algn="ctr"/>
+            <a:r>
+              <a:rPr lang="en-US" sz="1400" dirty="0">
+                <a:solidFill>
+                  <a:schemeClr val="tx1"/>
+                </a:solidFill>
+              </a:rPr>
+              <a:t>Without Gateway</a:t>
+            </a:r>
+            <a:endParaRPr lang="en-IN" sz="1400" dirty="0">
+              <a:solidFill>
+                <a:schemeClr val="tx1"/>
+              </a:solidFill>
+            </a:endParaRPr>
+          </a:p>
+        </p:txBody>
+      </p:sp>
+      <p:sp>
+        <p:nvSpPr>
+          <p:cNvPr id="30" name="Rectangle 29">
+            <a:extLst>
+              <a:ext uri="{FF2B5EF4-FFF2-40B4-BE49-F238E27FC236}">
+                <a16:creationId xmlns:a16="http://schemas.microsoft.com/office/drawing/2014/main" id="{7DE5D0D9-0139-75E2-6184-3F5EA9F89208}"/>
+              </a:ext>
+            </a:extLst>
+          </p:cNvPr>
+          <p:cNvSpPr/>
+          <p:nvPr/>
+        </p:nvSpPr>
+        <p:spPr>
+          <a:xfrm>
+            <a:off x="5724409" y="1119034"/>
+            <a:ext cx="3625377" cy="302835"/>
+          </a:xfrm>
+          <a:prstGeom prst="rect">
+            <a:avLst/>
+          </a:prstGeom>
+          <a:solidFill>
+            <a:schemeClr val="bg1">
+              <a:lumMod val="75000"/>
+            </a:schemeClr>
+          </a:solidFill>
+        </p:spPr>
+        <p:style>
+          <a:lnRef idx="2">
+            <a:schemeClr val="accent1">
+              <a:shade val="15000"/>
+            </a:schemeClr>
+          </a:lnRef>
+          <a:fillRef idx="1">
+            <a:schemeClr val="accent1"/>
+          </a:fillRef>
+          <a:effectRef idx="0">
+            <a:schemeClr val="accent1"/>
+          </a:effectRef>
+          <a:fontRef idx="minor">
+            <a:schemeClr val="lt1"/>
+          </a:fontRef>
+        </p:style>
+        <p:txBody>
+          <a:bodyPr rtlCol="0" anchor="t"/>
+          <a:lstStyle/>
+          <a:p>
+            <a:pPr algn="ctr"/>
+            <a:r>
+              <a:rPr lang="en-US" sz="1400" dirty="0">
+                <a:solidFill>
+                  <a:schemeClr val="tx1"/>
+                </a:solidFill>
+              </a:rPr>
+              <a:t>With Gateway</a:t>
+            </a:r>
+            <a:endParaRPr lang="en-IN" sz="1400" dirty="0">
+              <a:solidFill>
+                <a:schemeClr val="tx1"/>
+              </a:solidFill>
+            </a:endParaRPr>
+          </a:p>
+        </p:txBody>
+      </p:sp>
+      <p:sp>
+        <p:nvSpPr>
+          <p:cNvPr id="34" name="Rectangle 33">
+            <a:extLst>
+              <a:ext uri="{FF2B5EF4-FFF2-40B4-BE49-F238E27FC236}">
+                <a16:creationId xmlns:a16="http://schemas.microsoft.com/office/drawing/2014/main" id="{CD75E0B7-90E8-244E-B061-5F6379B94CE8}"/>
+              </a:ext>
+            </a:extLst>
+          </p:cNvPr>
+          <p:cNvSpPr/>
+          <p:nvPr/>
+        </p:nvSpPr>
+        <p:spPr>
+          <a:xfrm>
+            <a:off x="3237841" y="2477694"/>
+            <a:ext cx="738083" cy="303786"/>
+          </a:xfrm>
+          <a:prstGeom prst="rect">
+            <a:avLst/>
+          </a:prstGeom>
+          <a:solidFill>
+            <a:srgbClr val="FFC000"/>
+          </a:solidFill>
+        </p:spPr>
+        <p:style>
+          <a:lnRef idx="2">
+            <a:schemeClr val="accent1">
+              <a:shade val="15000"/>
+            </a:schemeClr>
+          </a:lnRef>
+          <a:fillRef idx="1">
+            <a:schemeClr val="accent1"/>
+          </a:fillRef>
+          <a:effectRef idx="0">
+            <a:schemeClr val="accent1"/>
+          </a:effectRef>
+          <a:fontRef idx="minor">
+            <a:schemeClr val="lt1"/>
+          </a:fontRef>
+        </p:style>
+        <p:txBody>
+          <a:bodyPr rtlCol="0" anchor="ctr"/>
+          <a:lstStyle/>
+          <a:p>
+            <a:pPr algn="ctr"/>
+            <a:r>
+              <a:rPr lang="en-GB" sz="900" dirty="0">
+                <a:solidFill>
+                  <a:schemeClr val="tx1"/>
+                </a:solidFill>
+              </a:rPr>
+              <a:t>MSMQ</a:t>
+            </a:r>
+          </a:p>
+          <a:p>
+            <a:pPr algn="ctr"/>
+            <a:r>
+              <a:rPr lang="en-GB" sz="900" dirty="0">
+                <a:solidFill>
+                  <a:schemeClr val="tx1"/>
+                </a:solidFill>
+              </a:rPr>
+              <a:t>Excel</a:t>
+            </a:r>
+          </a:p>
+        </p:txBody>
+      </p:sp>
+      <p:sp>
+        <p:nvSpPr>
+          <p:cNvPr id="35" name="Rectangle 34">
+            <a:extLst>
+              <a:ext uri="{FF2B5EF4-FFF2-40B4-BE49-F238E27FC236}">
+                <a16:creationId xmlns:a16="http://schemas.microsoft.com/office/drawing/2014/main" id="{57F87B1F-0DE4-ACD3-A5AA-68B0E22847F0}"/>
+              </a:ext>
+            </a:extLst>
+          </p:cNvPr>
+          <p:cNvSpPr/>
+          <p:nvPr/>
+        </p:nvSpPr>
+        <p:spPr>
+          <a:xfrm>
+            <a:off x="1900576" y="2477694"/>
+            <a:ext cx="738083" cy="303786"/>
+          </a:xfrm>
+          <a:prstGeom prst="rect">
+            <a:avLst/>
+          </a:prstGeom>
+          <a:solidFill>
+            <a:srgbClr val="FFC000"/>
+          </a:solidFill>
+        </p:spPr>
+        <p:style>
+          <a:lnRef idx="2">
+            <a:schemeClr val="accent1">
+              <a:shade val="15000"/>
+            </a:schemeClr>
+          </a:lnRef>
+          <a:fillRef idx="1">
+            <a:schemeClr val="accent1"/>
+          </a:fillRef>
+          <a:effectRef idx="0">
+            <a:schemeClr val="accent1"/>
+          </a:effectRef>
+          <a:fontRef idx="minor">
+            <a:schemeClr val="lt1"/>
+          </a:fontRef>
+        </p:style>
+        <p:txBody>
+          <a:bodyPr rtlCol="0" anchor="ctr"/>
+          <a:lstStyle/>
+          <a:p>
+            <a:pPr algn="ctr"/>
+            <a:r>
+              <a:rPr lang="en-GB" sz="900" dirty="0">
+                <a:solidFill>
+                  <a:schemeClr val="tx1"/>
+                </a:solidFill>
+              </a:rPr>
+              <a:t>HTTP</a:t>
+            </a:r>
+          </a:p>
+          <a:p>
+            <a:pPr algn="ctr"/>
+            <a:r>
+              <a:rPr lang="en-GB" sz="900" dirty="0">
+                <a:solidFill>
+                  <a:schemeClr val="tx1"/>
+                </a:solidFill>
+              </a:rPr>
+              <a:t>JSON</a:t>
+            </a:r>
+          </a:p>
+        </p:txBody>
+      </p:sp>
+      <p:sp>
+        <p:nvSpPr>
+          <p:cNvPr id="36" name="Rectangle 35">
+            <a:extLst>
+              <a:ext uri="{FF2B5EF4-FFF2-40B4-BE49-F238E27FC236}">
+                <a16:creationId xmlns:a16="http://schemas.microsoft.com/office/drawing/2014/main" id="{A3D453A7-CC15-8F63-4007-A720A78FF6BB}"/>
+              </a:ext>
+            </a:extLst>
+          </p:cNvPr>
+          <p:cNvSpPr/>
+          <p:nvPr/>
+        </p:nvSpPr>
+        <p:spPr>
+          <a:xfrm>
+            <a:off x="517887" y="2477694"/>
+            <a:ext cx="738083" cy="303786"/>
+          </a:xfrm>
+          <a:prstGeom prst="rect">
+            <a:avLst/>
+          </a:prstGeom>
+          <a:solidFill>
+            <a:srgbClr val="FFC000"/>
+          </a:solidFill>
+        </p:spPr>
+        <p:style>
+          <a:lnRef idx="2">
+            <a:schemeClr val="accent1">
+              <a:shade val="15000"/>
+            </a:schemeClr>
+          </a:lnRef>
+          <a:fillRef idx="1">
+            <a:schemeClr val="accent1"/>
+          </a:fillRef>
+          <a:effectRef idx="0">
+            <a:schemeClr val="accent1"/>
+          </a:effectRef>
+          <a:fontRef idx="minor">
+            <a:schemeClr val="lt1"/>
+          </a:fontRef>
+        </p:style>
+        <p:txBody>
+          <a:bodyPr rtlCol="0" anchor="ctr"/>
+          <a:lstStyle/>
+          <a:p>
+            <a:pPr algn="ctr"/>
+            <a:r>
+              <a:rPr lang="en-GB" sz="900" dirty="0">
+                <a:solidFill>
+                  <a:schemeClr val="tx1"/>
+                </a:solidFill>
+              </a:rPr>
+              <a:t>TCP</a:t>
+            </a:r>
+          </a:p>
+          <a:p>
+            <a:pPr algn="ctr"/>
+            <a:r>
+              <a:rPr lang="en-GB" sz="900" dirty="0">
+                <a:solidFill>
+                  <a:schemeClr val="tx1"/>
+                </a:solidFill>
+              </a:rPr>
+              <a:t>XML</a:t>
+            </a:r>
+          </a:p>
+        </p:txBody>
+      </p:sp>
+      <p:sp>
+        <p:nvSpPr>
+          <p:cNvPr id="37" name="Rectangle 36">
+            <a:extLst>
+              <a:ext uri="{FF2B5EF4-FFF2-40B4-BE49-F238E27FC236}">
+                <a16:creationId xmlns:a16="http://schemas.microsoft.com/office/drawing/2014/main" id="{CADF395D-B97D-F8F2-D3AE-2ABAFE228B09}"/>
+              </a:ext>
+            </a:extLst>
+          </p:cNvPr>
+          <p:cNvSpPr/>
+          <p:nvPr/>
+        </p:nvSpPr>
+        <p:spPr>
+          <a:xfrm>
+            <a:off x="8520465" y="2477694"/>
+            <a:ext cx="738083" cy="303786"/>
+          </a:xfrm>
+          <a:prstGeom prst="rect">
+            <a:avLst/>
+          </a:prstGeom>
+          <a:solidFill>
+            <a:srgbClr val="FFC000"/>
+          </a:solidFill>
+        </p:spPr>
+        <p:style>
+          <a:lnRef idx="2">
+            <a:schemeClr val="accent1">
+              <a:shade val="15000"/>
+            </a:schemeClr>
+          </a:lnRef>
+          <a:fillRef idx="1">
+            <a:schemeClr val="accent1"/>
+          </a:fillRef>
+          <a:effectRef idx="0">
+            <a:schemeClr val="accent1"/>
+          </a:effectRef>
+          <a:fontRef idx="minor">
+            <a:schemeClr val="lt1"/>
+          </a:fontRef>
+        </p:style>
+        <p:txBody>
+          <a:bodyPr rtlCol="0" anchor="ctr"/>
+          <a:lstStyle/>
+          <a:p>
+            <a:pPr algn="ctr"/>
+            <a:r>
+              <a:rPr lang="en-GB" sz="900" dirty="0">
+                <a:solidFill>
+                  <a:schemeClr val="tx1"/>
+                </a:solidFill>
+              </a:rPr>
+              <a:t>MSMQ</a:t>
+            </a:r>
+          </a:p>
+          <a:p>
+            <a:pPr algn="ctr"/>
+            <a:r>
+              <a:rPr lang="en-GB" sz="900" dirty="0">
+                <a:solidFill>
+                  <a:schemeClr val="tx1"/>
+                </a:solidFill>
+              </a:rPr>
+              <a:t>Excel</a:t>
+            </a:r>
+          </a:p>
+        </p:txBody>
+      </p:sp>
+      <p:sp>
+        <p:nvSpPr>
+          <p:cNvPr id="38" name="Rectangle 37">
+            <a:extLst>
+              <a:ext uri="{FF2B5EF4-FFF2-40B4-BE49-F238E27FC236}">
+                <a16:creationId xmlns:a16="http://schemas.microsoft.com/office/drawing/2014/main" id="{FEF23A90-01FB-EC2C-58EB-D23B21F3BDE1}"/>
+              </a:ext>
+            </a:extLst>
+          </p:cNvPr>
+          <p:cNvSpPr/>
+          <p:nvPr/>
+        </p:nvSpPr>
+        <p:spPr>
+          <a:xfrm>
+            <a:off x="7183200" y="2477694"/>
+            <a:ext cx="738083" cy="303786"/>
+          </a:xfrm>
+          <a:prstGeom prst="rect">
+            <a:avLst/>
+          </a:prstGeom>
+          <a:solidFill>
+            <a:srgbClr val="FFC000"/>
+          </a:solidFill>
+        </p:spPr>
+        <p:style>
+          <a:lnRef idx="2">
+            <a:schemeClr val="accent1">
+              <a:shade val="15000"/>
+            </a:schemeClr>
+          </a:lnRef>
+          <a:fillRef idx="1">
+            <a:schemeClr val="accent1"/>
+          </a:fillRef>
+          <a:effectRef idx="0">
+            <a:schemeClr val="accent1"/>
+          </a:effectRef>
+          <a:fontRef idx="minor">
+            <a:schemeClr val="lt1"/>
+          </a:fontRef>
+        </p:style>
+        <p:txBody>
+          <a:bodyPr rtlCol="0" anchor="ctr"/>
+          <a:lstStyle/>
+          <a:p>
+            <a:pPr algn="ctr"/>
+            <a:r>
+              <a:rPr lang="en-GB" sz="900" dirty="0">
+                <a:solidFill>
+                  <a:schemeClr val="tx1"/>
+                </a:solidFill>
+              </a:rPr>
+              <a:t>HTTP</a:t>
+            </a:r>
+          </a:p>
+          <a:p>
+            <a:pPr algn="ctr"/>
+            <a:r>
+              <a:rPr lang="en-GB" sz="900" dirty="0">
+                <a:solidFill>
+                  <a:schemeClr val="tx1"/>
+                </a:solidFill>
+              </a:rPr>
+              <a:t>JSON</a:t>
+            </a:r>
+          </a:p>
+        </p:txBody>
+      </p:sp>
+      <p:sp>
+        <p:nvSpPr>
+          <p:cNvPr id="39" name="Rectangle 38">
+            <a:extLst>
+              <a:ext uri="{FF2B5EF4-FFF2-40B4-BE49-F238E27FC236}">
+                <a16:creationId xmlns:a16="http://schemas.microsoft.com/office/drawing/2014/main" id="{446BF961-37F2-81BB-75F7-AB0371522274}"/>
+              </a:ext>
+            </a:extLst>
+          </p:cNvPr>
+          <p:cNvSpPr/>
+          <p:nvPr/>
+        </p:nvSpPr>
+        <p:spPr>
+          <a:xfrm>
+            <a:off x="5800511" y="2477694"/>
+            <a:ext cx="738083" cy="303786"/>
+          </a:xfrm>
+          <a:prstGeom prst="rect">
+            <a:avLst/>
+          </a:prstGeom>
+          <a:solidFill>
+            <a:srgbClr val="FFC000"/>
+          </a:solidFill>
+        </p:spPr>
+        <p:style>
+          <a:lnRef idx="2">
+            <a:schemeClr val="accent1">
+              <a:shade val="15000"/>
+            </a:schemeClr>
+          </a:lnRef>
+          <a:fillRef idx="1">
+            <a:schemeClr val="accent1"/>
+          </a:fillRef>
+          <a:effectRef idx="0">
+            <a:schemeClr val="accent1"/>
+          </a:effectRef>
+          <a:fontRef idx="minor">
+            <a:schemeClr val="lt1"/>
+          </a:fontRef>
+        </p:style>
+        <p:txBody>
+          <a:bodyPr rtlCol="0" anchor="ctr"/>
+          <a:lstStyle/>
+          <a:p>
+            <a:pPr algn="ctr"/>
+            <a:r>
+              <a:rPr lang="en-GB" sz="900" dirty="0">
+                <a:solidFill>
+                  <a:schemeClr val="tx1"/>
+                </a:solidFill>
+              </a:rPr>
+              <a:t>TCP</a:t>
+            </a:r>
+          </a:p>
+          <a:p>
+            <a:pPr algn="ctr"/>
+            <a:r>
+              <a:rPr lang="en-GB" sz="900" dirty="0">
+                <a:solidFill>
+                  <a:schemeClr val="tx1"/>
+                </a:solidFill>
+              </a:rPr>
+              <a:t>XML</a:t>
+            </a:r>
+          </a:p>
+        </p:txBody>
+      </p:sp>
+      <p:cxnSp>
+        <p:nvCxnSpPr>
+          <p:cNvPr id="54" name="Straight Arrow Connector 53">
+            <a:extLst>
+              <a:ext uri="{FF2B5EF4-FFF2-40B4-BE49-F238E27FC236}">
+                <a16:creationId xmlns:a16="http://schemas.microsoft.com/office/drawing/2014/main" id="{A5B03626-A780-925A-C0CF-F8E1C7EE20F5}"/>
+              </a:ext>
+            </a:extLst>
+          </p:cNvPr>
+          <p:cNvCxnSpPr>
+            <a:cxnSpLocks/>
+            <a:stCxn id="28" idx="2"/>
+            <a:endCxn id="19" idx="0"/>
+          </p:cNvCxnSpPr>
+          <p:nvPr/>
+        </p:nvCxnSpPr>
+        <p:spPr>
+          <a:xfrm>
+            <a:off x="7537096" y="3459424"/>
+            <a:ext cx="0" cy="637340"/>
+          </a:xfrm>
+          <a:prstGeom prst="straightConnector1">
+            <a:avLst/>
+          </a:prstGeom>
+          <a:ln>
+            <a:tailEnd type="triangle"/>
+          </a:ln>
+        </p:spPr>
+        <p:style>
+          <a:lnRef idx="2">
+            <a:schemeClr val="accent1"/>
+          </a:lnRef>
+          <a:fillRef idx="0">
+            <a:schemeClr val="accent1"/>
+          </a:fillRef>
+          <a:effectRef idx="1">
+            <a:schemeClr val="accent1"/>
+          </a:effectRef>
+          <a:fontRef idx="minor">
+            <a:schemeClr val="tx1"/>
+          </a:fontRef>
+        </p:style>
+      </p:cxnSp>
     </p:spTree>
     <p:extLst>
       <p:ext uri="{BB962C8B-B14F-4D97-AF65-F5344CB8AC3E}">
-        <p14:creationId xmlns:p14="http://schemas.microsoft.com/office/powerpoint/2010/main" val="3663456190"/>
+        <p14:creationId xmlns:p14="http://schemas.microsoft.com/office/powerpoint/2010/main" val="1079409090"/>
       </p:ext>
     </p:extLst>
   </p:cSld>

--- a/assets/files/Presentation1.pptx
+++ b/assets/files/Presentation1.pptx
@@ -15,8 +15,8 @@
     <p:sldId id="264" r:id="rId9"/>
     <p:sldId id="265" r:id="rId10"/>
     <p:sldId id="263" r:id="rId11"/>
-    <p:sldId id="266" r:id="rId12"/>
-    <p:sldId id="268" r:id="rId13"/>
+    <p:sldId id="268" r:id="rId12"/>
+    <p:sldId id="269" r:id="rId13"/>
   </p:sldIdLst>
   <p:sldSz cx="12192000" cy="6858000"/>
   <p:notesSz cx="6858000" cy="9144000"/>
@@ -3140,577 +3140,6 @@
 </file>
 
 <file path=ppt/diagrams/data2.xml><?xml version="1.0" encoding="utf-8"?>
-<dgm:dataModel xmlns:dgm="http://schemas.openxmlformats.org/drawingml/2006/diagram" xmlns:a="http://schemas.openxmlformats.org/drawingml/2006/main">
-  <dgm:ptLst>
-    <dgm:pt modelId="{517E3087-2279-4714-B78D-5F9456EC7050}" type="doc">
-      <dgm:prSet loTypeId="urn:microsoft.com/office/officeart/2005/8/layout/bProcess4" loCatId="process" qsTypeId="urn:microsoft.com/office/officeart/2005/8/quickstyle/simple1" qsCatId="simple" csTypeId="urn:microsoft.com/office/officeart/2005/8/colors/colorful1" csCatId="colorful" phldr="0"/>
-      <dgm:spPr/>
-      <dgm:t>
-        <a:bodyPr/>
-        <a:lstStyle/>
-        <a:p>
-          <a:endParaRPr lang="en-GB"/>
-        </a:p>
-      </dgm:t>
-    </dgm:pt>
-    <dgm:pt modelId="{DC9DCF28-8058-4B2A-8DAA-5E0D0393A412}">
-      <dgm:prSet phldrT="[Text]" phldr="1"/>
-      <dgm:spPr/>
-      <dgm:t>
-        <a:bodyPr/>
-        <a:lstStyle/>
-        <a:p>
-          <a:endParaRPr lang="en-GB"/>
-        </a:p>
-      </dgm:t>
-    </dgm:pt>
-    <dgm:pt modelId="{7477F4DE-5CD7-43EA-A931-D2D8BDFB4050}" type="parTrans" cxnId="{AEBE2EC8-EE7B-4634-B1EA-6A3915974715}">
-      <dgm:prSet/>
-      <dgm:spPr/>
-      <dgm:t>
-        <a:bodyPr/>
-        <a:lstStyle/>
-        <a:p>
-          <a:endParaRPr lang="en-GB"/>
-        </a:p>
-      </dgm:t>
-    </dgm:pt>
-    <dgm:pt modelId="{950A6AC8-4F3F-4DC8-9C34-B58C4938B712}" type="sibTrans" cxnId="{AEBE2EC8-EE7B-4634-B1EA-6A3915974715}">
-      <dgm:prSet/>
-      <dgm:spPr/>
-      <dgm:t>
-        <a:bodyPr/>
-        <a:lstStyle/>
-        <a:p>
-          <a:endParaRPr lang="en-GB"/>
-        </a:p>
-      </dgm:t>
-    </dgm:pt>
-    <dgm:pt modelId="{0B5125A7-3290-4834-85B0-060DA329E1BC}">
-      <dgm:prSet phldrT="[Text]" phldr="1"/>
-      <dgm:spPr/>
-      <dgm:t>
-        <a:bodyPr/>
-        <a:lstStyle/>
-        <a:p>
-          <a:endParaRPr lang="en-GB"/>
-        </a:p>
-      </dgm:t>
-    </dgm:pt>
-    <dgm:pt modelId="{53D6174A-48FA-4126-A7F6-30552C2C132B}" type="parTrans" cxnId="{D55695BA-22F3-4958-BDD8-319E7A1F6DDB}">
-      <dgm:prSet/>
-      <dgm:spPr/>
-      <dgm:t>
-        <a:bodyPr/>
-        <a:lstStyle/>
-        <a:p>
-          <a:endParaRPr lang="en-GB"/>
-        </a:p>
-      </dgm:t>
-    </dgm:pt>
-    <dgm:pt modelId="{DB285C6E-E954-4691-B320-D1BB9580EA92}" type="sibTrans" cxnId="{D55695BA-22F3-4958-BDD8-319E7A1F6DDB}">
-      <dgm:prSet/>
-      <dgm:spPr/>
-      <dgm:t>
-        <a:bodyPr/>
-        <a:lstStyle/>
-        <a:p>
-          <a:endParaRPr lang="en-GB"/>
-        </a:p>
-      </dgm:t>
-    </dgm:pt>
-    <dgm:pt modelId="{ABE3847B-7AB2-4C1F-8360-9BE525BB7BBC}">
-      <dgm:prSet phldrT="[Text]" phldr="1"/>
-      <dgm:spPr/>
-      <dgm:t>
-        <a:bodyPr/>
-        <a:lstStyle/>
-        <a:p>
-          <a:endParaRPr lang="en-GB"/>
-        </a:p>
-      </dgm:t>
-    </dgm:pt>
-    <dgm:pt modelId="{9F965F8B-592B-49BB-B751-F7CA3F9E8778}" type="parTrans" cxnId="{5375E585-3D14-4C62-8461-5E19EE85FA61}">
-      <dgm:prSet/>
-      <dgm:spPr/>
-      <dgm:t>
-        <a:bodyPr/>
-        <a:lstStyle/>
-        <a:p>
-          <a:endParaRPr lang="en-GB"/>
-        </a:p>
-      </dgm:t>
-    </dgm:pt>
-    <dgm:pt modelId="{ABF29A36-898F-4F1B-BB9A-C196B5CFEC30}" type="sibTrans" cxnId="{5375E585-3D14-4C62-8461-5E19EE85FA61}">
-      <dgm:prSet/>
-      <dgm:spPr/>
-      <dgm:t>
-        <a:bodyPr/>
-        <a:lstStyle/>
-        <a:p>
-          <a:endParaRPr lang="en-GB"/>
-        </a:p>
-      </dgm:t>
-    </dgm:pt>
-    <dgm:pt modelId="{9625FF17-2F6E-4960-8983-9FAC571161FF}">
-      <dgm:prSet phldrT="[Text]" phldr="1"/>
-      <dgm:spPr/>
-      <dgm:t>
-        <a:bodyPr/>
-        <a:lstStyle/>
-        <a:p>
-          <a:endParaRPr lang="en-GB"/>
-        </a:p>
-      </dgm:t>
-    </dgm:pt>
-    <dgm:pt modelId="{05DDE51E-25AF-4066-AE2E-76BD4F9F6EA8}" type="parTrans" cxnId="{D5B1973F-5CB5-4D55-B735-24FACCB6E81E}">
-      <dgm:prSet/>
-      <dgm:spPr/>
-      <dgm:t>
-        <a:bodyPr/>
-        <a:lstStyle/>
-        <a:p>
-          <a:endParaRPr lang="en-GB"/>
-        </a:p>
-      </dgm:t>
-    </dgm:pt>
-    <dgm:pt modelId="{FFEB966B-6607-448E-B231-0426058DF6EB}" type="sibTrans" cxnId="{D5B1973F-5CB5-4D55-B735-24FACCB6E81E}">
-      <dgm:prSet/>
-      <dgm:spPr/>
-      <dgm:t>
-        <a:bodyPr/>
-        <a:lstStyle/>
-        <a:p>
-          <a:endParaRPr lang="en-GB"/>
-        </a:p>
-      </dgm:t>
-    </dgm:pt>
-    <dgm:pt modelId="{F9CABC96-B4D1-4259-B005-2825074D63C3}">
-      <dgm:prSet phldrT="[Text]" phldr="1"/>
-      <dgm:spPr/>
-      <dgm:t>
-        <a:bodyPr/>
-        <a:lstStyle/>
-        <a:p>
-          <a:endParaRPr lang="en-GB" dirty="0"/>
-        </a:p>
-      </dgm:t>
-    </dgm:pt>
-    <dgm:pt modelId="{71900ADD-2BFB-49D8-B5A0-156795E873B1}" type="parTrans" cxnId="{A1B1A83F-178E-49A4-BC9C-D6D2E97A4CB4}">
-      <dgm:prSet/>
-      <dgm:spPr/>
-      <dgm:t>
-        <a:bodyPr/>
-        <a:lstStyle/>
-        <a:p>
-          <a:endParaRPr lang="en-GB"/>
-        </a:p>
-      </dgm:t>
-    </dgm:pt>
-    <dgm:pt modelId="{BEB8BA90-E5E5-4CBD-AD26-A3810DD15527}" type="sibTrans" cxnId="{A1B1A83F-178E-49A4-BC9C-D6D2E97A4CB4}">
-      <dgm:prSet/>
-      <dgm:spPr/>
-      <dgm:t>
-        <a:bodyPr/>
-        <a:lstStyle/>
-        <a:p>
-          <a:endParaRPr lang="en-GB"/>
-        </a:p>
-      </dgm:t>
-    </dgm:pt>
-    <dgm:pt modelId="{5846E4F7-7773-4E5F-A13A-C1AF3ABC1562}">
-      <dgm:prSet phldrT="[Text]" phldr="1"/>
-      <dgm:spPr/>
-      <dgm:t>
-        <a:bodyPr/>
-        <a:lstStyle/>
-        <a:p>
-          <a:endParaRPr lang="en-GB"/>
-        </a:p>
-      </dgm:t>
-    </dgm:pt>
-    <dgm:pt modelId="{FDB8AA87-10E4-4E23-AC98-B63FE9E99DA1}" type="parTrans" cxnId="{68AA8974-F580-4D9A-9EDF-8D69C0A124FE}">
-      <dgm:prSet/>
-      <dgm:spPr/>
-      <dgm:t>
-        <a:bodyPr/>
-        <a:lstStyle/>
-        <a:p>
-          <a:endParaRPr lang="en-GB"/>
-        </a:p>
-      </dgm:t>
-    </dgm:pt>
-    <dgm:pt modelId="{6FAF3F4E-D4B8-4D5A-BE1B-72212E02DF35}" type="sibTrans" cxnId="{68AA8974-F580-4D9A-9EDF-8D69C0A124FE}">
-      <dgm:prSet/>
-      <dgm:spPr/>
-      <dgm:t>
-        <a:bodyPr/>
-        <a:lstStyle/>
-        <a:p>
-          <a:endParaRPr lang="en-GB"/>
-        </a:p>
-      </dgm:t>
-    </dgm:pt>
-    <dgm:pt modelId="{BD51518F-A7F6-4CB0-A88E-600451F2C663}">
-      <dgm:prSet phldrT="[Text]" phldr="1"/>
-      <dgm:spPr/>
-      <dgm:t>
-        <a:bodyPr/>
-        <a:lstStyle/>
-        <a:p>
-          <a:endParaRPr lang="en-GB"/>
-        </a:p>
-      </dgm:t>
-    </dgm:pt>
-    <dgm:pt modelId="{06B0FB5C-254F-4E79-8F2F-4119E9D3966E}" type="parTrans" cxnId="{BC16C7E0-E7A4-4480-9217-A7913A7900A3}">
-      <dgm:prSet/>
-      <dgm:spPr/>
-      <dgm:t>
-        <a:bodyPr/>
-        <a:lstStyle/>
-        <a:p>
-          <a:endParaRPr lang="en-GB"/>
-        </a:p>
-      </dgm:t>
-    </dgm:pt>
-    <dgm:pt modelId="{5F8B5A24-8E76-4354-9AAE-A233A643CE4F}" type="sibTrans" cxnId="{BC16C7E0-E7A4-4480-9217-A7913A7900A3}">
-      <dgm:prSet/>
-      <dgm:spPr/>
-      <dgm:t>
-        <a:bodyPr/>
-        <a:lstStyle/>
-        <a:p>
-          <a:endParaRPr lang="en-GB"/>
-        </a:p>
-      </dgm:t>
-    </dgm:pt>
-    <dgm:pt modelId="{1A29777D-762F-4E35-90BE-A22E6BB0DB19}">
-      <dgm:prSet phldrT="[Text]" phldr="1"/>
-      <dgm:spPr/>
-      <dgm:t>
-        <a:bodyPr/>
-        <a:lstStyle/>
-        <a:p>
-          <a:endParaRPr lang="en-GB"/>
-        </a:p>
-      </dgm:t>
-    </dgm:pt>
-    <dgm:pt modelId="{B19F5A00-2A76-4F76-A55D-FC454DB92A70}" type="parTrans" cxnId="{0A8FB692-129E-4B2C-B7FD-09B2D5CF563B}">
-      <dgm:prSet/>
-      <dgm:spPr/>
-      <dgm:t>
-        <a:bodyPr/>
-        <a:lstStyle/>
-        <a:p>
-          <a:endParaRPr lang="en-GB"/>
-        </a:p>
-      </dgm:t>
-    </dgm:pt>
-    <dgm:pt modelId="{A87A712B-7598-4852-BB26-4A4813603F03}" type="sibTrans" cxnId="{0A8FB692-129E-4B2C-B7FD-09B2D5CF563B}">
-      <dgm:prSet/>
-      <dgm:spPr/>
-      <dgm:t>
-        <a:bodyPr/>
-        <a:lstStyle/>
-        <a:p>
-          <a:endParaRPr lang="en-GB"/>
-        </a:p>
-      </dgm:t>
-    </dgm:pt>
-    <dgm:pt modelId="{A712CE39-0D8F-48CB-9899-594851A8D2B6}">
-      <dgm:prSet phldrT="[Text]" phldr="1"/>
-      <dgm:spPr/>
-      <dgm:t>
-        <a:bodyPr/>
-        <a:lstStyle/>
-        <a:p>
-          <a:endParaRPr lang="en-GB" dirty="0"/>
-        </a:p>
-      </dgm:t>
-    </dgm:pt>
-    <dgm:pt modelId="{4C799AB1-AC5E-41BD-92A5-1EE89C3D0C57}" type="parTrans" cxnId="{44B8CF77-1855-4BA0-9F80-31A6D159CF0D}">
-      <dgm:prSet/>
-      <dgm:spPr/>
-      <dgm:t>
-        <a:bodyPr/>
-        <a:lstStyle/>
-        <a:p>
-          <a:endParaRPr lang="en-GB"/>
-        </a:p>
-      </dgm:t>
-    </dgm:pt>
-    <dgm:pt modelId="{9E9AAC25-FD25-44DC-852F-28B44193D28E}" type="sibTrans" cxnId="{44B8CF77-1855-4BA0-9F80-31A6D159CF0D}">
-      <dgm:prSet/>
-      <dgm:spPr/>
-      <dgm:t>
-        <a:bodyPr/>
-        <a:lstStyle/>
-        <a:p>
-          <a:endParaRPr lang="en-GB"/>
-        </a:p>
-      </dgm:t>
-    </dgm:pt>
-    <dgm:pt modelId="{82D28365-B6A4-4FEC-A1CE-EAB1EE73537B}" type="pres">
-      <dgm:prSet presAssocID="{517E3087-2279-4714-B78D-5F9456EC7050}" presName="Name0" presStyleCnt="0">
-        <dgm:presLayoutVars>
-          <dgm:dir/>
-          <dgm:resizeHandles/>
-        </dgm:presLayoutVars>
-      </dgm:prSet>
-      <dgm:spPr/>
-    </dgm:pt>
-    <dgm:pt modelId="{A2F86BAA-A80A-46E3-A911-E61A1482DA26}" type="pres">
-      <dgm:prSet presAssocID="{DC9DCF28-8058-4B2A-8DAA-5E0D0393A412}" presName="compNode" presStyleCnt="0"/>
-      <dgm:spPr/>
-    </dgm:pt>
-    <dgm:pt modelId="{A169029E-1F49-46AD-8E70-7922BBD55B29}" type="pres">
-      <dgm:prSet presAssocID="{DC9DCF28-8058-4B2A-8DAA-5E0D0393A412}" presName="dummyConnPt" presStyleCnt="0"/>
-      <dgm:spPr/>
-    </dgm:pt>
-    <dgm:pt modelId="{2B0F6904-8B5A-40A1-8199-8102826DEF30}" type="pres">
-      <dgm:prSet presAssocID="{DC9DCF28-8058-4B2A-8DAA-5E0D0393A412}" presName="node" presStyleLbl="node1" presStyleIdx="0" presStyleCnt="9">
-        <dgm:presLayoutVars>
-          <dgm:bulletEnabled val="1"/>
-        </dgm:presLayoutVars>
-      </dgm:prSet>
-      <dgm:spPr/>
-    </dgm:pt>
-    <dgm:pt modelId="{7C9060B3-912D-4D59-9F05-1163AA73ED0F}" type="pres">
-      <dgm:prSet presAssocID="{950A6AC8-4F3F-4DC8-9C34-B58C4938B712}" presName="sibTrans" presStyleLbl="bgSibTrans2D1" presStyleIdx="0" presStyleCnt="8"/>
-      <dgm:spPr/>
-    </dgm:pt>
-    <dgm:pt modelId="{A526EB92-0FEC-45A7-B19F-99A021AF3F87}" type="pres">
-      <dgm:prSet presAssocID="{0B5125A7-3290-4834-85B0-060DA329E1BC}" presName="compNode" presStyleCnt="0"/>
-      <dgm:spPr/>
-    </dgm:pt>
-    <dgm:pt modelId="{9C2BA8F4-101B-44B4-A18B-63D42CEB27F7}" type="pres">
-      <dgm:prSet presAssocID="{0B5125A7-3290-4834-85B0-060DA329E1BC}" presName="dummyConnPt" presStyleCnt="0"/>
-      <dgm:spPr/>
-    </dgm:pt>
-    <dgm:pt modelId="{48D19635-5C29-4C1E-BDEC-E6C510018EE1}" type="pres">
-      <dgm:prSet presAssocID="{0B5125A7-3290-4834-85B0-060DA329E1BC}" presName="node" presStyleLbl="node1" presStyleIdx="1" presStyleCnt="9">
-        <dgm:presLayoutVars>
-          <dgm:bulletEnabled val="1"/>
-        </dgm:presLayoutVars>
-      </dgm:prSet>
-      <dgm:spPr/>
-    </dgm:pt>
-    <dgm:pt modelId="{112A9778-3042-4E58-9634-255165A08F21}" type="pres">
-      <dgm:prSet presAssocID="{DB285C6E-E954-4691-B320-D1BB9580EA92}" presName="sibTrans" presStyleLbl="bgSibTrans2D1" presStyleIdx="1" presStyleCnt="8"/>
-      <dgm:spPr/>
-    </dgm:pt>
-    <dgm:pt modelId="{FF627EE7-A945-4E8E-AE78-94AED9EA540E}" type="pres">
-      <dgm:prSet presAssocID="{ABE3847B-7AB2-4C1F-8360-9BE525BB7BBC}" presName="compNode" presStyleCnt="0"/>
-      <dgm:spPr/>
-    </dgm:pt>
-    <dgm:pt modelId="{B36F4327-B9FF-48E8-8C91-3F57633E6029}" type="pres">
-      <dgm:prSet presAssocID="{ABE3847B-7AB2-4C1F-8360-9BE525BB7BBC}" presName="dummyConnPt" presStyleCnt="0"/>
-      <dgm:spPr/>
-    </dgm:pt>
-    <dgm:pt modelId="{C3BF0B37-9910-45D3-A50C-A350E65FEA84}" type="pres">
-      <dgm:prSet presAssocID="{ABE3847B-7AB2-4C1F-8360-9BE525BB7BBC}" presName="node" presStyleLbl="node1" presStyleIdx="2" presStyleCnt="9">
-        <dgm:presLayoutVars>
-          <dgm:bulletEnabled val="1"/>
-        </dgm:presLayoutVars>
-      </dgm:prSet>
-      <dgm:spPr/>
-    </dgm:pt>
-    <dgm:pt modelId="{9FE9E2DD-2F89-4CA1-8436-053DF80DBFFD}" type="pres">
-      <dgm:prSet presAssocID="{ABF29A36-898F-4F1B-BB9A-C196B5CFEC30}" presName="sibTrans" presStyleLbl="bgSibTrans2D1" presStyleIdx="2" presStyleCnt="8"/>
-      <dgm:spPr/>
-    </dgm:pt>
-    <dgm:pt modelId="{6C8B5FB0-C690-4D30-8749-AD6E5E110B5C}" type="pres">
-      <dgm:prSet presAssocID="{9625FF17-2F6E-4960-8983-9FAC571161FF}" presName="compNode" presStyleCnt="0"/>
-      <dgm:spPr/>
-    </dgm:pt>
-    <dgm:pt modelId="{58108F60-4D47-43EF-A359-E022422699E8}" type="pres">
-      <dgm:prSet presAssocID="{9625FF17-2F6E-4960-8983-9FAC571161FF}" presName="dummyConnPt" presStyleCnt="0"/>
-      <dgm:spPr/>
-    </dgm:pt>
-    <dgm:pt modelId="{DA28095B-732F-4690-B109-770CC3727C66}" type="pres">
-      <dgm:prSet presAssocID="{9625FF17-2F6E-4960-8983-9FAC571161FF}" presName="node" presStyleLbl="node1" presStyleIdx="3" presStyleCnt="9">
-        <dgm:presLayoutVars>
-          <dgm:bulletEnabled val="1"/>
-        </dgm:presLayoutVars>
-      </dgm:prSet>
-      <dgm:spPr/>
-    </dgm:pt>
-    <dgm:pt modelId="{5F8FB28F-9392-497E-9FF6-F09CFE612AB3}" type="pres">
-      <dgm:prSet presAssocID="{FFEB966B-6607-448E-B231-0426058DF6EB}" presName="sibTrans" presStyleLbl="bgSibTrans2D1" presStyleIdx="3" presStyleCnt="8"/>
-      <dgm:spPr/>
-    </dgm:pt>
-    <dgm:pt modelId="{ECCC12F4-C7FA-486F-851E-01396F7E51DF}" type="pres">
-      <dgm:prSet presAssocID="{F9CABC96-B4D1-4259-B005-2825074D63C3}" presName="compNode" presStyleCnt="0"/>
-      <dgm:spPr/>
-    </dgm:pt>
-    <dgm:pt modelId="{BAD933B9-053A-4A81-86DB-90BDAEBB675A}" type="pres">
-      <dgm:prSet presAssocID="{F9CABC96-B4D1-4259-B005-2825074D63C3}" presName="dummyConnPt" presStyleCnt="0"/>
-      <dgm:spPr/>
-    </dgm:pt>
-    <dgm:pt modelId="{7A60D40E-6308-48E0-90C2-5C3474B864A7}" type="pres">
-      <dgm:prSet presAssocID="{F9CABC96-B4D1-4259-B005-2825074D63C3}" presName="node" presStyleLbl="node1" presStyleIdx="4" presStyleCnt="9">
-        <dgm:presLayoutVars>
-          <dgm:bulletEnabled val="1"/>
-        </dgm:presLayoutVars>
-      </dgm:prSet>
-      <dgm:spPr/>
-    </dgm:pt>
-    <dgm:pt modelId="{3087D1A7-A79B-4382-B23C-EDE0DDBE5AB9}" type="pres">
-      <dgm:prSet presAssocID="{BEB8BA90-E5E5-4CBD-AD26-A3810DD15527}" presName="sibTrans" presStyleLbl="bgSibTrans2D1" presStyleIdx="4" presStyleCnt="8"/>
-      <dgm:spPr/>
-    </dgm:pt>
-    <dgm:pt modelId="{3683036A-DBA0-4D5B-B30B-4BF8AEE1D9B5}" type="pres">
-      <dgm:prSet presAssocID="{5846E4F7-7773-4E5F-A13A-C1AF3ABC1562}" presName="compNode" presStyleCnt="0"/>
-      <dgm:spPr/>
-    </dgm:pt>
-    <dgm:pt modelId="{C9DDE7DF-8950-4C02-9474-E01633973421}" type="pres">
-      <dgm:prSet presAssocID="{5846E4F7-7773-4E5F-A13A-C1AF3ABC1562}" presName="dummyConnPt" presStyleCnt="0"/>
-      <dgm:spPr/>
-    </dgm:pt>
-    <dgm:pt modelId="{20E0E85E-5B95-4BDE-A846-3BA73CE607E4}" type="pres">
-      <dgm:prSet presAssocID="{5846E4F7-7773-4E5F-A13A-C1AF3ABC1562}" presName="node" presStyleLbl="node1" presStyleIdx="5" presStyleCnt="9">
-        <dgm:presLayoutVars>
-          <dgm:bulletEnabled val="1"/>
-        </dgm:presLayoutVars>
-      </dgm:prSet>
-      <dgm:spPr/>
-    </dgm:pt>
-    <dgm:pt modelId="{8FAA45B7-D050-42B2-9CD5-21A10E644998}" type="pres">
-      <dgm:prSet presAssocID="{6FAF3F4E-D4B8-4D5A-BE1B-72212E02DF35}" presName="sibTrans" presStyleLbl="bgSibTrans2D1" presStyleIdx="5" presStyleCnt="8"/>
-      <dgm:spPr/>
-    </dgm:pt>
-    <dgm:pt modelId="{49CFAD9A-AC4E-444E-A21D-923976FBF1B8}" type="pres">
-      <dgm:prSet presAssocID="{BD51518F-A7F6-4CB0-A88E-600451F2C663}" presName="compNode" presStyleCnt="0"/>
-      <dgm:spPr/>
-    </dgm:pt>
-    <dgm:pt modelId="{FADFE282-F012-45FB-BE03-538897700316}" type="pres">
-      <dgm:prSet presAssocID="{BD51518F-A7F6-4CB0-A88E-600451F2C663}" presName="dummyConnPt" presStyleCnt="0"/>
-      <dgm:spPr/>
-    </dgm:pt>
-    <dgm:pt modelId="{BB184706-A66F-4534-BCA7-432F2E9B4D22}" type="pres">
-      <dgm:prSet presAssocID="{BD51518F-A7F6-4CB0-A88E-600451F2C663}" presName="node" presStyleLbl="node1" presStyleIdx="6" presStyleCnt="9">
-        <dgm:presLayoutVars>
-          <dgm:bulletEnabled val="1"/>
-        </dgm:presLayoutVars>
-      </dgm:prSet>
-      <dgm:spPr/>
-    </dgm:pt>
-    <dgm:pt modelId="{86F86655-C5F1-4BD0-94B9-5CF195F4B168}" type="pres">
-      <dgm:prSet presAssocID="{5F8B5A24-8E76-4354-9AAE-A233A643CE4F}" presName="sibTrans" presStyleLbl="bgSibTrans2D1" presStyleIdx="6" presStyleCnt="8"/>
-      <dgm:spPr/>
-    </dgm:pt>
-    <dgm:pt modelId="{BE4FA974-B8B0-4868-9E8D-17C6F503C5C6}" type="pres">
-      <dgm:prSet presAssocID="{1A29777D-762F-4E35-90BE-A22E6BB0DB19}" presName="compNode" presStyleCnt="0"/>
-      <dgm:spPr/>
-    </dgm:pt>
-    <dgm:pt modelId="{8882E8CC-7E97-4343-A070-7CC52D3C3912}" type="pres">
-      <dgm:prSet presAssocID="{1A29777D-762F-4E35-90BE-A22E6BB0DB19}" presName="dummyConnPt" presStyleCnt="0"/>
-      <dgm:spPr/>
-    </dgm:pt>
-    <dgm:pt modelId="{BAA3392E-FADC-42B1-8779-B7E3AAE384B2}" type="pres">
-      <dgm:prSet presAssocID="{1A29777D-762F-4E35-90BE-A22E6BB0DB19}" presName="node" presStyleLbl="node1" presStyleIdx="7" presStyleCnt="9">
-        <dgm:presLayoutVars>
-          <dgm:bulletEnabled val="1"/>
-        </dgm:presLayoutVars>
-      </dgm:prSet>
-      <dgm:spPr/>
-    </dgm:pt>
-    <dgm:pt modelId="{AC5CBADF-1341-4E86-985E-1DB7AB9B297D}" type="pres">
-      <dgm:prSet presAssocID="{A87A712B-7598-4852-BB26-4A4813603F03}" presName="sibTrans" presStyleLbl="bgSibTrans2D1" presStyleIdx="7" presStyleCnt="8"/>
-      <dgm:spPr/>
-    </dgm:pt>
-    <dgm:pt modelId="{F7627C89-D420-494D-86AA-552E4404DEC6}" type="pres">
-      <dgm:prSet presAssocID="{A712CE39-0D8F-48CB-9899-594851A8D2B6}" presName="compNode" presStyleCnt="0"/>
-      <dgm:spPr/>
-    </dgm:pt>
-    <dgm:pt modelId="{1676EED0-8AA1-4861-B169-E86CFBCE4F90}" type="pres">
-      <dgm:prSet presAssocID="{A712CE39-0D8F-48CB-9899-594851A8D2B6}" presName="dummyConnPt" presStyleCnt="0"/>
-      <dgm:spPr/>
-    </dgm:pt>
-    <dgm:pt modelId="{1B3C2304-343E-4DDC-AFDE-2D56BACD1F29}" type="pres">
-      <dgm:prSet presAssocID="{A712CE39-0D8F-48CB-9899-594851A8D2B6}" presName="node" presStyleLbl="node1" presStyleIdx="8" presStyleCnt="9">
-        <dgm:presLayoutVars>
-          <dgm:bulletEnabled val="1"/>
-        </dgm:presLayoutVars>
-      </dgm:prSet>
-      <dgm:spPr/>
-    </dgm:pt>
-  </dgm:ptLst>
-  <dgm:cxnLst>
-    <dgm:cxn modelId="{6B33E907-E272-4B36-A9FD-B83FEEF98257}" type="presOf" srcId="{BEB8BA90-E5E5-4CBD-AD26-A3810DD15527}" destId="{3087D1A7-A79B-4382-B23C-EDE0DDBE5AB9}" srcOrd="0" destOrd="0" presId="urn:microsoft.com/office/officeart/2005/8/layout/bProcess4"/>
-    <dgm:cxn modelId="{24F8FD11-D08F-4256-B527-429EFC278E94}" type="presOf" srcId="{1A29777D-762F-4E35-90BE-A22E6BB0DB19}" destId="{BAA3392E-FADC-42B1-8779-B7E3AAE384B2}" srcOrd="0" destOrd="0" presId="urn:microsoft.com/office/officeart/2005/8/layout/bProcess4"/>
-    <dgm:cxn modelId="{056A471F-BBCD-4437-8771-1BA39C7F4235}" type="presOf" srcId="{0B5125A7-3290-4834-85B0-060DA329E1BC}" destId="{48D19635-5C29-4C1E-BDEC-E6C510018EE1}" srcOrd="0" destOrd="0" presId="urn:microsoft.com/office/officeart/2005/8/layout/bProcess4"/>
-    <dgm:cxn modelId="{A5406129-15D6-48B0-9A6B-D9DE26569526}" type="presOf" srcId="{6FAF3F4E-D4B8-4D5A-BE1B-72212E02DF35}" destId="{8FAA45B7-D050-42B2-9CD5-21A10E644998}" srcOrd="0" destOrd="0" presId="urn:microsoft.com/office/officeart/2005/8/layout/bProcess4"/>
-    <dgm:cxn modelId="{A8211F2E-468B-4554-A6DE-7EDE7C60DA16}" type="presOf" srcId="{5F8B5A24-8E76-4354-9AAE-A233A643CE4F}" destId="{86F86655-C5F1-4BD0-94B9-5CF195F4B168}" srcOrd="0" destOrd="0" presId="urn:microsoft.com/office/officeart/2005/8/layout/bProcess4"/>
-    <dgm:cxn modelId="{D5B1973F-5CB5-4D55-B735-24FACCB6E81E}" srcId="{517E3087-2279-4714-B78D-5F9456EC7050}" destId="{9625FF17-2F6E-4960-8983-9FAC571161FF}" srcOrd="3" destOrd="0" parTransId="{05DDE51E-25AF-4066-AE2E-76BD4F9F6EA8}" sibTransId="{FFEB966B-6607-448E-B231-0426058DF6EB}"/>
-    <dgm:cxn modelId="{A1B1A83F-178E-49A4-BC9C-D6D2E97A4CB4}" srcId="{517E3087-2279-4714-B78D-5F9456EC7050}" destId="{F9CABC96-B4D1-4259-B005-2825074D63C3}" srcOrd="4" destOrd="0" parTransId="{71900ADD-2BFB-49D8-B5A0-156795E873B1}" sibTransId="{BEB8BA90-E5E5-4CBD-AD26-A3810DD15527}"/>
-    <dgm:cxn modelId="{EC229663-4D5C-4639-8A36-0A3E7B281729}" type="presOf" srcId="{517E3087-2279-4714-B78D-5F9456EC7050}" destId="{82D28365-B6A4-4FEC-A1CE-EAB1EE73537B}" srcOrd="0" destOrd="0" presId="urn:microsoft.com/office/officeart/2005/8/layout/bProcess4"/>
-    <dgm:cxn modelId="{A41E7067-DA8D-4802-93B0-F9CF6A7BDC81}" type="presOf" srcId="{FFEB966B-6607-448E-B231-0426058DF6EB}" destId="{5F8FB28F-9392-497E-9FF6-F09CFE612AB3}" srcOrd="0" destOrd="0" presId="urn:microsoft.com/office/officeart/2005/8/layout/bProcess4"/>
-    <dgm:cxn modelId="{114DEF67-B356-4187-A90D-CA2535EAA416}" type="presOf" srcId="{DC9DCF28-8058-4B2A-8DAA-5E0D0393A412}" destId="{2B0F6904-8B5A-40A1-8199-8102826DEF30}" srcOrd="0" destOrd="0" presId="urn:microsoft.com/office/officeart/2005/8/layout/bProcess4"/>
-    <dgm:cxn modelId="{459E0C6A-7ADE-4140-888D-742F6A747ED4}" type="presOf" srcId="{ABE3847B-7AB2-4C1F-8360-9BE525BB7BBC}" destId="{C3BF0B37-9910-45D3-A50C-A350E65FEA84}" srcOrd="0" destOrd="0" presId="urn:microsoft.com/office/officeart/2005/8/layout/bProcess4"/>
-    <dgm:cxn modelId="{0C5B2771-5368-4DFA-A6A1-2F8787369C89}" type="presOf" srcId="{A87A712B-7598-4852-BB26-4A4813603F03}" destId="{AC5CBADF-1341-4E86-985E-1DB7AB9B297D}" srcOrd="0" destOrd="0" presId="urn:microsoft.com/office/officeart/2005/8/layout/bProcess4"/>
-    <dgm:cxn modelId="{68AA8974-F580-4D9A-9EDF-8D69C0A124FE}" srcId="{517E3087-2279-4714-B78D-5F9456EC7050}" destId="{5846E4F7-7773-4E5F-A13A-C1AF3ABC1562}" srcOrd="5" destOrd="0" parTransId="{FDB8AA87-10E4-4E23-AC98-B63FE9E99DA1}" sibTransId="{6FAF3F4E-D4B8-4D5A-BE1B-72212E02DF35}"/>
-    <dgm:cxn modelId="{56C2A755-EB8F-4C29-A4E1-0C4C23669DDB}" type="presOf" srcId="{DB285C6E-E954-4691-B320-D1BB9580EA92}" destId="{112A9778-3042-4E58-9634-255165A08F21}" srcOrd="0" destOrd="0" presId="urn:microsoft.com/office/officeart/2005/8/layout/bProcess4"/>
-    <dgm:cxn modelId="{44B8CF77-1855-4BA0-9F80-31A6D159CF0D}" srcId="{517E3087-2279-4714-B78D-5F9456EC7050}" destId="{A712CE39-0D8F-48CB-9899-594851A8D2B6}" srcOrd="8" destOrd="0" parTransId="{4C799AB1-AC5E-41BD-92A5-1EE89C3D0C57}" sibTransId="{9E9AAC25-FD25-44DC-852F-28B44193D28E}"/>
-    <dgm:cxn modelId="{1DF65779-0E88-4AAB-8ADD-A0A8B446D3F6}" type="presOf" srcId="{950A6AC8-4F3F-4DC8-9C34-B58C4938B712}" destId="{7C9060B3-912D-4D59-9F05-1163AA73ED0F}" srcOrd="0" destOrd="0" presId="urn:microsoft.com/office/officeart/2005/8/layout/bProcess4"/>
-    <dgm:cxn modelId="{5375E585-3D14-4C62-8461-5E19EE85FA61}" srcId="{517E3087-2279-4714-B78D-5F9456EC7050}" destId="{ABE3847B-7AB2-4C1F-8360-9BE525BB7BBC}" srcOrd="2" destOrd="0" parTransId="{9F965F8B-592B-49BB-B751-F7CA3F9E8778}" sibTransId="{ABF29A36-898F-4F1B-BB9A-C196B5CFEC30}"/>
-    <dgm:cxn modelId="{8601D18A-5E6C-4B09-9EB6-7D95B2036799}" type="presOf" srcId="{A712CE39-0D8F-48CB-9899-594851A8D2B6}" destId="{1B3C2304-343E-4DDC-AFDE-2D56BACD1F29}" srcOrd="0" destOrd="0" presId="urn:microsoft.com/office/officeart/2005/8/layout/bProcess4"/>
-    <dgm:cxn modelId="{AC6DC88D-7A62-41E2-B866-361E243FF00E}" type="presOf" srcId="{BD51518F-A7F6-4CB0-A88E-600451F2C663}" destId="{BB184706-A66F-4534-BCA7-432F2E9B4D22}" srcOrd="0" destOrd="0" presId="urn:microsoft.com/office/officeart/2005/8/layout/bProcess4"/>
-    <dgm:cxn modelId="{0A8FB692-129E-4B2C-B7FD-09B2D5CF563B}" srcId="{517E3087-2279-4714-B78D-5F9456EC7050}" destId="{1A29777D-762F-4E35-90BE-A22E6BB0DB19}" srcOrd="7" destOrd="0" parTransId="{B19F5A00-2A76-4F76-A55D-FC454DB92A70}" sibTransId="{A87A712B-7598-4852-BB26-4A4813603F03}"/>
-    <dgm:cxn modelId="{949B94BA-D243-4A02-876A-CA0EA90E6B5C}" type="presOf" srcId="{ABF29A36-898F-4F1B-BB9A-C196B5CFEC30}" destId="{9FE9E2DD-2F89-4CA1-8436-053DF80DBFFD}" srcOrd="0" destOrd="0" presId="urn:microsoft.com/office/officeart/2005/8/layout/bProcess4"/>
-    <dgm:cxn modelId="{D55695BA-22F3-4958-BDD8-319E7A1F6DDB}" srcId="{517E3087-2279-4714-B78D-5F9456EC7050}" destId="{0B5125A7-3290-4834-85B0-060DA329E1BC}" srcOrd="1" destOrd="0" parTransId="{53D6174A-48FA-4126-A7F6-30552C2C132B}" sibTransId="{DB285C6E-E954-4691-B320-D1BB9580EA92}"/>
-    <dgm:cxn modelId="{8BC169C6-0EBB-4609-8EF1-184B93F7CE78}" type="presOf" srcId="{F9CABC96-B4D1-4259-B005-2825074D63C3}" destId="{7A60D40E-6308-48E0-90C2-5C3474B864A7}" srcOrd="0" destOrd="0" presId="urn:microsoft.com/office/officeart/2005/8/layout/bProcess4"/>
-    <dgm:cxn modelId="{AEBE2EC8-EE7B-4634-B1EA-6A3915974715}" srcId="{517E3087-2279-4714-B78D-5F9456EC7050}" destId="{DC9DCF28-8058-4B2A-8DAA-5E0D0393A412}" srcOrd="0" destOrd="0" parTransId="{7477F4DE-5CD7-43EA-A931-D2D8BDFB4050}" sibTransId="{950A6AC8-4F3F-4DC8-9C34-B58C4938B712}"/>
-    <dgm:cxn modelId="{BC16C7E0-E7A4-4480-9217-A7913A7900A3}" srcId="{517E3087-2279-4714-B78D-5F9456EC7050}" destId="{BD51518F-A7F6-4CB0-A88E-600451F2C663}" srcOrd="6" destOrd="0" parTransId="{06B0FB5C-254F-4E79-8F2F-4119E9D3966E}" sibTransId="{5F8B5A24-8E76-4354-9AAE-A233A643CE4F}"/>
-    <dgm:cxn modelId="{9EC511ED-2060-40C6-9237-27A17F530940}" type="presOf" srcId="{9625FF17-2F6E-4960-8983-9FAC571161FF}" destId="{DA28095B-732F-4690-B109-770CC3727C66}" srcOrd="0" destOrd="0" presId="urn:microsoft.com/office/officeart/2005/8/layout/bProcess4"/>
-    <dgm:cxn modelId="{DF07A8F5-C6DF-4C42-A643-E2B41C83660C}" type="presOf" srcId="{5846E4F7-7773-4E5F-A13A-C1AF3ABC1562}" destId="{20E0E85E-5B95-4BDE-A846-3BA73CE607E4}" srcOrd="0" destOrd="0" presId="urn:microsoft.com/office/officeart/2005/8/layout/bProcess4"/>
-    <dgm:cxn modelId="{D3FA5B4A-BF66-4BD4-8A91-68BAC189B647}" type="presParOf" srcId="{82D28365-B6A4-4FEC-A1CE-EAB1EE73537B}" destId="{A2F86BAA-A80A-46E3-A911-E61A1482DA26}" srcOrd="0" destOrd="0" presId="urn:microsoft.com/office/officeart/2005/8/layout/bProcess4"/>
-    <dgm:cxn modelId="{7E8F2D5D-10A0-406F-8F69-29F8C1C2893E}" type="presParOf" srcId="{A2F86BAA-A80A-46E3-A911-E61A1482DA26}" destId="{A169029E-1F49-46AD-8E70-7922BBD55B29}" srcOrd="0" destOrd="0" presId="urn:microsoft.com/office/officeart/2005/8/layout/bProcess4"/>
-    <dgm:cxn modelId="{829AC39A-738E-4A44-BBFE-7A7BF4BFABA0}" type="presParOf" srcId="{A2F86BAA-A80A-46E3-A911-E61A1482DA26}" destId="{2B0F6904-8B5A-40A1-8199-8102826DEF30}" srcOrd="1" destOrd="0" presId="urn:microsoft.com/office/officeart/2005/8/layout/bProcess4"/>
-    <dgm:cxn modelId="{E0685887-95C5-4461-ADFF-03BD519A4DF5}" type="presParOf" srcId="{82D28365-B6A4-4FEC-A1CE-EAB1EE73537B}" destId="{7C9060B3-912D-4D59-9F05-1163AA73ED0F}" srcOrd="1" destOrd="0" presId="urn:microsoft.com/office/officeart/2005/8/layout/bProcess4"/>
-    <dgm:cxn modelId="{F9769AE1-BE24-47F7-80B4-675D9135F875}" type="presParOf" srcId="{82D28365-B6A4-4FEC-A1CE-EAB1EE73537B}" destId="{A526EB92-0FEC-45A7-B19F-99A021AF3F87}" srcOrd="2" destOrd="0" presId="urn:microsoft.com/office/officeart/2005/8/layout/bProcess4"/>
-    <dgm:cxn modelId="{EC769531-FB94-4A89-9790-85F4ADD98FEB}" type="presParOf" srcId="{A526EB92-0FEC-45A7-B19F-99A021AF3F87}" destId="{9C2BA8F4-101B-44B4-A18B-63D42CEB27F7}" srcOrd="0" destOrd="0" presId="urn:microsoft.com/office/officeart/2005/8/layout/bProcess4"/>
-    <dgm:cxn modelId="{792CE9CE-EFCD-424B-B6CA-A10C6270CE91}" type="presParOf" srcId="{A526EB92-0FEC-45A7-B19F-99A021AF3F87}" destId="{48D19635-5C29-4C1E-BDEC-E6C510018EE1}" srcOrd="1" destOrd="0" presId="urn:microsoft.com/office/officeart/2005/8/layout/bProcess4"/>
-    <dgm:cxn modelId="{A29DE957-1A0F-4F3A-A748-FF9BFA3F3A0C}" type="presParOf" srcId="{82D28365-B6A4-4FEC-A1CE-EAB1EE73537B}" destId="{112A9778-3042-4E58-9634-255165A08F21}" srcOrd="3" destOrd="0" presId="urn:microsoft.com/office/officeart/2005/8/layout/bProcess4"/>
-    <dgm:cxn modelId="{242C1324-7826-4960-A344-6646F31DC31F}" type="presParOf" srcId="{82D28365-B6A4-4FEC-A1CE-EAB1EE73537B}" destId="{FF627EE7-A945-4E8E-AE78-94AED9EA540E}" srcOrd="4" destOrd="0" presId="urn:microsoft.com/office/officeart/2005/8/layout/bProcess4"/>
-    <dgm:cxn modelId="{7AA22A28-FBDF-4EFD-A0C2-5A29AFB1B9C7}" type="presParOf" srcId="{FF627EE7-A945-4E8E-AE78-94AED9EA540E}" destId="{B36F4327-B9FF-48E8-8C91-3F57633E6029}" srcOrd="0" destOrd="0" presId="urn:microsoft.com/office/officeart/2005/8/layout/bProcess4"/>
-    <dgm:cxn modelId="{4B73C93E-D4A1-483F-A1A6-074A4E322C44}" type="presParOf" srcId="{FF627EE7-A945-4E8E-AE78-94AED9EA540E}" destId="{C3BF0B37-9910-45D3-A50C-A350E65FEA84}" srcOrd="1" destOrd="0" presId="urn:microsoft.com/office/officeart/2005/8/layout/bProcess4"/>
-    <dgm:cxn modelId="{A5CA843A-BF1D-4347-9CD6-DAF9C1CA4399}" type="presParOf" srcId="{82D28365-B6A4-4FEC-A1CE-EAB1EE73537B}" destId="{9FE9E2DD-2F89-4CA1-8436-053DF80DBFFD}" srcOrd="5" destOrd="0" presId="urn:microsoft.com/office/officeart/2005/8/layout/bProcess4"/>
-    <dgm:cxn modelId="{9C9EB704-C886-46B4-8546-B6242EC17DD5}" type="presParOf" srcId="{82D28365-B6A4-4FEC-A1CE-EAB1EE73537B}" destId="{6C8B5FB0-C690-4D30-8749-AD6E5E110B5C}" srcOrd="6" destOrd="0" presId="urn:microsoft.com/office/officeart/2005/8/layout/bProcess4"/>
-    <dgm:cxn modelId="{0EBE24BF-CE95-4C9D-B38A-F0097C0999C0}" type="presParOf" srcId="{6C8B5FB0-C690-4D30-8749-AD6E5E110B5C}" destId="{58108F60-4D47-43EF-A359-E022422699E8}" srcOrd="0" destOrd="0" presId="urn:microsoft.com/office/officeart/2005/8/layout/bProcess4"/>
-    <dgm:cxn modelId="{9CF18B7F-C076-4881-A73A-B4850D544086}" type="presParOf" srcId="{6C8B5FB0-C690-4D30-8749-AD6E5E110B5C}" destId="{DA28095B-732F-4690-B109-770CC3727C66}" srcOrd="1" destOrd="0" presId="urn:microsoft.com/office/officeart/2005/8/layout/bProcess4"/>
-    <dgm:cxn modelId="{D64595FA-5A56-487A-826A-DE479FE64721}" type="presParOf" srcId="{82D28365-B6A4-4FEC-A1CE-EAB1EE73537B}" destId="{5F8FB28F-9392-497E-9FF6-F09CFE612AB3}" srcOrd="7" destOrd="0" presId="urn:microsoft.com/office/officeart/2005/8/layout/bProcess4"/>
-    <dgm:cxn modelId="{FCFBFBE1-A5B1-4221-BF32-6F4B70023F5C}" type="presParOf" srcId="{82D28365-B6A4-4FEC-A1CE-EAB1EE73537B}" destId="{ECCC12F4-C7FA-486F-851E-01396F7E51DF}" srcOrd="8" destOrd="0" presId="urn:microsoft.com/office/officeart/2005/8/layout/bProcess4"/>
-    <dgm:cxn modelId="{61DC6E71-8C9C-46CA-B814-648D5EC77100}" type="presParOf" srcId="{ECCC12F4-C7FA-486F-851E-01396F7E51DF}" destId="{BAD933B9-053A-4A81-86DB-90BDAEBB675A}" srcOrd="0" destOrd="0" presId="urn:microsoft.com/office/officeart/2005/8/layout/bProcess4"/>
-    <dgm:cxn modelId="{D8DCF55F-9F0B-4A58-AC13-B4FEC97E3522}" type="presParOf" srcId="{ECCC12F4-C7FA-486F-851E-01396F7E51DF}" destId="{7A60D40E-6308-48E0-90C2-5C3474B864A7}" srcOrd="1" destOrd="0" presId="urn:microsoft.com/office/officeart/2005/8/layout/bProcess4"/>
-    <dgm:cxn modelId="{63477494-F717-4E7A-9752-8489A0DF8585}" type="presParOf" srcId="{82D28365-B6A4-4FEC-A1CE-EAB1EE73537B}" destId="{3087D1A7-A79B-4382-B23C-EDE0DDBE5AB9}" srcOrd="9" destOrd="0" presId="urn:microsoft.com/office/officeart/2005/8/layout/bProcess4"/>
-    <dgm:cxn modelId="{29952B99-3BC8-4322-B1A6-BD1016F22B55}" type="presParOf" srcId="{82D28365-B6A4-4FEC-A1CE-EAB1EE73537B}" destId="{3683036A-DBA0-4D5B-B30B-4BF8AEE1D9B5}" srcOrd="10" destOrd="0" presId="urn:microsoft.com/office/officeart/2005/8/layout/bProcess4"/>
-    <dgm:cxn modelId="{DC8B8134-D9A7-4AEA-8C84-1D8ABEDC1964}" type="presParOf" srcId="{3683036A-DBA0-4D5B-B30B-4BF8AEE1D9B5}" destId="{C9DDE7DF-8950-4C02-9474-E01633973421}" srcOrd="0" destOrd="0" presId="urn:microsoft.com/office/officeart/2005/8/layout/bProcess4"/>
-    <dgm:cxn modelId="{09521BAB-0E76-45F7-B6E4-24931450FD45}" type="presParOf" srcId="{3683036A-DBA0-4D5B-B30B-4BF8AEE1D9B5}" destId="{20E0E85E-5B95-4BDE-A846-3BA73CE607E4}" srcOrd="1" destOrd="0" presId="urn:microsoft.com/office/officeart/2005/8/layout/bProcess4"/>
-    <dgm:cxn modelId="{BCFFE4B3-19B3-4847-B65B-99B26B989332}" type="presParOf" srcId="{82D28365-B6A4-4FEC-A1CE-EAB1EE73537B}" destId="{8FAA45B7-D050-42B2-9CD5-21A10E644998}" srcOrd="11" destOrd="0" presId="urn:microsoft.com/office/officeart/2005/8/layout/bProcess4"/>
-    <dgm:cxn modelId="{9D15855D-215A-4A1E-824D-75C38CBD52AE}" type="presParOf" srcId="{82D28365-B6A4-4FEC-A1CE-EAB1EE73537B}" destId="{49CFAD9A-AC4E-444E-A21D-923976FBF1B8}" srcOrd="12" destOrd="0" presId="urn:microsoft.com/office/officeart/2005/8/layout/bProcess4"/>
-    <dgm:cxn modelId="{D2BE7875-DC17-4D23-9594-23F85FE1DF8E}" type="presParOf" srcId="{49CFAD9A-AC4E-444E-A21D-923976FBF1B8}" destId="{FADFE282-F012-45FB-BE03-538897700316}" srcOrd="0" destOrd="0" presId="urn:microsoft.com/office/officeart/2005/8/layout/bProcess4"/>
-    <dgm:cxn modelId="{94D8473A-104C-4358-85A2-4C32910717ED}" type="presParOf" srcId="{49CFAD9A-AC4E-444E-A21D-923976FBF1B8}" destId="{BB184706-A66F-4534-BCA7-432F2E9B4D22}" srcOrd="1" destOrd="0" presId="urn:microsoft.com/office/officeart/2005/8/layout/bProcess4"/>
-    <dgm:cxn modelId="{D56420A8-0529-4197-B7D8-AFF749919186}" type="presParOf" srcId="{82D28365-B6A4-4FEC-A1CE-EAB1EE73537B}" destId="{86F86655-C5F1-4BD0-94B9-5CF195F4B168}" srcOrd="13" destOrd="0" presId="urn:microsoft.com/office/officeart/2005/8/layout/bProcess4"/>
-    <dgm:cxn modelId="{0CC3A63E-9A4F-4C51-B60F-E271B636D279}" type="presParOf" srcId="{82D28365-B6A4-4FEC-A1CE-EAB1EE73537B}" destId="{BE4FA974-B8B0-4868-9E8D-17C6F503C5C6}" srcOrd="14" destOrd="0" presId="urn:microsoft.com/office/officeart/2005/8/layout/bProcess4"/>
-    <dgm:cxn modelId="{3B727BE9-D437-4CB0-9E26-38385A870C54}" type="presParOf" srcId="{BE4FA974-B8B0-4868-9E8D-17C6F503C5C6}" destId="{8882E8CC-7E97-4343-A070-7CC52D3C3912}" srcOrd="0" destOrd="0" presId="urn:microsoft.com/office/officeart/2005/8/layout/bProcess4"/>
-    <dgm:cxn modelId="{1EF6CA6C-723F-46C8-B90D-836354F10E00}" type="presParOf" srcId="{BE4FA974-B8B0-4868-9E8D-17C6F503C5C6}" destId="{BAA3392E-FADC-42B1-8779-B7E3AAE384B2}" srcOrd="1" destOrd="0" presId="urn:microsoft.com/office/officeart/2005/8/layout/bProcess4"/>
-    <dgm:cxn modelId="{8CA37208-221D-40BC-82B4-51D6C6349811}" type="presParOf" srcId="{82D28365-B6A4-4FEC-A1CE-EAB1EE73537B}" destId="{AC5CBADF-1341-4E86-985E-1DB7AB9B297D}" srcOrd="15" destOrd="0" presId="urn:microsoft.com/office/officeart/2005/8/layout/bProcess4"/>
-    <dgm:cxn modelId="{0B357A58-97BB-4EF6-991F-122408DB1C21}" type="presParOf" srcId="{82D28365-B6A4-4FEC-A1CE-EAB1EE73537B}" destId="{F7627C89-D420-494D-86AA-552E4404DEC6}" srcOrd="16" destOrd="0" presId="urn:microsoft.com/office/officeart/2005/8/layout/bProcess4"/>
-    <dgm:cxn modelId="{2A5C852F-3500-4A47-A56A-3946A2F95F72}" type="presParOf" srcId="{F7627C89-D420-494D-86AA-552E4404DEC6}" destId="{1676EED0-8AA1-4861-B169-E86CFBCE4F90}" srcOrd="0" destOrd="0" presId="urn:microsoft.com/office/officeart/2005/8/layout/bProcess4"/>
-    <dgm:cxn modelId="{E7717447-8524-4F7D-BFE3-317053C56AE6}" type="presParOf" srcId="{F7627C89-D420-494D-86AA-552E4404DEC6}" destId="{1B3C2304-343E-4DDC-AFDE-2D56BACD1F29}" srcOrd="1" destOrd="0" presId="urn:microsoft.com/office/officeart/2005/8/layout/bProcess4"/>
-  </dgm:cxnLst>
-  <dgm:bg/>
-  <dgm:whole/>
-  <dgm:extLst>
-    <a:ext uri="http://schemas.microsoft.com/office/drawing/2008/diagram">
-      <dsp:dataModelExt xmlns:dsp="http://schemas.microsoft.com/office/drawing/2008/diagram" relId="rId6" minVer="http://schemas.openxmlformats.org/drawingml/2006/diagram"/>
-    </a:ext>
-  </dgm:extLst>
-</dgm:dataModel>
-</file>
-
-<file path=ppt/diagrams/data3.xml><?xml version="1.0" encoding="utf-8"?>
 <dgm:dataModel xmlns:dgm="http://schemas.openxmlformats.org/drawingml/2006/diagram" xmlns:a="http://schemas.openxmlformats.org/drawingml/2006/main">
   <dgm:ptLst>
     <dgm:pt modelId="{517E3087-2279-4714-B78D-5F9456EC7050}" type="doc">
@@ -4281,6 +3710,379 @@
 </dgm:dataModel>
 </file>
 
+<file path=ppt/diagrams/data3.xml><?xml version="1.0" encoding="utf-8"?>
+<dgm:dataModel xmlns:dgm="http://schemas.openxmlformats.org/drawingml/2006/diagram" xmlns:a="http://schemas.openxmlformats.org/drawingml/2006/main">
+  <dgm:ptLst>
+    <dgm:pt modelId="{0954713E-F94D-40E1-BE26-D6D0575DC412}" type="doc">
+      <dgm:prSet loTypeId="urn:microsoft.com/office/officeart/2005/8/layout/radial6" loCatId="relationship" qsTypeId="urn:microsoft.com/office/officeart/2005/8/quickstyle/simple1" qsCatId="simple" csTypeId="urn:microsoft.com/office/officeart/2005/8/colors/colorful1" csCatId="colorful" phldr="1"/>
+      <dgm:spPr/>
+      <dgm:t>
+        <a:bodyPr/>
+        <a:lstStyle/>
+        <a:p>
+          <a:endParaRPr lang="en-GB"/>
+        </a:p>
+      </dgm:t>
+    </dgm:pt>
+    <dgm:pt modelId="{6740D200-169F-4B95-A4F8-C875E39976FC}">
+      <dgm:prSet phldrT="[Text]" phldr="0"/>
+      <dgm:spPr/>
+      <dgm:t>
+        <a:bodyPr/>
+        <a:lstStyle/>
+        <a:p>
+          <a:r>
+            <a:rPr lang="en-GB" dirty="0"/>
+            <a:t>Microsoft Agent Identity Platform</a:t>
+          </a:r>
+        </a:p>
+      </dgm:t>
+    </dgm:pt>
+    <dgm:pt modelId="{A6AB8C66-E407-40F0-90F9-61B70CB75E80}" type="parTrans" cxnId="{FDD83EC5-64FD-4EBF-BA89-7D12ECA30AF1}">
+      <dgm:prSet/>
+      <dgm:spPr/>
+      <dgm:t>
+        <a:bodyPr/>
+        <a:lstStyle/>
+        <a:p>
+          <a:endParaRPr lang="en-GB"/>
+        </a:p>
+      </dgm:t>
+    </dgm:pt>
+    <dgm:pt modelId="{DF78A940-0C2D-4481-8AD6-2D79604DF99F}" type="sibTrans" cxnId="{FDD83EC5-64FD-4EBF-BA89-7D12ECA30AF1}">
+      <dgm:prSet/>
+      <dgm:spPr/>
+      <dgm:t>
+        <a:bodyPr/>
+        <a:lstStyle/>
+        <a:p>
+          <a:endParaRPr lang="en-GB"/>
+        </a:p>
+      </dgm:t>
+    </dgm:pt>
+    <dgm:pt modelId="{F9EA5804-75D7-4589-87DC-7B52FC0CB6F7}">
+      <dgm:prSet phldrT="[Text]" phldr="0"/>
+      <dgm:spPr/>
+      <dgm:t>
+        <a:bodyPr/>
+        <a:lstStyle/>
+        <a:p>
+          <a:r>
+            <a:rPr lang="en-GB"/>
+            <a:t>Authentication &amp;Authorization</a:t>
+          </a:r>
+          <a:endParaRPr lang="en-GB" dirty="0"/>
+        </a:p>
+      </dgm:t>
+    </dgm:pt>
+    <dgm:pt modelId="{7D33035F-26C7-4DEC-A544-C59E3FCEB19C}" type="parTrans" cxnId="{260B4932-2141-4359-8764-3FB7500DA55A}">
+      <dgm:prSet/>
+      <dgm:spPr/>
+      <dgm:t>
+        <a:bodyPr/>
+        <a:lstStyle/>
+        <a:p>
+          <a:endParaRPr lang="en-GB"/>
+        </a:p>
+      </dgm:t>
+    </dgm:pt>
+    <dgm:pt modelId="{C5C5B3AD-60A9-4862-BBF9-599038AA4690}" type="sibTrans" cxnId="{260B4932-2141-4359-8764-3FB7500DA55A}">
+      <dgm:prSet/>
+      <dgm:spPr/>
+      <dgm:t>
+        <a:bodyPr/>
+        <a:lstStyle/>
+        <a:p>
+          <a:endParaRPr lang="en-GB"/>
+        </a:p>
+      </dgm:t>
+    </dgm:pt>
+    <dgm:pt modelId="{58A2D1D0-76C6-4C4B-8BA3-61CF862FEB6D}">
+      <dgm:prSet phldrT="[Text]" phldr="0"/>
+      <dgm:spPr/>
+      <dgm:t>
+        <a:bodyPr/>
+        <a:lstStyle/>
+        <a:p>
+          <a:r>
+            <a:rPr lang="en-GB"/>
+            <a:t>Token System</a:t>
+          </a:r>
+        </a:p>
+      </dgm:t>
+    </dgm:pt>
+    <dgm:pt modelId="{42FC2971-BAF2-42CD-B778-2C2C752858B3}" type="parTrans" cxnId="{C3AC6445-67A8-46A5-9BCD-B4E420B316DE}">
+      <dgm:prSet/>
+      <dgm:spPr/>
+      <dgm:t>
+        <a:bodyPr/>
+        <a:lstStyle/>
+        <a:p>
+          <a:endParaRPr lang="en-GB"/>
+        </a:p>
+      </dgm:t>
+    </dgm:pt>
+    <dgm:pt modelId="{3FCE4683-F2C5-4E24-B7A3-E450F144D21F}" type="sibTrans" cxnId="{C3AC6445-67A8-46A5-9BCD-B4E420B316DE}">
+      <dgm:prSet/>
+      <dgm:spPr/>
+      <dgm:t>
+        <a:bodyPr/>
+        <a:lstStyle/>
+        <a:p>
+          <a:endParaRPr lang="en-GB"/>
+        </a:p>
+      </dgm:t>
+    </dgm:pt>
+    <dgm:pt modelId="{5CDD8A0E-4C24-49B5-AC4A-24233057612F}">
+      <dgm:prSet phldrT="[Text]" phldr="0"/>
+      <dgm:spPr/>
+      <dgm:t>
+        <a:bodyPr/>
+        <a:lstStyle/>
+        <a:p>
+          <a:r>
+            <a:rPr lang="en-GB"/>
+            <a:t>SDK Integration</a:t>
+          </a:r>
+        </a:p>
+      </dgm:t>
+    </dgm:pt>
+    <dgm:pt modelId="{C2F1AE4B-D3C7-4CE7-B9B9-E71A1A8402B4}" type="parTrans" cxnId="{2301FB98-2F63-4FB1-A209-311A48B37DAC}">
+      <dgm:prSet/>
+      <dgm:spPr/>
+      <dgm:t>
+        <a:bodyPr/>
+        <a:lstStyle/>
+        <a:p>
+          <a:endParaRPr lang="en-GB"/>
+        </a:p>
+      </dgm:t>
+    </dgm:pt>
+    <dgm:pt modelId="{7B48A66A-C4D1-4277-9CE0-2F27BF5902FC}" type="sibTrans" cxnId="{2301FB98-2F63-4FB1-A209-311A48B37DAC}">
+      <dgm:prSet/>
+      <dgm:spPr/>
+      <dgm:t>
+        <a:bodyPr/>
+        <a:lstStyle/>
+        <a:p>
+          <a:endParaRPr lang="en-GB"/>
+        </a:p>
+      </dgm:t>
+    </dgm:pt>
+    <dgm:pt modelId="{465A7C71-491C-44EC-AC34-DDE7C03B5A82}">
+      <dgm:prSet phldrT="[Text]" phldr="0"/>
+      <dgm:spPr/>
+      <dgm:t>
+        <a:bodyPr/>
+        <a:lstStyle/>
+        <a:p>
+          <a:r>
+            <a:rPr lang="en-GB"/>
+            <a:t>Agent Registry &amp; Management</a:t>
+          </a:r>
+        </a:p>
+      </dgm:t>
+    </dgm:pt>
+    <dgm:pt modelId="{FA6E396E-3FDA-46BF-922E-91B93B69AD45}" type="parTrans" cxnId="{AF1E3FF0-CB11-44BA-A415-B2FF58BE1CE9}">
+      <dgm:prSet/>
+      <dgm:spPr/>
+      <dgm:t>
+        <a:bodyPr/>
+        <a:lstStyle/>
+        <a:p>
+          <a:endParaRPr lang="en-GB"/>
+        </a:p>
+      </dgm:t>
+    </dgm:pt>
+    <dgm:pt modelId="{4E18F5A7-F31F-4D89-8C0B-39E70473B1A1}" type="sibTrans" cxnId="{AF1E3FF0-CB11-44BA-A415-B2FF58BE1CE9}">
+      <dgm:prSet/>
+      <dgm:spPr/>
+      <dgm:t>
+        <a:bodyPr/>
+        <a:lstStyle/>
+        <a:p>
+          <a:endParaRPr lang="en-GB"/>
+        </a:p>
+      </dgm:t>
+    </dgm:pt>
+    <dgm:pt modelId="{9700EF7F-B367-4A8F-8AC2-A122C78B5A05}">
+      <dgm:prSet phldrT="[Text]" phldr="0"/>
+      <dgm:spPr/>
+      <dgm:t>
+        <a:bodyPr/>
+        <a:lstStyle/>
+        <a:p>
+          <a:r>
+            <a:rPr lang="en-GB" dirty="0"/>
+            <a:t>Governance &amp; Compliance</a:t>
+          </a:r>
+        </a:p>
+      </dgm:t>
+    </dgm:pt>
+    <dgm:pt modelId="{D9E5BF65-EAE7-4ABF-85C5-9C55795FFBAA}" type="parTrans" cxnId="{C34CA4E4-DEB4-4F1E-86F8-9617DB3B1E0F}">
+      <dgm:prSet/>
+      <dgm:spPr/>
+      <dgm:t>
+        <a:bodyPr/>
+        <a:lstStyle/>
+        <a:p>
+          <a:endParaRPr lang="en-GB"/>
+        </a:p>
+      </dgm:t>
+    </dgm:pt>
+    <dgm:pt modelId="{161351D5-6C76-4B43-89FF-EF8911D3BE44}" type="sibTrans" cxnId="{C34CA4E4-DEB4-4F1E-86F8-9617DB3B1E0F}">
+      <dgm:prSet/>
+      <dgm:spPr/>
+      <dgm:t>
+        <a:bodyPr/>
+        <a:lstStyle/>
+        <a:p>
+          <a:endParaRPr lang="en-GB"/>
+        </a:p>
+      </dgm:t>
+    </dgm:pt>
+    <dgm:pt modelId="{8C853136-40C2-4A46-B825-598C254F447C}" type="pres">
+      <dgm:prSet presAssocID="{0954713E-F94D-40E1-BE26-D6D0575DC412}" presName="Name0" presStyleCnt="0">
+        <dgm:presLayoutVars>
+          <dgm:chMax val="1"/>
+          <dgm:dir/>
+          <dgm:animLvl val="ctr"/>
+          <dgm:resizeHandles val="exact"/>
+        </dgm:presLayoutVars>
+      </dgm:prSet>
+      <dgm:spPr/>
+    </dgm:pt>
+    <dgm:pt modelId="{9597B841-FEE3-4589-8F91-0958B82A70EA}" type="pres">
+      <dgm:prSet presAssocID="{6740D200-169F-4B95-A4F8-C875E39976FC}" presName="centerShape" presStyleLbl="node0" presStyleIdx="0" presStyleCnt="1"/>
+      <dgm:spPr/>
+    </dgm:pt>
+    <dgm:pt modelId="{F8DABDC8-5490-405F-843F-72A0D5C35C82}" type="pres">
+      <dgm:prSet presAssocID="{F9EA5804-75D7-4589-87DC-7B52FC0CB6F7}" presName="node" presStyleLbl="node1" presStyleIdx="0" presStyleCnt="5">
+        <dgm:presLayoutVars>
+          <dgm:bulletEnabled val="1"/>
+        </dgm:presLayoutVars>
+      </dgm:prSet>
+      <dgm:spPr/>
+    </dgm:pt>
+    <dgm:pt modelId="{81F7E28F-14A3-4FF2-8772-AE4DEAF6B8C2}" type="pres">
+      <dgm:prSet presAssocID="{F9EA5804-75D7-4589-87DC-7B52FC0CB6F7}" presName="dummy" presStyleCnt="0"/>
+      <dgm:spPr/>
+    </dgm:pt>
+    <dgm:pt modelId="{B40D2BC0-6D4B-4E7F-8BA1-944FA3DC13A3}" type="pres">
+      <dgm:prSet presAssocID="{C5C5B3AD-60A9-4862-BBF9-599038AA4690}" presName="sibTrans" presStyleLbl="sibTrans2D1" presStyleIdx="0" presStyleCnt="5"/>
+      <dgm:spPr/>
+    </dgm:pt>
+    <dgm:pt modelId="{D1E02384-0169-46AD-98FB-05AD65659C9C}" type="pres">
+      <dgm:prSet presAssocID="{58A2D1D0-76C6-4C4B-8BA3-61CF862FEB6D}" presName="node" presStyleLbl="node1" presStyleIdx="1" presStyleCnt="5">
+        <dgm:presLayoutVars>
+          <dgm:bulletEnabled val="1"/>
+        </dgm:presLayoutVars>
+      </dgm:prSet>
+      <dgm:spPr/>
+    </dgm:pt>
+    <dgm:pt modelId="{F159931A-20FC-4BDD-BD37-338C0D9A5A31}" type="pres">
+      <dgm:prSet presAssocID="{58A2D1D0-76C6-4C4B-8BA3-61CF862FEB6D}" presName="dummy" presStyleCnt="0"/>
+      <dgm:spPr/>
+    </dgm:pt>
+    <dgm:pt modelId="{102308AE-900C-4D1B-96EC-A251A7E36D37}" type="pres">
+      <dgm:prSet presAssocID="{3FCE4683-F2C5-4E24-B7A3-E450F144D21F}" presName="sibTrans" presStyleLbl="sibTrans2D1" presStyleIdx="1" presStyleCnt="5"/>
+      <dgm:spPr/>
+    </dgm:pt>
+    <dgm:pt modelId="{C80B23AD-A6CD-4A9B-B3B4-6A3184440FC6}" type="pres">
+      <dgm:prSet presAssocID="{5CDD8A0E-4C24-49B5-AC4A-24233057612F}" presName="node" presStyleLbl="node1" presStyleIdx="2" presStyleCnt="5">
+        <dgm:presLayoutVars>
+          <dgm:bulletEnabled val="1"/>
+        </dgm:presLayoutVars>
+      </dgm:prSet>
+      <dgm:spPr/>
+    </dgm:pt>
+    <dgm:pt modelId="{BAF8A435-0A52-4844-A035-358DEED1881F}" type="pres">
+      <dgm:prSet presAssocID="{5CDD8A0E-4C24-49B5-AC4A-24233057612F}" presName="dummy" presStyleCnt="0"/>
+      <dgm:spPr/>
+    </dgm:pt>
+    <dgm:pt modelId="{21C97AC8-3AE4-4E7C-926F-01F731158CDF}" type="pres">
+      <dgm:prSet presAssocID="{7B48A66A-C4D1-4277-9CE0-2F27BF5902FC}" presName="sibTrans" presStyleLbl="sibTrans2D1" presStyleIdx="2" presStyleCnt="5"/>
+      <dgm:spPr/>
+    </dgm:pt>
+    <dgm:pt modelId="{F3BF6040-0747-4C65-A869-BF9210804B1B}" type="pres">
+      <dgm:prSet presAssocID="{465A7C71-491C-44EC-AC34-DDE7C03B5A82}" presName="node" presStyleLbl="node1" presStyleIdx="3" presStyleCnt="5">
+        <dgm:presLayoutVars>
+          <dgm:bulletEnabled val="1"/>
+        </dgm:presLayoutVars>
+      </dgm:prSet>
+      <dgm:spPr/>
+    </dgm:pt>
+    <dgm:pt modelId="{259174BF-D4F0-4D3C-B77B-56991DA56FD3}" type="pres">
+      <dgm:prSet presAssocID="{465A7C71-491C-44EC-AC34-DDE7C03B5A82}" presName="dummy" presStyleCnt="0"/>
+      <dgm:spPr/>
+    </dgm:pt>
+    <dgm:pt modelId="{A723C84B-5751-4923-8546-8DDD849C02E2}" type="pres">
+      <dgm:prSet presAssocID="{4E18F5A7-F31F-4D89-8C0B-39E70473B1A1}" presName="sibTrans" presStyleLbl="sibTrans2D1" presStyleIdx="3" presStyleCnt="5"/>
+      <dgm:spPr/>
+    </dgm:pt>
+    <dgm:pt modelId="{8FCD929E-76CC-486B-9108-EFE50C3933B8}" type="pres">
+      <dgm:prSet presAssocID="{9700EF7F-B367-4A8F-8AC2-A122C78B5A05}" presName="node" presStyleLbl="node1" presStyleIdx="4" presStyleCnt="5">
+        <dgm:presLayoutVars>
+          <dgm:bulletEnabled val="1"/>
+        </dgm:presLayoutVars>
+      </dgm:prSet>
+      <dgm:spPr/>
+    </dgm:pt>
+    <dgm:pt modelId="{CCF60AD0-7AF9-4809-97D8-A3B111750186}" type="pres">
+      <dgm:prSet presAssocID="{9700EF7F-B367-4A8F-8AC2-A122C78B5A05}" presName="dummy" presStyleCnt="0"/>
+      <dgm:spPr/>
+    </dgm:pt>
+    <dgm:pt modelId="{835353A7-A156-46CE-9079-B4CDB9A843D2}" type="pres">
+      <dgm:prSet presAssocID="{161351D5-6C76-4B43-89FF-EF8911D3BE44}" presName="sibTrans" presStyleLbl="sibTrans2D1" presStyleIdx="4" presStyleCnt="5"/>
+      <dgm:spPr/>
+    </dgm:pt>
+  </dgm:ptLst>
+  <dgm:cxnLst>
+    <dgm:cxn modelId="{A372CF04-2AF2-4580-9413-D203FC8C1CF8}" type="presOf" srcId="{9700EF7F-B367-4A8F-8AC2-A122C78B5A05}" destId="{8FCD929E-76CC-486B-9108-EFE50C3933B8}" srcOrd="0" destOrd="0" presId="urn:microsoft.com/office/officeart/2005/8/layout/radial6"/>
+    <dgm:cxn modelId="{E47E7310-FF18-4E03-B098-B1F0DEBB37AC}" type="presOf" srcId="{6740D200-169F-4B95-A4F8-C875E39976FC}" destId="{9597B841-FEE3-4589-8F91-0958B82A70EA}" srcOrd="0" destOrd="0" presId="urn:microsoft.com/office/officeart/2005/8/layout/radial6"/>
+    <dgm:cxn modelId="{260B4932-2141-4359-8764-3FB7500DA55A}" srcId="{6740D200-169F-4B95-A4F8-C875E39976FC}" destId="{F9EA5804-75D7-4589-87DC-7B52FC0CB6F7}" srcOrd="0" destOrd="0" parTransId="{7D33035F-26C7-4DEC-A544-C59E3FCEB19C}" sibTransId="{C5C5B3AD-60A9-4862-BBF9-599038AA4690}"/>
+    <dgm:cxn modelId="{E747BD5D-CCF9-48CE-B607-E6B3E2DDADC2}" type="presOf" srcId="{58A2D1D0-76C6-4C4B-8BA3-61CF862FEB6D}" destId="{D1E02384-0169-46AD-98FB-05AD65659C9C}" srcOrd="0" destOrd="0" presId="urn:microsoft.com/office/officeart/2005/8/layout/radial6"/>
+    <dgm:cxn modelId="{C3AC6445-67A8-46A5-9BCD-B4E420B316DE}" srcId="{6740D200-169F-4B95-A4F8-C875E39976FC}" destId="{58A2D1D0-76C6-4C4B-8BA3-61CF862FEB6D}" srcOrd="1" destOrd="0" parTransId="{42FC2971-BAF2-42CD-B778-2C2C752858B3}" sibTransId="{3FCE4683-F2C5-4E24-B7A3-E450F144D21F}"/>
+    <dgm:cxn modelId="{C77E508B-3EDB-4345-AE4C-BAAFF6157909}" type="presOf" srcId="{161351D5-6C76-4B43-89FF-EF8911D3BE44}" destId="{835353A7-A156-46CE-9079-B4CDB9A843D2}" srcOrd="0" destOrd="0" presId="urn:microsoft.com/office/officeart/2005/8/layout/radial6"/>
+    <dgm:cxn modelId="{EF965396-0EC5-4837-B6FB-01CEF68B7AC2}" type="presOf" srcId="{7B48A66A-C4D1-4277-9CE0-2F27BF5902FC}" destId="{21C97AC8-3AE4-4E7C-926F-01F731158CDF}" srcOrd="0" destOrd="0" presId="urn:microsoft.com/office/officeart/2005/8/layout/radial6"/>
+    <dgm:cxn modelId="{2301FB98-2F63-4FB1-A209-311A48B37DAC}" srcId="{6740D200-169F-4B95-A4F8-C875E39976FC}" destId="{5CDD8A0E-4C24-49B5-AC4A-24233057612F}" srcOrd="2" destOrd="0" parTransId="{C2F1AE4B-D3C7-4CE7-B9B9-E71A1A8402B4}" sibTransId="{7B48A66A-C4D1-4277-9CE0-2F27BF5902FC}"/>
+    <dgm:cxn modelId="{806B9EA2-E357-45A2-A873-7F02D5666F40}" type="presOf" srcId="{5CDD8A0E-4C24-49B5-AC4A-24233057612F}" destId="{C80B23AD-A6CD-4A9B-B3B4-6A3184440FC6}" srcOrd="0" destOrd="0" presId="urn:microsoft.com/office/officeart/2005/8/layout/radial6"/>
+    <dgm:cxn modelId="{DB3613A7-FA72-4CE2-90E8-F702E94FAFA9}" type="presOf" srcId="{4E18F5A7-F31F-4D89-8C0B-39E70473B1A1}" destId="{A723C84B-5751-4923-8546-8DDD849C02E2}" srcOrd="0" destOrd="0" presId="urn:microsoft.com/office/officeart/2005/8/layout/radial6"/>
+    <dgm:cxn modelId="{FDD83EC5-64FD-4EBF-BA89-7D12ECA30AF1}" srcId="{0954713E-F94D-40E1-BE26-D6D0575DC412}" destId="{6740D200-169F-4B95-A4F8-C875E39976FC}" srcOrd="0" destOrd="0" parTransId="{A6AB8C66-E407-40F0-90F9-61B70CB75E80}" sibTransId="{DF78A940-0C2D-4481-8AD6-2D79604DF99F}"/>
+    <dgm:cxn modelId="{7043D9D4-14A3-4D0C-BEDA-4F1BDDA4B1EB}" type="presOf" srcId="{F9EA5804-75D7-4589-87DC-7B52FC0CB6F7}" destId="{F8DABDC8-5490-405F-843F-72A0D5C35C82}" srcOrd="0" destOrd="0" presId="urn:microsoft.com/office/officeart/2005/8/layout/radial6"/>
+    <dgm:cxn modelId="{4B166BD7-9224-41BA-80E6-2C1256C4CAE1}" type="presOf" srcId="{3FCE4683-F2C5-4E24-B7A3-E450F144D21F}" destId="{102308AE-900C-4D1B-96EC-A251A7E36D37}" srcOrd="0" destOrd="0" presId="urn:microsoft.com/office/officeart/2005/8/layout/radial6"/>
+    <dgm:cxn modelId="{B436C2DC-39BE-4C7F-BA39-38CF7D3F2353}" type="presOf" srcId="{465A7C71-491C-44EC-AC34-DDE7C03B5A82}" destId="{F3BF6040-0747-4C65-A869-BF9210804B1B}" srcOrd="0" destOrd="0" presId="urn:microsoft.com/office/officeart/2005/8/layout/radial6"/>
+    <dgm:cxn modelId="{C34CA4E4-DEB4-4F1E-86F8-9617DB3B1E0F}" srcId="{6740D200-169F-4B95-A4F8-C875E39976FC}" destId="{9700EF7F-B367-4A8F-8AC2-A122C78B5A05}" srcOrd="4" destOrd="0" parTransId="{D9E5BF65-EAE7-4ABF-85C5-9C55795FFBAA}" sibTransId="{161351D5-6C76-4B43-89FF-EF8911D3BE44}"/>
+    <dgm:cxn modelId="{AF1E3FF0-CB11-44BA-A415-B2FF58BE1CE9}" srcId="{6740D200-169F-4B95-A4F8-C875E39976FC}" destId="{465A7C71-491C-44EC-AC34-DDE7C03B5A82}" srcOrd="3" destOrd="0" parTransId="{FA6E396E-3FDA-46BF-922E-91B93B69AD45}" sibTransId="{4E18F5A7-F31F-4D89-8C0B-39E70473B1A1}"/>
+    <dgm:cxn modelId="{B8F816FB-42AE-456F-8DAC-BD71838C0006}" type="presOf" srcId="{0954713E-F94D-40E1-BE26-D6D0575DC412}" destId="{8C853136-40C2-4A46-B825-598C254F447C}" srcOrd="0" destOrd="0" presId="urn:microsoft.com/office/officeart/2005/8/layout/radial6"/>
+    <dgm:cxn modelId="{5641A3FC-6783-4009-8FD4-62F566D67353}" type="presOf" srcId="{C5C5B3AD-60A9-4862-BBF9-599038AA4690}" destId="{B40D2BC0-6D4B-4E7F-8BA1-944FA3DC13A3}" srcOrd="0" destOrd="0" presId="urn:microsoft.com/office/officeart/2005/8/layout/radial6"/>
+    <dgm:cxn modelId="{000929E3-9C3A-4CC7-9A85-167C83875A79}" type="presParOf" srcId="{8C853136-40C2-4A46-B825-598C254F447C}" destId="{9597B841-FEE3-4589-8F91-0958B82A70EA}" srcOrd="0" destOrd="0" presId="urn:microsoft.com/office/officeart/2005/8/layout/radial6"/>
+    <dgm:cxn modelId="{11C4FA2C-8EC6-40CB-9948-F251ED600B58}" type="presParOf" srcId="{8C853136-40C2-4A46-B825-598C254F447C}" destId="{F8DABDC8-5490-405F-843F-72A0D5C35C82}" srcOrd="1" destOrd="0" presId="urn:microsoft.com/office/officeart/2005/8/layout/radial6"/>
+    <dgm:cxn modelId="{AF4C947D-B9A8-4346-8531-74AFCEDEA9FD}" type="presParOf" srcId="{8C853136-40C2-4A46-B825-598C254F447C}" destId="{81F7E28F-14A3-4FF2-8772-AE4DEAF6B8C2}" srcOrd="2" destOrd="0" presId="urn:microsoft.com/office/officeart/2005/8/layout/radial6"/>
+    <dgm:cxn modelId="{7BECFB34-374D-4597-83B2-E4FE1D3CF4C5}" type="presParOf" srcId="{8C853136-40C2-4A46-B825-598C254F447C}" destId="{B40D2BC0-6D4B-4E7F-8BA1-944FA3DC13A3}" srcOrd="3" destOrd="0" presId="urn:microsoft.com/office/officeart/2005/8/layout/radial6"/>
+    <dgm:cxn modelId="{FA216BB1-14AE-4C2A-B47A-72AEEBD1A95E}" type="presParOf" srcId="{8C853136-40C2-4A46-B825-598C254F447C}" destId="{D1E02384-0169-46AD-98FB-05AD65659C9C}" srcOrd="4" destOrd="0" presId="urn:microsoft.com/office/officeart/2005/8/layout/radial6"/>
+    <dgm:cxn modelId="{599C25EF-AB73-435E-A1D9-01C9E9C3A64A}" type="presParOf" srcId="{8C853136-40C2-4A46-B825-598C254F447C}" destId="{F159931A-20FC-4BDD-BD37-338C0D9A5A31}" srcOrd="5" destOrd="0" presId="urn:microsoft.com/office/officeart/2005/8/layout/radial6"/>
+    <dgm:cxn modelId="{3B1E28C0-6716-4731-8816-49D34ABDFA29}" type="presParOf" srcId="{8C853136-40C2-4A46-B825-598C254F447C}" destId="{102308AE-900C-4D1B-96EC-A251A7E36D37}" srcOrd="6" destOrd="0" presId="urn:microsoft.com/office/officeart/2005/8/layout/radial6"/>
+    <dgm:cxn modelId="{AC135109-000B-4BCF-BAD4-8577858B6B48}" type="presParOf" srcId="{8C853136-40C2-4A46-B825-598C254F447C}" destId="{C80B23AD-A6CD-4A9B-B3B4-6A3184440FC6}" srcOrd="7" destOrd="0" presId="urn:microsoft.com/office/officeart/2005/8/layout/radial6"/>
+    <dgm:cxn modelId="{01C9D21C-595C-4156-8759-B0D582687FC9}" type="presParOf" srcId="{8C853136-40C2-4A46-B825-598C254F447C}" destId="{BAF8A435-0A52-4844-A035-358DEED1881F}" srcOrd="8" destOrd="0" presId="urn:microsoft.com/office/officeart/2005/8/layout/radial6"/>
+    <dgm:cxn modelId="{A481F75B-49F2-473B-A1EA-10CA82F7FA0F}" type="presParOf" srcId="{8C853136-40C2-4A46-B825-598C254F447C}" destId="{21C97AC8-3AE4-4E7C-926F-01F731158CDF}" srcOrd="9" destOrd="0" presId="urn:microsoft.com/office/officeart/2005/8/layout/radial6"/>
+    <dgm:cxn modelId="{CD4031D1-EF20-4357-A911-D9DA679C2B84}" type="presParOf" srcId="{8C853136-40C2-4A46-B825-598C254F447C}" destId="{F3BF6040-0747-4C65-A869-BF9210804B1B}" srcOrd="10" destOrd="0" presId="urn:microsoft.com/office/officeart/2005/8/layout/radial6"/>
+    <dgm:cxn modelId="{92B0E02F-8938-4023-92D8-F8722D366D50}" type="presParOf" srcId="{8C853136-40C2-4A46-B825-598C254F447C}" destId="{259174BF-D4F0-4D3C-B77B-56991DA56FD3}" srcOrd="11" destOrd="0" presId="urn:microsoft.com/office/officeart/2005/8/layout/radial6"/>
+    <dgm:cxn modelId="{20F82D02-08AD-4C66-A988-B97265271020}" type="presParOf" srcId="{8C853136-40C2-4A46-B825-598C254F447C}" destId="{A723C84B-5751-4923-8546-8DDD849C02E2}" srcOrd="12" destOrd="0" presId="urn:microsoft.com/office/officeart/2005/8/layout/radial6"/>
+    <dgm:cxn modelId="{0E1E87BC-9098-46B9-9751-C9C2A1BBC0CB}" type="presParOf" srcId="{8C853136-40C2-4A46-B825-598C254F447C}" destId="{8FCD929E-76CC-486B-9108-EFE50C3933B8}" srcOrd="13" destOrd="0" presId="urn:microsoft.com/office/officeart/2005/8/layout/radial6"/>
+    <dgm:cxn modelId="{DC0AB496-769D-4B0E-9402-C07EB50578A3}" type="presParOf" srcId="{8C853136-40C2-4A46-B825-598C254F447C}" destId="{CCF60AD0-7AF9-4809-97D8-A3B111750186}" srcOrd="14" destOrd="0" presId="urn:microsoft.com/office/officeart/2005/8/layout/radial6"/>
+    <dgm:cxn modelId="{9E2AFA54-51C6-4EAB-A8DF-52BFA0D2A36F}" type="presParOf" srcId="{8C853136-40C2-4A46-B825-598C254F447C}" destId="{835353A7-A156-46CE-9079-B4CDB9A843D2}" srcOrd="15" destOrd="0" presId="urn:microsoft.com/office/officeart/2005/8/layout/radial6"/>
+  </dgm:cxnLst>
+  <dgm:bg/>
+  <dgm:whole/>
+  <dgm:extLst>
+    <a:ext uri="http://schemas.microsoft.com/office/drawing/2008/diagram">
+      <dsp:dataModelExt xmlns:dsp="http://schemas.microsoft.com/office/drawing/2008/diagram" relId="rId6" minVer="http://schemas.openxmlformats.org/drawingml/2006/diagram"/>
+    </a:ext>
+  </dgm:extLst>
+</dgm:dataModel>
+</file>
+
 <file path=ppt/diagrams/drawing1.xml><?xml version="1.0" encoding="utf-8"?>
 <dsp:drawing xmlns:dgm="http://schemas.openxmlformats.org/drawingml/2006/diagram" xmlns:dsp="http://schemas.microsoft.com/office/drawing/2008/diagram" xmlns:a="http://schemas.openxmlformats.org/drawingml/2006/main">
   <dsp:spTree>
@@ -4795,1039 +4597,6 @@
       </dsp:nvSpPr>
       <dsp:spPr>
         <a:xfrm rot="5400000">
-          <a:off x="-114970" y="736073"/>
-          <a:ext cx="530706" cy="64863"/>
-        </a:xfrm>
-        <a:prstGeom prst="rect">
-          <a:avLst/>
-        </a:prstGeom>
-        <a:solidFill>
-          <a:schemeClr val="accent2">
-            <a:hueOff val="0"/>
-            <a:satOff val="0"/>
-            <a:lumOff val="0"/>
-            <a:alphaOff val="0"/>
-          </a:schemeClr>
-        </a:solidFill>
-        <a:ln>
-          <a:noFill/>
-        </a:ln>
-        <a:effectLst/>
-      </dsp:spPr>
-      <dsp:style>
-        <a:lnRef idx="0">
-          <a:scrgbClr r="0" g="0" b="0"/>
-        </a:lnRef>
-        <a:fillRef idx="1">
-          <a:scrgbClr r="0" g="0" b="0"/>
-        </a:fillRef>
-        <a:effectRef idx="0">
-          <a:scrgbClr r="0" g="0" b="0"/>
-        </a:effectRef>
-        <a:fontRef idx="minor">
-          <a:schemeClr val="lt1"/>
-        </a:fontRef>
-      </dsp:style>
-    </dsp:sp>
-    <dsp:sp modelId="{2B0F6904-8B5A-40A1-8199-8102826DEF30}">
-      <dsp:nvSpPr>
-        <dsp:cNvPr id="0" name=""/>
-        <dsp:cNvSpPr/>
-      </dsp:nvSpPr>
-      <dsp:spPr>
-        <a:xfrm>
-          <a:off x="1327" y="388822"/>
-          <a:ext cx="720710" cy="432426"/>
-        </a:xfrm>
-        <a:prstGeom prst="roundRect">
-          <a:avLst>
-            <a:gd name="adj" fmla="val 10000"/>
-          </a:avLst>
-        </a:prstGeom>
-        <a:solidFill>
-          <a:schemeClr val="accent2">
-            <a:hueOff val="0"/>
-            <a:satOff val="0"/>
-            <a:lumOff val="0"/>
-            <a:alphaOff val="0"/>
-          </a:schemeClr>
-        </a:solidFill>
-        <a:ln w="19050" cap="flat" cmpd="sng" algn="ctr">
-          <a:solidFill>
-            <a:schemeClr val="lt1">
-              <a:hueOff val="0"/>
-              <a:satOff val="0"/>
-              <a:lumOff val="0"/>
-              <a:alphaOff val="0"/>
-            </a:schemeClr>
-          </a:solidFill>
-          <a:prstDash val="solid"/>
-          <a:miter lim="800000"/>
-        </a:ln>
-        <a:effectLst/>
-      </dsp:spPr>
-      <dsp:style>
-        <a:lnRef idx="2">
-          <a:scrgbClr r="0" g="0" b="0"/>
-        </a:lnRef>
-        <a:fillRef idx="1">
-          <a:scrgbClr r="0" g="0" b="0"/>
-        </a:fillRef>
-        <a:effectRef idx="0">
-          <a:scrgbClr r="0" g="0" b="0"/>
-        </a:effectRef>
-        <a:fontRef idx="minor">
-          <a:schemeClr val="lt1"/>
-        </a:fontRef>
-      </dsp:style>
-      <dsp:txBody>
-        <a:bodyPr spcFirstLastPara="0" vert="horz" wrap="square" lIns="68580" tIns="68580" rIns="68580" bIns="68580" numCol="1" spcCol="1270" anchor="ctr" anchorCtr="0">
-          <a:noAutofit/>
-        </a:bodyPr>
-        <a:lstStyle/>
-        <a:p>
-          <a:pPr marL="0" lvl="0" indent="0" algn="ctr" defTabSz="800100">
-            <a:lnSpc>
-              <a:spcPct val="90000"/>
-            </a:lnSpc>
-            <a:spcBef>
-              <a:spcPct val="0"/>
-            </a:spcBef>
-            <a:spcAft>
-              <a:spcPct val="35000"/>
-            </a:spcAft>
-            <a:buNone/>
-          </a:pPr>
-          <a:endParaRPr lang="en-GB" sz="1800" kern="1200"/>
-        </a:p>
-      </dsp:txBody>
-      <dsp:txXfrm>
-        <a:off x="13992" y="401487"/>
-        <a:ext cx="695380" cy="407096"/>
-      </dsp:txXfrm>
-    </dsp:sp>
-    <dsp:sp modelId="{112A9778-3042-4E58-9634-255165A08F21}">
-      <dsp:nvSpPr>
-        <dsp:cNvPr id="0" name=""/>
-        <dsp:cNvSpPr/>
-      </dsp:nvSpPr>
-      <dsp:spPr>
-        <a:xfrm rot="5400000">
-          <a:off x="-114970" y="1276605"/>
-          <a:ext cx="530706" cy="64863"/>
-        </a:xfrm>
-        <a:prstGeom prst="rect">
-          <a:avLst/>
-        </a:prstGeom>
-        <a:solidFill>
-          <a:schemeClr val="accent3">
-            <a:hueOff val="0"/>
-            <a:satOff val="0"/>
-            <a:lumOff val="0"/>
-            <a:alphaOff val="0"/>
-          </a:schemeClr>
-        </a:solidFill>
-        <a:ln>
-          <a:noFill/>
-        </a:ln>
-        <a:effectLst/>
-      </dsp:spPr>
-      <dsp:style>
-        <a:lnRef idx="0">
-          <a:scrgbClr r="0" g="0" b="0"/>
-        </a:lnRef>
-        <a:fillRef idx="1">
-          <a:scrgbClr r="0" g="0" b="0"/>
-        </a:fillRef>
-        <a:effectRef idx="0">
-          <a:scrgbClr r="0" g="0" b="0"/>
-        </a:effectRef>
-        <a:fontRef idx="minor">
-          <a:schemeClr val="lt1"/>
-        </a:fontRef>
-      </dsp:style>
-    </dsp:sp>
-    <dsp:sp modelId="{48D19635-5C29-4C1E-BDEC-E6C510018EE1}">
-      <dsp:nvSpPr>
-        <dsp:cNvPr id="0" name=""/>
-        <dsp:cNvSpPr/>
-      </dsp:nvSpPr>
-      <dsp:spPr>
-        <a:xfrm>
-          <a:off x="1327" y="929355"/>
-          <a:ext cx="720710" cy="432426"/>
-        </a:xfrm>
-        <a:prstGeom prst="roundRect">
-          <a:avLst>
-            <a:gd name="adj" fmla="val 10000"/>
-          </a:avLst>
-        </a:prstGeom>
-        <a:solidFill>
-          <a:schemeClr val="accent3">
-            <a:hueOff val="0"/>
-            <a:satOff val="0"/>
-            <a:lumOff val="0"/>
-            <a:alphaOff val="0"/>
-          </a:schemeClr>
-        </a:solidFill>
-        <a:ln w="19050" cap="flat" cmpd="sng" algn="ctr">
-          <a:solidFill>
-            <a:schemeClr val="lt1">
-              <a:hueOff val="0"/>
-              <a:satOff val="0"/>
-              <a:lumOff val="0"/>
-              <a:alphaOff val="0"/>
-            </a:schemeClr>
-          </a:solidFill>
-          <a:prstDash val="solid"/>
-          <a:miter lim="800000"/>
-        </a:ln>
-        <a:effectLst/>
-      </dsp:spPr>
-      <dsp:style>
-        <a:lnRef idx="2">
-          <a:scrgbClr r="0" g="0" b="0"/>
-        </a:lnRef>
-        <a:fillRef idx="1">
-          <a:scrgbClr r="0" g="0" b="0"/>
-        </a:fillRef>
-        <a:effectRef idx="0">
-          <a:scrgbClr r="0" g="0" b="0"/>
-        </a:effectRef>
-        <a:fontRef idx="minor">
-          <a:schemeClr val="lt1"/>
-        </a:fontRef>
-      </dsp:style>
-      <dsp:txBody>
-        <a:bodyPr spcFirstLastPara="0" vert="horz" wrap="square" lIns="68580" tIns="68580" rIns="68580" bIns="68580" numCol="1" spcCol="1270" anchor="ctr" anchorCtr="0">
-          <a:noAutofit/>
-        </a:bodyPr>
-        <a:lstStyle/>
-        <a:p>
-          <a:pPr marL="0" lvl="0" indent="0" algn="ctr" defTabSz="800100">
-            <a:lnSpc>
-              <a:spcPct val="90000"/>
-            </a:lnSpc>
-            <a:spcBef>
-              <a:spcPct val="0"/>
-            </a:spcBef>
-            <a:spcAft>
-              <a:spcPct val="35000"/>
-            </a:spcAft>
-            <a:buNone/>
-          </a:pPr>
-          <a:endParaRPr lang="en-GB" sz="1800" kern="1200"/>
-        </a:p>
-      </dsp:txBody>
-      <dsp:txXfrm>
-        <a:off x="13992" y="942020"/>
-        <a:ext cx="695380" cy="407096"/>
-      </dsp:txXfrm>
-    </dsp:sp>
-    <dsp:sp modelId="{9FE9E2DD-2F89-4CA1-8436-053DF80DBFFD}">
-      <dsp:nvSpPr>
-        <dsp:cNvPr id="0" name=""/>
-        <dsp:cNvSpPr/>
-      </dsp:nvSpPr>
-      <dsp:spPr>
-        <a:xfrm>
-          <a:off x="155296" y="1546872"/>
-          <a:ext cx="948718" cy="64863"/>
-        </a:xfrm>
-        <a:prstGeom prst="rect">
-          <a:avLst/>
-        </a:prstGeom>
-        <a:solidFill>
-          <a:schemeClr val="accent4">
-            <a:hueOff val="0"/>
-            <a:satOff val="0"/>
-            <a:lumOff val="0"/>
-            <a:alphaOff val="0"/>
-          </a:schemeClr>
-        </a:solidFill>
-        <a:ln>
-          <a:noFill/>
-        </a:ln>
-        <a:effectLst/>
-      </dsp:spPr>
-      <dsp:style>
-        <a:lnRef idx="0">
-          <a:scrgbClr r="0" g="0" b="0"/>
-        </a:lnRef>
-        <a:fillRef idx="1">
-          <a:scrgbClr r="0" g="0" b="0"/>
-        </a:fillRef>
-        <a:effectRef idx="0">
-          <a:scrgbClr r="0" g="0" b="0"/>
-        </a:effectRef>
-        <a:fontRef idx="minor">
-          <a:schemeClr val="lt1"/>
-        </a:fontRef>
-      </dsp:style>
-    </dsp:sp>
-    <dsp:sp modelId="{C3BF0B37-9910-45D3-A50C-A350E65FEA84}">
-      <dsp:nvSpPr>
-        <dsp:cNvPr id="0" name=""/>
-        <dsp:cNvSpPr/>
-      </dsp:nvSpPr>
-      <dsp:spPr>
-        <a:xfrm>
-          <a:off x="1327" y="1469888"/>
-          <a:ext cx="720710" cy="432426"/>
-        </a:xfrm>
-        <a:prstGeom prst="roundRect">
-          <a:avLst>
-            <a:gd name="adj" fmla="val 10000"/>
-          </a:avLst>
-        </a:prstGeom>
-        <a:solidFill>
-          <a:schemeClr val="accent4">
-            <a:hueOff val="0"/>
-            <a:satOff val="0"/>
-            <a:lumOff val="0"/>
-            <a:alphaOff val="0"/>
-          </a:schemeClr>
-        </a:solidFill>
-        <a:ln w="19050" cap="flat" cmpd="sng" algn="ctr">
-          <a:solidFill>
-            <a:schemeClr val="lt1">
-              <a:hueOff val="0"/>
-              <a:satOff val="0"/>
-              <a:lumOff val="0"/>
-              <a:alphaOff val="0"/>
-            </a:schemeClr>
-          </a:solidFill>
-          <a:prstDash val="solid"/>
-          <a:miter lim="800000"/>
-        </a:ln>
-        <a:effectLst/>
-      </dsp:spPr>
-      <dsp:style>
-        <a:lnRef idx="2">
-          <a:scrgbClr r="0" g="0" b="0"/>
-        </a:lnRef>
-        <a:fillRef idx="1">
-          <a:scrgbClr r="0" g="0" b="0"/>
-        </a:fillRef>
-        <a:effectRef idx="0">
-          <a:scrgbClr r="0" g="0" b="0"/>
-        </a:effectRef>
-        <a:fontRef idx="minor">
-          <a:schemeClr val="lt1"/>
-        </a:fontRef>
-      </dsp:style>
-      <dsp:txBody>
-        <a:bodyPr spcFirstLastPara="0" vert="horz" wrap="square" lIns="68580" tIns="68580" rIns="68580" bIns="68580" numCol="1" spcCol="1270" anchor="ctr" anchorCtr="0">
-          <a:noAutofit/>
-        </a:bodyPr>
-        <a:lstStyle/>
-        <a:p>
-          <a:pPr marL="0" lvl="0" indent="0" algn="ctr" defTabSz="800100">
-            <a:lnSpc>
-              <a:spcPct val="90000"/>
-            </a:lnSpc>
-            <a:spcBef>
-              <a:spcPct val="0"/>
-            </a:spcBef>
-            <a:spcAft>
-              <a:spcPct val="35000"/>
-            </a:spcAft>
-            <a:buNone/>
-          </a:pPr>
-          <a:endParaRPr lang="en-GB" sz="1800" kern="1200"/>
-        </a:p>
-      </dsp:txBody>
-      <dsp:txXfrm>
-        <a:off x="13992" y="1482553"/>
-        <a:ext cx="695380" cy="407096"/>
-      </dsp:txXfrm>
-    </dsp:sp>
-    <dsp:sp modelId="{5F8FB28F-9392-497E-9FF6-F09CFE612AB3}">
-      <dsp:nvSpPr>
-        <dsp:cNvPr id="0" name=""/>
-        <dsp:cNvSpPr/>
-      </dsp:nvSpPr>
-      <dsp:spPr>
-        <a:xfrm rot="16200000">
-          <a:off x="843574" y="1276605"/>
-          <a:ext cx="530706" cy="64863"/>
-        </a:xfrm>
-        <a:prstGeom prst="rect">
-          <a:avLst/>
-        </a:prstGeom>
-        <a:solidFill>
-          <a:schemeClr val="accent5">
-            <a:hueOff val="0"/>
-            <a:satOff val="0"/>
-            <a:lumOff val="0"/>
-            <a:alphaOff val="0"/>
-          </a:schemeClr>
-        </a:solidFill>
-        <a:ln>
-          <a:noFill/>
-        </a:ln>
-        <a:effectLst/>
-      </dsp:spPr>
-      <dsp:style>
-        <a:lnRef idx="0">
-          <a:scrgbClr r="0" g="0" b="0"/>
-        </a:lnRef>
-        <a:fillRef idx="1">
-          <a:scrgbClr r="0" g="0" b="0"/>
-        </a:fillRef>
-        <a:effectRef idx="0">
-          <a:scrgbClr r="0" g="0" b="0"/>
-        </a:effectRef>
-        <a:fontRef idx="minor">
-          <a:schemeClr val="lt1"/>
-        </a:fontRef>
-      </dsp:style>
-    </dsp:sp>
-    <dsp:sp modelId="{DA28095B-732F-4690-B109-770CC3727C66}">
-      <dsp:nvSpPr>
-        <dsp:cNvPr id="0" name=""/>
-        <dsp:cNvSpPr/>
-      </dsp:nvSpPr>
-      <dsp:spPr>
-        <a:xfrm>
-          <a:off x="959872" y="1469888"/>
-          <a:ext cx="720710" cy="432426"/>
-        </a:xfrm>
-        <a:prstGeom prst="roundRect">
-          <a:avLst>
-            <a:gd name="adj" fmla="val 10000"/>
-          </a:avLst>
-        </a:prstGeom>
-        <a:solidFill>
-          <a:schemeClr val="accent5">
-            <a:hueOff val="0"/>
-            <a:satOff val="0"/>
-            <a:lumOff val="0"/>
-            <a:alphaOff val="0"/>
-          </a:schemeClr>
-        </a:solidFill>
-        <a:ln w="19050" cap="flat" cmpd="sng" algn="ctr">
-          <a:solidFill>
-            <a:schemeClr val="lt1">
-              <a:hueOff val="0"/>
-              <a:satOff val="0"/>
-              <a:lumOff val="0"/>
-              <a:alphaOff val="0"/>
-            </a:schemeClr>
-          </a:solidFill>
-          <a:prstDash val="solid"/>
-          <a:miter lim="800000"/>
-        </a:ln>
-        <a:effectLst/>
-      </dsp:spPr>
-      <dsp:style>
-        <a:lnRef idx="2">
-          <a:scrgbClr r="0" g="0" b="0"/>
-        </a:lnRef>
-        <a:fillRef idx="1">
-          <a:scrgbClr r="0" g="0" b="0"/>
-        </a:fillRef>
-        <a:effectRef idx="0">
-          <a:scrgbClr r="0" g="0" b="0"/>
-        </a:effectRef>
-        <a:fontRef idx="minor">
-          <a:schemeClr val="lt1"/>
-        </a:fontRef>
-      </dsp:style>
-      <dsp:txBody>
-        <a:bodyPr spcFirstLastPara="0" vert="horz" wrap="square" lIns="68580" tIns="68580" rIns="68580" bIns="68580" numCol="1" spcCol="1270" anchor="ctr" anchorCtr="0">
-          <a:noAutofit/>
-        </a:bodyPr>
-        <a:lstStyle/>
-        <a:p>
-          <a:pPr marL="0" lvl="0" indent="0" algn="ctr" defTabSz="800100">
-            <a:lnSpc>
-              <a:spcPct val="90000"/>
-            </a:lnSpc>
-            <a:spcBef>
-              <a:spcPct val="0"/>
-            </a:spcBef>
-            <a:spcAft>
-              <a:spcPct val="35000"/>
-            </a:spcAft>
-            <a:buNone/>
-          </a:pPr>
-          <a:endParaRPr lang="en-GB" sz="1800" kern="1200"/>
-        </a:p>
-      </dsp:txBody>
-      <dsp:txXfrm>
-        <a:off x="972537" y="1482553"/>
-        <a:ext cx="695380" cy="407096"/>
-      </dsp:txXfrm>
-    </dsp:sp>
-    <dsp:sp modelId="{3087D1A7-A79B-4382-B23C-EDE0DDBE5AB9}">
-      <dsp:nvSpPr>
-        <dsp:cNvPr id="0" name=""/>
-        <dsp:cNvSpPr/>
-      </dsp:nvSpPr>
-      <dsp:spPr>
-        <a:xfrm rot="16200000">
-          <a:off x="843574" y="736073"/>
-          <a:ext cx="530706" cy="64863"/>
-        </a:xfrm>
-        <a:prstGeom prst="rect">
-          <a:avLst/>
-        </a:prstGeom>
-        <a:solidFill>
-          <a:schemeClr val="accent6">
-            <a:hueOff val="0"/>
-            <a:satOff val="0"/>
-            <a:lumOff val="0"/>
-            <a:alphaOff val="0"/>
-          </a:schemeClr>
-        </a:solidFill>
-        <a:ln>
-          <a:noFill/>
-        </a:ln>
-        <a:effectLst/>
-      </dsp:spPr>
-      <dsp:style>
-        <a:lnRef idx="0">
-          <a:scrgbClr r="0" g="0" b="0"/>
-        </a:lnRef>
-        <a:fillRef idx="1">
-          <a:scrgbClr r="0" g="0" b="0"/>
-        </a:fillRef>
-        <a:effectRef idx="0">
-          <a:scrgbClr r="0" g="0" b="0"/>
-        </a:effectRef>
-        <a:fontRef idx="minor">
-          <a:schemeClr val="lt1"/>
-        </a:fontRef>
-      </dsp:style>
-    </dsp:sp>
-    <dsp:sp modelId="{7A60D40E-6308-48E0-90C2-5C3474B864A7}">
-      <dsp:nvSpPr>
-        <dsp:cNvPr id="0" name=""/>
-        <dsp:cNvSpPr/>
-      </dsp:nvSpPr>
-      <dsp:spPr>
-        <a:xfrm>
-          <a:off x="959872" y="929355"/>
-          <a:ext cx="720710" cy="432426"/>
-        </a:xfrm>
-        <a:prstGeom prst="roundRect">
-          <a:avLst>
-            <a:gd name="adj" fmla="val 10000"/>
-          </a:avLst>
-        </a:prstGeom>
-        <a:solidFill>
-          <a:schemeClr val="accent6">
-            <a:hueOff val="0"/>
-            <a:satOff val="0"/>
-            <a:lumOff val="0"/>
-            <a:alphaOff val="0"/>
-          </a:schemeClr>
-        </a:solidFill>
-        <a:ln w="19050" cap="flat" cmpd="sng" algn="ctr">
-          <a:solidFill>
-            <a:schemeClr val="lt1">
-              <a:hueOff val="0"/>
-              <a:satOff val="0"/>
-              <a:lumOff val="0"/>
-              <a:alphaOff val="0"/>
-            </a:schemeClr>
-          </a:solidFill>
-          <a:prstDash val="solid"/>
-          <a:miter lim="800000"/>
-        </a:ln>
-        <a:effectLst/>
-      </dsp:spPr>
-      <dsp:style>
-        <a:lnRef idx="2">
-          <a:scrgbClr r="0" g="0" b="0"/>
-        </a:lnRef>
-        <a:fillRef idx="1">
-          <a:scrgbClr r="0" g="0" b="0"/>
-        </a:fillRef>
-        <a:effectRef idx="0">
-          <a:scrgbClr r="0" g="0" b="0"/>
-        </a:effectRef>
-        <a:fontRef idx="minor">
-          <a:schemeClr val="lt1"/>
-        </a:fontRef>
-      </dsp:style>
-      <dsp:txBody>
-        <a:bodyPr spcFirstLastPara="0" vert="horz" wrap="square" lIns="68580" tIns="68580" rIns="68580" bIns="68580" numCol="1" spcCol="1270" anchor="ctr" anchorCtr="0">
-          <a:noAutofit/>
-        </a:bodyPr>
-        <a:lstStyle/>
-        <a:p>
-          <a:pPr marL="0" lvl="0" indent="0" algn="ctr" defTabSz="800100">
-            <a:lnSpc>
-              <a:spcPct val="90000"/>
-            </a:lnSpc>
-            <a:spcBef>
-              <a:spcPct val="0"/>
-            </a:spcBef>
-            <a:spcAft>
-              <a:spcPct val="35000"/>
-            </a:spcAft>
-            <a:buNone/>
-          </a:pPr>
-          <a:endParaRPr lang="en-GB" sz="1800" kern="1200" dirty="0"/>
-        </a:p>
-      </dsp:txBody>
-      <dsp:txXfrm>
-        <a:off x="972537" y="942020"/>
-        <a:ext cx="695380" cy="407096"/>
-      </dsp:txXfrm>
-    </dsp:sp>
-    <dsp:sp modelId="{8FAA45B7-D050-42B2-9CD5-21A10E644998}">
-      <dsp:nvSpPr>
-        <dsp:cNvPr id="0" name=""/>
-        <dsp:cNvSpPr/>
-      </dsp:nvSpPr>
-      <dsp:spPr>
-        <a:xfrm>
-          <a:off x="1113840" y="465806"/>
-          <a:ext cx="948718" cy="64863"/>
-        </a:xfrm>
-        <a:prstGeom prst="rect">
-          <a:avLst/>
-        </a:prstGeom>
-        <a:solidFill>
-          <a:schemeClr val="accent2">
-            <a:hueOff val="0"/>
-            <a:satOff val="0"/>
-            <a:lumOff val="0"/>
-            <a:alphaOff val="0"/>
-          </a:schemeClr>
-        </a:solidFill>
-        <a:ln>
-          <a:noFill/>
-        </a:ln>
-        <a:effectLst/>
-      </dsp:spPr>
-      <dsp:style>
-        <a:lnRef idx="0">
-          <a:scrgbClr r="0" g="0" b="0"/>
-        </a:lnRef>
-        <a:fillRef idx="1">
-          <a:scrgbClr r="0" g="0" b="0"/>
-        </a:fillRef>
-        <a:effectRef idx="0">
-          <a:scrgbClr r="0" g="0" b="0"/>
-        </a:effectRef>
-        <a:fontRef idx="minor">
-          <a:schemeClr val="lt1"/>
-        </a:fontRef>
-      </dsp:style>
-    </dsp:sp>
-    <dsp:sp modelId="{20E0E85E-5B95-4BDE-A846-3BA73CE607E4}">
-      <dsp:nvSpPr>
-        <dsp:cNvPr id="0" name=""/>
-        <dsp:cNvSpPr/>
-      </dsp:nvSpPr>
-      <dsp:spPr>
-        <a:xfrm>
-          <a:off x="959872" y="388822"/>
-          <a:ext cx="720710" cy="432426"/>
-        </a:xfrm>
-        <a:prstGeom prst="roundRect">
-          <a:avLst>
-            <a:gd name="adj" fmla="val 10000"/>
-          </a:avLst>
-        </a:prstGeom>
-        <a:solidFill>
-          <a:schemeClr val="accent2">
-            <a:hueOff val="0"/>
-            <a:satOff val="0"/>
-            <a:lumOff val="0"/>
-            <a:alphaOff val="0"/>
-          </a:schemeClr>
-        </a:solidFill>
-        <a:ln w="19050" cap="flat" cmpd="sng" algn="ctr">
-          <a:solidFill>
-            <a:schemeClr val="lt1">
-              <a:hueOff val="0"/>
-              <a:satOff val="0"/>
-              <a:lumOff val="0"/>
-              <a:alphaOff val="0"/>
-            </a:schemeClr>
-          </a:solidFill>
-          <a:prstDash val="solid"/>
-          <a:miter lim="800000"/>
-        </a:ln>
-        <a:effectLst/>
-      </dsp:spPr>
-      <dsp:style>
-        <a:lnRef idx="2">
-          <a:scrgbClr r="0" g="0" b="0"/>
-        </a:lnRef>
-        <a:fillRef idx="1">
-          <a:scrgbClr r="0" g="0" b="0"/>
-        </a:fillRef>
-        <a:effectRef idx="0">
-          <a:scrgbClr r="0" g="0" b="0"/>
-        </a:effectRef>
-        <a:fontRef idx="minor">
-          <a:schemeClr val="lt1"/>
-        </a:fontRef>
-      </dsp:style>
-      <dsp:txBody>
-        <a:bodyPr spcFirstLastPara="0" vert="horz" wrap="square" lIns="68580" tIns="68580" rIns="68580" bIns="68580" numCol="1" spcCol="1270" anchor="ctr" anchorCtr="0">
-          <a:noAutofit/>
-        </a:bodyPr>
-        <a:lstStyle/>
-        <a:p>
-          <a:pPr marL="0" lvl="0" indent="0" algn="ctr" defTabSz="800100">
-            <a:lnSpc>
-              <a:spcPct val="90000"/>
-            </a:lnSpc>
-            <a:spcBef>
-              <a:spcPct val="0"/>
-            </a:spcBef>
-            <a:spcAft>
-              <a:spcPct val="35000"/>
-            </a:spcAft>
-            <a:buNone/>
-          </a:pPr>
-          <a:endParaRPr lang="en-GB" sz="1800" kern="1200"/>
-        </a:p>
-      </dsp:txBody>
-      <dsp:txXfrm>
-        <a:off x="972537" y="401487"/>
-        <a:ext cx="695380" cy="407096"/>
-      </dsp:txXfrm>
-    </dsp:sp>
-    <dsp:sp modelId="{86F86655-C5F1-4BD0-94B9-5CF195F4B168}">
-      <dsp:nvSpPr>
-        <dsp:cNvPr id="0" name=""/>
-        <dsp:cNvSpPr/>
-      </dsp:nvSpPr>
-      <dsp:spPr>
-        <a:xfrm rot="5400000">
-          <a:off x="1802118" y="736073"/>
-          <a:ext cx="530706" cy="64863"/>
-        </a:xfrm>
-        <a:prstGeom prst="rect">
-          <a:avLst/>
-        </a:prstGeom>
-        <a:solidFill>
-          <a:schemeClr val="accent3">
-            <a:hueOff val="0"/>
-            <a:satOff val="0"/>
-            <a:lumOff val="0"/>
-            <a:alphaOff val="0"/>
-          </a:schemeClr>
-        </a:solidFill>
-        <a:ln>
-          <a:noFill/>
-        </a:ln>
-        <a:effectLst/>
-      </dsp:spPr>
-      <dsp:style>
-        <a:lnRef idx="0">
-          <a:scrgbClr r="0" g="0" b="0"/>
-        </a:lnRef>
-        <a:fillRef idx="1">
-          <a:scrgbClr r="0" g="0" b="0"/>
-        </a:fillRef>
-        <a:effectRef idx="0">
-          <a:scrgbClr r="0" g="0" b="0"/>
-        </a:effectRef>
-        <a:fontRef idx="minor">
-          <a:schemeClr val="lt1"/>
-        </a:fontRef>
-      </dsp:style>
-    </dsp:sp>
-    <dsp:sp modelId="{BB184706-A66F-4534-BCA7-432F2E9B4D22}">
-      <dsp:nvSpPr>
-        <dsp:cNvPr id="0" name=""/>
-        <dsp:cNvSpPr/>
-      </dsp:nvSpPr>
-      <dsp:spPr>
-        <a:xfrm>
-          <a:off x="1918416" y="388822"/>
-          <a:ext cx="720710" cy="432426"/>
-        </a:xfrm>
-        <a:prstGeom prst="roundRect">
-          <a:avLst>
-            <a:gd name="adj" fmla="val 10000"/>
-          </a:avLst>
-        </a:prstGeom>
-        <a:solidFill>
-          <a:schemeClr val="accent3">
-            <a:hueOff val="0"/>
-            <a:satOff val="0"/>
-            <a:lumOff val="0"/>
-            <a:alphaOff val="0"/>
-          </a:schemeClr>
-        </a:solidFill>
-        <a:ln w="19050" cap="flat" cmpd="sng" algn="ctr">
-          <a:solidFill>
-            <a:schemeClr val="lt1">
-              <a:hueOff val="0"/>
-              <a:satOff val="0"/>
-              <a:lumOff val="0"/>
-              <a:alphaOff val="0"/>
-            </a:schemeClr>
-          </a:solidFill>
-          <a:prstDash val="solid"/>
-          <a:miter lim="800000"/>
-        </a:ln>
-        <a:effectLst/>
-      </dsp:spPr>
-      <dsp:style>
-        <a:lnRef idx="2">
-          <a:scrgbClr r="0" g="0" b="0"/>
-        </a:lnRef>
-        <a:fillRef idx="1">
-          <a:scrgbClr r="0" g="0" b="0"/>
-        </a:fillRef>
-        <a:effectRef idx="0">
-          <a:scrgbClr r="0" g="0" b="0"/>
-        </a:effectRef>
-        <a:fontRef idx="minor">
-          <a:schemeClr val="lt1"/>
-        </a:fontRef>
-      </dsp:style>
-      <dsp:txBody>
-        <a:bodyPr spcFirstLastPara="0" vert="horz" wrap="square" lIns="68580" tIns="68580" rIns="68580" bIns="68580" numCol="1" spcCol="1270" anchor="ctr" anchorCtr="0">
-          <a:noAutofit/>
-        </a:bodyPr>
-        <a:lstStyle/>
-        <a:p>
-          <a:pPr marL="0" lvl="0" indent="0" algn="ctr" defTabSz="800100">
-            <a:lnSpc>
-              <a:spcPct val="90000"/>
-            </a:lnSpc>
-            <a:spcBef>
-              <a:spcPct val="0"/>
-            </a:spcBef>
-            <a:spcAft>
-              <a:spcPct val="35000"/>
-            </a:spcAft>
-            <a:buNone/>
-          </a:pPr>
-          <a:endParaRPr lang="en-GB" sz="1800" kern="1200"/>
-        </a:p>
-      </dsp:txBody>
-      <dsp:txXfrm>
-        <a:off x="1931081" y="401487"/>
-        <a:ext cx="695380" cy="407096"/>
-      </dsp:txXfrm>
-    </dsp:sp>
-    <dsp:sp modelId="{AC5CBADF-1341-4E86-985E-1DB7AB9B297D}">
-      <dsp:nvSpPr>
-        <dsp:cNvPr id="0" name=""/>
-        <dsp:cNvSpPr/>
-      </dsp:nvSpPr>
-      <dsp:spPr>
-        <a:xfrm rot="5400000">
-          <a:off x="1802118" y="1276605"/>
-          <a:ext cx="530706" cy="64863"/>
-        </a:xfrm>
-        <a:prstGeom prst="rect">
-          <a:avLst/>
-        </a:prstGeom>
-        <a:solidFill>
-          <a:schemeClr val="accent4">
-            <a:hueOff val="0"/>
-            <a:satOff val="0"/>
-            <a:lumOff val="0"/>
-            <a:alphaOff val="0"/>
-          </a:schemeClr>
-        </a:solidFill>
-        <a:ln>
-          <a:noFill/>
-        </a:ln>
-        <a:effectLst/>
-      </dsp:spPr>
-      <dsp:style>
-        <a:lnRef idx="0">
-          <a:scrgbClr r="0" g="0" b="0"/>
-        </a:lnRef>
-        <a:fillRef idx="1">
-          <a:scrgbClr r="0" g="0" b="0"/>
-        </a:fillRef>
-        <a:effectRef idx="0">
-          <a:scrgbClr r="0" g="0" b="0"/>
-        </a:effectRef>
-        <a:fontRef idx="minor">
-          <a:schemeClr val="lt1"/>
-        </a:fontRef>
-      </dsp:style>
-    </dsp:sp>
-    <dsp:sp modelId="{BAA3392E-FADC-42B1-8779-B7E3AAE384B2}">
-      <dsp:nvSpPr>
-        <dsp:cNvPr id="0" name=""/>
-        <dsp:cNvSpPr/>
-      </dsp:nvSpPr>
-      <dsp:spPr>
-        <a:xfrm>
-          <a:off x="1918416" y="929355"/>
-          <a:ext cx="720710" cy="432426"/>
-        </a:xfrm>
-        <a:prstGeom prst="roundRect">
-          <a:avLst>
-            <a:gd name="adj" fmla="val 10000"/>
-          </a:avLst>
-        </a:prstGeom>
-        <a:solidFill>
-          <a:schemeClr val="accent4">
-            <a:hueOff val="0"/>
-            <a:satOff val="0"/>
-            <a:lumOff val="0"/>
-            <a:alphaOff val="0"/>
-          </a:schemeClr>
-        </a:solidFill>
-        <a:ln w="19050" cap="flat" cmpd="sng" algn="ctr">
-          <a:solidFill>
-            <a:schemeClr val="lt1">
-              <a:hueOff val="0"/>
-              <a:satOff val="0"/>
-              <a:lumOff val="0"/>
-              <a:alphaOff val="0"/>
-            </a:schemeClr>
-          </a:solidFill>
-          <a:prstDash val="solid"/>
-          <a:miter lim="800000"/>
-        </a:ln>
-        <a:effectLst/>
-      </dsp:spPr>
-      <dsp:style>
-        <a:lnRef idx="2">
-          <a:scrgbClr r="0" g="0" b="0"/>
-        </a:lnRef>
-        <a:fillRef idx="1">
-          <a:scrgbClr r="0" g="0" b="0"/>
-        </a:fillRef>
-        <a:effectRef idx="0">
-          <a:scrgbClr r="0" g="0" b="0"/>
-        </a:effectRef>
-        <a:fontRef idx="minor">
-          <a:schemeClr val="lt1"/>
-        </a:fontRef>
-      </dsp:style>
-      <dsp:txBody>
-        <a:bodyPr spcFirstLastPara="0" vert="horz" wrap="square" lIns="68580" tIns="68580" rIns="68580" bIns="68580" numCol="1" spcCol="1270" anchor="ctr" anchorCtr="0">
-          <a:noAutofit/>
-        </a:bodyPr>
-        <a:lstStyle/>
-        <a:p>
-          <a:pPr marL="0" lvl="0" indent="0" algn="ctr" defTabSz="800100">
-            <a:lnSpc>
-              <a:spcPct val="90000"/>
-            </a:lnSpc>
-            <a:spcBef>
-              <a:spcPct val="0"/>
-            </a:spcBef>
-            <a:spcAft>
-              <a:spcPct val="35000"/>
-            </a:spcAft>
-            <a:buNone/>
-          </a:pPr>
-          <a:endParaRPr lang="en-GB" sz="1800" kern="1200"/>
-        </a:p>
-      </dsp:txBody>
-      <dsp:txXfrm>
-        <a:off x="1931081" y="942020"/>
-        <a:ext cx="695380" cy="407096"/>
-      </dsp:txXfrm>
-    </dsp:sp>
-    <dsp:sp modelId="{1B3C2304-343E-4DDC-AFDE-2D56BACD1F29}">
-      <dsp:nvSpPr>
-        <dsp:cNvPr id="0" name=""/>
-        <dsp:cNvSpPr/>
-      </dsp:nvSpPr>
-      <dsp:spPr>
-        <a:xfrm>
-          <a:off x="1918416" y="1469888"/>
-          <a:ext cx="720710" cy="432426"/>
-        </a:xfrm>
-        <a:prstGeom prst="roundRect">
-          <a:avLst>
-            <a:gd name="adj" fmla="val 10000"/>
-          </a:avLst>
-        </a:prstGeom>
-        <a:solidFill>
-          <a:schemeClr val="accent5">
-            <a:hueOff val="0"/>
-            <a:satOff val="0"/>
-            <a:lumOff val="0"/>
-            <a:alphaOff val="0"/>
-          </a:schemeClr>
-        </a:solidFill>
-        <a:ln w="19050" cap="flat" cmpd="sng" algn="ctr">
-          <a:solidFill>
-            <a:schemeClr val="lt1">
-              <a:hueOff val="0"/>
-              <a:satOff val="0"/>
-              <a:lumOff val="0"/>
-              <a:alphaOff val="0"/>
-            </a:schemeClr>
-          </a:solidFill>
-          <a:prstDash val="solid"/>
-          <a:miter lim="800000"/>
-        </a:ln>
-        <a:effectLst/>
-      </dsp:spPr>
-      <dsp:style>
-        <a:lnRef idx="2">
-          <a:scrgbClr r="0" g="0" b="0"/>
-        </a:lnRef>
-        <a:fillRef idx="1">
-          <a:scrgbClr r="0" g="0" b="0"/>
-        </a:fillRef>
-        <a:effectRef idx="0">
-          <a:scrgbClr r="0" g="0" b="0"/>
-        </a:effectRef>
-        <a:fontRef idx="minor">
-          <a:schemeClr val="lt1"/>
-        </a:fontRef>
-      </dsp:style>
-      <dsp:txBody>
-        <a:bodyPr spcFirstLastPara="0" vert="horz" wrap="square" lIns="68580" tIns="68580" rIns="68580" bIns="68580" numCol="1" spcCol="1270" anchor="ctr" anchorCtr="0">
-          <a:noAutofit/>
-        </a:bodyPr>
-        <a:lstStyle/>
-        <a:p>
-          <a:pPr marL="0" lvl="0" indent="0" algn="ctr" defTabSz="800100">
-            <a:lnSpc>
-              <a:spcPct val="90000"/>
-            </a:lnSpc>
-            <a:spcBef>
-              <a:spcPct val="0"/>
-            </a:spcBef>
-            <a:spcAft>
-              <a:spcPct val="35000"/>
-            </a:spcAft>
-            <a:buNone/>
-          </a:pPr>
-          <a:endParaRPr lang="en-GB" sz="1800" kern="1200" dirty="0"/>
-        </a:p>
-      </dsp:txBody>
-      <dsp:txXfrm>
-        <a:off x="1931081" y="1482553"/>
-        <a:ext cx="695380" cy="407096"/>
-      </dsp:txXfrm>
-    </dsp:sp>
-  </dsp:spTree>
-</dsp:drawing>
-</file>
-
-<file path=ppt/diagrams/drawing3.xml><?xml version="1.0" encoding="utf-8"?>
-<dsp:drawing xmlns:dgm="http://schemas.openxmlformats.org/drawingml/2006/diagram" xmlns:dsp="http://schemas.microsoft.com/office/drawing/2008/diagram" xmlns:a="http://schemas.openxmlformats.org/drawingml/2006/main">
-  <dsp:spTree>
-    <dsp:nvGrpSpPr>
-      <dsp:cNvPr id="0" name=""/>
-      <dsp:cNvGrpSpPr/>
-    </dsp:nvGrpSpPr>
-    <dsp:grpSpPr/>
-    <dsp:sp modelId="{7C9060B3-912D-4D59-9F05-1163AA73ED0F}">
-      <dsp:nvSpPr>
-        <dsp:cNvPr id="0" name=""/>
-        <dsp:cNvSpPr/>
-      </dsp:nvSpPr>
-      <dsp:spPr>
-        <a:xfrm rot="5400000">
           <a:off x="-58722" y="622333"/>
           <a:ext cx="287080" cy="35628"/>
         </a:xfrm>
@@ -6840,6 +5609,712 @@
       <dsp:txXfrm>
         <a:off x="1060716" y="1030150"/>
         <a:ext cx="381961" cy="223611"/>
+      </dsp:txXfrm>
+    </dsp:sp>
+  </dsp:spTree>
+</dsp:drawing>
+</file>
+
+<file path=ppt/diagrams/drawing3.xml><?xml version="1.0" encoding="utf-8"?>
+<dsp:drawing xmlns:dgm="http://schemas.openxmlformats.org/drawingml/2006/diagram" xmlns:dsp="http://schemas.microsoft.com/office/drawing/2008/diagram" xmlns:a="http://schemas.openxmlformats.org/drawingml/2006/main">
+  <dsp:spTree>
+    <dsp:nvGrpSpPr>
+      <dsp:cNvPr id="0" name=""/>
+      <dsp:cNvGrpSpPr/>
+    </dsp:nvGrpSpPr>
+    <dsp:grpSpPr/>
+    <dsp:sp modelId="{835353A7-A156-46CE-9079-B4CDB9A843D2}">
+      <dsp:nvSpPr>
+        <dsp:cNvPr id="0" name=""/>
+        <dsp:cNvSpPr/>
+      </dsp:nvSpPr>
+      <dsp:spPr>
+        <a:xfrm>
+          <a:off x="1374915" y="695748"/>
+          <a:ext cx="4651535" cy="4651535"/>
+        </a:xfrm>
+        <a:prstGeom prst="blockArc">
+          <a:avLst>
+            <a:gd name="adj1" fmla="val 11880000"/>
+            <a:gd name="adj2" fmla="val 16200000"/>
+            <a:gd name="adj3" fmla="val 4636"/>
+          </a:avLst>
+        </a:prstGeom>
+        <a:solidFill>
+          <a:schemeClr val="accent6">
+            <a:hueOff val="0"/>
+            <a:satOff val="0"/>
+            <a:lumOff val="0"/>
+            <a:alphaOff val="0"/>
+          </a:schemeClr>
+        </a:solidFill>
+        <a:ln>
+          <a:noFill/>
+        </a:ln>
+        <a:effectLst/>
+      </dsp:spPr>
+      <dsp:style>
+        <a:lnRef idx="0">
+          <a:scrgbClr r="0" g="0" b="0"/>
+        </a:lnRef>
+        <a:fillRef idx="1">
+          <a:scrgbClr r="0" g="0" b="0"/>
+        </a:fillRef>
+        <a:effectRef idx="0">
+          <a:scrgbClr r="0" g="0" b="0"/>
+        </a:effectRef>
+        <a:fontRef idx="minor">
+          <a:schemeClr val="lt1"/>
+        </a:fontRef>
+      </dsp:style>
+    </dsp:sp>
+    <dsp:sp modelId="{A723C84B-5751-4923-8546-8DDD849C02E2}">
+      <dsp:nvSpPr>
+        <dsp:cNvPr id="0" name=""/>
+        <dsp:cNvSpPr/>
+      </dsp:nvSpPr>
+      <dsp:spPr>
+        <a:xfrm>
+          <a:off x="1374915" y="695748"/>
+          <a:ext cx="4651535" cy="4651535"/>
+        </a:xfrm>
+        <a:prstGeom prst="blockArc">
+          <a:avLst>
+            <a:gd name="adj1" fmla="val 7560000"/>
+            <a:gd name="adj2" fmla="val 11880000"/>
+            <a:gd name="adj3" fmla="val 4636"/>
+          </a:avLst>
+        </a:prstGeom>
+        <a:solidFill>
+          <a:schemeClr val="accent5">
+            <a:hueOff val="0"/>
+            <a:satOff val="0"/>
+            <a:lumOff val="0"/>
+            <a:alphaOff val="0"/>
+          </a:schemeClr>
+        </a:solidFill>
+        <a:ln>
+          <a:noFill/>
+        </a:ln>
+        <a:effectLst/>
+      </dsp:spPr>
+      <dsp:style>
+        <a:lnRef idx="0">
+          <a:scrgbClr r="0" g="0" b="0"/>
+        </a:lnRef>
+        <a:fillRef idx="1">
+          <a:scrgbClr r="0" g="0" b="0"/>
+        </a:fillRef>
+        <a:effectRef idx="0">
+          <a:scrgbClr r="0" g="0" b="0"/>
+        </a:effectRef>
+        <a:fontRef idx="minor">
+          <a:schemeClr val="lt1"/>
+        </a:fontRef>
+      </dsp:style>
+    </dsp:sp>
+    <dsp:sp modelId="{21C97AC8-3AE4-4E7C-926F-01F731158CDF}">
+      <dsp:nvSpPr>
+        <dsp:cNvPr id="0" name=""/>
+        <dsp:cNvSpPr/>
+      </dsp:nvSpPr>
+      <dsp:spPr>
+        <a:xfrm>
+          <a:off x="1374915" y="695748"/>
+          <a:ext cx="4651535" cy="4651535"/>
+        </a:xfrm>
+        <a:prstGeom prst="blockArc">
+          <a:avLst>
+            <a:gd name="adj1" fmla="val 3240000"/>
+            <a:gd name="adj2" fmla="val 7560000"/>
+            <a:gd name="adj3" fmla="val 4636"/>
+          </a:avLst>
+        </a:prstGeom>
+        <a:solidFill>
+          <a:schemeClr val="accent4">
+            <a:hueOff val="0"/>
+            <a:satOff val="0"/>
+            <a:lumOff val="0"/>
+            <a:alphaOff val="0"/>
+          </a:schemeClr>
+        </a:solidFill>
+        <a:ln>
+          <a:noFill/>
+        </a:ln>
+        <a:effectLst/>
+      </dsp:spPr>
+      <dsp:style>
+        <a:lnRef idx="0">
+          <a:scrgbClr r="0" g="0" b="0"/>
+        </a:lnRef>
+        <a:fillRef idx="1">
+          <a:scrgbClr r="0" g="0" b="0"/>
+        </a:fillRef>
+        <a:effectRef idx="0">
+          <a:scrgbClr r="0" g="0" b="0"/>
+        </a:effectRef>
+        <a:fontRef idx="minor">
+          <a:schemeClr val="lt1"/>
+        </a:fontRef>
+      </dsp:style>
+    </dsp:sp>
+    <dsp:sp modelId="{102308AE-900C-4D1B-96EC-A251A7E36D37}">
+      <dsp:nvSpPr>
+        <dsp:cNvPr id="0" name=""/>
+        <dsp:cNvSpPr/>
+      </dsp:nvSpPr>
+      <dsp:spPr>
+        <a:xfrm>
+          <a:off x="1374915" y="695748"/>
+          <a:ext cx="4651535" cy="4651535"/>
+        </a:xfrm>
+        <a:prstGeom prst="blockArc">
+          <a:avLst>
+            <a:gd name="adj1" fmla="val 20520000"/>
+            <a:gd name="adj2" fmla="val 3240000"/>
+            <a:gd name="adj3" fmla="val 4636"/>
+          </a:avLst>
+        </a:prstGeom>
+        <a:solidFill>
+          <a:schemeClr val="accent3">
+            <a:hueOff val="0"/>
+            <a:satOff val="0"/>
+            <a:lumOff val="0"/>
+            <a:alphaOff val="0"/>
+          </a:schemeClr>
+        </a:solidFill>
+        <a:ln>
+          <a:noFill/>
+        </a:ln>
+        <a:effectLst/>
+      </dsp:spPr>
+      <dsp:style>
+        <a:lnRef idx="0">
+          <a:scrgbClr r="0" g="0" b="0"/>
+        </a:lnRef>
+        <a:fillRef idx="1">
+          <a:scrgbClr r="0" g="0" b="0"/>
+        </a:fillRef>
+        <a:effectRef idx="0">
+          <a:scrgbClr r="0" g="0" b="0"/>
+        </a:effectRef>
+        <a:fontRef idx="minor">
+          <a:schemeClr val="lt1"/>
+        </a:fontRef>
+      </dsp:style>
+    </dsp:sp>
+    <dsp:sp modelId="{B40D2BC0-6D4B-4E7F-8BA1-944FA3DC13A3}">
+      <dsp:nvSpPr>
+        <dsp:cNvPr id="0" name=""/>
+        <dsp:cNvSpPr/>
+      </dsp:nvSpPr>
+      <dsp:spPr>
+        <a:xfrm>
+          <a:off x="1374915" y="695748"/>
+          <a:ext cx="4651535" cy="4651535"/>
+        </a:xfrm>
+        <a:prstGeom prst="blockArc">
+          <a:avLst>
+            <a:gd name="adj1" fmla="val 16200000"/>
+            <a:gd name="adj2" fmla="val 20520000"/>
+            <a:gd name="adj3" fmla="val 4636"/>
+          </a:avLst>
+        </a:prstGeom>
+        <a:solidFill>
+          <a:schemeClr val="accent2">
+            <a:hueOff val="0"/>
+            <a:satOff val="0"/>
+            <a:lumOff val="0"/>
+            <a:alphaOff val="0"/>
+          </a:schemeClr>
+        </a:solidFill>
+        <a:ln>
+          <a:noFill/>
+        </a:ln>
+        <a:effectLst/>
+      </dsp:spPr>
+      <dsp:style>
+        <a:lnRef idx="0">
+          <a:scrgbClr r="0" g="0" b="0"/>
+        </a:lnRef>
+        <a:fillRef idx="1">
+          <a:scrgbClr r="0" g="0" b="0"/>
+        </a:fillRef>
+        <a:effectRef idx="0">
+          <a:scrgbClr r="0" g="0" b="0"/>
+        </a:effectRef>
+        <a:fontRef idx="minor">
+          <a:schemeClr val="lt1"/>
+        </a:fontRef>
+      </dsp:style>
+    </dsp:sp>
+    <dsp:sp modelId="{9597B841-FEE3-4589-8F91-0958B82A70EA}">
+      <dsp:nvSpPr>
+        <dsp:cNvPr id="0" name=""/>
+        <dsp:cNvSpPr/>
+      </dsp:nvSpPr>
+      <dsp:spPr>
+        <a:xfrm>
+          <a:off x="2630954" y="1951787"/>
+          <a:ext cx="2139457" cy="2139457"/>
+        </a:xfrm>
+        <a:prstGeom prst="ellipse">
+          <a:avLst/>
+        </a:prstGeom>
+        <a:solidFill>
+          <a:schemeClr val="accent1">
+            <a:hueOff val="0"/>
+            <a:satOff val="0"/>
+            <a:lumOff val="0"/>
+            <a:alphaOff val="0"/>
+          </a:schemeClr>
+        </a:solidFill>
+        <a:ln w="19050" cap="flat" cmpd="sng" algn="ctr">
+          <a:solidFill>
+            <a:schemeClr val="lt1">
+              <a:hueOff val="0"/>
+              <a:satOff val="0"/>
+              <a:lumOff val="0"/>
+              <a:alphaOff val="0"/>
+            </a:schemeClr>
+          </a:solidFill>
+          <a:prstDash val="solid"/>
+          <a:miter lim="800000"/>
+        </a:ln>
+        <a:effectLst/>
+      </dsp:spPr>
+      <dsp:style>
+        <a:lnRef idx="2">
+          <a:scrgbClr r="0" g="0" b="0"/>
+        </a:lnRef>
+        <a:fillRef idx="1">
+          <a:scrgbClr r="0" g="0" b="0"/>
+        </a:fillRef>
+        <a:effectRef idx="0">
+          <a:scrgbClr r="0" g="0" b="0"/>
+        </a:effectRef>
+        <a:fontRef idx="minor">
+          <a:schemeClr val="lt1"/>
+        </a:fontRef>
+      </dsp:style>
+      <dsp:txBody>
+        <a:bodyPr spcFirstLastPara="0" vert="horz" wrap="square" lIns="31750" tIns="31750" rIns="31750" bIns="31750" numCol="1" spcCol="1270" anchor="ctr" anchorCtr="0">
+          <a:noAutofit/>
+        </a:bodyPr>
+        <a:lstStyle/>
+        <a:p>
+          <a:pPr marL="0" lvl="0" indent="0" algn="ctr" defTabSz="1111250">
+            <a:lnSpc>
+              <a:spcPct val="90000"/>
+            </a:lnSpc>
+            <a:spcBef>
+              <a:spcPct val="0"/>
+            </a:spcBef>
+            <a:spcAft>
+              <a:spcPct val="35000"/>
+            </a:spcAft>
+            <a:buNone/>
+          </a:pPr>
+          <a:r>
+            <a:rPr lang="en-GB" sz="2500" kern="1200" dirty="0"/>
+            <a:t>Microsoft Agent Identity Platform</a:t>
+          </a:r>
+        </a:p>
+      </dsp:txBody>
+      <dsp:txXfrm>
+        <a:off x="2944270" y="2265103"/>
+        <a:ext cx="1512825" cy="1512825"/>
+      </dsp:txXfrm>
+    </dsp:sp>
+    <dsp:sp modelId="{F8DABDC8-5490-405F-843F-72A0D5C35C82}">
+      <dsp:nvSpPr>
+        <dsp:cNvPr id="0" name=""/>
+        <dsp:cNvSpPr/>
+      </dsp:nvSpPr>
+      <dsp:spPr>
+        <a:xfrm>
+          <a:off x="2951873" y="852"/>
+          <a:ext cx="1497620" cy="1497620"/>
+        </a:xfrm>
+        <a:prstGeom prst="ellipse">
+          <a:avLst/>
+        </a:prstGeom>
+        <a:solidFill>
+          <a:schemeClr val="accent2">
+            <a:hueOff val="0"/>
+            <a:satOff val="0"/>
+            <a:lumOff val="0"/>
+            <a:alphaOff val="0"/>
+          </a:schemeClr>
+        </a:solidFill>
+        <a:ln w="19050" cap="flat" cmpd="sng" algn="ctr">
+          <a:solidFill>
+            <a:schemeClr val="lt1">
+              <a:hueOff val="0"/>
+              <a:satOff val="0"/>
+              <a:lumOff val="0"/>
+              <a:alphaOff val="0"/>
+            </a:schemeClr>
+          </a:solidFill>
+          <a:prstDash val="solid"/>
+          <a:miter lim="800000"/>
+        </a:ln>
+        <a:effectLst/>
+      </dsp:spPr>
+      <dsp:style>
+        <a:lnRef idx="2">
+          <a:scrgbClr r="0" g="0" b="0"/>
+        </a:lnRef>
+        <a:fillRef idx="1">
+          <a:scrgbClr r="0" g="0" b="0"/>
+        </a:fillRef>
+        <a:effectRef idx="0">
+          <a:scrgbClr r="0" g="0" b="0"/>
+        </a:effectRef>
+        <a:fontRef idx="minor">
+          <a:schemeClr val="lt1"/>
+        </a:fontRef>
+      </dsp:style>
+      <dsp:txBody>
+        <a:bodyPr spcFirstLastPara="0" vert="horz" wrap="square" lIns="15240" tIns="15240" rIns="15240" bIns="15240" numCol="1" spcCol="1270" anchor="ctr" anchorCtr="0">
+          <a:noAutofit/>
+        </a:bodyPr>
+        <a:lstStyle/>
+        <a:p>
+          <a:pPr marL="0" lvl="0" indent="0" algn="ctr" defTabSz="533400">
+            <a:lnSpc>
+              <a:spcPct val="90000"/>
+            </a:lnSpc>
+            <a:spcBef>
+              <a:spcPct val="0"/>
+            </a:spcBef>
+            <a:spcAft>
+              <a:spcPct val="35000"/>
+            </a:spcAft>
+            <a:buNone/>
+          </a:pPr>
+          <a:r>
+            <a:rPr lang="en-GB" sz="1200" kern="1200"/>
+            <a:t>Authentication &amp;Authorization</a:t>
+          </a:r>
+          <a:endParaRPr lang="en-GB" sz="1200" kern="1200" dirty="0"/>
+        </a:p>
+      </dsp:txBody>
+      <dsp:txXfrm>
+        <a:off x="3171194" y="220173"/>
+        <a:ext cx="1058978" cy="1058978"/>
+      </dsp:txXfrm>
+    </dsp:sp>
+    <dsp:sp modelId="{D1E02384-0169-46AD-98FB-05AD65659C9C}">
+      <dsp:nvSpPr>
+        <dsp:cNvPr id="0" name=""/>
+        <dsp:cNvSpPr/>
+      </dsp:nvSpPr>
+      <dsp:spPr>
+        <a:xfrm>
+          <a:off x="5112534" y="1570664"/>
+          <a:ext cx="1497620" cy="1497620"/>
+        </a:xfrm>
+        <a:prstGeom prst="ellipse">
+          <a:avLst/>
+        </a:prstGeom>
+        <a:solidFill>
+          <a:schemeClr val="accent3">
+            <a:hueOff val="0"/>
+            <a:satOff val="0"/>
+            <a:lumOff val="0"/>
+            <a:alphaOff val="0"/>
+          </a:schemeClr>
+        </a:solidFill>
+        <a:ln w="19050" cap="flat" cmpd="sng" algn="ctr">
+          <a:solidFill>
+            <a:schemeClr val="lt1">
+              <a:hueOff val="0"/>
+              <a:satOff val="0"/>
+              <a:lumOff val="0"/>
+              <a:alphaOff val="0"/>
+            </a:schemeClr>
+          </a:solidFill>
+          <a:prstDash val="solid"/>
+          <a:miter lim="800000"/>
+        </a:ln>
+        <a:effectLst/>
+      </dsp:spPr>
+      <dsp:style>
+        <a:lnRef idx="2">
+          <a:scrgbClr r="0" g="0" b="0"/>
+        </a:lnRef>
+        <a:fillRef idx="1">
+          <a:scrgbClr r="0" g="0" b="0"/>
+        </a:fillRef>
+        <a:effectRef idx="0">
+          <a:scrgbClr r="0" g="0" b="0"/>
+        </a:effectRef>
+        <a:fontRef idx="minor">
+          <a:schemeClr val="lt1"/>
+        </a:fontRef>
+      </dsp:style>
+      <dsp:txBody>
+        <a:bodyPr spcFirstLastPara="0" vert="horz" wrap="square" lIns="15240" tIns="15240" rIns="15240" bIns="15240" numCol="1" spcCol="1270" anchor="ctr" anchorCtr="0">
+          <a:noAutofit/>
+        </a:bodyPr>
+        <a:lstStyle/>
+        <a:p>
+          <a:pPr marL="0" lvl="0" indent="0" algn="ctr" defTabSz="533400">
+            <a:lnSpc>
+              <a:spcPct val="90000"/>
+            </a:lnSpc>
+            <a:spcBef>
+              <a:spcPct val="0"/>
+            </a:spcBef>
+            <a:spcAft>
+              <a:spcPct val="35000"/>
+            </a:spcAft>
+            <a:buNone/>
+          </a:pPr>
+          <a:r>
+            <a:rPr lang="en-GB" sz="1200" kern="1200"/>
+            <a:t>Token System</a:t>
+          </a:r>
+        </a:p>
+      </dsp:txBody>
+      <dsp:txXfrm>
+        <a:off x="5331855" y="1789985"/>
+        <a:ext cx="1058978" cy="1058978"/>
+      </dsp:txXfrm>
+    </dsp:sp>
+    <dsp:sp modelId="{C80B23AD-A6CD-4A9B-B3B4-6A3184440FC6}">
+      <dsp:nvSpPr>
+        <dsp:cNvPr id="0" name=""/>
+        <dsp:cNvSpPr/>
+      </dsp:nvSpPr>
+      <dsp:spPr>
+        <a:xfrm>
+          <a:off x="4287235" y="4110674"/>
+          <a:ext cx="1497620" cy="1497620"/>
+        </a:xfrm>
+        <a:prstGeom prst="ellipse">
+          <a:avLst/>
+        </a:prstGeom>
+        <a:solidFill>
+          <a:schemeClr val="accent4">
+            <a:hueOff val="0"/>
+            <a:satOff val="0"/>
+            <a:lumOff val="0"/>
+            <a:alphaOff val="0"/>
+          </a:schemeClr>
+        </a:solidFill>
+        <a:ln w="19050" cap="flat" cmpd="sng" algn="ctr">
+          <a:solidFill>
+            <a:schemeClr val="lt1">
+              <a:hueOff val="0"/>
+              <a:satOff val="0"/>
+              <a:lumOff val="0"/>
+              <a:alphaOff val="0"/>
+            </a:schemeClr>
+          </a:solidFill>
+          <a:prstDash val="solid"/>
+          <a:miter lim="800000"/>
+        </a:ln>
+        <a:effectLst/>
+      </dsp:spPr>
+      <dsp:style>
+        <a:lnRef idx="2">
+          <a:scrgbClr r="0" g="0" b="0"/>
+        </a:lnRef>
+        <a:fillRef idx="1">
+          <a:scrgbClr r="0" g="0" b="0"/>
+        </a:fillRef>
+        <a:effectRef idx="0">
+          <a:scrgbClr r="0" g="0" b="0"/>
+        </a:effectRef>
+        <a:fontRef idx="minor">
+          <a:schemeClr val="lt1"/>
+        </a:fontRef>
+      </dsp:style>
+      <dsp:txBody>
+        <a:bodyPr spcFirstLastPara="0" vert="horz" wrap="square" lIns="15240" tIns="15240" rIns="15240" bIns="15240" numCol="1" spcCol="1270" anchor="ctr" anchorCtr="0">
+          <a:noAutofit/>
+        </a:bodyPr>
+        <a:lstStyle/>
+        <a:p>
+          <a:pPr marL="0" lvl="0" indent="0" algn="ctr" defTabSz="533400">
+            <a:lnSpc>
+              <a:spcPct val="90000"/>
+            </a:lnSpc>
+            <a:spcBef>
+              <a:spcPct val="0"/>
+            </a:spcBef>
+            <a:spcAft>
+              <a:spcPct val="35000"/>
+            </a:spcAft>
+            <a:buNone/>
+          </a:pPr>
+          <a:r>
+            <a:rPr lang="en-GB" sz="1200" kern="1200"/>
+            <a:t>SDK Integration</a:t>
+          </a:r>
+        </a:p>
+      </dsp:txBody>
+      <dsp:txXfrm>
+        <a:off x="4506556" y="4329995"/>
+        <a:ext cx="1058978" cy="1058978"/>
+      </dsp:txXfrm>
+    </dsp:sp>
+    <dsp:sp modelId="{F3BF6040-0747-4C65-A869-BF9210804B1B}">
+      <dsp:nvSpPr>
+        <dsp:cNvPr id="0" name=""/>
+        <dsp:cNvSpPr/>
+      </dsp:nvSpPr>
+      <dsp:spPr>
+        <a:xfrm>
+          <a:off x="1616511" y="4110674"/>
+          <a:ext cx="1497620" cy="1497620"/>
+        </a:xfrm>
+        <a:prstGeom prst="ellipse">
+          <a:avLst/>
+        </a:prstGeom>
+        <a:solidFill>
+          <a:schemeClr val="accent5">
+            <a:hueOff val="0"/>
+            <a:satOff val="0"/>
+            <a:lumOff val="0"/>
+            <a:alphaOff val="0"/>
+          </a:schemeClr>
+        </a:solidFill>
+        <a:ln w="19050" cap="flat" cmpd="sng" algn="ctr">
+          <a:solidFill>
+            <a:schemeClr val="lt1">
+              <a:hueOff val="0"/>
+              <a:satOff val="0"/>
+              <a:lumOff val="0"/>
+              <a:alphaOff val="0"/>
+            </a:schemeClr>
+          </a:solidFill>
+          <a:prstDash val="solid"/>
+          <a:miter lim="800000"/>
+        </a:ln>
+        <a:effectLst/>
+      </dsp:spPr>
+      <dsp:style>
+        <a:lnRef idx="2">
+          <a:scrgbClr r="0" g="0" b="0"/>
+        </a:lnRef>
+        <a:fillRef idx="1">
+          <a:scrgbClr r="0" g="0" b="0"/>
+        </a:fillRef>
+        <a:effectRef idx="0">
+          <a:scrgbClr r="0" g="0" b="0"/>
+        </a:effectRef>
+        <a:fontRef idx="minor">
+          <a:schemeClr val="lt1"/>
+        </a:fontRef>
+      </dsp:style>
+      <dsp:txBody>
+        <a:bodyPr spcFirstLastPara="0" vert="horz" wrap="square" lIns="15240" tIns="15240" rIns="15240" bIns="15240" numCol="1" spcCol="1270" anchor="ctr" anchorCtr="0">
+          <a:noAutofit/>
+        </a:bodyPr>
+        <a:lstStyle/>
+        <a:p>
+          <a:pPr marL="0" lvl="0" indent="0" algn="ctr" defTabSz="533400">
+            <a:lnSpc>
+              <a:spcPct val="90000"/>
+            </a:lnSpc>
+            <a:spcBef>
+              <a:spcPct val="0"/>
+            </a:spcBef>
+            <a:spcAft>
+              <a:spcPct val="35000"/>
+            </a:spcAft>
+            <a:buNone/>
+          </a:pPr>
+          <a:r>
+            <a:rPr lang="en-GB" sz="1200" kern="1200"/>
+            <a:t>Agent Registry &amp; Management</a:t>
+          </a:r>
+        </a:p>
+      </dsp:txBody>
+      <dsp:txXfrm>
+        <a:off x="1835832" y="4329995"/>
+        <a:ext cx="1058978" cy="1058978"/>
+      </dsp:txXfrm>
+    </dsp:sp>
+    <dsp:sp modelId="{8FCD929E-76CC-486B-9108-EFE50C3933B8}">
+      <dsp:nvSpPr>
+        <dsp:cNvPr id="0" name=""/>
+        <dsp:cNvSpPr/>
+      </dsp:nvSpPr>
+      <dsp:spPr>
+        <a:xfrm>
+          <a:off x="791212" y="1570664"/>
+          <a:ext cx="1497620" cy="1497620"/>
+        </a:xfrm>
+        <a:prstGeom prst="ellipse">
+          <a:avLst/>
+        </a:prstGeom>
+        <a:solidFill>
+          <a:schemeClr val="accent6">
+            <a:hueOff val="0"/>
+            <a:satOff val="0"/>
+            <a:lumOff val="0"/>
+            <a:alphaOff val="0"/>
+          </a:schemeClr>
+        </a:solidFill>
+        <a:ln w="19050" cap="flat" cmpd="sng" algn="ctr">
+          <a:solidFill>
+            <a:schemeClr val="lt1">
+              <a:hueOff val="0"/>
+              <a:satOff val="0"/>
+              <a:lumOff val="0"/>
+              <a:alphaOff val="0"/>
+            </a:schemeClr>
+          </a:solidFill>
+          <a:prstDash val="solid"/>
+          <a:miter lim="800000"/>
+        </a:ln>
+        <a:effectLst/>
+      </dsp:spPr>
+      <dsp:style>
+        <a:lnRef idx="2">
+          <a:scrgbClr r="0" g="0" b="0"/>
+        </a:lnRef>
+        <a:fillRef idx="1">
+          <a:scrgbClr r="0" g="0" b="0"/>
+        </a:fillRef>
+        <a:effectRef idx="0">
+          <a:scrgbClr r="0" g="0" b="0"/>
+        </a:effectRef>
+        <a:fontRef idx="minor">
+          <a:schemeClr val="lt1"/>
+        </a:fontRef>
+      </dsp:style>
+      <dsp:txBody>
+        <a:bodyPr spcFirstLastPara="0" vert="horz" wrap="square" lIns="15240" tIns="15240" rIns="15240" bIns="15240" numCol="1" spcCol="1270" anchor="ctr" anchorCtr="0">
+          <a:noAutofit/>
+        </a:bodyPr>
+        <a:lstStyle/>
+        <a:p>
+          <a:pPr marL="0" lvl="0" indent="0" algn="ctr" defTabSz="533400">
+            <a:lnSpc>
+              <a:spcPct val="90000"/>
+            </a:lnSpc>
+            <a:spcBef>
+              <a:spcPct val="0"/>
+            </a:spcBef>
+            <a:spcAft>
+              <a:spcPct val="35000"/>
+            </a:spcAft>
+            <a:buNone/>
+          </a:pPr>
+          <a:r>
+            <a:rPr lang="en-GB" sz="1200" kern="1200" dirty="0"/>
+            <a:t>Governance &amp; Compliance</a:t>
+          </a:r>
+        </a:p>
+      </dsp:txBody>
+      <dsp:txXfrm>
+        <a:off x="1010533" y="1789985"/>
+        <a:ext cx="1058978" cy="1058978"/>
       </dsp:txXfrm>
     </dsp:sp>
   </dsp:spTree>
@@ -7351,11 +6826,12 @@
 </file>
 
 <file path=ppt/diagrams/layout3.xml><?xml version="1.0" encoding="utf-8"?>
-<dgm:layoutDef xmlns:dgm="http://schemas.openxmlformats.org/drawingml/2006/diagram" xmlns:a="http://schemas.openxmlformats.org/drawingml/2006/main" uniqueId="urn:microsoft.com/office/officeart/2005/8/layout/bProcess4">
+<dgm:layoutDef xmlns:dgm="http://schemas.openxmlformats.org/drawingml/2006/diagram" xmlns:a="http://schemas.openxmlformats.org/drawingml/2006/main" uniqueId="urn:microsoft.com/office/officeart/2005/8/layout/radial6">
   <dgm:title val=""/>
   <dgm:desc val=""/>
   <dgm:catLst>
-    <dgm:cat type="process" pri="19000"/>
+    <dgm:cat type="cycle" pri="9000"/>
+    <dgm:cat type="relationship" pri="21000"/>
   </dgm:catLst>
   <dgm:sampData>
     <dgm:dataModel>
@@ -7364,41 +6840,25 @@
         <dgm:pt modelId="1">
           <dgm:prSet phldr="1"/>
         </dgm:pt>
-        <dgm:pt modelId="2">
+        <dgm:pt modelId="11">
           <dgm:prSet phldr="1"/>
         </dgm:pt>
-        <dgm:pt modelId="3">
+        <dgm:pt modelId="12">
           <dgm:prSet phldr="1"/>
         </dgm:pt>
-        <dgm:pt modelId="4">
+        <dgm:pt modelId="13">
           <dgm:prSet phldr="1"/>
         </dgm:pt>
-        <dgm:pt modelId="5">
-          <dgm:prSet phldr="1"/>
-        </dgm:pt>
-        <dgm:pt modelId="6">
-          <dgm:prSet phldr="1"/>
-        </dgm:pt>
-        <dgm:pt modelId="7">
-          <dgm:prSet phldr="1"/>
-        </dgm:pt>
-        <dgm:pt modelId="8">
-          <dgm:prSet phldr="1"/>
-        </dgm:pt>
-        <dgm:pt modelId="9">
+        <dgm:pt modelId="14">
           <dgm:prSet phldr="1"/>
         </dgm:pt>
       </dgm:ptLst>
       <dgm:cxnLst>
-        <dgm:cxn modelId="10" srcId="0" destId="1" srcOrd="0" destOrd="0"/>
-        <dgm:cxn modelId="11" srcId="0" destId="2" srcOrd="1" destOrd="0"/>
-        <dgm:cxn modelId="12" srcId="0" destId="3" srcOrd="2" destOrd="0"/>
-        <dgm:cxn modelId="13" srcId="0" destId="4" srcOrd="3" destOrd="0"/>
-        <dgm:cxn modelId="14" srcId="0" destId="5" srcOrd="4" destOrd="0"/>
-        <dgm:cxn modelId="15" srcId="0" destId="6" srcOrd="5" destOrd="0"/>
-        <dgm:cxn modelId="16" srcId="0" destId="7" srcOrd="6" destOrd="0"/>
-        <dgm:cxn modelId="17" srcId="0" destId="8" srcOrd="7" destOrd="0"/>
-        <dgm:cxn modelId="18" srcId="0" destId="9" srcOrd="8" destOrd="0"/>
+        <dgm:cxn modelId="2" srcId="0" destId="1" srcOrd="0" destOrd="0"/>
+        <dgm:cxn modelId="3" srcId="1" destId="11" srcOrd="0" destOrd="0"/>
+        <dgm:cxn modelId="4" srcId="1" destId="12" srcOrd="1" destOrd="0"/>
+        <dgm:cxn modelId="5" srcId="1" destId="13" srcOrd="2" destOrd="0"/>
+        <dgm:cxn modelId="6" srcId="1" destId="14" srcOrd="3" destOrd="0"/>
       </dgm:cxnLst>
       <dgm:bg/>
       <dgm:whole/>
@@ -7409,11 +6869,15 @@
       <dgm:ptLst>
         <dgm:pt modelId="0" type="doc"/>
         <dgm:pt modelId="1"/>
-        <dgm:pt modelId="2"/>
+        <dgm:pt modelId="11"/>
+        <dgm:pt modelId="12"/>
+        <dgm:pt modelId="13"/>
       </dgm:ptLst>
       <dgm:cxnLst>
-        <dgm:cxn modelId="3" srcId="0" destId="1" srcOrd="0" destOrd="0"/>
-        <dgm:cxn modelId="4" srcId="0" destId="2" srcOrd="1" destOrd="0"/>
+        <dgm:cxn modelId="2" srcId="0" destId="1" srcOrd="0" destOrd="0"/>
+        <dgm:cxn modelId="15" srcId="1" destId="11" srcOrd="0" destOrd="0"/>
+        <dgm:cxn modelId="16" srcId="1" destId="12" srcOrd="1" destOrd="0"/>
+        <dgm:cxn modelId="17" srcId="1" destId="13" srcOrd="2" destOrd="0"/>
       </dgm:cxnLst>
       <dgm:bg/>
       <dgm:whole/>
@@ -7424,19 +6888,21 @@
       <dgm:ptLst>
         <dgm:pt modelId="0" type="doc"/>
         <dgm:pt modelId="1"/>
-        <dgm:pt modelId="2"/>
-        <dgm:pt modelId="3"/>
-        <dgm:pt modelId="4"/>
-        <dgm:pt modelId="5"/>
-        <dgm:pt modelId="6"/>
+        <dgm:pt modelId="11"/>
+        <dgm:pt modelId="12"/>
+        <dgm:pt modelId="13"/>
+        <dgm:pt modelId="14"/>
+        <dgm:pt modelId="15"/>
+        <dgm:pt modelId="16"/>
       </dgm:ptLst>
       <dgm:cxnLst>
-        <dgm:cxn modelId="7" srcId="0" destId="1" srcOrd="0" destOrd="0"/>
-        <dgm:cxn modelId="8" srcId="0" destId="2" srcOrd="1" destOrd="0"/>
-        <dgm:cxn modelId="9" srcId="0" destId="3" srcOrd="2" destOrd="0"/>
-        <dgm:cxn modelId="10" srcId="0" destId="4" srcOrd="3" destOrd="0"/>
-        <dgm:cxn modelId="11" srcId="0" destId="5" srcOrd="4" destOrd="0"/>
-        <dgm:cxn modelId="12" srcId="0" destId="6" srcOrd="5" destOrd="0"/>
+        <dgm:cxn modelId="2" srcId="0" destId="1" srcOrd="0" destOrd="0"/>
+        <dgm:cxn modelId="16" srcId="1" destId="11" srcOrd="0" destOrd="0"/>
+        <dgm:cxn modelId="17" srcId="1" destId="12" srcOrd="1" destOrd="0"/>
+        <dgm:cxn modelId="18" srcId="1" destId="13" srcOrd="2" destOrd="0"/>
+        <dgm:cxn modelId="19" srcId="1" destId="14" srcOrd="3" destOrd="0"/>
+        <dgm:cxn modelId="20" srcId="1" destId="15" srcOrd="4" destOrd="0"/>
+        <dgm:cxn modelId="21" srcId="1" destId="16" srcOrd="5" destOrd="0"/>
       </dgm:cxnLst>
       <dgm:bg/>
       <dgm:whole/>
@@ -7444,138 +6910,322 @@
   </dgm:clrData>
   <dgm:layoutNode name="Name0">
     <dgm:varLst>
+      <dgm:chMax val="1"/>
       <dgm:dir/>
-      <dgm:resizeHandles/>
+      <dgm:animLvl val="ctr"/>
+      <dgm:resizeHandles val="exact"/>
     </dgm:varLst>
     <dgm:choose name="Name1">
       <dgm:if name="Name2" func="var" arg="dir" op="equ" val="norm">
-        <dgm:alg type="snake">
-          <dgm:param type="grDir" val="tL"/>
-          <dgm:param type="flowDir" val="col"/>
-          <dgm:param type="contDir" val="revDir"/>
-          <dgm:param type="bkpt" val="bal"/>
-        </dgm:alg>
+        <dgm:choose name="Name3">
+          <dgm:if name="Name4" axis="ch ch" ptType="node node" st="1 1" cnt="1 0" func="cnt" op="lte" val="1">
+            <dgm:alg type="cycle">
+              <dgm:param type="stAng" val="90"/>
+              <dgm:param type="spanAng" val="360"/>
+              <dgm:param type="ctrShpMap" val="fNode"/>
+            </dgm:alg>
+          </dgm:if>
+          <dgm:else name="Name5">
+            <dgm:alg type="cycle">
+              <dgm:param type="stAng" val="0"/>
+              <dgm:param type="spanAng" val="360"/>
+              <dgm:param type="ctrShpMap" val="fNode"/>
+            </dgm:alg>
+          </dgm:else>
+        </dgm:choose>
       </dgm:if>
-      <dgm:else name="Name3">
-        <dgm:alg type="snake">
-          <dgm:param type="grDir" val="tR"/>
-          <dgm:param type="flowDir" val="col"/>
-          <dgm:param type="contDir" val="revDir"/>
-          <dgm:param type="bkpt" val="bal"/>
-        </dgm:alg>
+      <dgm:else name="Name6">
+        <dgm:choose name="Name7">
+          <dgm:if name="Name8" axis="ch ch" ptType="node node" st="1 1" cnt="1 0" func="cnt" op="lte" val="1">
+            <dgm:alg type="cycle">
+              <dgm:param type="stAng" val="-90"/>
+              <dgm:param type="spanAng" val="360"/>
+              <dgm:param type="ctrShpMap" val="fNode"/>
+            </dgm:alg>
+          </dgm:if>
+          <dgm:else name="Name9">
+            <dgm:alg type="cycle">
+              <dgm:param type="stAng" val="0"/>
+              <dgm:param type="spanAng" val="-360"/>
+              <dgm:param type="ctrShpMap" val="fNode"/>
+            </dgm:alg>
+          </dgm:else>
+        </dgm:choose>
       </dgm:else>
     </dgm:choose>
     <dgm:shape xmlns:r="http://schemas.openxmlformats.org/officeDocument/2006/relationships" r:blip="">
       <dgm:adjLst/>
     </dgm:shape>
     <dgm:presOf/>
-    <dgm:constrLst>
-      <dgm:constr type="w" for="ch" forName="compNode" refType="w"/>
-      <dgm:constr type="h" for="ch" forName="compNode" refType="w" fact="0.6"/>
-      <dgm:constr type="h" for="ch" forName="sibTrans" refType="h" refFor="ch" refForName="compNode" op="equ" fact="0.25"/>
-      <dgm:constr type="sp" refType="w" fact="0.33"/>
-      <dgm:constr type="primFontSz" for="des" forName="node" op="equ" val="65"/>
-    </dgm:constrLst>
-    <dgm:ruleLst/>
-    <dgm:forEach name="nodesForEach" axis="ch" ptType="node">
-      <dgm:layoutNode name="compNode">
-        <dgm:alg type="composite"/>
-        <dgm:shape xmlns:r="http://schemas.openxmlformats.org/officeDocument/2006/relationships" r:blip="">
-          <dgm:adjLst/>
-        </dgm:shape>
-        <dgm:presOf/>
-        <dgm:choose name="Name4">
-          <dgm:if name="Name5" axis="self" func="var" arg="dir" op="equ" val="norm">
+    <dgm:choose name="Name10">
+      <dgm:if name="Name11" func="var" arg="dir" op="equ" val="norm">
+        <dgm:choose name="Name12">
+          <dgm:if name="Name13" axis="ch ch" ptType="node node" st="1 1" cnt="1 0" func="cnt" op="equ" val="1">
             <dgm:constrLst>
-              <dgm:constr type="l" for="ch" forName="dummyConnPt" refType="w" fact="0.2"/>
-              <dgm:constr type="t" for="ch" forName="dummyConnPt" refType="w" fact="0.145"/>
-              <dgm:constr type="l" for="ch" forName="node"/>
-              <dgm:constr type="t" for="ch" forName="node"/>
-              <dgm:constr type="h" for="ch" forName="node" refType="h"/>
-              <dgm:constr type="w" for="ch" forName="node" refType="w"/>
+              <dgm:constr type="diam" val="170"/>
+              <dgm:constr type="w" for="ch" forName="centerShape" refType="w"/>
+              <dgm:constr type="w" for="ch" forName="oneComp" refType="w" refFor="ch" refForName="centerShape" op="equ" fact="0.7"/>
+              <dgm:constr type="sp" refType="w" refFor="ch" refForName="oneComp" fact="0.3"/>
+              <dgm:constr type="sibSp" refType="w" refFor="ch" refForName="oneComp" fact="0.3"/>
+              <dgm:constr type="primFontSz" for="ch" forName="centerShape" val="65"/>
+              <dgm:constr type="primFontSz" for="des" forName="oneNode" refType="primFontSz" refFor="ch" refForName="centerShape" fact="0.95"/>
+              <dgm:constr type="primFontSz" for="des" forName="oneNode" refType="primFontSz" refFor="ch" refForName="centerShape" op="lte" fact="0.95"/>
+              <dgm:constr type="diam" for="ch" forName="singleconn" refType="diam" op="equ" fact="-1"/>
+              <dgm:constr type="h" for="ch" forName="singleconn" refType="w" refFor="ch" refForName="oneComp" fact="0.24"/>
+              <dgm:constr type="w" for="ch" forName="dummya" refType="w" refFor="ch" refForName="oneComp" op="equ"/>
+              <dgm:constr type="w" for="ch" forName="dummyb" refType="w" refFor="ch" refForName="oneComp" op="equ"/>
+              <dgm:constr type="w" for="ch" forName="dummyc" refType="w" refFor="ch" refForName="oneComp" op="equ"/>
             </dgm:constrLst>
           </dgm:if>
-          <dgm:else name="Name6">
+          <dgm:else name="Name14">
             <dgm:constrLst>
-              <dgm:constr type="l" for="ch" forName="dummyConnPt" refType="w" fact="0.8"/>
-              <dgm:constr type="t" for="ch" forName="dummyConnPt" refType="w" fact="0.145"/>
-              <dgm:constr type="l" for="ch" forName="node"/>
-              <dgm:constr type="t" for="ch" forName="node"/>
-              <dgm:constr type="h" for="ch" forName="node" refType="h"/>
-              <dgm:constr type="w" for="ch" forName="node" refType="w"/>
+              <dgm:constr type="diam" val="170"/>
+              <dgm:constr type="w" for="ch" forName="centerShape" refType="w"/>
+              <dgm:constr type="w" for="ch" forName="node" refType="w" refFor="ch" refForName="centerShape" op="equ" fact="0.7"/>
+              <dgm:constr type="sp" refType="w" refFor="ch" refForName="node" fact="0.3"/>
+              <dgm:constr type="sibSp" refType="w" refFor="ch" refForName="node" fact="0.3"/>
+              <dgm:constr type="primFontSz" for="ch" forName="centerShape" val="65"/>
+              <dgm:constr type="primFontSz" for="des" forName="node" refType="primFontSz" refFor="ch" refForName="centerShape" fact="0.78"/>
+              <dgm:constr type="primFontSz" for="ch" forName="node" refType="primFontSz" refFor="ch" refForName="centerShape" op="lte" fact="0.95"/>
+              <dgm:constr type="diam" for="ch" forName="sibTrans" refType="diam" op="equ"/>
+              <dgm:constr type="h" for="ch" forName="sibTrans" refType="w" refFor="ch" refForName="node" fact="0.24"/>
+              <dgm:constr type="w" for="ch" forName="dummy" val="1"/>
             </dgm:constrLst>
           </dgm:else>
         </dgm:choose>
-        <dgm:ruleLst/>
-        <dgm:layoutNode name="dummyConnPt" styleLbl="node1" moveWith="node">
-          <dgm:alg type="sp"/>
-          <dgm:shape xmlns:r="http://schemas.openxmlformats.org/officeDocument/2006/relationships" r:blip="">
-            <dgm:adjLst/>
-          </dgm:shape>
-          <dgm:presOf/>
-          <dgm:constrLst>
-            <dgm:constr type="w" val="1"/>
-            <dgm:constr type="h" val="1"/>
-          </dgm:constrLst>
-          <dgm:ruleLst/>
-        </dgm:layoutNode>
-        <dgm:layoutNode name="node">
-          <dgm:varLst>
-            <dgm:bulletEnabled val="1"/>
-          </dgm:varLst>
-          <dgm:alg type="tx"/>
-          <dgm:shape xmlns:r="http://schemas.openxmlformats.org/officeDocument/2006/relationships" type="roundRect" r:blip="">
-            <dgm:adjLst>
-              <dgm:adj idx="1" val="0.1"/>
-            </dgm:adjLst>
-          </dgm:shape>
-          <dgm:presOf axis="desOrSelf" ptType="node"/>
-          <dgm:constrLst>
-            <dgm:constr type="tMarg" refType="primFontSz" fact="0.3"/>
-            <dgm:constr type="bMarg" refType="primFontSz" fact="0.3"/>
-            <dgm:constr type="lMarg" refType="primFontSz" fact="0.3"/>
-            <dgm:constr type="rMarg" refType="primFontSz" fact="0.3"/>
-            <dgm:constr type="primFontSz" val="65"/>
-          </dgm:constrLst>
-          <dgm:ruleLst>
-            <dgm:rule type="primFontSz" val="5" fact="NaN" max="NaN"/>
-          </dgm:ruleLst>
-        </dgm:layoutNode>
+      </dgm:if>
+      <dgm:else name="Name15">
+        <dgm:choose name="Name16">
+          <dgm:if name="Name17" axis="ch ch" ptType="node node" st="1 1" cnt="1 0" func="cnt" op="equ" val="1">
+            <dgm:constrLst>
+              <dgm:constr type="diam" val="170"/>
+              <dgm:constr type="w" for="ch" forName="centerShape" refType="w"/>
+              <dgm:constr type="w" for="ch" forName="oneComp" refType="w" refFor="ch" refForName="centerShape" op="equ" fact="0.7"/>
+              <dgm:constr type="sp" refType="w" refFor="ch" refForName="oneComp" fact="0.3"/>
+              <dgm:constr type="sibSp" refType="w" refFor="ch" refForName="oneComp" fact="0.3"/>
+              <dgm:constr type="primFontSz" for="ch" forName="centerShape" val="65"/>
+              <dgm:constr type="primFontSz" for="des" forName="oneNode" refType="primFontSz" refFor="ch" refForName="centerShape" fact="0.95"/>
+              <dgm:constr type="primFontSz" for="ch" forName="oneNode" refType="primFontSz" refFor="ch" refForName="centerShape" op="lte" fact="0.95"/>
+              <dgm:constr type="diam" for="ch" forName="singleconn" refType="diam"/>
+              <dgm:constr type="h" for="ch" forName="singleconn" refType="w" refFor="ch" refForName="oneComp" fact="0.24"/>
+              <dgm:constr type="diam" for="ch" refType="diam" op="equ"/>
+              <dgm:constr type="w" for="ch" forName="dummya" refType="w" refFor="ch" refForName="oneComp" op="equ"/>
+              <dgm:constr type="w" for="ch" forName="dummyb" refType="w" refFor="ch" refForName="oneComp" op="equ"/>
+              <dgm:constr type="w" for="ch" forName="dummyc" refType="w" refFor="ch" refForName="oneComp" op="equ"/>
+            </dgm:constrLst>
+          </dgm:if>
+          <dgm:else name="Name18">
+            <dgm:constrLst>
+              <dgm:constr type="diam" val="170"/>
+              <dgm:constr type="w" for="ch" forName="centerShape" refType="w"/>
+              <dgm:constr type="w" for="ch" forName="node" refType="w" refFor="ch" refForName="centerShape" op="equ" fact="0.7"/>
+              <dgm:constr type="sp" refType="w" refFor="ch" refForName="node" fact="0.3"/>
+              <dgm:constr type="sibSp" refType="w" refFor="ch" refForName="node" fact="0.3"/>
+              <dgm:constr type="primFontSz" for="ch" forName="centerShape" val="65"/>
+              <dgm:constr type="primFontSz" for="des" forName="node" refType="primFontSz" refFor="ch" refForName="centerShape" fact="0.78"/>
+              <dgm:constr type="primFontSz" for="ch" forName="node" refType="primFontSz" refFor="ch" refForName="centerShape" op="lte" fact="0.95"/>
+              <dgm:constr type="diam" for="ch" ptType="sibTrans" refType="diam" fact="-1"/>
+              <dgm:constr type="h" for="ch" forName="sibTrans" refType="w" refFor="ch" refForName="node" fact="0.24"/>
+              <dgm:constr type="diam" for="ch" refType="diam" op="equ" fact="-1"/>
+              <dgm:constr type="w" for="ch" forName="dummy" val="1"/>
+            </dgm:constrLst>
+          </dgm:else>
+        </dgm:choose>
+      </dgm:else>
+    </dgm:choose>
+    <dgm:ruleLst>
+      <dgm:rule type="diam" val="INF" fact="NaN" max="NaN"/>
+    </dgm:ruleLst>
+    <dgm:forEach name="Name19" axis="ch" ptType="node" cnt="1">
+      <dgm:layoutNode name="centerShape" styleLbl="node0">
+        <dgm:alg type="tx"/>
+        <dgm:shape xmlns:r="http://schemas.openxmlformats.org/officeDocument/2006/relationships" type="ellipse" r:blip="">
+          <dgm:adjLst/>
+        </dgm:shape>
+        <dgm:presOf axis="self"/>
+        <dgm:constrLst>
+          <dgm:constr type="h" refType="w"/>
+          <dgm:constr type="tMarg" refType="primFontSz" fact="0.1"/>
+          <dgm:constr type="bMarg" refType="primFontSz" fact="0.1"/>
+          <dgm:constr type="lMarg" refType="primFontSz" fact="0.1"/>
+          <dgm:constr type="rMarg" refType="primFontSz" fact="0.1"/>
+        </dgm:constrLst>
+        <dgm:ruleLst>
+          <dgm:rule type="primFontSz" val="5" fact="NaN" max="NaN"/>
+        </dgm:ruleLst>
       </dgm:layoutNode>
-      <dgm:forEach name="sibTransForEach" axis="followSib" cnt="1">
-        <dgm:layoutNode name="sibTrans" styleLbl="bgSibTrans2D1">
-          <dgm:choose name="Name7">
-            <dgm:if name="Name8" axis="self" func="var" arg="dir" op="equ" val="norm">
-              <dgm:alg type="conn">
-                <dgm:param type="srcNode" val="dummyConnPt"/>
-                <dgm:param type="dstNode" val="dummyConnPt"/>
-                <dgm:param type="begPts" val="bCtr, midR, tCtr"/>
-                <dgm:param type="endPts" val="tCtr, midL, bCtr"/>
-                <dgm:param type="begSty" val="noArr"/>
-                <dgm:param type="endSty" val="noArr"/>
-              </dgm:alg>
+      <dgm:forEach name="Name20" axis="ch">
+        <dgm:forEach name="Name21" axis="self" ptType="node">
+          <dgm:choose name="Name22">
+            <dgm:if name="Name23" axis="par ch" ptType="node node" func="cnt" op="gt" val="1">
+              <dgm:layoutNode name="node" styleLbl="node1">
+                <dgm:varLst>
+                  <dgm:bulletEnabled val="1"/>
+                </dgm:varLst>
+                <dgm:alg type="tx">
+                  <dgm:param type="txAnchorVertCh" val="mid"/>
+                </dgm:alg>
+                <dgm:shape xmlns:r="http://schemas.openxmlformats.org/officeDocument/2006/relationships" type="ellipse" r:blip="">
+                  <dgm:adjLst/>
+                </dgm:shape>
+                <dgm:presOf axis="desOrSelf" ptType="node"/>
+                <dgm:constrLst>
+                  <dgm:constr type="h" refType="w"/>
+                  <dgm:constr type="tMarg" refType="primFontSz" fact="0.1"/>
+                  <dgm:constr type="bMarg" refType="primFontSz" fact="0.1"/>
+                  <dgm:constr type="lMarg" refType="primFontSz" fact="0.1"/>
+                  <dgm:constr type="rMarg" refType="primFontSz" fact="0.1"/>
+                </dgm:constrLst>
+                <dgm:ruleLst>
+                  <dgm:rule type="primFontSz" val="5" fact="NaN" max="NaN"/>
+                </dgm:ruleLst>
+              </dgm:layoutNode>
+              <dgm:layoutNode name="dummy">
+                <dgm:alg type="sp"/>
+                <dgm:shape xmlns:r="http://schemas.openxmlformats.org/officeDocument/2006/relationships" r:blip="">
+                  <dgm:adjLst/>
+                </dgm:shape>
+                <dgm:presOf/>
+                <dgm:constrLst>
+                  <dgm:constr type="h" refType="w"/>
+                </dgm:constrLst>
+                <dgm:ruleLst/>
+              </dgm:layoutNode>
+              <dgm:forEach name="sibTransForEach" axis="followSib" ptType="sibTrans" hideLastTrans="0" cnt="1">
+                <dgm:layoutNode name="sibTrans" styleLbl="sibTrans2D1">
+                  <dgm:alg type="conn">
+                    <dgm:param type="connRout" val="curve"/>
+                    <dgm:param type="begPts" val="ctr"/>
+                    <dgm:param type="endPts" val="ctr"/>
+                    <dgm:param type="begSty" val="noArr"/>
+                    <dgm:param type="endSty" val="noArr"/>
+                    <dgm:param type="dstNode" val="node"/>
+                  </dgm:alg>
+                  <dgm:shape xmlns:r="http://schemas.openxmlformats.org/officeDocument/2006/relationships" type="conn" r:blip="" zOrderOff="-999">
+                    <dgm:adjLst/>
+                  </dgm:shape>
+                  <dgm:presOf axis="self"/>
+                  <dgm:constrLst>
+                    <dgm:constr type="begPad"/>
+                    <dgm:constr type="endPad"/>
+                  </dgm:constrLst>
+                  <dgm:ruleLst/>
+                </dgm:layoutNode>
+              </dgm:forEach>
             </dgm:if>
-            <dgm:else name="Name9">
-              <dgm:alg type="conn">
-                <dgm:param type="srcNode" val="dummyConnPt"/>
-                <dgm:param type="dstNode" val="dummyConnPt"/>
-                <dgm:param type="begPts" val="bCtr, midL, tCtr"/>
-                <dgm:param type="endPts" val="tCtr, midR, bCtr"/>
-                <dgm:param type="begSty" val="noArr"/>
-                <dgm:param type="endSty" val="noArr"/>
-              </dgm:alg>
-            </dgm:else>
+            <dgm:if name="Name24" axis="par ch" ptType="node node" func="cnt" op="equ" val="1">
+              <dgm:layoutNode name="oneComp">
+                <dgm:alg type="composite">
+                  <dgm:param type="ar" val="1"/>
+                </dgm:alg>
+                <dgm:shape xmlns:r="http://schemas.openxmlformats.org/officeDocument/2006/relationships" r:blip="">
+                  <dgm:adjLst/>
+                </dgm:shape>
+                <dgm:presOf/>
+                <dgm:constrLst>
+                  <dgm:constr type="h" refType="w"/>
+                  <dgm:constr type="l" for="ch" forName="dummyConnPt" refType="w" fact="0.5"/>
+                  <dgm:constr type="t" for="ch" forName="dummyConnPt" refType="w" fact="0.5"/>
+                  <dgm:constr type="l" for="ch" forName="oneNode"/>
+                  <dgm:constr type="t" for="ch" forName="oneNode"/>
+                  <dgm:constr type="h" for="ch" forName="oneNode" refType="h"/>
+                  <dgm:constr type="w" for="ch" forName="oneNode" refType="w"/>
+                </dgm:constrLst>
+                <dgm:ruleLst/>
+                <dgm:layoutNode name="dummyConnPt" styleLbl="node1">
+                  <dgm:alg type="sp"/>
+                  <dgm:shape xmlns:r="http://schemas.openxmlformats.org/officeDocument/2006/relationships" r:blip="">
+                    <dgm:adjLst/>
+                  </dgm:shape>
+                  <dgm:presOf/>
+                  <dgm:constrLst>
+                    <dgm:constr type="w" val="1"/>
+                    <dgm:constr type="h" val="1"/>
+                  </dgm:constrLst>
+                  <dgm:ruleLst/>
+                </dgm:layoutNode>
+                <dgm:layoutNode name="oneNode" styleLbl="node1">
+                  <dgm:varLst>
+                    <dgm:bulletEnabled val="1"/>
+                  </dgm:varLst>
+                  <dgm:alg type="tx">
+                    <dgm:param type="txAnchorVertCh" val="mid"/>
+                  </dgm:alg>
+                  <dgm:shape xmlns:r="http://schemas.openxmlformats.org/officeDocument/2006/relationships" type="ellipse" r:blip="">
+                    <dgm:adjLst/>
+                  </dgm:shape>
+                  <dgm:presOf axis="desOrSelf" ptType="node"/>
+                  <dgm:constrLst>
+                    <dgm:constr type="h" refType="w"/>
+                    <dgm:constr type="tMarg" refType="primFontSz" fact="0.1"/>
+                    <dgm:constr type="bMarg" refType="primFontSz" fact="0.1"/>
+                    <dgm:constr type="lMarg" refType="primFontSz" fact="0.1"/>
+                    <dgm:constr type="rMarg" refType="primFontSz" fact="0.1"/>
+                  </dgm:constrLst>
+                  <dgm:ruleLst>
+                    <dgm:rule type="primFontSz" val="5" fact="NaN" max="NaN"/>
+                  </dgm:ruleLst>
+                </dgm:layoutNode>
+              </dgm:layoutNode>
+              <dgm:layoutNode name="dummya">
+                <dgm:alg type="sp"/>
+                <dgm:shape xmlns:r="http://schemas.openxmlformats.org/officeDocument/2006/relationships" r:blip="">
+                  <dgm:adjLst/>
+                </dgm:shape>
+                <dgm:presOf/>
+                <dgm:constrLst>
+                  <dgm:constr type="h" refType="w"/>
+                </dgm:constrLst>
+                <dgm:ruleLst/>
+              </dgm:layoutNode>
+              <dgm:layoutNode name="dummyb">
+                <dgm:alg type="sp"/>
+                <dgm:shape xmlns:r="http://schemas.openxmlformats.org/officeDocument/2006/relationships" r:blip="">
+                  <dgm:adjLst/>
+                </dgm:shape>
+                <dgm:presOf/>
+                <dgm:constrLst>
+                  <dgm:constr type="h" refType="w"/>
+                </dgm:constrLst>
+                <dgm:ruleLst/>
+              </dgm:layoutNode>
+              <dgm:layoutNode name="dummyc">
+                <dgm:alg type="sp"/>
+                <dgm:shape xmlns:r="http://schemas.openxmlformats.org/officeDocument/2006/relationships" r:blip="">
+                  <dgm:adjLst/>
+                </dgm:shape>
+                <dgm:presOf/>
+                <dgm:constrLst>
+                  <dgm:constr type="h" refType="w"/>
+                </dgm:constrLst>
+                <dgm:ruleLst/>
+              </dgm:layoutNode>
+              <dgm:forEach name="sibTransForEach1" axis="followSib" ptType="sibTrans" hideLastTrans="0" cnt="1">
+                <dgm:layoutNode name="singleconn" styleLbl="sibTrans2D1">
+                  <dgm:alg type="conn">
+                    <dgm:param type="connRout" val="longCurve"/>
+                    <dgm:param type="begPts" val="bCtr"/>
+                    <dgm:param type="endPts" val="tCtr"/>
+                    <dgm:param type="begSty" val="noArr"/>
+                    <dgm:param type="endSty" val="noArr"/>
+                    <dgm:param type="srcNode" val="dummyConnPt"/>
+                    <dgm:param type="dstNode" val="dummyConnPt"/>
+                  </dgm:alg>
+                  <dgm:shape xmlns:r="http://schemas.openxmlformats.org/officeDocument/2006/relationships" type="conn" r:blip="" zOrderOff="-999">
+                    <dgm:adjLst/>
+                  </dgm:shape>
+                  <dgm:presOf axis="self"/>
+                  <dgm:constrLst>
+                    <dgm:constr type="begPad"/>
+                    <dgm:constr type="endPad"/>
+                  </dgm:constrLst>
+                  <dgm:ruleLst/>
+                </dgm:layoutNode>
+              </dgm:forEach>
+            </dgm:if>
+            <dgm:else name="Name25"/>
           </dgm:choose>
-          <dgm:shape xmlns:r="http://schemas.openxmlformats.org/officeDocument/2006/relationships" type="conn" r:blip="" zOrderOff="-2">
-            <dgm:adjLst/>
-          </dgm:shape>
-          <dgm:presOf axis="self"/>
-          <dgm:constrLst>
-            <dgm:constr type="begPad"/>
-            <dgm:constr type="endPad"/>
-          </dgm:constrLst>
-          <dgm:ruleLst/>
-        </dgm:layoutNode>
+        </dgm:forEach>
       </dgm:forEach>
     </dgm:forEach>
   </dgm:layoutNode>
@@ -10833,7 +10483,7 @@
           <a:p>
             <a:fld id="{2598EF57-6C51-49AC-9799-C981D6D04785}" type="datetimeFigureOut">
               <a:rPr lang="en-IN" smtClean="0"/>
-              <a:t>01-12-2025</a:t>
+              <a:t>06-01-2026</a:t>
             </a:fld>
             <a:endParaRPr lang="en-IN" dirty="0"/>
           </a:p>
@@ -11033,7 +10683,7 @@
           <a:p>
             <a:fld id="{2598EF57-6C51-49AC-9799-C981D6D04785}" type="datetimeFigureOut">
               <a:rPr lang="en-IN" smtClean="0"/>
-              <a:t>01-12-2025</a:t>
+              <a:t>06-01-2026</a:t>
             </a:fld>
             <a:endParaRPr lang="en-IN" dirty="0"/>
           </a:p>
@@ -11243,7 +10893,7 @@
           <a:p>
             <a:fld id="{2598EF57-6C51-49AC-9799-C981D6D04785}" type="datetimeFigureOut">
               <a:rPr lang="en-IN" smtClean="0"/>
-              <a:t>01-12-2025</a:t>
+              <a:t>06-01-2026</a:t>
             </a:fld>
             <a:endParaRPr lang="en-IN" dirty="0"/>
           </a:p>
@@ -11443,7 +11093,7 @@
           <a:p>
             <a:fld id="{2598EF57-6C51-49AC-9799-C981D6D04785}" type="datetimeFigureOut">
               <a:rPr lang="en-IN" smtClean="0"/>
-              <a:t>01-12-2025</a:t>
+              <a:t>06-01-2026</a:t>
             </a:fld>
             <a:endParaRPr lang="en-IN" dirty="0"/>
           </a:p>
@@ -11719,7 +11369,7 @@
           <a:p>
             <a:fld id="{2598EF57-6C51-49AC-9799-C981D6D04785}" type="datetimeFigureOut">
               <a:rPr lang="en-IN" smtClean="0"/>
-              <a:t>01-12-2025</a:t>
+              <a:t>06-01-2026</a:t>
             </a:fld>
             <a:endParaRPr lang="en-IN" dirty="0"/>
           </a:p>
@@ -11987,7 +11637,7 @@
           <a:p>
             <a:fld id="{2598EF57-6C51-49AC-9799-C981D6D04785}" type="datetimeFigureOut">
               <a:rPr lang="en-IN" smtClean="0"/>
-              <a:t>01-12-2025</a:t>
+              <a:t>06-01-2026</a:t>
             </a:fld>
             <a:endParaRPr lang="en-IN" dirty="0"/>
           </a:p>
@@ -12402,7 +12052,7 @@
           <a:p>
             <a:fld id="{2598EF57-6C51-49AC-9799-C981D6D04785}" type="datetimeFigureOut">
               <a:rPr lang="en-IN" smtClean="0"/>
-              <a:t>01-12-2025</a:t>
+              <a:t>06-01-2026</a:t>
             </a:fld>
             <a:endParaRPr lang="en-IN" dirty="0"/>
           </a:p>
@@ -12544,7 +12194,7 @@
           <a:p>
             <a:fld id="{2598EF57-6C51-49AC-9799-C981D6D04785}" type="datetimeFigureOut">
               <a:rPr lang="en-IN" smtClean="0"/>
-              <a:t>01-12-2025</a:t>
+              <a:t>06-01-2026</a:t>
             </a:fld>
             <a:endParaRPr lang="en-IN" dirty="0"/>
           </a:p>
@@ -12657,7 +12307,7 @@
           <a:p>
             <a:fld id="{2598EF57-6C51-49AC-9799-C981D6D04785}" type="datetimeFigureOut">
               <a:rPr lang="en-IN" smtClean="0"/>
-              <a:t>01-12-2025</a:t>
+              <a:t>06-01-2026</a:t>
             </a:fld>
             <a:endParaRPr lang="en-IN" dirty="0"/>
           </a:p>
@@ -12970,7 +12620,7 @@
           <a:p>
             <a:fld id="{2598EF57-6C51-49AC-9799-C981D6D04785}" type="datetimeFigureOut">
               <a:rPr lang="en-IN" smtClean="0"/>
-              <a:t>01-12-2025</a:t>
+              <a:t>06-01-2026</a:t>
             </a:fld>
             <a:endParaRPr lang="en-IN" dirty="0"/>
           </a:p>
@@ -13259,7 +12909,7 @@
           <a:p>
             <a:fld id="{2598EF57-6C51-49AC-9799-C981D6D04785}" type="datetimeFigureOut">
               <a:rPr lang="en-IN" smtClean="0"/>
-              <a:t>01-12-2025</a:t>
+              <a:t>06-01-2026</a:t>
             </a:fld>
             <a:endParaRPr lang="en-IN" dirty="0"/>
           </a:p>
@@ -13502,7 +13152,7 @@
           <a:p>
             <a:fld id="{2598EF57-6C51-49AC-9799-C981D6D04785}" type="datetimeFigureOut">
               <a:rPr lang="en-IN" smtClean="0"/>
-              <a:t>01-12-2025</a:t>
+              <a:t>06-01-2026</a:t>
             </a:fld>
             <a:endParaRPr lang="en-IN" dirty="0"/>
           </a:p>
@@ -15802,7 +15452,13 @@
   <p:cSld>
     <p:spTree>
       <p:nvGrpSpPr>
-        <p:cNvPr id="1" name=""/>
+        <p:cNvPr id="1" name="">
+          <a:extLst>
+            <a:ext uri="{FF2B5EF4-FFF2-40B4-BE49-F238E27FC236}">
+              <a16:creationId xmlns:a16="http://schemas.microsoft.com/office/drawing/2014/main" id="{EB23A412-DB2F-FFAF-4C13-2629A8D7A2E7}"/>
+            </a:ext>
+          </a:extLst>
+        </p:cNvPr>
         <p:cNvGrpSpPr/>
         <p:nvPr/>
       </p:nvGrpSpPr>
@@ -15819,7 +15475,7 @@
           <p:cNvPr id="2" name="Rectangle 1">
             <a:extLst>
               <a:ext uri="{FF2B5EF4-FFF2-40B4-BE49-F238E27FC236}">
-                <a16:creationId xmlns:a16="http://schemas.microsoft.com/office/drawing/2014/main" id="{ACEEDBB4-325B-B27F-25DD-616623CFB470}"/>
+                <a16:creationId xmlns:a16="http://schemas.microsoft.com/office/drawing/2014/main" id="{4EC6C5E9-7675-D803-8EC9-88B537748128}"/>
               </a:ext>
             </a:extLst>
           </p:cNvPr>
@@ -15862,10 +15518,11 @@
           </a:bodyPr>
           <a:lstStyle/>
           <a:p>
+            <a:pPr algn="ctr"/>
             <a:r>
-              <a:rPr lang="en-GB" dirty="0">
+              <a:rPr lang="en-GB" sz="1100" dirty="0">
                 <a:solidFill>
-                  <a:schemeClr val="tx1"/>
+                  <a:schemeClr val="bg1"/>
                 </a:solidFill>
               </a:rPr>
               <a:t>MCP Server</a:t>
@@ -15878,7 +15535,7 @@
           <p:cNvPr id="3" name="Rectangle 2">
             <a:extLst>
               <a:ext uri="{FF2B5EF4-FFF2-40B4-BE49-F238E27FC236}">
-                <a16:creationId xmlns:a16="http://schemas.microsoft.com/office/drawing/2014/main" id="{C2094E2A-689D-020D-F026-5A6FD713AEDF}"/>
+                <a16:creationId xmlns:a16="http://schemas.microsoft.com/office/drawing/2014/main" id="{2816C381-2089-5210-2E26-C033ED43E6F5}"/>
               </a:ext>
             </a:extLst>
           </p:cNvPr>
@@ -15921,10 +15578,11 @@
           </a:bodyPr>
           <a:lstStyle/>
           <a:p>
+            <a:pPr algn="ctr"/>
             <a:r>
-              <a:rPr lang="en-GB" dirty="0">
+              <a:rPr lang="en-GB" sz="1100" dirty="0">
                 <a:solidFill>
-                  <a:schemeClr val="tx1"/>
+                  <a:schemeClr val="bg1"/>
                 </a:solidFill>
               </a:rPr>
               <a:t>MCP Server</a:t>
@@ -15937,7 +15595,7 @@
           <p:cNvPr id="4" name="Rectangle 3">
             <a:extLst>
               <a:ext uri="{FF2B5EF4-FFF2-40B4-BE49-F238E27FC236}">
-                <a16:creationId xmlns:a16="http://schemas.microsoft.com/office/drawing/2014/main" id="{93DEFC8D-8FFC-32B4-19B7-9D00206A8442}"/>
+                <a16:creationId xmlns:a16="http://schemas.microsoft.com/office/drawing/2014/main" id="{C90B1F54-8E9B-49A8-096A-60AF5C3A256E}"/>
               </a:ext>
             </a:extLst>
           </p:cNvPr>
@@ -15980,10 +15638,11 @@
           </a:bodyPr>
           <a:lstStyle/>
           <a:p>
+            <a:pPr algn="ctr"/>
             <a:r>
-              <a:rPr lang="en-GB" dirty="0">
+              <a:rPr lang="en-GB" sz="1100" dirty="0">
                 <a:solidFill>
-                  <a:schemeClr val="tx1"/>
+                  <a:schemeClr val="bg1"/>
                 </a:solidFill>
               </a:rPr>
               <a:t>MCP Server</a:t>
@@ -15996,7 +15655,7 @@
           <p:cNvPr id="5" name="Rectangle 4">
             <a:extLst>
               <a:ext uri="{FF2B5EF4-FFF2-40B4-BE49-F238E27FC236}">
-                <a16:creationId xmlns:a16="http://schemas.microsoft.com/office/drawing/2014/main" id="{7176EC6C-AC38-EB3D-A3DB-EC655314A1CB}"/>
+                <a16:creationId xmlns:a16="http://schemas.microsoft.com/office/drawing/2014/main" id="{98565DF0-EE91-F2D5-D6DD-AAF06233EB9D}"/>
               </a:ext>
             </a:extLst>
           </p:cNvPr>
@@ -16039,10 +15698,11 @@
           </a:bodyPr>
           <a:lstStyle/>
           <a:p>
+            <a:pPr algn="ctr"/>
             <a:r>
-              <a:rPr lang="en-GB" dirty="0">
+              <a:rPr lang="en-GB" sz="1100" dirty="0">
                 <a:solidFill>
-                  <a:schemeClr val="tx1"/>
+                  <a:schemeClr val="bg1"/>
                 </a:solidFill>
               </a:rPr>
               <a:t>MCP Server</a:t>
@@ -16055,7 +15715,7 @@
           <p:cNvPr id="8" name="Rectangle 7">
             <a:extLst>
               <a:ext uri="{FF2B5EF4-FFF2-40B4-BE49-F238E27FC236}">
-                <a16:creationId xmlns:a16="http://schemas.microsoft.com/office/drawing/2014/main" id="{FC82E3FA-0A2B-6A91-0DD1-E14775ED535E}"/>
+                <a16:creationId xmlns:a16="http://schemas.microsoft.com/office/drawing/2014/main" id="{17D33CA3-F276-2C16-54B6-930560A77FE6}"/>
               </a:ext>
             </a:extLst>
           </p:cNvPr>
@@ -16098,8 +15758,13 @@
           </a:bodyPr>
           <a:lstStyle/>
           <a:p>
+            <a:pPr algn="ctr"/>
             <a:r>
-              <a:rPr lang="en-GB" dirty="0"/>
+              <a:rPr lang="en-GB" sz="1100" dirty="0">
+                <a:solidFill>
+                  <a:schemeClr val="bg1"/>
+                </a:solidFill>
+              </a:rPr>
               <a:t>Agent</a:t>
             </a:r>
           </a:p>
@@ -16110,7 +15775,7 @@
           <p:cNvPr id="9" name="Rectangle 8">
             <a:extLst>
               <a:ext uri="{FF2B5EF4-FFF2-40B4-BE49-F238E27FC236}">
-                <a16:creationId xmlns:a16="http://schemas.microsoft.com/office/drawing/2014/main" id="{9D9EED6C-80D3-5F35-562E-8B3DBEB95F8E}"/>
+                <a16:creationId xmlns:a16="http://schemas.microsoft.com/office/drawing/2014/main" id="{0AD81C68-5986-78C4-1BEB-94A256473E9A}"/>
               </a:ext>
             </a:extLst>
           </p:cNvPr>
@@ -16153,10 +15818,11 @@
           </a:bodyPr>
           <a:lstStyle/>
           <a:p>
+            <a:pPr algn="ctr"/>
             <a:r>
-              <a:rPr lang="en-GB" dirty="0">
+              <a:rPr lang="en-GB" sz="1100" dirty="0">
                 <a:solidFill>
-                  <a:schemeClr val="tx1"/>
+                  <a:schemeClr val="bg1"/>
                 </a:solidFill>
               </a:rPr>
               <a:t>Agent</a:t>
@@ -16169,7 +15835,7 @@
           <p:cNvPr id="10" name="Rectangle 9">
             <a:extLst>
               <a:ext uri="{FF2B5EF4-FFF2-40B4-BE49-F238E27FC236}">
-                <a16:creationId xmlns:a16="http://schemas.microsoft.com/office/drawing/2014/main" id="{1D7E4232-55D5-401B-29C4-40E8FD6E151B}"/>
+                <a16:creationId xmlns:a16="http://schemas.microsoft.com/office/drawing/2014/main" id="{D1A9DFB0-5909-3C3E-F8C5-B65A537C85D2}"/>
               </a:ext>
             </a:extLst>
           </p:cNvPr>
@@ -16212,10 +15878,11 @@
           </a:bodyPr>
           <a:lstStyle/>
           <a:p>
+            <a:pPr algn="ctr"/>
             <a:r>
-              <a:rPr lang="en-GB" dirty="0">
+              <a:rPr lang="en-GB" sz="1100" dirty="0">
                 <a:solidFill>
-                  <a:schemeClr val="tx1"/>
+                  <a:schemeClr val="bg1"/>
                 </a:solidFill>
               </a:rPr>
               <a:t>Agent</a:t>
@@ -16228,7 +15895,7 @@
           <p:cNvPr id="11" name="Rectangle 10">
             <a:extLst>
               <a:ext uri="{FF2B5EF4-FFF2-40B4-BE49-F238E27FC236}">
-                <a16:creationId xmlns:a16="http://schemas.microsoft.com/office/drawing/2014/main" id="{64926BF8-6E4E-AFD1-37DC-4DE36B91C820}"/>
+                <a16:creationId xmlns:a16="http://schemas.microsoft.com/office/drawing/2014/main" id="{A7CB054A-11E2-F2D4-3049-C0441D6C0099}"/>
               </a:ext>
             </a:extLst>
           </p:cNvPr>
@@ -16244,37 +15911,38 @@
             <a:avLst/>
           </a:prstGeom>
           <a:solidFill>
-            <a:schemeClr val="accent2">
-              <a:lumMod val="60000"/>
-              <a:lumOff val="40000"/>
-            </a:schemeClr>
+            <a:srgbClr val="0F9ED5">
+              <a:hueOff val="0"/>
+              <a:satOff val="0"/>
+              <a:lumOff val="0"/>
+              <a:alphaOff val="0"/>
+            </a:srgbClr>
           </a:solidFill>
+          <a:ln w="19050" cap="flat" cmpd="sng" algn="ctr">
+            <a:solidFill>
+              <a:prstClr val="white">
+                <a:hueOff val="0"/>
+                <a:satOff val="0"/>
+                <a:lumOff val="0"/>
+                <a:alphaOff val="0"/>
+              </a:prstClr>
+            </a:solidFill>
+            <a:prstDash val="solid"/>
+            <a:miter lim="800000"/>
+          </a:ln>
+          <a:effectLst/>
         </p:spPr>
-        <p:style>
-          <a:lnRef idx="2">
-            <a:schemeClr val="accent1">
-              <a:shade val="15000"/>
-            </a:schemeClr>
-          </a:lnRef>
-          <a:fillRef idx="1">
-            <a:schemeClr val="accent1"/>
-          </a:fillRef>
-          <a:effectRef idx="0">
-            <a:schemeClr val="accent1"/>
-          </a:effectRef>
-          <a:fontRef idx="minor">
-            <a:schemeClr val="lt1"/>
-          </a:fontRef>
-        </p:style>
         <p:txBody>
-          <a:bodyPr rtlCol="0" anchor="ctr"/>
+          <a:bodyPr spcFirstLastPara="0" vert="horz" wrap="square" lIns="68580" tIns="68580" rIns="68580" bIns="68580" numCol="1" spcCol="1270" anchor="ctr" anchorCtr="0">
+            <a:noAutofit/>
+          </a:bodyPr>
           <a:lstStyle/>
           <a:p>
             <a:pPr algn="ctr"/>
             <a:r>
-              <a:rPr lang="en-GB" sz="1000" dirty="0">
+              <a:rPr lang="en-GB" sz="1100" dirty="0">
                 <a:solidFill>
-                  <a:schemeClr val="tx1"/>
+                  <a:schemeClr val="bg1"/>
                 </a:solidFill>
               </a:rPr>
               <a:t>Agent</a:t>
@@ -16287,7 +15955,7 @@
           <p:cNvPr id="14" name="Straight Arrow Connector 13">
             <a:extLst>
               <a:ext uri="{FF2B5EF4-FFF2-40B4-BE49-F238E27FC236}">
-                <a16:creationId xmlns:a16="http://schemas.microsoft.com/office/drawing/2014/main" id="{36B8C550-A20F-684C-5093-4AFD75137339}"/>
+                <a16:creationId xmlns:a16="http://schemas.microsoft.com/office/drawing/2014/main" id="{D34B4544-0E36-8DC0-646F-CD14CC8F627B}"/>
               </a:ext>
             </a:extLst>
           </p:cNvPr>
@@ -16330,7 +15998,7 @@
           <p:cNvPr id="16" name="Straight Arrow Connector 15">
             <a:extLst>
               <a:ext uri="{FF2B5EF4-FFF2-40B4-BE49-F238E27FC236}">
-                <a16:creationId xmlns:a16="http://schemas.microsoft.com/office/drawing/2014/main" id="{A4D4A449-8AD5-8D1C-84F6-7FE9E8893F7C}"/>
+                <a16:creationId xmlns:a16="http://schemas.microsoft.com/office/drawing/2014/main" id="{B1A9AD98-9CC1-36B7-0EE7-D651C49BFFA3}"/>
               </a:ext>
             </a:extLst>
           </p:cNvPr>
@@ -16373,7 +16041,7 @@
           <p:cNvPr id="18" name="Straight Arrow Connector 17">
             <a:extLst>
               <a:ext uri="{FF2B5EF4-FFF2-40B4-BE49-F238E27FC236}">
-                <a16:creationId xmlns:a16="http://schemas.microsoft.com/office/drawing/2014/main" id="{E63AEB94-C56C-BD43-1F3E-69EE9F09B6AF}"/>
+                <a16:creationId xmlns:a16="http://schemas.microsoft.com/office/drawing/2014/main" id="{7A14A085-E31B-864A-C603-059178594817}"/>
               </a:ext>
             </a:extLst>
           </p:cNvPr>
@@ -16416,7 +16084,7 @@
           <p:cNvPr id="20" name="Straight Arrow Connector 19">
             <a:extLst>
               <a:ext uri="{FF2B5EF4-FFF2-40B4-BE49-F238E27FC236}">
-                <a16:creationId xmlns:a16="http://schemas.microsoft.com/office/drawing/2014/main" id="{98CB5A9C-9194-2CE6-6F2E-4B74CDCAB4DF}"/>
+                <a16:creationId xmlns:a16="http://schemas.microsoft.com/office/drawing/2014/main" id="{752DC9B8-AD0C-3394-CF3D-C7F94B91C4D3}"/>
               </a:ext>
             </a:extLst>
           </p:cNvPr>
@@ -16459,7 +16127,7 @@
           <p:cNvPr id="22" name="Straight Arrow Connector 21">
             <a:extLst>
               <a:ext uri="{FF2B5EF4-FFF2-40B4-BE49-F238E27FC236}">
-                <a16:creationId xmlns:a16="http://schemas.microsoft.com/office/drawing/2014/main" id="{81B657DC-3017-5084-D4CA-C6D2411C9A6D}"/>
+                <a16:creationId xmlns:a16="http://schemas.microsoft.com/office/drawing/2014/main" id="{EF4C51AF-C1DE-7F80-D2EB-38B9254C114E}"/>
               </a:ext>
             </a:extLst>
           </p:cNvPr>
@@ -16503,7 +16171,7 @@
           <p:cNvPr id="24" name="Straight Arrow Connector 23">
             <a:extLst>
               <a:ext uri="{FF2B5EF4-FFF2-40B4-BE49-F238E27FC236}">
-                <a16:creationId xmlns:a16="http://schemas.microsoft.com/office/drawing/2014/main" id="{36FB9606-9E84-108D-3D09-CC265443CC76}"/>
+                <a16:creationId xmlns:a16="http://schemas.microsoft.com/office/drawing/2014/main" id="{1556085A-4454-FAA6-60EE-DF3D68F4A5FA}"/>
               </a:ext>
             </a:extLst>
           </p:cNvPr>
@@ -16546,7 +16214,7 @@
           <p:cNvPr id="26" name="Straight Arrow Connector 25">
             <a:extLst>
               <a:ext uri="{FF2B5EF4-FFF2-40B4-BE49-F238E27FC236}">
-                <a16:creationId xmlns:a16="http://schemas.microsoft.com/office/drawing/2014/main" id="{655A81C7-A1BE-88E4-F1F9-7B647C157764}"/>
+                <a16:creationId xmlns:a16="http://schemas.microsoft.com/office/drawing/2014/main" id="{0F4E7D36-CBAF-8884-8F16-39EF5FBF3286}"/>
               </a:ext>
             </a:extLst>
           </p:cNvPr>
@@ -16589,7 +16257,7 @@
           <p:cNvPr id="28" name="Straight Arrow Connector 27">
             <a:extLst>
               <a:ext uri="{FF2B5EF4-FFF2-40B4-BE49-F238E27FC236}">
-                <a16:creationId xmlns:a16="http://schemas.microsoft.com/office/drawing/2014/main" id="{048008EF-AC77-4610-91CD-11007F675ECF}"/>
+                <a16:creationId xmlns:a16="http://schemas.microsoft.com/office/drawing/2014/main" id="{BBBB9B36-D708-595E-1B16-26335C456927}"/>
               </a:ext>
             </a:extLst>
           </p:cNvPr>
@@ -16632,7 +16300,7 @@
           <p:cNvPr id="30" name="Straight Arrow Connector 29">
             <a:extLst>
               <a:ext uri="{FF2B5EF4-FFF2-40B4-BE49-F238E27FC236}">
-                <a16:creationId xmlns:a16="http://schemas.microsoft.com/office/drawing/2014/main" id="{9FACC2F9-16C4-534A-7A82-97097C050E33}"/>
+                <a16:creationId xmlns:a16="http://schemas.microsoft.com/office/drawing/2014/main" id="{503533FA-2F6E-6E61-3885-4671C560D962}"/>
               </a:ext>
             </a:extLst>
           </p:cNvPr>
@@ -16675,7 +16343,7 @@
           <p:cNvPr id="32" name="Straight Arrow Connector 31">
             <a:extLst>
               <a:ext uri="{FF2B5EF4-FFF2-40B4-BE49-F238E27FC236}">
-                <a16:creationId xmlns:a16="http://schemas.microsoft.com/office/drawing/2014/main" id="{ED9A37FD-1E07-E0C4-A308-EBD49E5FC080}"/>
+                <a16:creationId xmlns:a16="http://schemas.microsoft.com/office/drawing/2014/main" id="{600CCC26-2BFD-3411-F237-9A367CF37CFC}"/>
               </a:ext>
             </a:extLst>
           </p:cNvPr>
@@ -16719,7 +16387,7 @@
           <p:cNvPr id="38" name="Straight Arrow Connector 37">
             <a:extLst>
               <a:ext uri="{FF2B5EF4-FFF2-40B4-BE49-F238E27FC236}">
-                <a16:creationId xmlns:a16="http://schemas.microsoft.com/office/drawing/2014/main" id="{FE2CD4ED-955B-060A-3B34-3265F83C74D3}"/>
+                <a16:creationId xmlns:a16="http://schemas.microsoft.com/office/drawing/2014/main" id="{97803BF0-B48B-CA29-2956-2D90B6FD1731}"/>
               </a:ext>
             </a:extLst>
           </p:cNvPr>
@@ -16763,7 +16431,7 @@
           <p:cNvPr id="41" name="Straight Arrow Connector 40">
             <a:extLst>
               <a:ext uri="{FF2B5EF4-FFF2-40B4-BE49-F238E27FC236}">
-                <a16:creationId xmlns:a16="http://schemas.microsoft.com/office/drawing/2014/main" id="{A2C88B38-EA9D-705F-5721-C2CCC60032F7}"/>
+                <a16:creationId xmlns:a16="http://schemas.microsoft.com/office/drawing/2014/main" id="{6D721E15-DF47-3784-5AC2-20207300FF45}"/>
               </a:ext>
             </a:extLst>
           </p:cNvPr>
@@ -16807,7 +16475,7 @@
           <p:cNvPr id="44" name="Straight Arrow Connector 43">
             <a:extLst>
               <a:ext uri="{FF2B5EF4-FFF2-40B4-BE49-F238E27FC236}">
-                <a16:creationId xmlns:a16="http://schemas.microsoft.com/office/drawing/2014/main" id="{56D9C94A-1E5C-F9A4-3E50-02436628B652}"/>
+                <a16:creationId xmlns:a16="http://schemas.microsoft.com/office/drawing/2014/main" id="{814B2C2C-3A73-F952-142F-E1FF7B0140CC}"/>
               </a:ext>
             </a:extLst>
           </p:cNvPr>
@@ -16851,7 +16519,7 @@
           <p:cNvPr id="47" name="Straight Arrow Connector 46">
             <a:extLst>
               <a:ext uri="{FF2B5EF4-FFF2-40B4-BE49-F238E27FC236}">
-                <a16:creationId xmlns:a16="http://schemas.microsoft.com/office/drawing/2014/main" id="{BEDBC4A7-9628-D513-F637-829038DB11AE}"/>
+                <a16:creationId xmlns:a16="http://schemas.microsoft.com/office/drawing/2014/main" id="{83F18B8F-E26B-04E4-AE80-D908603E03BA}"/>
               </a:ext>
             </a:extLst>
           </p:cNvPr>
@@ -16895,7 +16563,7 @@
           <p:cNvPr id="50" name="Straight Arrow Connector 49">
             <a:extLst>
               <a:ext uri="{FF2B5EF4-FFF2-40B4-BE49-F238E27FC236}">
-                <a16:creationId xmlns:a16="http://schemas.microsoft.com/office/drawing/2014/main" id="{0197DAD0-5D0A-093A-E586-920915C03442}"/>
+                <a16:creationId xmlns:a16="http://schemas.microsoft.com/office/drawing/2014/main" id="{9EE3DC3B-0F1A-DF93-22F4-AA2D5F38E2D3}"/>
               </a:ext>
             </a:extLst>
           </p:cNvPr>
@@ -16939,7 +16607,7 @@
           <p:cNvPr id="53" name="Straight Arrow Connector 52">
             <a:extLst>
               <a:ext uri="{FF2B5EF4-FFF2-40B4-BE49-F238E27FC236}">
-                <a16:creationId xmlns:a16="http://schemas.microsoft.com/office/drawing/2014/main" id="{41866AFA-9092-AE91-A348-44674B4B014E}"/>
+                <a16:creationId xmlns:a16="http://schemas.microsoft.com/office/drawing/2014/main" id="{B03FAB3E-0CE5-C295-DBF4-5506F3F2B73A}"/>
               </a:ext>
             </a:extLst>
           </p:cNvPr>
@@ -16983,7 +16651,7 @@
           <p:cNvPr id="56" name="Rectangle 55">
             <a:extLst>
               <a:ext uri="{FF2B5EF4-FFF2-40B4-BE49-F238E27FC236}">
-                <a16:creationId xmlns:a16="http://schemas.microsoft.com/office/drawing/2014/main" id="{84CF636B-99EA-6A25-8C32-24AD32DADCB5}"/>
+                <a16:creationId xmlns:a16="http://schemas.microsoft.com/office/drawing/2014/main" id="{88D31F95-1256-0556-8AB9-2704707EED25}"/>
               </a:ext>
             </a:extLst>
           </p:cNvPr>
@@ -17028,7 +16696,7 @@
           <a:p>
             <a:pPr algn="ctr"/>
             <a:r>
-              <a:rPr lang="en-GB" sz="1000" dirty="0">
+              <a:rPr lang="en-GB" sz="1100" dirty="0">
                 <a:solidFill>
                   <a:schemeClr val="bg1"/>
                 </a:solidFill>
@@ -17039,7 +16707,7 @@
           <a:p>
             <a:pPr algn="ctr"/>
             <a:r>
-              <a:rPr lang="en-GB" sz="1000" dirty="0">
+              <a:rPr lang="en-GB" sz="1100" dirty="0">
                 <a:solidFill>
                   <a:schemeClr val="bg1"/>
                 </a:solidFill>
@@ -17054,7 +16722,7 @@
           <p:cNvPr id="57" name="Rectangle 56">
             <a:extLst>
               <a:ext uri="{FF2B5EF4-FFF2-40B4-BE49-F238E27FC236}">
-                <a16:creationId xmlns:a16="http://schemas.microsoft.com/office/drawing/2014/main" id="{F81FA0C1-15B7-5B3D-7077-A7C94EB2FD6E}"/>
+                <a16:creationId xmlns:a16="http://schemas.microsoft.com/office/drawing/2014/main" id="{EDF11972-5541-D0BE-7899-8500BC8B7AA2}"/>
               </a:ext>
             </a:extLst>
           </p:cNvPr>
@@ -17097,10 +16765,11 @@
           </a:bodyPr>
           <a:lstStyle/>
           <a:p>
+            <a:pPr algn="ctr"/>
             <a:r>
-              <a:rPr lang="en-GB" dirty="0">
+              <a:rPr lang="en-GB" sz="1100" dirty="0">
                 <a:solidFill>
-                  <a:schemeClr val="tx1"/>
+                  <a:schemeClr val="bg1"/>
                 </a:solidFill>
               </a:rPr>
               <a:t>MCP Server</a:t>
@@ -17113,7 +16782,7 @@
           <p:cNvPr id="58" name="Rectangle 57">
             <a:extLst>
               <a:ext uri="{FF2B5EF4-FFF2-40B4-BE49-F238E27FC236}">
-                <a16:creationId xmlns:a16="http://schemas.microsoft.com/office/drawing/2014/main" id="{BE9C2449-93C3-6915-8266-E68797D2E9D1}"/>
+                <a16:creationId xmlns:a16="http://schemas.microsoft.com/office/drawing/2014/main" id="{0674692E-8E25-9292-B7B0-237F1BFA8D8E}"/>
               </a:ext>
             </a:extLst>
           </p:cNvPr>
@@ -17156,10 +16825,11 @@
           </a:bodyPr>
           <a:lstStyle/>
           <a:p>
+            <a:pPr algn="ctr"/>
             <a:r>
-              <a:rPr lang="en-GB" dirty="0">
+              <a:rPr lang="en-GB" sz="1100" dirty="0">
                 <a:solidFill>
-                  <a:schemeClr val="tx1"/>
+                  <a:schemeClr val="bg1"/>
                 </a:solidFill>
               </a:rPr>
               <a:t>MCP Server</a:t>
@@ -17172,7 +16842,7 @@
           <p:cNvPr id="59" name="Rectangle 58">
             <a:extLst>
               <a:ext uri="{FF2B5EF4-FFF2-40B4-BE49-F238E27FC236}">
-                <a16:creationId xmlns:a16="http://schemas.microsoft.com/office/drawing/2014/main" id="{EC740E7E-18C8-962D-37FC-9FDBC81DBA30}"/>
+                <a16:creationId xmlns:a16="http://schemas.microsoft.com/office/drawing/2014/main" id="{F373F8FA-5765-62AB-3546-6D2E534B1EA9}"/>
               </a:ext>
             </a:extLst>
           </p:cNvPr>
@@ -17215,8 +16885,13 @@
           </a:bodyPr>
           <a:lstStyle/>
           <a:p>
+            <a:pPr algn="ctr"/>
             <a:r>
-              <a:rPr lang="en-GB" dirty="0"/>
+              <a:rPr lang="en-GB" sz="1100" dirty="0">
+                <a:solidFill>
+                  <a:schemeClr val="bg1"/>
+                </a:solidFill>
+              </a:rPr>
               <a:t>MCP Server</a:t>
             </a:r>
           </a:p>
@@ -17227,7 +16902,7 @@
           <p:cNvPr id="60" name="Rectangle 59">
             <a:extLst>
               <a:ext uri="{FF2B5EF4-FFF2-40B4-BE49-F238E27FC236}">
-                <a16:creationId xmlns:a16="http://schemas.microsoft.com/office/drawing/2014/main" id="{DCE0B0A6-F957-608F-1D71-3B6EFFAA39EC}"/>
+                <a16:creationId xmlns:a16="http://schemas.microsoft.com/office/drawing/2014/main" id="{6B609B85-68DE-0AD4-3FA3-4FC706079CA3}"/>
               </a:ext>
             </a:extLst>
           </p:cNvPr>
@@ -17270,8 +16945,13 @@
           </a:bodyPr>
           <a:lstStyle/>
           <a:p>
+            <a:pPr algn="ctr"/>
             <a:r>
-              <a:rPr lang="en-GB" dirty="0"/>
+              <a:rPr lang="en-GB" sz="1100" dirty="0">
+                <a:solidFill>
+                  <a:schemeClr val="bg1"/>
+                </a:solidFill>
+              </a:rPr>
               <a:t>MCP Server</a:t>
             </a:r>
           </a:p>
@@ -17282,7 +16962,7 @@
           <p:cNvPr id="61" name="Rectangle 60">
             <a:extLst>
               <a:ext uri="{FF2B5EF4-FFF2-40B4-BE49-F238E27FC236}">
-                <a16:creationId xmlns:a16="http://schemas.microsoft.com/office/drawing/2014/main" id="{A023B352-2ACE-5A56-F22F-3B998FE825A1}"/>
+                <a16:creationId xmlns:a16="http://schemas.microsoft.com/office/drawing/2014/main" id="{52FB467B-05FD-8D09-12E4-0EE5C1AA9B51}"/>
               </a:ext>
             </a:extLst>
           </p:cNvPr>
@@ -17298,37 +16978,38 @@
             <a:avLst/>
           </a:prstGeom>
           <a:solidFill>
-            <a:schemeClr val="accent2">
-              <a:lumMod val="60000"/>
-              <a:lumOff val="40000"/>
-            </a:schemeClr>
+            <a:srgbClr val="0F9ED5">
+              <a:hueOff val="0"/>
+              <a:satOff val="0"/>
+              <a:lumOff val="0"/>
+              <a:alphaOff val="0"/>
+            </a:srgbClr>
           </a:solidFill>
+          <a:ln w="19050" cap="flat" cmpd="sng" algn="ctr">
+            <a:solidFill>
+              <a:prstClr val="white">
+                <a:hueOff val="0"/>
+                <a:satOff val="0"/>
+                <a:lumOff val="0"/>
+                <a:alphaOff val="0"/>
+              </a:prstClr>
+            </a:solidFill>
+            <a:prstDash val="solid"/>
+            <a:miter lim="800000"/>
+          </a:ln>
+          <a:effectLst/>
         </p:spPr>
-        <p:style>
-          <a:lnRef idx="2">
-            <a:schemeClr val="accent1">
-              <a:shade val="15000"/>
-            </a:schemeClr>
-          </a:lnRef>
-          <a:fillRef idx="1">
-            <a:schemeClr val="accent1"/>
-          </a:fillRef>
-          <a:effectRef idx="0">
-            <a:schemeClr val="accent1"/>
-          </a:effectRef>
-          <a:fontRef idx="minor">
-            <a:schemeClr val="lt1"/>
-          </a:fontRef>
-        </p:style>
         <p:txBody>
-          <a:bodyPr rtlCol="0" anchor="ctr"/>
+          <a:bodyPr spcFirstLastPara="0" vert="horz" wrap="square" lIns="68580" tIns="68580" rIns="68580" bIns="68580" numCol="1" spcCol="1270" anchor="ctr" anchorCtr="0">
+            <a:noAutofit/>
+          </a:bodyPr>
           <a:lstStyle/>
           <a:p>
             <a:pPr algn="ctr"/>
             <a:r>
-              <a:rPr lang="en-GB" sz="1000" dirty="0">
+              <a:rPr lang="en-GB" sz="1100" dirty="0">
                 <a:solidFill>
-                  <a:schemeClr val="tx1"/>
+                  <a:schemeClr val="bg1"/>
                 </a:solidFill>
               </a:rPr>
               <a:t>Agent</a:t>
@@ -17341,7 +17022,7 @@
           <p:cNvPr id="62" name="Rectangle 61">
             <a:extLst>
               <a:ext uri="{FF2B5EF4-FFF2-40B4-BE49-F238E27FC236}">
-                <a16:creationId xmlns:a16="http://schemas.microsoft.com/office/drawing/2014/main" id="{D39CFA8F-B16D-802B-90C6-C9137806ED5F}"/>
+                <a16:creationId xmlns:a16="http://schemas.microsoft.com/office/drawing/2014/main" id="{DC16ABA7-484D-CF57-782C-9636933ADF5E}"/>
               </a:ext>
             </a:extLst>
           </p:cNvPr>
@@ -17357,37 +17038,38 @@
             <a:avLst/>
           </a:prstGeom>
           <a:solidFill>
-            <a:schemeClr val="accent2">
-              <a:lumMod val="60000"/>
-              <a:lumOff val="40000"/>
-            </a:schemeClr>
+            <a:srgbClr val="0F9ED5">
+              <a:hueOff val="0"/>
+              <a:satOff val="0"/>
+              <a:lumOff val="0"/>
+              <a:alphaOff val="0"/>
+            </a:srgbClr>
           </a:solidFill>
+          <a:ln w="19050" cap="flat" cmpd="sng" algn="ctr">
+            <a:solidFill>
+              <a:prstClr val="white">
+                <a:hueOff val="0"/>
+                <a:satOff val="0"/>
+                <a:lumOff val="0"/>
+                <a:alphaOff val="0"/>
+              </a:prstClr>
+            </a:solidFill>
+            <a:prstDash val="solid"/>
+            <a:miter lim="800000"/>
+          </a:ln>
+          <a:effectLst/>
         </p:spPr>
-        <p:style>
-          <a:lnRef idx="2">
-            <a:schemeClr val="accent1">
-              <a:shade val="15000"/>
-            </a:schemeClr>
-          </a:lnRef>
-          <a:fillRef idx="1">
-            <a:schemeClr val="accent1"/>
-          </a:fillRef>
-          <a:effectRef idx="0">
-            <a:schemeClr val="accent1"/>
-          </a:effectRef>
-          <a:fontRef idx="minor">
-            <a:schemeClr val="lt1"/>
-          </a:fontRef>
-        </p:style>
         <p:txBody>
-          <a:bodyPr rtlCol="0" anchor="ctr"/>
+          <a:bodyPr spcFirstLastPara="0" vert="horz" wrap="square" lIns="68580" tIns="68580" rIns="68580" bIns="68580" numCol="1" spcCol="1270" anchor="ctr" anchorCtr="0">
+            <a:noAutofit/>
+          </a:bodyPr>
           <a:lstStyle/>
           <a:p>
             <a:pPr algn="ctr"/>
             <a:r>
-              <a:rPr lang="en-GB" sz="1000" dirty="0">
+              <a:rPr lang="en-GB" sz="1100" dirty="0">
                 <a:solidFill>
-                  <a:schemeClr val="tx1"/>
+                  <a:schemeClr val="bg1"/>
                 </a:solidFill>
               </a:rPr>
               <a:t>Agent</a:t>
@@ -17400,7 +17082,7 @@
           <p:cNvPr id="63" name="Rectangle 62">
             <a:extLst>
               <a:ext uri="{FF2B5EF4-FFF2-40B4-BE49-F238E27FC236}">
-                <a16:creationId xmlns:a16="http://schemas.microsoft.com/office/drawing/2014/main" id="{7B919A63-AFDE-AD1F-54E5-95905995903C}"/>
+                <a16:creationId xmlns:a16="http://schemas.microsoft.com/office/drawing/2014/main" id="{59AB4F31-50D3-0DF3-384D-AE5FA784AC3F}"/>
               </a:ext>
             </a:extLst>
           </p:cNvPr>
@@ -17416,37 +17098,38 @@
             <a:avLst/>
           </a:prstGeom>
           <a:solidFill>
-            <a:schemeClr val="accent2">
-              <a:lumMod val="60000"/>
-              <a:lumOff val="40000"/>
-            </a:schemeClr>
+            <a:srgbClr val="0F9ED5">
+              <a:hueOff val="0"/>
+              <a:satOff val="0"/>
+              <a:lumOff val="0"/>
+              <a:alphaOff val="0"/>
+            </a:srgbClr>
           </a:solidFill>
+          <a:ln w="19050" cap="flat" cmpd="sng" algn="ctr">
+            <a:solidFill>
+              <a:prstClr val="white">
+                <a:hueOff val="0"/>
+                <a:satOff val="0"/>
+                <a:lumOff val="0"/>
+                <a:alphaOff val="0"/>
+              </a:prstClr>
+            </a:solidFill>
+            <a:prstDash val="solid"/>
+            <a:miter lim="800000"/>
+          </a:ln>
+          <a:effectLst/>
         </p:spPr>
-        <p:style>
-          <a:lnRef idx="2">
-            <a:schemeClr val="accent1">
-              <a:shade val="15000"/>
-            </a:schemeClr>
-          </a:lnRef>
-          <a:fillRef idx="1">
-            <a:schemeClr val="accent1"/>
-          </a:fillRef>
-          <a:effectRef idx="0">
-            <a:schemeClr val="accent1"/>
-          </a:effectRef>
-          <a:fontRef idx="minor">
-            <a:schemeClr val="lt1"/>
-          </a:fontRef>
-        </p:style>
         <p:txBody>
-          <a:bodyPr rtlCol="0" anchor="ctr"/>
+          <a:bodyPr spcFirstLastPara="0" vert="horz" wrap="square" lIns="68580" tIns="68580" rIns="68580" bIns="68580" numCol="1" spcCol="1270" anchor="ctr" anchorCtr="0">
+            <a:noAutofit/>
+          </a:bodyPr>
           <a:lstStyle/>
           <a:p>
             <a:pPr algn="ctr"/>
             <a:r>
-              <a:rPr lang="en-GB" sz="1000" dirty="0">
+              <a:rPr lang="en-GB" sz="1100" dirty="0">
                 <a:solidFill>
-                  <a:schemeClr val="tx1"/>
+                  <a:schemeClr val="bg1"/>
                 </a:solidFill>
               </a:rPr>
               <a:t>Agent</a:t>
@@ -17459,7 +17142,7 @@
           <p:cNvPr id="64" name="Rectangle 63">
             <a:extLst>
               <a:ext uri="{FF2B5EF4-FFF2-40B4-BE49-F238E27FC236}">
-                <a16:creationId xmlns:a16="http://schemas.microsoft.com/office/drawing/2014/main" id="{9C96FC26-66E1-FE93-1B3A-F796483A9B27}"/>
+                <a16:creationId xmlns:a16="http://schemas.microsoft.com/office/drawing/2014/main" id="{517254D0-A01D-4900-1F22-9224222D5B91}"/>
               </a:ext>
             </a:extLst>
           </p:cNvPr>
@@ -17475,37 +17158,38 @@
             <a:avLst/>
           </a:prstGeom>
           <a:solidFill>
-            <a:schemeClr val="accent2">
-              <a:lumMod val="60000"/>
-              <a:lumOff val="40000"/>
-            </a:schemeClr>
+            <a:srgbClr val="0F9ED5">
+              <a:hueOff val="0"/>
+              <a:satOff val="0"/>
+              <a:lumOff val="0"/>
+              <a:alphaOff val="0"/>
+            </a:srgbClr>
           </a:solidFill>
+          <a:ln w="19050" cap="flat" cmpd="sng" algn="ctr">
+            <a:solidFill>
+              <a:prstClr val="white">
+                <a:hueOff val="0"/>
+                <a:satOff val="0"/>
+                <a:lumOff val="0"/>
+                <a:alphaOff val="0"/>
+              </a:prstClr>
+            </a:solidFill>
+            <a:prstDash val="solid"/>
+            <a:miter lim="800000"/>
+          </a:ln>
+          <a:effectLst/>
         </p:spPr>
-        <p:style>
-          <a:lnRef idx="2">
-            <a:schemeClr val="accent1">
-              <a:shade val="15000"/>
-            </a:schemeClr>
-          </a:lnRef>
-          <a:fillRef idx="1">
-            <a:schemeClr val="accent1"/>
-          </a:fillRef>
-          <a:effectRef idx="0">
-            <a:schemeClr val="accent1"/>
-          </a:effectRef>
-          <a:fontRef idx="minor">
-            <a:schemeClr val="lt1"/>
-          </a:fontRef>
-        </p:style>
         <p:txBody>
-          <a:bodyPr rtlCol="0" anchor="ctr"/>
+          <a:bodyPr spcFirstLastPara="0" vert="horz" wrap="square" lIns="68580" tIns="68580" rIns="68580" bIns="68580" numCol="1" spcCol="1270" anchor="ctr" anchorCtr="0">
+            <a:noAutofit/>
+          </a:bodyPr>
           <a:lstStyle/>
           <a:p>
             <a:pPr algn="ctr"/>
             <a:r>
-              <a:rPr lang="en-GB" sz="1000" dirty="0">
+              <a:rPr lang="en-GB" sz="1100" dirty="0">
                 <a:solidFill>
-                  <a:schemeClr val="tx1"/>
+                  <a:schemeClr val="bg1"/>
                 </a:solidFill>
               </a:rPr>
               <a:t>Agent</a:t>
@@ -17518,7 +17202,7 @@
           <p:cNvPr id="66" name="Straight Arrow Connector 65">
             <a:extLst>
               <a:ext uri="{FF2B5EF4-FFF2-40B4-BE49-F238E27FC236}">
-                <a16:creationId xmlns:a16="http://schemas.microsoft.com/office/drawing/2014/main" id="{8804C42F-CAA9-9294-A656-4D5EFFDE13A3}"/>
+                <a16:creationId xmlns:a16="http://schemas.microsoft.com/office/drawing/2014/main" id="{DE73C9A3-82BA-3800-9232-4256719FFE2D}"/>
               </a:ext>
             </a:extLst>
           </p:cNvPr>
@@ -17562,7 +17246,7 @@
           <p:cNvPr id="67" name="Straight Arrow Connector 66">
             <a:extLst>
               <a:ext uri="{FF2B5EF4-FFF2-40B4-BE49-F238E27FC236}">
-                <a16:creationId xmlns:a16="http://schemas.microsoft.com/office/drawing/2014/main" id="{73830E42-682D-5DFE-D45F-80C74C6CC196}"/>
+                <a16:creationId xmlns:a16="http://schemas.microsoft.com/office/drawing/2014/main" id="{D6BDB196-133C-3EA0-15A2-2C1B63B6AEAC}"/>
               </a:ext>
             </a:extLst>
           </p:cNvPr>
@@ -17606,7 +17290,7 @@
           <p:cNvPr id="69" name="Straight Arrow Connector 68">
             <a:extLst>
               <a:ext uri="{FF2B5EF4-FFF2-40B4-BE49-F238E27FC236}">
-                <a16:creationId xmlns:a16="http://schemas.microsoft.com/office/drawing/2014/main" id="{E837A2BB-BF7E-DC89-855D-301D49B20DD7}"/>
+                <a16:creationId xmlns:a16="http://schemas.microsoft.com/office/drawing/2014/main" id="{BB374E00-DADE-01CA-2F59-EEB8BB220687}"/>
               </a:ext>
             </a:extLst>
           </p:cNvPr>
@@ -17650,7 +17334,7 @@
           <p:cNvPr id="72" name="Straight Arrow Connector 71">
             <a:extLst>
               <a:ext uri="{FF2B5EF4-FFF2-40B4-BE49-F238E27FC236}">
-                <a16:creationId xmlns:a16="http://schemas.microsoft.com/office/drawing/2014/main" id="{702D8018-6996-D7B2-511A-57146E89C086}"/>
+                <a16:creationId xmlns:a16="http://schemas.microsoft.com/office/drawing/2014/main" id="{E2E0FDBA-D4A2-BE96-0F03-40D6F654B8DA}"/>
               </a:ext>
             </a:extLst>
           </p:cNvPr>
@@ -17694,7 +17378,7 @@
           <p:cNvPr id="75" name="Straight Arrow Connector 74">
             <a:extLst>
               <a:ext uri="{FF2B5EF4-FFF2-40B4-BE49-F238E27FC236}">
-                <a16:creationId xmlns:a16="http://schemas.microsoft.com/office/drawing/2014/main" id="{8C55D34A-DBF3-486A-2225-86A5D8336533}"/>
+                <a16:creationId xmlns:a16="http://schemas.microsoft.com/office/drawing/2014/main" id="{7B509B11-107A-1557-45D7-C627A3B26C17}"/>
               </a:ext>
             </a:extLst>
           </p:cNvPr>
@@ -17738,7 +17422,7 @@
           <p:cNvPr id="78" name="Straight Arrow Connector 77">
             <a:extLst>
               <a:ext uri="{FF2B5EF4-FFF2-40B4-BE49-F238E27FC236}">
-                <a16:creationId xmlns:a16="http://schemas.microsoft.com/office/drawing/2014/main" id="{BA16F7A2-5614-BBEA-9DA9-9EB535CC5848}"/>
+                <a16:creationId xmlns:a16="http://schemas.microsoft.com/office/drawing/2014/main" id="{36FACCF4-0023-D627-6001-AB6287CCCB92}"/>
               </a:ext>
             </a:extLst>
           </p:cNvPr>
@@ -17782,7 +17466,7 @@
           <p:cNvPr id="79" name="Straight Arrow Connector 78">
             <a:extLst>
               <a:ext uri="{FF2B5EF4-FFF2-40B4-BE49-F238E27FC236}">
-                <a16:creationId xmlns:a16="http://schemas.microsoft.com/office/drawing/2014/main" id="{1F05B0C7-9F5B-1A39-1E39-78FDBFC51E25}"/>
+                <a16:creationId xmlns:a16="http://schemas.microsoft.com/office/drawing/2014/main" id="{F51181C3-5EF5-A8D3-B85A-7C8EA9CF1A15}"/>
               </a:ext>
             </a:extLst>
           </p:cNvPr>
@@ -17826,7 +17510,7 @@
           <p:cNvPr id="80" name="Straight Arrow Connector 79">
             <a:extLst>
               <a:ext uri="{FF2B5EF4-FFF2-40B4-BE49-F238E27FC236}">
-                <a16:creationId xmlns:a16="http://schemas.microsoft.com/office/drawing/2014/main" id="{C4B0DB64-ED33-74C9-3DAE-4BCBC4979C73}"/>
+                <a16:creationId xmlns:a16="http://schemas.microsoft.com/office/drawing/2014/main" id="{77276A68-5716-AF86-3621-A8554A3B9E6E}"/>
               </a:ext>
             </a:extLst>
           </p:cNvPr>
@@ -17870,7 +17554,7 @@
           <p:cNvPr id="81" name="Rectangle 80">
             <a:extLst>
               <a:ext uri="{FF2B5EF4-FFF2-40B4-BE49-F238E27FC236}">
-                <a16:creationId xmlns:a16="http://schemas.microsoft.com/office/drawing/2014/main" id="{2982054C-12F3-5177-B177-AA29C7A101C5}"/>
+                <a16:creationId xmlns:a16="http://schemas.microsoft.com/office/drawing/2014/main" id="{64722D67-1E50-92E4-C032-AD93C6F04867}"/>
               </a:ext>
             </a:extLst>
           </p:cNvPr>
@@ -17915,7 +17599,7 @@
           <a:p>
             <a:pPr algn="ctr"/>
             <a:r>
-              <a:rPr lang="en-GB" sz="1000" dirty="0">
+              <a:rPr lang="en-GB" sz="1100" dirty="0">
                 <a:solidFill>
                   <a:schemeClr val="bg1"/>
                 </a:solidFill>
@@ -17930,7 +17614,7 @@
           <p:cNvPr id="82" name="Rectangle 81">
             <a:extLst>
               <a:ext uri="{FF2B5EF4-FFF2-40B4-BE49-F238E27FC236}">
-                <a16:creationId xmlns:a16="http://schemas.microsoft.com/office/drawing/2014/main" id="{A106E1AA-7E36-5B3D-8B8C-98C2AF096759}"/>
+                <a16:creationId xmlns:a16="http://schemas.microsoft.com/office/drawing/2014/main" id="{6882CE70-F746-3077-94A0-9BC91AA05DD2}"/>
               </a:ext>
             </a:extLst>
           </p:cNvPr>
@@ -17975,2427 +17659,6 @@
           <a:p>
             <a:pPr algn="ctr"/>
             <a:r>
-              <a:rPr lang="en-GB" sz="1200" dirty="0"/>
-              <a:t>MCP Registry</a:t>
-            </a:r>
-          </a:p>
-        </p:txBody>
-      </p:sp>
-      <p:sp>
-        <p:nvSpPr>
-          <p:cNvPr id="95" name="TextBox 94">
-            <a:extLst>
-              <a:ext uri="{FF2B5EF4-FFF2-40B4-BE49-F238E27FC236}">
-                <a16:creationId xmlns:a16="http://schemas.microsoft.com/office/drawing/2014/main" id="{3FF7AAF9-B212-7447-2140-368B2D73BCAE}"/>
-              </a:ext>
-            </a:extLst>
-          </p:cNvPr>
-          <p:cNvSpPr txBox="1"/>
-          <p:nvPr/>
-        </p:nvSpPr>
-        <p:spPr>
-          <a:xfrm>
-            <a:off x="1758593" y="1029270"/>
-            <a:ext cx="1520575" cy="261610"/>
-          </a:xfrm>
-          <a:prstGeom prst="rect">
-            <a:avLst/>
-          </a:prstGeom>
-          <a:solidFill>
-            <a:srgbClr val="FFC000"/>
-          </a:solidFill>
-        </p:spPr>
-        <p:txBody>
-          <a:bodyPr wrap="square" rtlCol="0">
-            <a:spAutoFit/>
-          </a:bodyPr>
-          <a:lstStyle/>
-          <a:p>
-            <a:r>
-              <a:rPr lang="en-GB" sz="1050" dirty="0">
-                <a:solidFill>
-                  <a:srgbClr val="C00000"/>
-                </a:solidFill>
-              </a:rPr>
-              <a:t>Without MCP Registry</a:t>
-            </a:r>
-          </a:p>
-        </p:txBody>
-      </p:sp>
-      <p:sp>
-        <p:nvSpPr>
-          <p:cNvPr id="96" name="TextBox 95">
-            <a:extLst>
-              <a:ext uri="{FF2B5EF4-FFF2-40B4-BE49-F238E27FC236}">
-                <a16:creationId xmlns:a16="http://schemas.microsoft.com/office/drawing/2014/main" id="{E0247E52-DDCD-82FB-DB3F-1258B3E067FF}"/>
-              </a:ext>
-            </a:extLst>
-          </p:cNvPr>
-          <p:cNvSpPr txBox="1"/>
-          <p:nvPr/>
-        </p:nvSpPr>
-        <p:spPr>
-          <a:xfrm>
-            <a:off x="6938477" y="1029270"/>
-            <a:ext cx="1398142" cy="261610"/>
-          </a:xfrm>
-          <a:prstGeom prst="rect">
-            <a:avLst/>
-          </a:prstGeom>
-          <a:solidFill>
-            <a:srgbClr val="FFC000"/>
-          </a:solidFill>
-        </p:spPr>
-        <p:txBody>
-          <a:bodyPr wrap="square" rtlCol="0">
-            <a:spAutoFit/>
-          </a:bodyPr>
-          <a:lstStyle/>
-          <a:p>
-            <a:r>
-              <a:rPr lang="en-GB" sz="1050" dirty="0">
-                <a:solidFill>
-                  <a:srgbClr val="C00000"/>
-                </a:solidFill>
-              </a:rPr>
-              <a:t>With MCP Registry</a:t>
-            </a:r>
-          </a:p>
-        </p:txBody>
-      </p:sp>
-      <p:cxnSp>
-        <p:nvCxnSpPr>
-          <p:cNvPr id="98" name="Straight Connector 97">
-            <a:extLst>
-              <a:ext uri="{FF2B5EF4-FFF2-40B4-BE49-F238E27FC236}">
-                <a16:creationId xmlns:a16="http://schemas.microsoft.com/office/drawing/2014/main" id="{A020281B-74D0-4CBC-3E1C-B217E68E4873}"/>
-              </a:ext>
-            </a:extLst>
-          </p:cNvPr>
-          <p:cNvCxnSpPr>
-            <a:cxnSpLocks/>
-          </p:cNvCxnSpPr>
-          <p:nvPr/>
-        </p:nvCxnSpPr>
-        <p:spPr>
-          <a:xfrm>
-            <a:off x="4972694" y="863029"/>
-            <a:ext cx="0" cy="4428162"/>
-          </a:xfrm>
-          <a:prstGeom prst="line">
-            <a:avLst/>
-          </a:prstGeom>
-        </p:spPr>
-        <p:style>
-          <a:lnRef idx="2">
-            <a:schemeClr val="accent1"/>
-          </a:lnRef>
-          <a:fillRef idx="0">
-            <a:schemeClr val="accent1"/>
-          </a:fillRef>
-          <a:effectRef idx="1">
-            <a:schemeClr val="accent1"/>
-          </a:effectRef>
-          <a:fontRef idx="minor">
-            <a:schemeClr val="tx1"/>
-          </a:fontRef>
-        </p:style>
-      </p:cxnSp>
-      <p:sp>
-        <p:nvSpPr>
-          <p:cNvPr id="100" name="TextBox 99">
-            <a:extLst>
-              <a:ext uri="{FF2B5EF4-FFF2-40B4-BE49-F238E27FC236}">
-                <a16:creationId xmlns:a16="http://schemas.microsoft.com/office/drawing/2014/main" id="{8F7308CA-DDA8-C681-A255-A7D6736752A6}"/>
-              </a:ext>
-            </a:extLst>
-          </p:cNvPr>
-          <p:cNvSpPr txBox="1"/>
-          <p:nvPr/>
-        </p:nvSpPr>
-        <p:spPr>
-          <a:xfrm>
-            <a:off x="3649895" y="524168"/>
-            <a:ext cx="2640455" cy="261610"/>
-          </a:xfrm>
-          <a:prstGeom prst="rect">
-            <a:avLst/>
-          </a:prstGeom>
-          <a:solidFill>
-            <a:srgbClr val="FFC000"/>
-          </a:solidFill>
-        </p:spPr>
-        <p:txBody>
-          <a:bodyPr wrap="square" rtlCol="0">
-            <a:spAutoFit/>
-          </a:bodyPr>
-          <a:lstStyle/>
-          <a:p>
-            <a:pPr algn="ctr"/>
-            <a:r>
-              <a:rPr lang="en-GB" sz="1050" dirty="0">
-                <a:solidFill>
-                  <a:srgbClr val="C00000"/>
-                </a:solidFill>
-              </a:rPr>
-              <a:t>MCP Registry</a:t>
-            </a:r>
-          </a:p>
-        </p:txBody>
-      </p:sp>
-      <p:graphicFrame>
-        <p:nvGraphicFramePr>
-          <p:cNvPr id="101" name="Diagram 100">
-            <a:extLst>
-              <a:ext uri="{FF2B5EF4-FFF2-40B4-BE49-F238E27FC236}">
-                <a16:creationId xmlns:a16="http://schemas.microsoft.com/office/drawing/2014/main" id="{773D1E0A-D18F-67F9-3176-DC132DA0F8D8}"/>
-              </a:ext>
-            </a:extLst>
-          </p:cNvPr>
-          <p:cNvGraphicFramePr/>
-          <p:nvPr>
-            <p:extLst>
-              <p:ext uri="{D42A27DB-BD31-4B8C-83A1-F6EECF244321}">
-                <p14:modId xmlns:p14="http://schemas.microsoft.com/office/powerpoint/2010/main" val="882032759"/>
-              </p:ext>
-            </p:extLst>
-          </p:nvPr>
-        </p:nvGraphicFramePr>
-        <p:xfrm>
-          <a:off x="6244978" y="5221841"/>
-          <a:ext cx="2640455" cy="2291137"/>
-        </p:xfrm>
-        <a:graphic>
-          <a:graphicData uri="http://schemas.openxmlformats.org/drawingml/2006/diagram">
-            <dgm:relIds xmlns:dgm="http://schemas.openxmlformats.org/drawingml/2006/diagram" xmlns:r="http://schemas.openxmlformats.org/officeDocument/2006/relationships" r:dm="rId2" r:lo="rId3" r:qs="rId4" r:cs="rId5"/>
-          </a:graphicData>
-        </a:graphic>
-      </p:graphicFrame>
-    </p:spTree>
-    <p:extLst>
-      <p:ext uri="{BB962C8B-B14F-4D97-AF65-F5344CB8AC3E}">
-        <p14:creationId xmlns:p14="http://schemas.microsoft.com/office/powerpoint/2010/main" val="1413905150"/>
-      </p:ext>
-    </p:extLst>
-  </p:cSld>
-  <p:clrMapOvr>
-    <a:masterClrMapping/>
-  </p:clrMapOvr>
-</p:sld>
-</file>
-
-<file path=ppt/slides/slide12.xml><?xml version="1.0" encoding="utf-8"?>
-<p:sld xmlns:a="http://schemas.openxmlformats.org/drawingml/2006/main" xmlns:r="http://schemas.openxmlformats.org/officeDocument/2006/relationships" xmlns:p="http://schemas.openxmlformats.org/presentationml/2006/main">
-  <p:cSld>
-    <p:spTree>
-      <p:nvGrpSpPr>
-        <p:cNvPr id="1" name="">
-          <a:extLst>
-            <a:ext uri="{FF2B5EF4-FFF2-40B4-BE49-F238E27FC236}">
-              <a16:creationId xmlns:a16="http://schemas.microsoft.com/office/drawing/2014/main" id="{EB23A412-DB2F-FFAF-4C13-2629A8D7A2E7}"/>
-            </a:ext>
-          </a:extLst>
-        </p:cNvPr>
-        <p:cNvGrpSpPr/>
-        <p:nvPr/>
-      </p:nvGrpSpPr>
-      <p:grpSpPr>
-        <a:xfrm>
-          <a:off x="0" y="0"/>
-          <a:ext cx="0" cy="0"/>
-          <a:chOff x="0" y="0"/>
-          <a:chExt cx="0" cy="0"/>
-        </a:xfrm>
-      </p:grpSpPr>
-      <p:sp>
-        <p:nvSpPr>
-          <p:cNvPr id="2" name="Rectangle 1">
-            <a:extLst>
-              <a:ext uri="{FF2B5EF4-FFF2-40B4-BE49-F238E27FC236}">
-                <a16:creationId xmlns:a16="http://schemas.microsoft.com/office/drawing/2014/main" id="{4EC6C5E9-7675-D803-8EC9-88B537748128}"/>
-              </a:ext>
-            </a:extLst>
-          </p:cNvPr>
-          <p:cNvSpPr/>
-          <p:nvPr/>
-        </p:nvSpPr>
-        <p:spPr>
-          <a:xfrm>
-            <a:off x="256853" y="1426395"/>
-            <a:ext cx="986320" cy="363019"/>
-          </a:xfrm>
-          <a:prstGeom prst="rect">
-            <a:avLst/>
-          </a:prstGeom>
-          <a:solidFill>
-            <a:srgbClr val="E97132">
-              <a:hueOff val="0"/>
-              <a:satOff val="0"/>
-              <a:lumOff val="0"/>
-              <a:alphaOff val="0"/>
-            </a:srgbClr>
-          </a:solidFill>
-          <a:ln w="19050" cap="flat" cmpd="sng" algn="ctr">
-            <a:solidFill>
-              <a:prstClr val="white">
-                <a:hueOff val="0"/>
-                <a:satOff val="0"/>
-                <a:lumOff val="0"/>
-                <a:alphaOff val="0"/>
-              </a:prstClr>
-            </a:solidFill>
-            <a:prstDash val="solid"/>
-            <a:miter lim="800000"/>
-          </a:ln>
-          <a:effectLst/>
-        </p:spPr>
-        <p:txBody>
-          <a:bodyPr spcFirstLastPara="0" vert="horz" wrap="square" lIns="68580" tIns="68580" rIns="68580" bIns="68580" numCol="1" spcCol="1270" anchor="ctr" anchorCtr="0">
-            <a:noAutofit/>
-          </a:bodyPr>
-          <a:lstStyle/>
-          <a:p>
-            <a:pPr algn="ctr"/>
-            <a:r>
-              <a:rPr lang="en-GB" sz="1100" dirty="0">
-                <a:solidFill>
-                  <a:schemeClr val="bg1"/>
-                </a:solidFill>
-              </a:rPr>
-              <a:t>MCP Server</a:t>
-            </a:r>
-          </a:p>
-        </p:txBody>
-      </p:sp>
-      <p:sp>
-        <p:nvSpPr>
-          <p:cNvPr id="3" name="Rectangle 2">
-            <a:extLst>
-              <a:ext uri="{FF2B5EF4-FFF2-40B4-BE49-F238E27FC236}">
-                <a16:creationId xmlns:a16="http://schemas.microsoft.com/office/drawing/2014/main" id="{2816C381-2089-5210-2E26-C033ED43E6F5}"/>
-              </a:ext>
-            </a:extLst>
-          </p:cNvPr>
-          <p:cNvSpPr/>
-          <p:nvPr/>
-        </p:nvSpPr>
-        <p:spPr>
-          <a:xfrm>
-            <a:off x="1387867" y="1426395"/>
-            <a:ext cx="986320" cy="363019"/>
-          </a:xfrm>
-          <a:prstGeom prst="rect">
-            <a:avLst/>
-          </a:prstGeom>
-          <a:solidFill>
-            <a:srgbClr val="E97132">
-              <a:hueOff val="0"/>
-              <a:satOff val="0"/>
-              <a:lumOff val="0"/>
-              <a:alphaOff val="0"/>
-            </a:srgbClr>
-          </a:solidFill>
-          <a:ln w="19050" cap="flat" cmpd="sng" algn="ctr">
-            <a:solidFill>
-              <a:prstClr val="white">
-                <a:hueOff val="0"/>
-                <a:satOff val="0"/>
-                <a:lumOff val="0"/>
-                <a:alphaOff val="0"/>
-              </a:prstClr>
-            </a:solidFill>
-            <a:prstDash val="solid"/>
-            <a:miter lim="800000"/>
-          </a:ln>
-          <a:effectLst/>
-        </p:spPr>
-        <p:txBody>
-          <a:bodyPr spcFirstLastPara="0" vert="horz" wrap="square" lIns="68580" tIns="68580" rIns="68580" bIns="68580" numCol="1" spcCol="1270" anchor="ctr" anchorCtr="0">
-            <a:noAutofit/>
-          </a:bodyPr>
-          <a:lstStyle/>
-          <a:p>
-            <a:pPr algn="ctr"/>
-            <a:r>
-              <a:rPr lang="en-GB" sz="1100" dirty="0">
-                <a:solidFill>
-                  <a:schemeClr val="bg1"/>
-                </a:solidFill>
-              </a:rPr>
-              <a:t>MCP Server</a:t>
-            </a:r>
-          </a:p>
-        </p:txBody>
-      </p:sp>
-      <p:sp>
-        <p:nvSpPr>
-          <p:cNvPr id="4" name="Rectangle 3">
-            <a:extLst>
-              <a:ext uri="{FF2B5EF4-FFF2-40B4-BE49-F238E27FC236}">
-                <a16:creationId xmlns:a16="http://schemas.microsoft.com/office/drawing/2014/main" id="{C90B1F54-8E9B-49A8-096A-60AF5C3A256E}"/>
-              </a:ext>
-            </a:extLst>
-          </p:cNvPr>
-          <p:cNvSpPr/>
-          <p:nvPr/>
-        </p:nvSpPr>
-        <p:spPr>
-          <a:xfrm>
-            <a:off x="2518881" y="1426395"/>
-            <a:ext cx="986320" cy="363019"/>
-          </a:xfrm>
-          <a:prstGeom prst="rect">
-            <a:avLst/>
-          </a:prstGeom>
-          <a:solidFill>
-            <a:srgbClr val="E97132">
-              <a:hueOff val="0"/>
-              <a:satOff val="0"/>
-              <a:lumOff val="0"/>
-              <a:alphaOff val="0"/>
-            </a:srgbClr>
-          </a:solidFill>
-          <a:ln w="19050" cap="flat" cmpd="sng" algn="ctr">
-            <a:solidFill>
-              <a:prstClr val="white">
-                <a:hueOff val="0"/>
-                <a:satOff val="0"/>
-                <a:lumOff val="0"/>
-                <a:alphaOff val="0"/>
-              </a:prstClr>
-            </a:solidFill>
-            <a:prstDash val="solid"/>
-            <a:miter lim="800000"/>
-          </a:ln>
-          <a:effectLst/>
-        </p:spPr>
-        <p:txBody>
-          <a:bodyPr spcFirstLastPara="0" vert="horz" wrap="square" lIns="68580" tIns="68580" rIns="68580" bIns="68580" numCol="1" spcCol="1270" anchor="ctr" anchorCtr="0">
-            <a:noAutofit/>
-          </a:bodyPr>
-          <a:lstStyle/>
-          <a:p>
-            <a:pPr algn="ctr"/>
-            <a:r>
-              <a:rPr lang="en-GB" sz="1100" dirty="0">
-                <a:solidFill>
-                  <a:schemeClr val="bg1"/>
-                </a:solidFill>
-              </a:rPr>
-              <a:t>MCP Server</a:t>
-            </a:r>
-          </a:p>
-        </p:txBody>
-      </p:sp>
-      <p:sp>
-        <p:nvSpPr>
-          <p:cNvPr id="5" name="Rectangle 4">
-            <a:extLst>
-              <a:ext uri="{FF2B5EF4-FFF2-40B4-BE49-F238E27FC236}">
-                <a16:creationId xmlns:a16="http://schemas.microsoft.com/office/drawing/2014/main" id="{98565DF0-EE91-F2D5-D6DD-AAF06233EB9D}"/>
-              </a:ext>
-            </a:extLst>
-          </p:cNvPr>
-          <p:cNvSpPr/>
-          <p:nvPr/>
-        </p:nvSpPr>
-        <p:spPr>
-          <a:xfrm>
-            <a:off x="3649895" y="1426395"/>
-            <a:ext cx="986320" cy="363019"/>
-          </a:xfrm>
-          <a:prstGeom prst="rect">
-            <a:avLst/>
-          </a:prstGeom>
-          <a:solidFill>
-            <a:srgbClr val="E97132">
-              <a:hueOff val="0"/>
-              <a:satOff val="0"/>
-              <a:lumOff val="0"/>
-              <a:alphaOff val="0"/>
-            </a:srgbClr>
-          </a:solidFill>
-          <a:ln w="19050" cap="flat" cmpd="sng" algn="ctr">
-            <a:solidFill>
-              <a:prstClr val="white">
-                <a:hueOff val="0"/>
-                <a:satOff val="0"/>
-                <a:lumOff val="0"/>
-                <a:alphaOff val="0"/>
-              </a:prstClr>
-            </a:solidFill>
-            <a:prstDash val="solid"/>
-            <a:miter lim="800000"/>
-          </a:ln>
-          <a:effectLst/>
-        </p:spPr>
-        <p:txBody>
-          <a:bodyPr spcFirstLastPara="0" vert="horz" wrap="square" lIns="68580" tIns="68580" rIns="68580" bIns="68580" numCol="1" spcCol="1270" anchor="ctr" anchorCtr="0">
-            <a:noAutofit/>
-          </a:bodyPr>
-          <a:lstStyle/>
-          <a:p>
-            <a:pPr algn="ctr"/>
-            <a:r>
-              <a:rPr lang="en-GB" sz="1100" dirty="0">
-                <a:solidFill>
-                  <a:schemeClr val="bg1"/>
-                </a:solidFill>
-              </a:rPr>
-              <a:t>MCP Server</a:t>
-            </a:r>
-          </a:p>
-        </p:txBody>
-      </p:sp>
-      <p:sp>
-        <p:nvSpPr>
-          <p:cNvPr id="8" name="Rectangle 7">
-            <a:extLst>
-              <a:ext uri="{FF2B5EF4-FFF2-40B4-BE49-F238E27FC236}">
-                <a16:creationId xmlns:a16="http://schemas.microsoft.com/office/drawing/2014/main" id="{17D33CA3-F276-2C16-54B6-930560A77FE6}"/>
-              </a:ext>
-            </a:extLst>
-          </p:cNvPr>
-          <p:cNvSpPr/>
-          <p:nvPr/>
-        </p:nvSpPr>
-        <p:spPr>
-          <a:xfrm>
-            <a:off x="256853" y="3880208"/>
-            <a:ext cx="986320" cy="363019"/>
-          </a:xfrm>
-          <a:prstGeom prst="rect">
-            <a:avLst/>
-          </a:prstGeom>
-          <a:solidFill>
-            <a:srgbClr val="0F9ED5">
-              <a:hueOff val="0"/>
-              <a:satOff val="0"/>
-              <a:lumOff val="0"/>
-              <a:alphaOff val="0"/>
-            </a:srgbClr>
-          </a:solidFill>
-          <a:ln w="19050" cap="flat" cmpd="sng" algn="ctr">
-            <a:solidFill>
-              <a:prstClr val="white">
-                <a:hueOff val="0"/>
-                <a:satOff val="0"/>
-                <a:lumOff val="0"/>
-                <a:alphaOff val="0"/>
-              </a:prstClr>
-            </a:solidFill>
-            <a:prstDash val="solid"/>
-            <a:miter lim="800000"/>
-          </a:ln>
-          <a:effectLst/>
-        </p:spPr>
-        <p:txBody>
-          <a:bodyPr spcFirstLastPara="0" vert="horz" wrap="square" lIns="68580" tIns="68580" rIns="68580" bIns="68580" numCol="1" spcCol="1270" anchor="ctr" anchorCtr="0">
-            <a:noAutofit/>
-          </a:bodyPr>
-          <a:lstStyle/>
-          <a:p>
-            <a:pPr algn="ctr"/>
-            <a:r>
-              <a:rPr lang="en-GB" sz="1100" dirty="0">
-                <a:solidFill>
-                  <a:schemeClr val="bg1"/>
-                </a:solidFill>
-              </a:rPr>
-              <a:t>Agent</a:t>
-            </a:r>
-          </a:p>
-        </p:txBody>
-      </p:sp>
-      <p:sp>
-        <p:nvSpPr>
-          <p:cNvPr id="9" name="Rectangle 8">
-            <a:extLst>
-              <a:ext uri="{FF2B5EF4-FFF2-40B4-BE49-F238E27FC236}">
-                <a16:creationId xmlns:a16="http://schemas.microsoft.com/office/drawing/2014/main" id="{0AD81C68-5986-78C4-1BEB-94A256473E9A}"/>
-              </a:ext>
-            </a:extLst>
-          </p:cNvPr>
-          <p:cNvSpPr/>
-          <p:nvPr/>
-        </p:nvSpPr>
-        <p:spPr>
-          <a:xfrm>
-            <a:off x="1387867" y="3880208"/>
-            <a:ext cx="986320" cy="363019"/>
-          </a:xfrm>
-          <a:prstGeom prst="rect">
-            <a:avLst/>
-          </a:prstGeom>
-          <a:solidFill>
-            <a:srgbClr val="0F9ED5">
-              <a:hueOff val="0"/>
-              <a:satOff val="0"/>
-              <a:lumOff val="0"/>
-              <a:alphaOff val="0"/>
-            </a:srgbClr>
-          </a:solidFill>
-          <a:ln w="19050" cap="flat" cmpd="sng" algn="ctr">
-            <a:solidFill>
-              <a:prstClr val="white">
-                <a:hueOff val="0"/>
-                <a:satOff val="0"/>
-                <a:lumOff val="0"/>
-                <a:alphaOff val="0"/>
-              </a:prstClr>
-            </a:solidFill>
-            <a:prstDash val="solid"/>
-            <a:miter lim="800000"/>
-          </a:ln>
-          <a:effectLst/>
-        </p:spPr>
-        <p:txBody>
-          <a:bodyPr spcFirstLastPara="0" vert="horz" wrap="square" lIns="68580" tIns="68580" rIns="68580" bIns="68580" numCol="1" spcCol="1270" anchor="ctr" anchorCtr="0">
-            <a:noAutofit/>
-          </a:bodyPr>
-          <a:lstStyle/>
-          <a:p>
-            <a:pPr algn="ctr"/>
-            <a:r>
-              <a:rPr lang="en-GB" sz="1100" dirty="0">
-                <a:solidFill>
-                  <a:schemeClr val="bg1"/>
-                </a:solidFill>
-              </a:rPr>
-              <a:t>Agent</a:t>
-            </a:r>
-          </a:p>
-        </p:txBody>
-      </p:sp>
-      <p:sp>
-        <p:nvSpPr>
-          <p:cNvPr id="10" name="Rectangle 9">
-            <a:extLst>
-              <a:ext uri="{FF2B5EF4-FFF2-40B4-BE49-F238E27FC236}">
-                <a16:creationId xmlns:a16="http://schemas.microsoft.com/office/drawing/2014/main" id="{D1A9DFB0-5909-3C3E-F8C5-B65A537C85D2}"/>
-              </a:ext>
-            </a:extLst>
-          </p:cNvPr>
-          <p:cNvSpPr/>
-          <p:nvPr/>
-        </p:nvSpPr>
-        <p:spPr>
-          <a:xfrm>
-            <a:off x="2518881" y="3880208"/>
-            <a:ext cx="986320" cy="363019"/>
-          </a:xfrm>
-          <a:prstGeom prst="rect">
-            <a:avLst/>
-          </a:prstGeom>
-          <a:solidFill>
-            <a:srgbClr val="0F9ED5">
-              <a:hueOff val="0"/>
-              <a:satOff val="0"/>
-              <a:lumOff val="0"/>
-              <a:alphaOff val="0"/>
-            </a:srgbClr>
-          </a:solidFill>
-          <a:ln w="19050" cap="flat" cmpd="sng" algn="ctr">
-            <a:solidFill>
-              <a:prstClr val="white">
-                <a:hueOff val="0"/>
-                <a:satOff val="0"/>
-                <a:lumOff val="0"/>
-                <a:alphaOff val="0"/>
-              </a:prstClr>
-            </a:solidFill>
-            <a:prstDash val="solid"/>
-            <a:miter lim="800000"/>
-          </a:ln>
-          <a:effectLst/>
-        </p:spPr>
-        <p:txBody>
-          <a:bodyPr spcFirstLastPara="0" vert="horz" wrap="square" lIns="68580" tIns="68580" rIns="68580" bIns="68580" numCol="1" spcCol="1270" anchor="ctr" anchorCtr="0">
-            <a:noAutofit/>
-          </a:bodyPr>
-          <a:lstStyle/>
-          <a:p>
-            <a:pPr algn="ctr"/>
-            <a:r>
-              <a:rPr lang="en-GB" sz="1100" dirty="0">
-                <a:solidFill>
-                  <a:schemeClr val="bg1"/>
-                </a:solidFill>
-              </a:rPr>
-              <a:t>Agent</a:t>
-            </a:r>
-          </a:p>
-        </p:txBody>
-      </p:sp>
-      <p:sp>
-        <p:nvSpPr>
-          <p:cNvPr id="11" name="Rectangle 10">
-            <a:extLst>
-              <a:ext uri="{FF2B5EF4-FFF2-40B4-BE49-F238E27FC236}">
-                <a16:creationId xmlns:a16="http://schemas.microsoft.com/office/drawing/2014/main" id="{A7CB054A-11E2-F2D4-3049-C0441D6C0099}"/>
-              </a:ext>
-            </a:extLst>
-          </p:cNvPr>
-          <p:cNvSpPr/>
-          <p:nvPr/>
-        </p:nvSpPr>
-        <p:spPr>
-          <a:xfrm>
-            <a:off x="3649895" y="3880208"/>
-            <a:ext cx="986320" cy="363019"/>
-          </a:xfrm>
-          <a:prstGeom prst="rect">
-            <a:avLst/>
-          </a:prstGeom>
-          <a:solidFill>
-            <a:srgbClr val="0F9ED5">
-              <a:hueOff val="0"/>
-              <a:satOff val="0"/>
-              <a:lumOff val="0"/>
-              <a:alphaOff val="0"/>
-            </a:srgbClr>
-          </a:solidFill>
-          <a:ln w="19050" cap="flat" cmpd="sng" algn="ctr">
-            <a:solidFill>
-              <a:prstClr val="white">
-                <a:hueOff val="0"/>
-                <a:satOff val="0"/>
-                <a:lumOff val="0"/>
-                <a:alphaOff val="0"/>
-              </a:prstClr>
-            </a:solidFill>
-            <a:prstDash val="solid"/>
-            <a:miter lim="800000"/>
-          </a:ln>
-          <a:effectLst/>
-        </p:spPr>
-        <p:txBody>
-          <a:bodyPr spcFirstLastPara="0" vert="horz" wrap="square" lIns="68580" tIns="68580" rIns="68580" bIns="68580" numCol="1" spcCol="1270" anchor="ctr" anchorCtr="0">
-            <a:noAutofit/>
-          </a:bodyPr>
-          <a:lstStyle/>
-          <a:p>
-            <a:pPr algn="ctr"/>
-            <a:r>
-              <a:rPr lang="en-GB" sz="1100" dirty="0">
-                <a:solidFill>
-                  <a:schemeClr val="bg1"/>
-                </a:solidFill>
-              </a:rPr>
-              <a:t>Agent</a:t>
-            </a:r>
-          </a:p>
-        </p:txBody>
-      </p:sp>
-      <p:cxnSp>
-        <p:nvCxnSpPr>
-          <p:cNvPr id="14" name="Straight Arrow Connector 13">
-            <a:extLst>
-              <a:ext uri="{FF2B5EF4-FFF2-40B4-BE49-F238E27FC236}">
-                <a16:creationId xmlns:a16="http://schemas.microsoft.com/office/drawing/2014/main" id="{D34B4544-0E36-8DC0-646F-CD14CC8F627B}"/>
-              </a:ext>
-            </a:extLst>
-          </p:cNvPr>
-          <p:cNvCxnSpPr>
-            <a:stCxn id="2" idx="2"/>
-            <a:endCxn id="8" idx="0"/>
-          </p:cNvCxnSpPr>
-          <p:nvPr/>
-        </p:nvCxnSpPr>
-        <p:spPr>
-          <a:xfrm>
-            <a:off x="750013" y="1789414"/>
-            <a:ext cx="0" cy="2090794"/>
-          </a:xfrm>
-          <a:prstGeom prst="straightConnector1">
-            <a:avLst/>
-          </a:prstGeom>
-          <a:ln>
-            <a:headEnd type="triangle"/>
-            <a:tailEnd type="triangle"/>
-          </a:ln>
-        </p:spPr>
-        <p:style>
-          <a:lnRef idx="2">
-            <a:schemeClr val="accent1"/>
-          </a:lnRef>
-          <a:fillRef idx="0">
-            <a:schemeClr val="accent1"/>
-          </a:fillRef>
-          <a:effectRef idx="1">
-            <a:schemeClr val="accent1"/>
-          </a:effectRef>
-          <a:fontRef idx="minor">
-            <a:schemeClr val="tx1"/>
-          </a:fontRef>
-        </p:style>
-      </p:cxnSp>
-      <p:cxnSp>
-        <p:nvCxnSpPr>
-          <p:cNvPr id="16" name="Straight Arrow Connector 15">
-            <a:extLst>
-              <a:ext uri="{FF2B5EF4-FFF2-40B4-BE49-F238E27FC236}">
-                <a16:creationId xmlns:a16="http://schemas.microsoft.com/office/drawing/2014/main" id="{B1A9AD98-9CC1-36B7-0EE7-D651C49BFFA3}"/>
-              </a:ext>
-            </a:extLst>
-          </p:cNvPr>
-          <p:cNvCxnSpPr>
-            <a:stCxn id="2" idx="2"/>
-            <a:endCxn id="9" idx="0"/>
-          </p:cNvCxnSpPr>
-          <p:nvPr/>
-        </p:nvCxnSpPr>
-        <p:spPr>
-          <a:xfrm>
-            <a:off x="750013" y="1789414"/>
-            <a:ext cx="1131014" cy="2090794"/>
-          </a:xfrm>
-          <a:prstGeom prst="straightConnector1">
-            <a:avLst/>
-          </a:prstGeom>
-          <a:ln>
-            <a:headEnd type="triangle"/>
-            <a:tailEnd type="triangle"/>
-          </a:ln>
-        </p:spPr>
-        <p:style>
-          <a:lnRef idx="2">
-            <a:schemeClr val="accent1"/>
-          </a:lnRef>
-          <a:fillRef idx="0">
-            <a:schemeClr val="accent1"/>
-          </a:fillRef>
-          <a:effectRef idx="1">
-            <a:schemeClr val="accent1"/>
-          </a:effectRef>
-          <a:fontRef idx="minor">
-            <a:schemeClr val="tx1"/>
-          </a:fontRef>
-        </p:style>
-      </p:cxnSp>
-      <p:cxnSp>
-        <p:nvCxnSpPr>
-          <p:cNvPr id="18" name="Straight Arrow Connector 17">
-            <a:extLst>
-              <a:ext uri="{FF2B5EF4-FFF2-40B4-BE49-F238E27FC236}">
-                <a16:creationId xmlns:a16="http://schemas.microsoft.com/office/drawing/2014/main" id="{7A14A085-E31B-864A-C603-059178594817}"/>
-              </a:ext>
-            </a:extLst>
-          </p:cNvPr>
-          <p:cNvCxnSpPr>
-            <a:stCxn id="2" idx="2"/>
-            <a:endCxn id="10" idx="0"/>
-          </p:cNvCxnSpPr>
-          <p:nvPr/>
-        </p:nvCxnSpPr>
-        <p:spPr>
-          <a:xfrm>
-            <a:off x="750013" y="1789414"/>
-            <a:ext cx="2262028" cy="2090794"/>
-          </a:xfrm>
-          <a:prstGeom prst="straightConnector1">
-            <a:avLst/>
-          </a:prstGeom>
-          <a:ln>
-            <a:headEnd type="triangle"/>
-            <a:tailEnd type="triangle"/>
-          </a:ln>
-        </p:spPr>
-        <p:style>
-          <a:lnRef idx="2">
-            <a:schemeClr val="accent1"/>
-          </a:lnRef>
-          <a:fillRef idx="0">
-            <a:schemeClr val="accent1"/>
-          </a:fillRef>
-          <a:effectRef idx="1">
-            <a:schemeClr val="accent1"/>
-          </a:effectRef>
-          <a:fontRef idx="minor">
-            <a:schemeClr val="tx1"/>
-          </a:fontRef>
-        </p:style>
-      </p:cxnSp>
-      <p:cxnSp>
-        <p:nvCxnSpPr>
-          <p:cNvPr id="20" name="Straight Arrow Connector 19">
-            <a:extLst>
-              <a:ext uri="{FF2B5EF4-FFF2-40B4-BE49-F238E27FC236}">
-                <a16:creationId xmlns:a16="http://schemas.microsoft.com/office/drawing/2014/main" id="{752DC9B8-AD0C-3394-CF3D-C7F94B91C4D3}"/>
-              </a:ext>
-            </a:extLst>
-          </p:cNvPr>
-          <p:cNvCxnSpPr>
-            <a:stCxn id="2" idx="2"/>
-            <a:endCxn id="11" idx="0"/>
-          </p:cNvCxnSpPr>
-          <p:nvPr/>
-        </p:nvCxnSpPr>
-        <p:spPr>
-          <a:xfrm>
-            <a:off x="750013" y="1789414"/>
-            <a:ext cx="3393042" cy="2090794"/>
-          </a:xfrm>
-          <a:prstGeom prst="straightConnector1">
-            <a:avLst/>
-          </a:prstGeom>
-          <a:ln>
-            <a:headEnd type="triangle"/>
-            <a:tailEnd type="triangle"/>
-          </a:ln>
-        </p:spPr>
-        <p:style>
-          <a:lnRef idx="2">
-            <a:schemeClr val="accent1"/>
-          </a:lnRef>
-          <a:fillRef idx="0">
-            <a:schemeClr val="accent1"/>
-          </a:fillRef>
-          <a:effectRef idx="1">
-            <a:schemeClr val="accent1"/>
-          </a:effectRef>
-          <a:fontRef idx="minor">
-            <a:schemeClr val="tx1"/>
-          </a:fontRef>
-        </p:style>
-      </p:cxnSp>
-      <p:cxnSp>
-        <p:nvCxnSpPr>
-          <p:cNvPr id="22" name="Straight Arrow Connector 21">
-            <a:extLst>
-              <a:ext uri="{FF2B5EF4-FFF2-40B4-BE49-F238E27FC236}">
-                <a16:creationId xmlns:a16="http://schemas.microsoft.com/office/drawing/2014/main" id="{EF4C51AF-C1DE-7F80-D2EB-38B9254C114E}"/>
-              </a:ext>
-            </a:extLst>
-          </p:cNvPr>
-          <p:cNvCxnSpPr>
-            <a:cxnSpLocks/>
-            <a:stCxn id="4" idx="2"/>
-            <a:endCxn id="8" idx="0"/>
-          </p:cNvCxnSpPr>
-          <p:nvPr/>
-        </p:nvCxnSpPr>
-        <p:spPr>
-          <a:xfrm flipH="1">
-            <a:off x="750013" y="1789414"/>
-            <a:ext cx="2262028" cy="2090794"/>
-          </a:xfrm>
-          <a:prstGeom prst="straightConnector1">
-            <a:avLst/>
-          </a:prstGeom>
-          <a:ln>
-            <a:headEnd type="triangle"/>
-            <a:tailEnd type="triangle"/>
-          </a:ln>
-        </p:spPr>
-        <p:style>
-          <a:lnRef idx="2">
-            <a:schemeClr val="accent1"/>
-          </a:lnRef>
-          <a:fillRef idx="0">
-            <a:schemeClr val="accent1"/>
-          </a:fillRef>
-          <a:effectRef idx="1">
-            <a:schemeClr val="accent1"/>
-          </a:effectRef>
-          <a:fontRef idx="minor">
-            <a:schemeClr val="tx1"/>
-          </a:fontRef>
-        </p:style>
-      </p:cxnSp>
-      <p:cxnSp>
-        <p:nvCxnSpPr>
-          <p:cNvPr id="24" name="Straight Arrow Connector 23">
-            <a:extLst>
-              <a:ext uri="{FF2B5EF4-FFF2-40B4-BE49-F238E27FC236}">
-                <a16:creationId xmlns:a16="http://schemas.microsoft.com/office/drawing/2014/main" id="{1556085A-4454-FAA6-60EE-DF3D68F4A5FA}"/>
-              </a:ext>
-            </a:extLst>
-          </p:cNvPr>
-          <p:cNvCxnSpPr>
-            <a:stCxn id="3" idx="2"/>
-            <a:endCxn id="8" idx="0"/>
-          </p:cNvCxnSpPr>
-          <p:nvPr/>
-        </p:nvCxnSpPr>
-        <p:spPr>
-          <a:xfrm flipH="1">
-            <a:off x="750013" y="1789414"/>
-            <a:ext cx="1131014" cy="2090794"/>
-          </a:xfrm>
-          <a:prstGeom prst="straightConnector1">
-            <a:avLst/>
-          </a:prstGeom>
-          <a:ln>
-            <a:headEnd type="triangle"/>
-            <a:tailEnd type="triangle"/>
-          </a:ln>
-        </p:spPr>
-        <p:style>
-          <a:lnRef idx="2">
-            <a:schemeClr val="accent1"/>
-          </a:lnRef>
-          <a:fillRef idx="0">
-            <a:schemeClr val="accent1"/>
-          </a:fillRef>
-          <a:effectRef idx="1">
-            <a:schemeClr val="accent1"/>
-          </a:effectRef>
-          <a:fontRef idx="minor">
-            <a:schemeClr val="tx1"/>
-          </a:fontRef>
-        </p:style>
-      </p:cxnSp>
-      <p:cxnSp>
-        <p:nvCxnSpPr>
-          <p:cNvPr id="26" name="Straight Arrow Connector 25">
-            <a:extLst>
-              <a:ext uri="{FF2B5EF4-FFF2-40B4-BE49-F238E27FC236}">
-                <a16:creationId xmlns:a16="http://schemas.microsoft.com/office/drawing/2014/main" id="{0F4E7D36-CBAF-8884-8F16-39EF5FBF3286}"/>
-              </a:ext>
-            </a:extLst>
-          </p:cNvPr>
-          <p:cNvCxnSpPr>
-            <a:stCxn id="3" idx="2"/>
-            <a:endCxn id="9" idx="0"/>
-          </p:cNvCxnSpPr>
-          <p:nvPr/>
-        </p:nvCxnSpPr>
-        <p:spPr>
-          <a:xfrm>
-            <a:off x="1881027" y="1789414"/>
-            <a:ext cx="0" cy="2090794"/>
-          </a:xfrm>
-          <a:prstGeom prst="straightConnector1">
-            <a:avLst/>
-          </a:prstGeom>
-          <a:ln>
-            <a:headEnd type="triangle"/>
-            <a:tailEnd type="triangle"/>
-          </a:ln>
-        </p:spPr>
-        <p:style>
-          <a:lnRef idx="2">
-            <a:schemeClr val="accent1"/>
-          </a:lnRef>
-          <a:fillRef idx="0">
-            <a:schemeClr val="accent1"/>
-          </a:fillRef>
-          <a:effectRef idx="1">
-            <a:schemeClr val="accent1"/>
-          </a:effectRef>
-          <a:fontRef idx="minor">
-            <a:schemeClr val="tx1"/>
-          </a:fontRef>
-        </p:style>
-      </p:cxnSp>
-      <p:cxnSp>
-        <p:nvCxnSpPr>
-          <p:cNvPr id="28" name="Straight Arrow Connector 27">
-            <a:extLst>
-              <a:ext uri="{FF2B5EF4-FFF2-40B4-BE49-F238E27FC236}">
-                <a16:creationId xmlns:a16="http://schemas.microsoft.com/office/drawing/2014/main" id="{BBBB9B36-D708-595E-1B16-26335C456927}"/>
-              </a:ext>
-            </a:extLst>
-          </p:cNvPr>
-          <p:cNvCxnSpPr>
-            <a:stCxn id="3" idx="2"/>
-            <a:endCxn id="10" idx="0"/>
-          </p:cNvCxnSpPr>
-          <p:nvPr/>
-        </p:nvCxnSpPr>
-        <p:spPr>
-          <a:xfrm>
-            <a:off x="1881027" y="1789414"/>
-            <a:ext cx="1131014" cy="2090794"/>
-          </a:xfrm>
-          <a:prstGeom prst="straightConnector1">
-            <a:avLst/>
-          </a:prstGeom>
-          <a:ln>
-            <a:headEnd type="triangle"/>
-            <a:tailEnd type="triangle"/>
-          </a:ln>
-        </p:spPr>
-        <p:style>
-          <a:lnRef idx="2">
-            <a:schemeClr val="accent1"/>
-          </a:lnRef>
-          <a:fillRef idx="0">
-            <a:schemeClr val="accent1"/>
-          </a:fillRef>
-          <a:effectRef idx="1">
-            <a:schemeClr val="accent1"/>
-          </a:effectRef>
-          <a:fontRef idx="minor">
-            <a:schemeClr val="tx1"/>
-          </a:fontRef>
-        </p:style>
-      </p:cxnSp>
-      <p:cxnSp>
-        <p:nvCxnSpPr>
-          <p:cNvPr id="30" name="Straight Arrow Connector 29">
-            <a:extLst>
-              <a:ext uri="{FF2B5EF4-FFF2-40B4-BE49-F238E27FC236}">
-                <a16:creationId xmlns:a16="http://schemas.microsoft.com/office/drawing/2014/main" id="{503533FA-2F6E-6E61-3885-4671C560D962}"/>
-              </a:ext>
-            </a:extLst>
-          </p:cNvPr>
-          <p:cNvCxnSpPr>
-            <a:stCxn id="3" idx="2"/>
-            <a:endCxn id="11" idx="0"/>
-          </p:cNvCxnSpPr>
-          <p:nvPr/>
-        </p:nvCxnSpPr>
-        <p:spPr>
-          <a:xfrm>
-            <a:off x="1881027" y="1789414"/>
-            <a:ext cx="2262028" cy="2090794"/>
-          </a:xfrm>
-          <a:prstGeom prst="straightConnector1">
-            <a:avLst/>
-          </a:prstGeom>
-          <a:ln>
-            <a:headEnd type="triangle"/>
-            <a:tailEnd type="triangle"/>
-          </a:ln>
-        </p:spPr>
-        <p:style>
-          <a:lnRef idx="2">
-            <a:schemeClr val="accent1"/>
-          </a:lnRef>
-          <a:fillRef idx="0">
-            <a:schemeClr val="accent1"/>
-          </a:fillRef>
-          <a:effectRef idx="1">
-            <a:schemeClr val="accent1"/>
-          </a:effectRef>
-          <a:fontRef idx="minor">
-            <a:schemeClr val="tx1"/>
-          </a:fontRef>
-        </p:style>
-      </p:cxnSp>
-      <p:cxnSp>
-        <p:nvCxnSpPr>
-          <p:cNvPr id="32" name="Straight Arrow Connector 31">
-            <a:extLst>
-              <a:ext uri="{FF2B5EF4-FFF2-40B4-BE49-F238E27FC236}">
-                <a16:creationId xmlns:a16="http://schemas.microsoft.com/office/drawing/2014/main" id="{600CCC26-2BFD-3411-F237-9A367CF37CFC}"/>
-              </a:ext>
-            </a:extLst>
-          </p:cNvPr>
-          <p:cNvCxnSpPr>
-            <a:cxnSpLocks/>
-            <a:stCxn id="4" idx="2"/>
-            <a:endCxn id="9" idx="0"/>
-          </p:cNvCxnSpPr>
-          <p:nvPr/>
-        </p:nvCxnSpPr>
-        <p:spPr>
-          <a:xfrm flipH="1">
-            <a:off x="1881027" y="1789414"/>
-            <a:ext cx="1131014" cy="2090794"/>
-          </a:xfrm>
-          <a:prstGeom prst="straightConnector1">
-            <a:avLst/>
-          </a:prstGeom>
-          <a:ln>
-            <a:headEnd type="triangle"/>
-            <a:tailEnd type="triangle"/>
-          </a:ln>
-        </p:spPr>
-        <p:style>
-          <a:lnRef idx="2">
-            <a:schemeClr val="accent1"/>
-          </a:lnRef>
-          <a:fillRef idx="0">
-            <a:schemeClr val="accent1"/>
-          </a:fillRef>
-          <a:effectRef idx="1">
-            <a:schemeClr val="accent1"/>
-          </a:effectRef>
-          <a:fontRef idx="minor">
-            <a:schemeClr val="tx1"/>
-          </a:fontRef>
-        </p:style>
-      </p:cxnSp>
-      <p:cxnSp>
-        <p:nvCxnSpPr>
-          <p:cNvPr id="38" name="Straight Arrow Connector 37">
-            <a:extLst>
-              <a:ext uri="{FF2B5EF4-FFF2-40B4-BE49-F238E27FC236}">
-                <a16:creationId xmlns:a16="http://schemas.microsoft.com/office/drawing/2014/main" id="{97803BF0-B48B-CA29-2956-2D90B6FD1731}"/>
-              </a:ext>
-            </a:extLst>
-          </p:cNvPr>
-          <p:cNvCxnSpPr>
-            <a:cxnSpLocks/>
-            <a:stCxn id="4" idx="2"/>
-            <a:endCxn id="10" idx="0"/>
-          </p:cNvCxnSpPr>
-          <p:nvPr/>
-        </p:nvCxnSpPr>
-        <p:spPr>
-          <a:xfrm>
-            <a:off x="3012041" y="1789414"/>
-            <a:ext cx="0" cy="2090794"/>
-          </a:xfrm>
-          <a:prstGeom prst="straightConnector1">
-            <a:avLst/>
-          </a:prstGeom>
-          <a:ln>
-            <a:headEnd type="triangle"/>
-            <a:tailEnd type="triangle"/>
-          </a:ln>
-        </p:spPr>
-        <p:style>
-          <a:lnRef idx="2">
-            <a:schemeClr val="accent1"/>
-          </a:lnRef>
-          <a:fillRef idx="0">
-            <a:schemeClr val="accent1"/>
-          </a:fillRef>
-          <a:effectRef idx="1">
-            <a:schemeClr val="accent1"/>
-          </a:effectRef>
-          <a:fontRef idx="minor">
-            <a:schemeClr val="tx1"/>
-          </a:fontRef>
-        </p:style>
-      </p:cxnSp>
-      <p:cxnSp>
-        <p:nvCxnSpPr>
-          <p:cNvPr id="41" name="Straight Arrow Connector 40">
-            <a:extLst>
-              <a:ext uri="{FF2B5EF4-FFF2-40B4-BE49-F238E27FC236}">
-                <a16:creationId xmlns:a16="http://schemas.microsoft.com/office/drawing/2014/main" id="{6D721E15-DF47-3784-5AC2-20207300FF45}"/>
-              </a:ext>
-            </a:extLst>
-          </p:cNvPr>
-          <p:cNvCxnSpPr>
-            <a:cxnSpLocks/>
-            <a:stCxn id="4" idx="2"/>
-            <a:endCxn id="11" idx="0"/>
-          </p:cNvCxnSpPr>
-          <p:nvPr/>
-        </p:nvCxnSpPr>
-        <p:spPr>
-          <a:xfrm>
-            <a:off x="3012041" y="1789414"/>
-            <a:ext cx="1131014" cy="2090794"/>
-          </a:xfrm>
-          <a:prstGeom prst="straightConnector1">
-            <a:avLst/>
-          </a:prstGeom>
-          <a:ln>
-            <a:headEnd type="triangle"/>
-            <a:tailEnd type="triangle"/>
-          </a:ln>
-        </p:spPr>
-        <p:style>
-          <a:lnRef idx="2">
-            <a:schemeClr val="accent1"/>
-          </a:lnRef>
-          <a:fillRef idx="0">
-            <a:schemeClr val="accent1"/>
-          </a:fillRef>
-          <a:effectRef idx="1">
-            <a:schemeClr val="accent1"/>
-          </a:effectRef>
-          <a:fontRef idx="minor">
-            <a:schemeClr val="tx1"/>
-          </a:fontRef>
-        </p:style>
-      </p:cxnSp>
-      <p:cxnSp>
-        <p:nvCxnSpPr>
-          <p:cNvPr id="44" name="Straight Arrow Connector 43">
-            <a:extLst>
-              <a:ext uri="{FF2B5EF4-FFF2-40B4-BE49-F238E27FC236}">
-                <a16:creationId xmlns:a16="http://schemas.microsoft.com/office/drawing/2014/main" id="{814B2C2C-3A73-F952-142F-E1FF7B0140CC}"/>
-              </a:ext>
-            </a:extLst>
-          </p:cNvPr>
-          <p:cNvCxnSpPr>
-            <a:cxnSpLocks/>
-            <a:stCxn id="5" idx="2"/>
-            <a:endCxn id="8" idx="0"/>
-          </p:cNvCxnSpPr>
-          <p:nvPr/>
-        </p:nvCxnSpPr>
-        <p:spPr>
-          <a:xfrm flipH="1">
-            <a:off x="750013" y="1789414"/>
-            <a:ext cx="3393042" cy="2090794"/>
-          </a:xfrm>
-          <a:prstGeom prst="straightConnector1">
-            <a:avLst/>
-          </a:prstGeom>
-          <a:ln>
-            <a:headEnd type="triangle"/>
-            <a:tailEnd type="triangle"/>
-          </a:ln>
-        </p:spPr>
-        <p:style>
-          <a:lnRef idx="2">
-            <a:schemeClr val="accent1"/>
-          </a:lnRef>
-          <a:fillRef idx="0">
-            <a:schemeClr val="accent1"/>
-          </a:fillRef>
-          <a:effectRef idx="1">
-            <a:schemeClr val="accent1"/>
-          </a:effectRef>
-          <a:fontRef idx="minor">
-            <a:schemeClr val="tx1"/>
-          </a:fontRef>
-        </p:style>
-      </p:cxnSp>
-      <p:cxnSp>
-        <p:nvCxnSpPr>
-          <p:cNvPr id="47" name="Straight Arrow Connector 46">
-            <a:extLst>
-              <a:ext uri="{FF2B5EF4-FFF2-40B4-BE49-F238E27FC236}">
-                <a16:creationId xmlns:a16="http://schemas.microsoft.com/office/drawing/2014/main" id="{83F18B8F-E26B-04E4-AE80-D908603E03BA}"/>
-              </a:ext>
-            </a:extLst>
-          </p:cNvPr>
-          <p:cNvCxnSpPr>
-            <a:cxnSpLocks/>
-            <a:stCxn id="5" idx="2"/>
-            <a:endCxn id="9" idx="0"/>
-          </p:cNvCxnSpPr>
-          <p:nvPr/>
-        </p:nvCxnSpPr>
-        <p:spPr>
-          <a:xfrm flipH="1">
-            <a:off x="1881027" y="1789414"/>
-            <a:ext cx="2262028" cy="2090794"/>
-          </a:xfrm>
-          <a:prstGeom prst="straightConnector1">
-            <a:avLst/>
-          </a:prstGeom>
-          <a:ln>
-            <a:headEnd type="triangle"/>
-            <a:tailEnd type="triangle"/>
-          </a:ln>
-        </p:spPr>
-        <p:style>
-          <a:lnRef idx="2">
-            <a:schemeClr val="accent1"/>
-          </a:lnRef>
-          <a:fillRef idx="0">
-            <a:schemeClr val="accent1"/>
-          </a:fillRef>
-          <a:effectRef idx="1">
-            <a:schemeClr val="accent1"/>
-          </a:effectRef>
-          <a:fontRef idx="minor">
-            <a:schemeClr val="tx1"/>
-          </a:fontRef>
-        </p:style>
-      </p:cxnSp>
-      <p:cxnSp>
-        <p:nvCxnSpPr>
-          <p:cNvPr id="50" name="Straight Arrow Connector 49">
-            <a:extLst>
-              <a:ext uri="{FF2B5EF4-FFF2-40B4-BE49-F238E27FC236}">
-                <a16:creationId xmlns:a16="http://schemas.microsoft.com/office/drawing/2014/main" id="{9EE3DC3B-0F1A-DF93-22F4-AA2D5F38E2D3}"/>
-              </a:ext>
-            </a:extLst>
-          </p:cNvPr>
-          <p:cNvCxnSpPr>
-            <a:cxnSpLocks/>
-            <a:stCxn id="5" idx="2"/>
-            <a:endCxn id="10" idx="0"/>
-          </p:cNvCxnSpPr>
-          <p:nvPr/>
-        </p:nvCxnSpPr>
-        <p:spPr>
-          <a:xfrm flipH="1">
-            <a:off x="3012041" y="1789414"/>
-            <a:ext cx="1131014" cy="2090794"/>
-          </a:xfrm>
-          <a:prstGeom prst="straightConnector1">
-            <a:avLst/>
-          </a:prstGeom>
-          <a:ln>
-            <a:headEnd type="triangle"/>
-            <a:tailEnd type="triangle"/>
-          </a:ln>
-        </p:spPr>
-        <p:style>
-          <a:lnRef idx="2">
-            <a:schemeClr val="accent1"/>
-          </a:lnRef>
-          <a:fillRef idx="0">
-            <a:schemeClr val="accent1"/>
-          </a:fillRef>
-          <a:effectRef idx="1">
-            <a:schemeClr val="accent1"/>
-          </a:effectRef>
-          <a:fontRef idx="minor">
-            <a:schemeClr val="tx1"/>
-          </a:fontRef>
-        </p:style>
-      </p:cxnSp>
-      <p:cxnSp>
-        <p:nvCxnSpPr>
-          <p:cNvPr id="53" name="Straight Arrow Connector 52">
-            <a:extLst>
-              <a:ext uri="{FF2B5EF4-FFF2-40B4-BE49-F238E27FC236}">
-                <a16:creationId xmlns:a16="http://schemas.microsoft.com/office/drawing/2014/main" id="{B03FAB3E-0CE5-C295-DBF4-5506F3F2B73A}"/>
-              </a:ext>
-            </a:extLst>
-          </p:cNvPr>
-          <p:cNvCxnSpPr>
-            <a:cxnSpLocks/>
-            <a:stCxn id="5" idx="2"/>
-            <a:endCxn id="11" idx="0"/>
-          </p:cNvCxnSpPr>
-          <p:nvPr/>
-        </p:nvCxnSpPr>
-        <p:spPr>
-          <a:xfrm>
-            <a:off x="4143055" y="1789414"/>
-            <a:ext cx="0" cy="2090794"/>
-          </a:xfrm>
-          <a:prstGeom prst="straightConnector1">
-            <a:avLst/>
-          </a:prstGeom>
-          <a:ln>
-            <a:headEnd type="triangle"/>
-            <a:tailEnd type="triangle"/>
-          </a:ln>
-        </p:spPr>
-        <p:style>
-          <a:lnRef idx="2">
-            <a:schemeClr val="accent1"/>
-          </a:lnRef>
-          <a:fillRef idx="0">
-            <a:schemeClr val="accent1"/>
-          </a:fillRef>
-          <a:effectRef idx="1">
-            <a:schemeClr val="accent1"/>
-          </a:effectRef>
-          <a:fontRef idx="minor">
-            <a:schemeClr val="tx1"/>
-          </a:fontRef>
-        </p:style>
-      </p:cxnSp>
-      <p:sp>
-        <p:nvSpPr>
-          <p:cNvPr id="56" name="Rectangle 55">
-            <a:extLst>
-              <a:ext uri="{FF2B5EF4-FFF2-40B4-BE49-F238E27FC236}">
-                <a16:creationId xmlns:a16="http://schemas.microsoft.com/office/drawing/2014/main" id="{88D31F95-1256-0556-8AB9-2704707EED25}"/>
-              </a:ext>
-            </a:extLst>
-          </p:cNvPr>
-          <p:cNvSpPr/>
-          <p:nvPr/>
-        </p:nvSpPr>
-        <p:spPr>
-          <a:xfrm>
-            <a:off x="750013" y="4636214"/>
-            <a:ext cx="3393042" cy="441789"/>
-          </a:xfrm>
-          <a:prstGeom prst="rect">
-            <a:avLst/>
-          </a:prstGeom>
-          <a:solidFill>
-            <a:srgbClr val="A02B93">
-              <a:hueOff val="0"/>
-              <a:satOff val="0"/>
-              <a:lumOff val="0"/>
-              <a:alphaOff val="0"/>
-            </a:srgbClr>
-          </a:solidFill>
-          <a:ln w="19050" cap="flat" cmpd="sng" algn="ctr">
-            <a:solidFill>
-              <a:prstClr val="white">
-                <a:hueOff val="0"/>
-                <a:satOff val="0"/>
-                <a:lumOff val="0"/>
-                <a:alphaOff val="0"/>
-              </a:prstClr>
-            </a:solidFill>
-            <a:prstDash val="solid"/>
-            <a:miter lim="800000"/>
-          </a:ln>
-          <a:effectLst/>
-        </p:spPr>
-        <p:txBody>
-          <a:bodyPr spcFirstLastPara="0" vert="horz" wrap="square" lIns="68580" tIns="68580" rIns="68580" bIns="68580" numCol="1" spcCol="1270" anchor="ctr" anchorCtr="0">
-            <a:noAutofit/>
-          </a:bodyPr>
-          <a:lstStyle/>
-          <a:p>
-            <a:pPr algn="ctr"/>
-            <a:r>
-              <a:rPr lang="en-GB" sz="1100" dirty="0">
-                <a:solidFill>
-                  <a:schemeClr val="bg1"/>
-                </a:solidFill>
-              </a:rPr>
-              <a:t>P2P , No Governance, Fragmented Discovery</a:t>
-            </a:r>
-          </a:p>
-          <a:p>
-            <a:pPr algn="ctr"/>
-            <a:r>
-              <a:rPr lang="en-GB" sz="1100" dirty="0">
-                <a:solidFill>
-                  <a:schemeClr val="bg1"/>
-                </a:solidFill>
-              </a:rPr>
-              <a:t>No RBAC</a:t>
-            </a:r>
-          </a:p>
-        </p:txBody>
-      </p:sp>
-      <p:sp>
-        <p:nvSpPr>
-          <p:cNvPr id="57" name="Rectangle 56">
-            <a:extLst>
-              <a:ext uri="{FF2B5EF4-FFF2-40B4-BE49-F238E27FC236}">
-                <a16:creationId xmlns:a16="http://schemas.microsoft.com/office/drawing/2014/main" id="{EDF11972-5541-D0BE-7899-8500BC8B7AA2}"/>
-              </a:ext>
-            </a:extLst>
-          </p:cNvPr>
-          <p:cNvSpPr/>
-          <p:nvPr/>
-        </p:nvSpPr>
-        <p:spPr>
-          <a:xfrm>
-            <a:off x="5447872" y="1426395"/>
-            <a:ext cx="986320" cy="363019"/>
-          </a:xfrm>
-          <a:prstGeom prst="rect">
-            <a:avLst/>
-          </a:prstGeom>
-          <a:solidFill>
-            <a:srgbClr val="E97132">
-              <a:hueOff val="0"/>
-              <a:satOff val="0"/>
-              <a:lumOff val="0"/>
-              <a:alphaOff val="0"/>
-            </a:srgbClr>
-          </a:solidFill>
-          <a:ln w="19050" cap="flat" cmpd="sng" algn="ctr">
-            <a:solidFill>
-              <a:prstClr val="white">
-                <a:hueOff val="0"/>
-                <a:satOff val="0"/>
-                <a:lumOff val="0"/>
-                <a:alphaOff val="0"/>
-              </a:prstClr>
-            </a:solidFill>
-            <a:prstDash val="solid"/>
-            <a:miter lim="800000"/>
-          </a:ln>
-          <a:effectLst/>
-        </p:spPr>
-        <p:txBody>
-          <a:bodyPr spcFirstLastPara="0" vert="horz" wrap="square" lIns="68580" tIns="68580" rIns="68580" bIns="68580" numCol="1" spcCol="1270" anchor="ctr" anchorCtr="0">
-            <a:noAutofit/>
-          </a:bodyPr>
-          <a:lstStyle/>
-          <a:p>
-            <a:pPr algn="ctr"/>
-            <a:r>
-              <a:rPr lang="en-GB" sz="1100" dirty="0">
-                <a:solidFill>
-                  <a:schemeClr val="bg1"/>
-                </a:solidFill>
-              </a:rPr>
-              <a:t>MCP Server</a:t>
-            </a:r>
-          </a:p>
-        </p:txBody>
-      </p:sp>
-      <p:sp>
-        <p:nvSpPr>
-          <p:cNvPr id="58" name="Rectangle 57">
-            <a:extLst>
-              <a:ext uri="{FF2B5EF4-FFF2-40B4-BE49-F238E27FC236}">
-                <a16:creationId xmlns:a16="http://schemas.microsoft.com/office/drawing/2014/main" id="{0674692E-8E25-9292-B7B0-237F1BFA8D8E}"/>
-              </a:ext>
-            </a:extLst>
-          </p:cNvPr>
-          <p:cNvSpPr/>
-          <p:nvPr/>
-        </p:nvSpPr>
-        <p:spPr>
-          <a:xfrm>
-            <a:off x="6578886" y="1426395"/>
-            <a:ext cx="986320" cy="363019"/>
-          </a:xfrm>
-          <a:prstGeom prst="rect">
-            <a:avLst/>
-          </a:prstGeom>
-          <a:solidFill>
-            <a:srgbClr val="E97132">
-              <a:hueOff val="0"/>
-              <a:satOff val="0"/>
-              <a:lumOff val="0"/>
-              <a:alphaOff val="0"/>
-            </a:srgbClr>
-          </a:solidFill>
-          <a:ln w="19050" cap="flat" cmpd="sng" algn="ctr">
-            <a:solidFill>
-              <a:prstClr val="white">
-                <a:hueOff val="0"/>
-                <a:satOff val="0"/>
-                <a:lumOff val="0"/>
-                <a:alphaOff val="0"/>
-              </a:prstClr>
-            </a:solidFill>
-            <a:prstDash val="solid"/>
-            <a:miter lim="800000"/>
-          </a:ln>
-          <a:effectLst/>
-        </p:spPr>
-        <p:txBody>
-          <a:bodyPr spcFirstLastPara="0" vert="horz" wrap="square" lIns="68580" tIns="68580" rIns="68580" bIns="68580" numCol="1" spcCol="1270" anchor="ctr" anchorCtr="0">
-            <a:noAutofit/>
-          </a:bodyPr>
-          <a:lstStyle/>
-          <a:p>
-            <a:pPr algn="ctr"/>
-            <a:r>
-              <a:rPr lang="en-GB" sz="1100" dirty="0">
-                <a:solidFill>
-                  <a:schemeClr val="bg1"/>
-                </a:solidFill>
-              </a:rPr>
-              <a:t>MCP Server</a:t>
-            </a:r>
-          </a:p>
-        </p:txBody>
-      </p:sp>
-      <p:sp>
-        <p:nvSpPr>
-          <p:cNvPr id="59" name="Rectangle 58">
-            <a:extLst>
-              <a:ext uri="{FF2B5EF4-FFF2-40B4-BE49-F238E27FC236}">
-                <a16:creationId xmlns:a16="http://schemas.microsoft.com/office/drawing/2014/main" id="{F373F8FA-5765-62AB-3546-6D2E534B1EA9}"/>
-              </a:ext>
-            </a:extLst>
-          </p:cNvPr>
-          <p:cNvSpPr/>
-          <p:nvPr/>
-        </p:nvSpPr>
-        <p:spPr>
-          <a:xfrm>
-            <a:off x="7709900" y="1426395"/>
-            <a:ext cx="986320" cy="363019"/>
-          </a:xfrm>
-          <a:prstGeom prst="rect">
-            <a:avLst/>
-          </a:prstGeom>
-          <a:solidFill>
-            <a:srgbClr val="E97132">
-              <a:hueOff val="0"/>
-              <a:satOff val="0"/>
-              <a:lumOff val="0"/>
-              <a:alphaOff val="0"/>
-            </a:srgbClr>
-          </a:solidFill>
-          <a:ln w="19050" cap="flat" cmpd="sng" algn="ctr">
-            <a:solidFill>
-              <a:prstClr val="white">
-                <a:hueOff val="0"/>
-                <a:satOff val="0"/>
-                <a:lumOff val="0"/>
-                <a:alphaOff val="0"/>
-              </a:prstClr>
-            </a:solidFill>
-            <a:prstDash val="solid"/>
-            <a:miter lim="800000"/>
-          </a:ln>
-          <a:effectLst/>
-        </p:spPr>
-        <p:txBody>
-          <a:bodyPr spcFirstLastPara="0" vert="horz" wrap="square" lIns="68580" tIns="68580" rIns="68580" bIns="68580" numCol="1" spcCol="1270" anchor="ctr" anchorCtr="0">
-            <a:noAutofit/>
-          </a:bodyPr>
-          <a:lstStyle/>
-          <a:p>
-            <a:pPr algn="ctr"/>
-            <a:r>
-              <a:rPr lang="en-GB" sz="1100" dirty="0">
-                <a:solidFill>
-                  <a:schemeClr val="bg1"/>
-                </a:solidFill>
-              </a:rPr>
-              <a:t>MCP Server</a:t>
-            </a:r>
-          </a:p>
-        </p:txBody>
-      </p:sp>
-      <p:sp>
-        <p:nvSpPr>
-          <p:cNvPr id="60" name="Rectangle 59">
-            <a:extLst>
-              <a:ext uri="{FF2B5EF4-FFF2-40B4-BE49-F238E27FC236}">
-                <a16:creationId xmlns:a16="http://schemas.microsoft.com/office/drawing/2014/main" id="{6B609B85-68DE-0AD4-3FA3-4FC706079CA3}"/>
-              </a:ext>
-            </a:extLst>
-          </p:cNvPr>
-          <p:cNvSpPr/>
-          <p:nvPr/>
-        </p:nvSpPr>
-        <p:spPr>
-          <a:xfrm>
-            <a:off x="8840914" y="1426395"/>
-            <a:ext cx="986320" cy="363019"/>
-          </a:xfrm>
-          <a:prstGeom prst="rect">
-            <a:avLst/>
-          </a:prstGeom>
-          <a:solidFill>
-            <a:srgbClr val="E97132">
-              <a:hueOff val="0"/>
-              <a:satOff val="0"/>
-              <a:lumOff val="0"/>
-              <a:alphaOff val="0"/>
-            </a:srgbClr>
-          </a:solidFill>
-          <a:ln w="19050" cap="flat" cmpd="sng" algn="ctr">
-            <a:solidFill>
-              <a:prstClr val="white">
-                <a:hueOff val="0"/>
-                <a:satOff val="0"/>
-                <a:lumOff val="0"/>
-                <a:alphaOff val="0"/>
-              </a:prstClr>
-            </a:solidFill>
-            <a:prstDash val="solid"/>
-            <a:miter lim="800000"/>
-          </a:ln>
-          <a:effectLst/>
-        </p:spPr>
-        <p:txBody>
-          <a:bodyPr spcFirstLastPara="0" vert="horz" wrap="square" lIns="68580" tIns="68580" rIns="68580" bIns="68580" numCol="1" spcCol="1270" anchor="ctr" anchorCtr="0">
-            <a:noAutofit/>
-          </a:bodyPr>
-          <a:lstStyle/>
-          <a:p>
-            <a:pPr algn="ctr"/>
-            <a:r>
-              <a:rPr lang="en-GB" sz="1100" dirty="0">
-                <a:solidFill>
-                  <a:schemeClr val="bg1"/>
-                </a:solidFill>
-              </a:rPr>
-              <a:t>MCP Server</a:t>
-            </a:r>
-          </a:p>
-        </p:txBody>
-      </p:sp>
-      <p:sp>
-        <p:nvSpPr>
-          <p:cNvPr id="61" name="Rectangle 60">
-            <a:extLst>
-              <a:ext uri="{FF2B5EF4-FFF2-40B4-BE49-F238E27FC236}">
-                <a16:creationId xmlns:a16="http://schemas.microsoft.com/office/drawing/2014/main" id="{52FB467B-05FD-8D09-12E4-0EE5C1AA9B51}"/>
-              </a:ext>
-            </a:extLst>
-          </p:cNvPr>
-          <p:cNvSpPr/>
-          <p:nvPr/>
-        </p:nvSpPr>
-        <p:spPr>
-          <a:xfrm>
-            <a:off x="5447872" y="3880208"/>
-            <a:ext cx="986320" cy="363019"/>
-          </a:xfrm>
-          <a:prstGeom prst="rect">
-            <a:avLst/>
-          </a:prstGeom>
-          <a:solidFill>
-            <a:srgbClr val="0F9ED5">
-              <a:hueOff val="0"/>
-              <a:satOff val="0"/>
-              <a:lumOff val="0"/>
-              <a:alphaOff val="0"/>
-            </a:srgbClr>
-          </a:solidFill>
-          <a:ln w="19050" cap="flat" cmpd="sng" algn="ctr">
-            <a:solidFill>
-              <a:prstClr val="white">
-                <a:hueOff val="0"/>
-                <a:satOff val="0"/>
-                <a:lumOff val="0"/>
-                <a:alphaOff val="0"/>
-              </a:prstClr>
-            </a:solidFill>
-            <a:prstDash val="solid"/>
-            <a:miter lim="800000"/>
-          </a:ln>
-          <a:effectLst/>
-        </p:spPr>
-        <p:txBody>
-          <a:bodyPr spcFirstLastPara="0" vert="horz" wrap="square" lIns="68580" tIns="68580" rIns="68580" bIns="68580" numCol="1" spcCol="1270" anchor="ctr" anchorCtr="0">
-            <a:noAutofit/>
-          </a:bodyPr>
-          <a:lstStyle/>
-          <a:p>
-            <a:pPr algn="ctr"/>
-            <a:r>
-              <a:rPr lang="en-GB" sz="1100" dirty="0">
-                <a:solidFill>
-                  <a:schemeClr val="bg1"/>
-                </a:solidFill>
-              </a:rPr>
-              <a:t>Agent</a:t>
-            </a:r>
-          </a:p>
-        </p:txBody>
-      </p:sp>
-      <p:sp>
-        <p:nvSpPr>
-          <p:cNvPr id="62" name="Rectangle 61">
-            <a:extLst>
-              <a:ext uri="{FF2B5EF4-FFF2-40B4-BE49-F238E27FC236}">
-                <a16:creationId xmlns:a16="http://schemas.microsoft.com/office/drawing/2014/main" id="{DC16ABA7-484D-CF57-782C-9636933ADF5E}"/>
-              </a:ext>
-            </a:extLst>
-          </p:cNvPr>
-          <p:cNvSpPr/>
-          <p:nvPr/>
-        </p:nvSpPr>
-        <p:spPr>
-          <a:xfrm>
-            <a:off x="6578886" y="3880208"/>
-            <a:ext cx="986320" cy="363019"/>
-          </a:xfrm>
-          <a:prstGeom prst="rect">
-            <a:avLst/>
-          </a:prstGeom>
-          <a:solidFill>
-            <a:srgbClr val="0F9ED5">
-              <a:hueOff val="0"/>
-              <a:satOff val="0"/>
-              <a:lumOff val="0"/>
-              <a:alphaOff val="0"/>
-            </a:srgbClr>
-          </a:solidFill>
-          <a:ln w="19050" cap="flat" cmpd="sng" algn="ctr">
-            <a:solidFill>
-              <a:prstClr val="white">
-                <a:hueOff val="0"/>
-                <a:satOff val="0"/>
-                <a:lumOff val="0"/>
-                <a:alphaOff val="0"/>
-              </a:prstClr>
-            </a:solidFill>
-            <a:prstDash val="solid"/>
-            <a:miter lim="800000"/>
-          </a:ln>
-          <a:effectLst/>
-        </p:spPr>
-        <p:txBody>
-          <a:bodyPr spcFirstLastPara="0" vert="horz" wrap="square" lIns="68580" tIns="68580" rIns="68580" bIns="68580" numCol="1" spcCol="1270" anchor="ctr" anchorCtr="0">
-            <a:noAutofit/>
-          </a:bodyPr>
-          <a:lstStyle/>
-          <a:p>
-            <a:pPr algn="ctr"/>
-            <a:r>
-              <a:rPr lang="en-GB" sz="1100" dirty="0">
-                <a:solidFill>
-                  <a:schemeClr val="bg1"/>
-                </a:solidFill>
-              </a:rPr>
-              <a:t>Agent</a:t>
-            </a:r>
-          </a:p>
-        </p:txBody>
-      </p:sp>
-      <p:sp>
-        <p:nvSpPr>
-          <p:cNvPr id="63" name="Rectangle 62">
-            <a:extLst>
-              <a:ext uri="{FF2B5EF4-FFF2-40B4-BE49-F238E27FC236}">
-                <a16:creationId xmlns:a16="http://schemas.microsoft.com/office/drawing/2014/main" id="{59AB4F31-50D3-0DF3-384D-AE5FA784AC3F}"/>
-              </a:ext>
-            </a:extLst>
-          </p:cNvPr>
-          <p:cNvSpPr/>
-          <p:nvPr/>
-        </p:nvSpPr>
-        <p:spPr>
-          <a:xfrm>
-            <a:off x="7709900" y="3880208"/>
-            <a:ext cx="986320" cy="363019"/>
-          </a:xfrm>
-          <a:prstGeom prst="rect">
-            <a:avLst/>
-          </a:prstGeom>
-          <a:solidFill>
-            <a:srgbClr val="0F9ED5">
-              <a:hueOff val="0"/>
-              <a:satOff val="0"/>
-              <a:lumOff val="0"/>
-              <a:alphaOff val="0"/>
-            </a:srgbClr>
-          </a:solidFill>
-          <a:ln w="19050" cap="flat" cmpd="sng" algn="ctr">
-            <a:solidFill>
-              <a:prstClr val="white">
-                <a:hueOff val="0"/>
-                <a:satOff val="0"/>
-                <a:lumOff val="0"/>
-                <a:alphaOff val="0"/>
-              </a:prstClr>
-            </a:solidFill>
-            <a:prstDash val="solid"/>
-            <a:miter lim="800000"/>
-          </a:ln>
-          <a:effectLst/>
-        </p:spPr>
-        <p:txBody>
-          <a:bodyPr spcFirstLastPara="0" vert="horz" wrap="square" lIns="68580" tIns="68580" rIns="68580" bIns="68580" numCol="1" spcCol="1270" anchor="ctr" anchorCtr="0">
-            <a:noAutofit/>
-          </a:bodyPr>
-          <a:lstStyle/>
-          <a:p>
-            <a:pPr algn="ctr"/>
-            <a:r>
-              <a:rPr lang="en-GB" sz="1100" dirty="0">
-                <a:solidFill>
-                  <a:schemeClr val="bg1"/>
-                </a:solidFill>
-              </a:rPr>
-              <a:t>Agent</a:t>
-            </a:r>
-          </a:p>
-        </p:txBody>
-      </p:sp>
-      <p:sp>
-        <p:nvSpPr>
-          <p:cNvPr id="64" name="Rectangle 63">
-            <a:extLst>
-              <a:ext uri="{FF2B5EF4-FFF2-40B4-BE49-F238E27FC236}">
-                <a16:creationId xmlns:a16="http://schemas.microsoft.com/office/drawing/2014/main" id="{517254D0-A01D-4900-1F22-9224222D5B91}"/>
-              </a:ext>
-            </a:extLst>
-          </p:cNvPr>
-          <p:cNvSpPr/>
-          <p:nvPr/>
-        </p:nvSpPr>
-        <p:spPr>
-          <a:xfrm>
-            <a:off x="8840914" y="3880208"/>
-            <a:ext cx="986320" cy="363019"/>
-          </a:xfrm>
-          <a:prstGeom prst="rect">
-            <a:avLst/>
-          </a:prstGeom>
-          <a:solidFill>
-            <a:srgbClr val="0F9ED5">
-              <a:hueOff val="0"/>
-              <a:satOff val="0"/>
-              <a:lumOff val="0"/>
-              <a:alphaOff val="0"/>
-            </a:srgbClr>
-          </a:solidFill>
-          <a:ln w="19050" cap="flat" cmpd="sng" algn="ctr">
-            <a:solidFill>
-              <a:prstClr val="white">
-                <a:hueOff val="0"/>
-                <a:satOff val="0"/>
-                <a:lumOff val="0"/>
-                <a:alphaOff val="0"/>
-              </a:prstClr>
-            </a:solidFill>
-            <a:prstDash val="solid"/>
-            <a:miter lim="800000"/>
-          </a:ln>
-          <a:effectLst/>
-        </p:spPr>
-        <p:txBody>
-          <a:bodyPr spcFirstLastPara="0" vert="horz" wrap="square" lIns="68580" tIns="68580" rIns="68580" bIns="68580" numCol="1" spcCol="1270" anchor="ctr" anchorCtr="0">
-            <a:noAutofit/>
-          </a:bodyPr>
-          <a:lstStyle/>
-          <a:p>
-            <a:pPr algn="ctr"/>
-            <a:r>
-              <a:rPr lang="en-GB" sz="1100" dirty="0">
-                <a:solidFill>
-                  <a:schemeClr val="bg1"/>
-                </a:solidFill>
-              </a:rPr>
-              <a:t>Agent</a:t>
-            </a:r>
-          </a:p>
-        </p:txBody>
-      </p:sp>
-      <p:cxnSp>
-        <p:nvCxnSpPr>
-          <p:cNvPr id="66" name="Straight Arrow Connector 65">
-            <a:extLst>
-              <a:ext uri="{FF2B5EF4-FFF2-40B4-BE49-F238E27FC236}">
-                <a16:creationId xmlns:a16="http://schemas.microsoft.com/office/drawing/2014/main" id="{DE73C9A3-82BA-3800-9232-4256719FFE2D}"/>
-              </a:ext>
-            </a:extLst>
-          </p:cNvPr>
-          <p:cNvCxnSpPr>
-            <a:cxnSpLocks/>
-            <a:stCxn id="82" idx="2"/>
-            <a:endCxn id="62" idx="0"/>
-          </p:cNvCxnSpPr>
-          <p:nvPr/>
-        </p:nvCxnSpPr>
-        <p:spPr>
-          <a:xfrm flipH="1">
-            <a:off x="7072046" y="3026594"/>
-            <a:ext cx="565503" cy="853614"/>
-          </a:xfrm>
-          <a:prstGeom prst="straightConnector1">
-            <a:avLst/>
-          </a:prstGeom>
-          <a:ln>
-            <a:headEnd type="triangle"/>
-            <a:tailEnd type="triangle"/>
-          </a:ln>
-        </p:spPr>
-        <p:style>
-          <a:lnRef idx="2">
-            <a:schemeClr val="accent1"/>
-          </a:lnRef>
-          <a:fillRef idx="0">
-            <a:schemeClr val="accent1"/>
-          </a:fillRef>
-          <a:effectRef idx="1">
-            <a:schemeClr val="accent1"/>
-          </a:effectRef>
-          <a:fontRef idx="minor">
-            <a:schemeClr val="tx1"/>
-          </a:fontRef>
-        </p:style>
-      </p:cxnSp>
-      <p:cxnSp>
-        <p:nvCxnSpPr>
-          <p:cNvPr id="67" name="Straight Arrow Connector 66">
-            <a:extLst>
-              <a:ext uri="{FF2B5EF4-FFF2-40B4-BE49-F238E27FC236}">
-                <a16:creationId xmlns:a16="http://schemas.microsoft.com/office/drawing/2014/main" id="{D6BDB196-133C-3EA0-15A2-2C1B63B6AEAC}"/>
-              </a:ext>
-            </a:extLst>
-          </p:cNvPr>
-          <p:cNvCxnSpPr>
-            <a:cxnSpLocks/>
-            <a:stCxn id="57" idx="2"/>
-            <a:endCxn id="82" idx="0"/>
-          </p:cNvCxnSpPr>
-          <p:nvPr/>
-        </p:nvCxnSpPr>
-        <p:spPr>
-          <a:xfrm>
-            <a:off x="5941032" y="1789414"/>
-            <a:ext cx="1696517" cy="874161"/>
-          </a:xfrm>
-          <a:prstGeom prst="straightConnector1">
-            <a:avLst/>
-          </a:prstGeom>
-          <a:ln>
-            <a:headEnd type="triangle"/>
-            <a:tailEnd type="triangle"/>
-          </a:ln>
-        </p:spPr>
-        <p:style>
-          <a:lnRef idx="2">
-            <a:schemeClr val="accent1"/>
-          </a:lnRef>
-          <a:fillRef idx="0">
-            <a:schemeClr val="accent1"/>
-          </a:fillRef>
-          <a:effectRef idx="1">
-            <a:schemeClr val="accent1"/>
-          </a:effectRef>
-          <a:fontRef idx="minor">
-            <a:schemeClr val="tx1"/>
-          </a:fontRef>
-        </p:style>
-      </p:cxnSp>
-      <p:cxnSp>
-        <p:nvCxnSpPr>
-          <p:cNvPr id="69" name="Straight Arrow Connector 68">
-            <a:extLst>
-              <a:ext uri="{FF2B5EF4-FFF2-40B4-BE49-F238E27FC236}">
-                <a16:creationId xmlns:a16="http://schemas.microsoft.com/office/drawing/2014/main" id="{BB374E00-DADE-01CA-2F59-EEB8BB220687}"/>
-              </a:ext>
-            </a:extLst>
-          </p:cNvPr>
-          <p:cNvCxnSpPr>
-            <a:cxnSpLocks/>
-            <a:stCxn id="82" idx="2"/>
-            <a:endCxn id="61" idx="0"/>
-          </p:cNvCxnSpPr>
-          <p:nvPr/>
-        </p:nvCxnSpPr>
-        <p:spPr>
-          <a:xfrm flipH="1">
-            <a:off x="5941032" y="3026594"/>
-            <a:ext cx="1696517" cy="853614"/>
-          </a:xfrm>
-          <a:prstGeom prst="straightConnector1">
-            <a:avLst/>
-          </a:prstGeom>
-          <a:ln>
-            <a:headEnd type="triangle"/>
-            <a:tailEnd type="triangle"/>
-          </a:ln>
-        </p:spPr>
-        <p:style>
-          <a:lnRef idx="2">
-            <a:schemeClr val="accent1"/>
-          </a:lnRef>
-          <a:fillRef idx="0">
-            <a:schemeClr val="accent1"/>
-          </a:fillRef>
-          <a:effectRef idx="1">
-            <a:schemeClr val="accent1"/>
-          </a:effectRef>
-          <a:fontRef idx="minor">
-            <a:schemeClr val="tx1"/>
-          </a:fontRef>
-        </p:style>
-      </p:cxnSp>
-      <p:cxnSp>
-        <p:nvCxnSpPr>
-          <p:cNvPr id="72" name="Straight Arrow Connector 71">
-            <a:extLst>
-              <a:ext uri="{FF2B5EF4-FFF2-40B4-BE49-F238E27FC236}">
-                <a16:creationId xmlns:a16="http://schemas.microsoft.com/office/drawing/2014/main" id="{E2E0FDBA-D4A2-BE96-0F03-40D6F654B8DA}"/>
-              </a:ext>
-            </a:extLst>
-          </p:cNvPr>
-          <p:cNvCxnSpPr>
-            <a:cxnSpLocks/>
-            <a:stCxn id="58" idx="2"/>
-            <a:endCxn id="82" idx="0"/>
-          </p:cNvCxnSpPr>
-          <p:nvPr/>
-        </p:nvCxnSpPr>
-        <p:spPr>
-          <a:xfrm>
-            <a:off x="7072046" y="1789414"/>
-            <a:ext cx="565503" cy="874161"/>
-          </a:xfrm>
-          <a:prstGeom prst="straightConnector1">
-            <a:avLst/>
-          </a:prstGeom>
-          <a:ln>
-            <a:headEnd type="triangle"/>
-            <a:tailEnd type="triangle"/>
-          </a:ln>
-        </p:spPr>
-        <p:style>
-          <a:lnRef idx="2">
-            <a:schemeClr val="accent1"/>
-          </a:lnRef>
-          <a:fillRef idx="0">
-            <a:schemeClr val="accent1"/>
-          </a:fillRef>
-          <a:effectRef idx="1">
-            <a:schemeClr val="accent1"/>
-          </a:effectRef>
-          <a:fontRef idx="minor">
-            <a:schemeClr val="tx1"/>
-          </a:fontRef>
-        </p:style>
-      </p:cxnSp>
-      <p:cxnSp>
-        <p:nvCxnSpPr>
-          <p:cNvPr id="75" name="Straight Arrow Connector 74">
-            <a:extLst>
-              <a:ext uri="{FF2B5EF4-FFF2-40B4-BE49-F238E27FC236}">
-                <a16:creationId xmlns:a16="http://schemas.microsoft.com/office/drawing/2014/main" id="{7B509B11-107A-1557-45D7-C627A3B26C17}"/>
-              </a:ext>
-            </a:extLst>
-          </p:cNvPr>
-          <p:cNvCxnSpPr>
-            <a:cxnSpLocks/>
-            <a:stCxn id="59" idx="2"/>
-            <a:endCxn id="82" idx="0"/>
-          </p:cNvCxnSpPr>
-          <p:nvPr/>
-        </p:nvCxnSpPr>
-        <p:spPr>
-          <a:xfrm flipH="1">
-            <a:off x="7637549" y="1789414"/>
-            <a:ext cx="565511" cy="874161"/>
-          </a:xfrm>
-          <a:prstGeom prst="straightConnector1">
-            <a:avLst/>
-          </a:prstGeom>
-          <a:ln>
-            <a:headEnd type="triangle"/>
-            <a:tailEnd type="triangle"/>
-          </a:ln>
-        </p:spPr>
-        <p:style>
-          <a:lnRef idx="2">
-            <a:schemeClr val="accent1"/>
-          </a:lnRef>
-          <a:fillRef idx="0">
-            <a:schemeClr val="accent1"/>
-          </a:fillRef>
-          <a:effectRef idx="1">
-            <a:schemeClr val="accent1"/>
-          </a:effectRef>
-          <a:fontRef idx="minor">
-            <a:schemeClr val="tx1"/>
-          </a:fontRef>
-        </p:style>
-      </p:cxnSp>
-      <p:cxnSp>
-        <p:nvCxnSpPr>
-          <p:cNvPr id="78" name="Straight Arrow Connector 77">
-            <a:extLst>
-              <a:ext uri="{FF2B5EF4-FFF2-40B4-BE49-F238E27FC236}">
-                <a16:creationId xmlns:a16="http://schemas.microsoft.com/office/drawing/2014/main" id="{36FACCF4-0023-D627-6001-AB6287CCCB92}"/>
-              </a:ext>
-            </a:extLst>
-          </p:cNvPr>
-          <p:cNvCxnSpPr>
-            <a:cxnSpLocks/>
-            <a:stCxn id="82" idx="2"/>
-            <a:endCxn id="63" idx="0"/>
-          </p:cNvCxnSpPr>
-          <p:nvPr/>
-        </p:nvCxnSpPr>
-        <p:spPr>
-          <a:xfrm>
-            <a:off x="7637549" y="3026594"/>
-            <a:ext cx="565511" cy="853614"/>
-          </a:xfrm>
-          <a:prstGeom prst="straightConnector1">
-            <a:avLst/>
-          </a:prstGeom>
-          <a:ln>
-            <a:headEnd type="triangle"/>
-            <a:tailEnd type="triangle"/>
-          </a:ln>
-        </p:spPr>
-        <p:style>
-          <a:lnRef idx="2">
-            <a:schemeClr val="accent1"/>
-          </a:lnRef>
-          <a:fillRef idx="0">
-            <a:schemeClr val="accent1"/>
-          </a:fillRef>
-          <a:effectRef idx="1">
-            <a:schemeClr val="accent1"/>
-          </a:effectRef>
-          <a:fontRef idx="minor">
-            <a:schemeClr val="tx1"/>
-          </a:fontRef>
-        </p:style>
-      </p:cxnSp>
-      <p:cxnSp>
-        <p:nvCxnSpPr>
-          <p:cNvPr id="79" name="Straight Arrow Connector 78">
-            <a:extLst>
-              <a:ext uri="{FF2B5EF4-FFF2-40B4-BE49-F238E27FC236}">
-                <a16:creationId xmlns:a16="http://schemas.microsoft.com/office/drawing/2014/main" id="{F51181C3-5EF5-A8D3-B85A-7C8EA9CF1A15}"/>
-              </a:ext>
-            </a:extLst>
-          </p:cNvPr>
-          <p:cNvCxnSpPr>
-            <a:cxnSpLocks/>
-            <a:stCxn id="60" idx="2"/>
-            <a:endCxn id="82" idx="0"/>
-          </p:cNvCxnSpPr>
-          <p:nvPr/>
-        </p:nvCxnSpPr>
-        <p:spPr>
-          <a:xfrm flipH="1">
-            <a:off x="7637549" y="1789414"/>
-            <a:ext cx="1696525" cy="874161"/>
-          </a:xfrm>
-          <a:prstGeom prst="straightConnector1">
-            <a:avLst/>
-          </a:prstGeom>
-          <a:ln>
-            <a:headEnd type="triangle"/>
-            <a:tailEnd type="triangle"/>
-          </a:ln>
-        </p:spPr>
-        <p:style>
-          <a:lnRef idx="2">
-            <a:schemeClr val="accent1"/>
-          </a:lnRef>
-          <a:fillRef idx="0">
-            <a:schemeClr val="accent1"/>
-          </a:fillRef>
-          <a:effectRef idx="1">
-            <a:schemeClr val="accent1"/>
-          </a:effectRef>
-          <a:fontRef idx="minor">
-            <a:schemeClr val="tx1"/>
-          </a:fontRef>
-        </p:style>
-      </p:cxnSp>
-      <p:cxnSp>
-        <p:nvCxnSpPr>
-          <p:cNvPr id="80" name="Straight Arrow Connector 79">
-            <a:extLst>
-              <a:ext uri="{FF2B5EF4-FFF2-40B4-BE49-F238E27FC236}">
-                <a16:creationId xmlns:a16="http://schemas.microsoft.com/office/drawing/2014/main" id="{77276A68-5716-AF86-3621-A8554A3B9E6E}"/>
-              </a:ext>
-            </a:extLst>
-          </p:cNvPr>
-          <p:cNvCxnSpPr>
-            <a:cxnSpLocks/>
-            <a:stCxn id="82" idx="2"/>
-            <a:endCxn id="64" idx="0"/>
-          </p:cNvCxnSpPr>
-          <p:nvPr/>
-        </p:nvCxnSpPr>
-        <p:spPr>
-          <a:xfrm>
-            <a:off x="7637549" y="3026594"/>
-            <a:ext cx="1696525" cy="853614"/>
-          </a:xfrm>
-          <a:prstGeom prst="straightConnector1">
-            <a:avLst/>
-          </a:prstGeom>
-          <a:ln>
-            <a:headEnd type="triangle"/>
-            <a:tailEnd type="triangle"/>
-          </a:ln>
-        </p:spPr>
-        <p:style>
-          <a:lnRef idx="2">
-            <a:schemeClr val="accent1"/>
-          </a:lnRef>
-          <a:fillRef idx="0">
-            <a:schemeClr val="accent1"/>
-          </a:fillRef>
-          <a:effectRef idx="1">
-            <a:schemeClr val="accent1"/>
-          </a:effectRef>
-          <a:fontRef idx="minor">
-            <a:schemeClr val="tx1"/>
-          </a:fontRef>
-        </p:style>
-      </p:cxnSp>
-      <p:sp>
-        <p:nvSpPr>
-          <p:cNvPr id="81" name="Rectangle 80">
-            <a:extLst>
-              <a:ext uri="{FF2B5EF4-FFF2-40B4-BE49-F238E27FC236}">
-                <a16:creationId xmlns:a16="http://schemas.microsoft.com/office/drawing/2014/main" id="{64722D67-1E50-92E4-C032-AD93C6F04867}"/>
-              </a:ext>
-            </a:extLst>
-          </p:cNvPr>
-          <p:cNvSpPr/>
-          <p:nvPr/>
-        </p:nvSpPr>
-        <p:spPr>
-          <a:xfrm>
-            <a:off x="6013379" y="4636214"/>
-            <a:ext cx="3393042" cy="441789"/>
-          </a:xfrm>
-          <a:prstGeom prst="rect">
-            <a:avLst/>
-          </a:prstGeom>
-          <a:solidFill>
-            <a:srgbClr val="A02B93">
-              <a:hueOff val="0"/>
-              <a:satOff val="0"/>
-              <a:lumOff val="0"/>
-              <a:alphaOff val="0"/>
-            </a:srgbClr>
-          </a:solidFill>
-          <a:ln w="19050" cap="flat" cmpd="sng" algn="ctr">
-            <a:solidFill>
-              <a:prstClr val="white">
-                <a:hueOff val="0"/>
-                <a:satOff val="0"/>
-                <a:lumOff val="0"/>
-                <a:alphaOff val="0"/>
-              </a:prstClr>
-            </a:solidFill>
-            <a:prstDash val="solid"/>
-            <a:miter lim="800000"/>
-          </a:ln>
-          <a:effectLst/>
-        </p:spPr>
-        <p:txBody>
-          <a:bodyPr spcFirstLastPara="0" vert="horz" wrap="square" lIns="68580" tIns="68580" rIns="68580" bIns="68580" numCol="1" spcCol="1270" anchor="ctr" anchorCtr="0">
-            <a:noAutofit/>
-          </a:bodyPr>
-          <a:lstStyle/>
-          <a:p>
-            <a:pPr algn="ctr"/>
-            <a:r>
-              <a:rPr lang="en-GB" sz="1100" dirty="0">
-                <a:solidFill>
-                  <a:schemeClr val="bg1"/>
-                </a:solidFill>
-              </a:rPr>
-              <a:t>Registry Imposes RBAC, Governance, Authorization, Policy</a:t>
-            </a:r>
-          </a:p>
-        </p:txBody>
-      </p:sp>
-      <p:sp>
-        <p:nvSpPr>
-          <p:cNvPr id="82" name="Rectangle 81">
-            <a:extLst>
-              <a:ext uri="{FF2B5EF4-FFF2-40B4-BE49-F238E27FC236}">
-                <a16:creationId xmlns:a16="http://schemas.microsoft.com/office/drawing/2014/main" id="{6882CE70-F746-3077-94A0-9BC91AA05DD2}"/>
-              </a:ext>
-            </a:extLst>
-          </p:cNvPr>
-          <p:cNvSpPr/>
-          <p:nvPr/>
-        </p:nvSpPr>
-        <p:spPr>
-          <a:xfrm>
-            <a:off x="5941030" y="2663575"/>
-            <a:ext cx="3393037" cy="363019"/>
-          </a:xfrm>
-          <a:prstGeom prst="rect">
-            <a:avLst/>
-          </a:prstGeom>
-          <a:solidFill>
-            <a:srgbClr val="4EA72E">
-              <a:hueOff val="0"/>
-              <a:satOff val="0"/>
-              <a:lumOff val="0"/>
-              <a:alphaOff val="0"/>
-            </a:srgbClr>
-          </a:solidFill>
-          <a:ln w="19050" cap="flat" cmpd="sng" algn="ctr">
-            <a:solidFill>
-              <a:prstClr val="white">
-                <a:hueOff val="0"/>
-                <a:satOff val="0"/>
-                <a:lumOff val="0"/>
-                <a:alphaOff val="0"/>
-              </a:prstClr>
-            </a:solidFill>
-            <a:prstDash val="solid"/>
-            <a:miter lim="800000"/>
-          </a:ln>
-          <a:effectLst/>
-        </p:spPr>
-        <p:txBody>
-          <a:bodyPr spcFirstLastPara="0" vert="horz" wrap="square" lIns="68580" tIns="68580" rIns="68580" bIns="68580" numCol="1" spcCol="1270" anchor="ctr" anchorCtr="0">
-            <a:noAutofit/>
-          </a:bodyPr>
-          <a:lstStyle/>
-          <a:p>
-            <a:pPr algn="ctr"/>
-            <a:r>
               <a:rPr lang="en-GB" sz="1200" dirty="0">
                 <a:solidFill>
                   <a:schemeClr val="bg1"/>
@@ -20600,6 +17863,64 @@
     <p:extLst>
       <p:ext uri="{BB962C8B-B14F-4D97-AF65-F5344CB8AC3E}">
         <p14:creationId xmlns:p14="http://schemas.microsoft.com/office/powerpoint/2010/main" val="4256289953"/>
+      </p:ext>
+    </p:extLst>
+  </p:cSld>
+  <p:clrMapOvr>
+    <a:masterClrMapping/>
+  </p:clrMapOvr>
+</p:sld>
+</file>
+
+<file path=ppt/slides/slide12.xml><?xml version="1.0" encoding="utf-8"?>
+<p:sld xmlns:a="http://schemas.openxmlformats.org/drawingml/2006/main" xmlns:r="http://schemas.openxmlformats.org/officeDocument/2006/relationships" xmlns:p="http://schemas.openxmlformats.org/presentationml/2006/main">
+  <p:cSld>
+    <p:spTree>
+      <p:nvGrpSpPr>
+        <p:cNvPr id="1" name=""/>
+        <p:cNvGrpSpPr/>
+        <p:nvPr/>
+      </p:nvGrpSpPr>
+      <p:grpSpPr>
+        <a:xfrm>
+          <a:off x="0" y="0"/>
+          <a:ext cx="0" cy="0"/>
+          <a:chOff x="0" y="0"/>
+          <a:chExt cx="0" cy="0"/>
+        </a:xfrm>
+      </p:grpSpPr>
+      <p:graphicFrame>
+        <p:nvGraphicFramePr>
+          <p:cNvPr id="4" name="Diagram 3">
+            <a:extLst>
+              <a:ext uri="{FF2B5EF4-FFF2-40B4-BE49-F238E27FC236}">
+                <a16:creationId xmlns:a16="http://schemas.microsoft.com/office/drawing/2014/main" id="{AB9E3DA6-3FC2-A329-BD21-05967AF956C8}"/>
+              </a:ext>
+            </a:extLst>
+          </p:cNvPr>
+          <p:cNvGraphicFramePr/>
+          <p:nvPr>
+            <p:extLst>
+              <p:ext uri="{D42A27DB-BD31-4B8C-83A1-F6EECF244321}">
+                <p14:modId xmlns:p14="http://schemas.microsoft.com/office/powerpoint/2010/main" val="3250947262"/>
+              </p:ext>
+            </p:extLst>
+          </p:nvPr>
+        </p:nvGraphicFramePr>
+        <p:xfrm>
+          <a:off x="2182472" y="729204"/>
+          <a:ext cx="7401367" cy="5648448"/>
+        </p:xfrm>
+        <a:graphic>
+          <a:graphicData uri="http://schemas.openxmlformats.org/drawingml/2006/diagram">
+            <dgm:relIds xmlns:dgm="http://schemas.openxmlformats.org/drawingml/2006/diagram" xmlns:r="http://schemas.openxmlformats.org/officeDocument/2006/relationships" r:dm="rId2" r:lo="rId3" r:qs="rId4" r:cs="rId5"/>
+          </a:graphicData>
+        </a:graphic>
+      </p:graphicFrame>
+    </p:spTree>
+    <p:extLst>
+      <p:ext uri="{BB962C8B-B14F-4D97-AF65-F5344CB8AC3E}">
+        <p14:creationId xmlns:p14="http://schemas.microsoft.com/office/powerpoint/2010/main" val="2000405133"/>
       </p:ext>
     </p:extLst>
   </p:cSld>
